--- a/Module_2_Template_slide.pptx
+++ b/Module_2_Template_slide.pptx
@@ -2,22 +2,24 @@
 <file path=ppt/presentation.xml><?xml version="1.0" encoding="utf-8"?>
 <p:presentation xmlns:a="http://schemas.openxmlformats.org/drawingml/2006/main" xmlns:r="http://schemas.openxmlformats.org/officeDocument/2006/relationships" xmlns:p="http://schemas.openxmlformats.org/presentationml/2006/main">
   <p:sldMasterIdLst>
-    <p:sldMasterId id="2147483648" r:id="rId5"/>
+    <p:sldMasterId id="2147483648" r:id="rId1"/>
   </p:sldMasterIdLst>
   <p:notesMasterIdLst>
-    <p:notesMasterId r:id="rId7"/>
+    <p:notesMasterId r:id="rId12"/>
   </p:notesMasterIdLst>
   <p:sldIdLst>
-    <p:sldId id="256" r:id="rId8"/>
-    <p:sldId id="257" r:id="rId9"/>
-    <p:sldId id="258" r:id="rId10"/>
-    <p:sldId id="259" r:id="rId11"/>
-    <p:sldId id="260" r:id="rId12"/>
-    <p:sldId id="261" r:id="rId13"/>
-    <p:sldId id="262" r:id="rId14"/>
-    <p:sldId id="263" r:id="rId15"/>
+    <p:sldId id="256" r:id="rId2"/>
+    <p:sldId id="257" r:id="rId3"/>
+    <p:sldId id="258" r:id="rId4"/>
+    <p:sldId id="259" r:id="rId5"/>
+    <p:sldId id="264" r:id="rId6"/>
+    <p:sldId id="265" r:id="rId7"/>
+    <p:sldId id="260" r:id="rId8"/>
+    <p:sldId id="261" r:id="rId9"/>
+    <p:sldId id="262" r:id="rId10"/>
+    <p:sldId id="263" r:id="rId11"/>
   </p:sldIdLst>
-  <p:sldSz cx="9144000" cy="5143500"/>
+  <p:sldSz cx="9144000" cy="5143500" type="screen16x9"/>
   <p:notesSz cx="6858000" cy="9144000"/>
   <p:defaultTextStyle>
     <a:defPPr marL="0" marR="0" indent="0" algn="l" defTabSz="914400" rtl="0" fontAlgn="auto" latinLnBrk="1" hangingPunct="0">
@@ -35,7 +37,7 @@
       <a:buFontTx/>
       <a:buNone/>
       <a:tabLst/>
-      <a:defRPr b="0" baseline="0" cap="none" i="0" spc="0" strike="noStrike" sz="1800" u="none" kumimoji="0" normalizeH="0">
+      <a:defRPr kumimoji="0" sz="1800" b="0" i="0" u="none" strike="noStrike" cap="none" spc="0" normalizeH="0" baseline="0">
         <a:ln>
           <a:noFill/>
         </a:ln>
@@ -61,7 +63,7 @@
       <a:buFontTx/>
       <a:buNone/>
       <a:tabLst/>
-      <a:defRPr b="0" baseline="0" cap="none" i="0" spc="0" strike="noStrike" sz="1400" u="none" kumimoji="0" normalizeH="0">
+      <a:defRPr kumimoji="0" sz="1400" b="0" i="0" u="none" strike="noStrike" cap="none" spc="0" normalizeH="0" baseline="0">
         <a:ln>
           <a:noFill/>
         </a:ln>
@@ -91,7 +93,7 @@
       <a:buFontTx/>
       <a:buNone/>
       <a:tabLst/>
-      <a:defRPr b="0" baseline="0" cap="none" i="0" spc="0" strike="noStrike" sz="1400" u="none" kumimoji="0" normalizeH="0">
+      <a:defRPr kumimoji="0" sz="1400" b="0" i="0" u="none" strike="noStrike" cap="none" spc="0" normalizeH="0" baseline="0">
         <a:ln>
           <a:noFill/>
         </a:ln>
@@ -121,7 +123,7 @@
       <a:buFontTx/>
       <a:buNone/>
       <a:tabLst/>
-      <a:defRPr b="0" baseline="0" cap="none" i="0" spc="0" strike="noStrike" sz="1400" u="none" kumimoji="0" normalizeH="0">
+      <a:defRPr kumimoji="0" sz="1400" b="0" i="0" u="none" strike="noStrike" cap="none" spc="0" normalizeH="0" baseline="0">
         <a:ln>
           <a:noFill/>
         </a:ln>
@@ -151,7 +153,7 @@
       <a:buFontTx/>
       <a:buNone/>
       <a:tabLst/>
-      <a:defRPr b="0" baseline="0" cap="none" i="0" spc="0" strike="noStrike" sz="1400" u="none" kumimoji="0" normalizeH="0">
+      <a:defRPr kumimoji="0" sz="1400" b="0" i="0" u="none" strike="noStrike" cap="none" spc="0" normalizeH="0" baseline="0">
         <a:ln>
           <a:noFill/>
         </a:ln>
@@ -181,7 +183,7 @@
       <a:buFontTx/>
       <a:buNone/>
       <a:tabLst/>
-      <a:defRPr b="0" baseline="0" cap="none" i="0" spc="0" strike="noStrike" sz="1400" u="none" kumimoji="0" normalizeH="0">
+      <a:defRPr kumimoji="0" sz="1400" b="0" i="0" u="none" strike="noStrike" cap="none" spc="0" normalizeH="0" baseline="0">
         <a:ln>
           <a:noFill/>
         </a:ln>
@@ -211,7 +213,7 @@
       <a:buFontTx/>
       <a:buNone/>
       <a:tabLst/>
-      <a:defRPr b="0" baseline="0" cap="none" i="0" spc="0" strike="noStrike" sz="1400" u="none" kumimoji="0" normalizeH="0">
+      <a:defRPr kumimoji="0" sz="1400" b="0" i="0" u="none" strike="noStrike" cap="none" spc="0" normalizeH="0" baseline="0">
         <a:ln>
           <a:noFill/>
         </a:ln>
@@ -241,7 +243,7 @@
       <a:buFontTx/>
       <a:buNone/>
       <a:tabLst/>
-      <a:defRPr b="0" baseline="0" cap="none" i="0" spc="0" strike="noStrike" sz="1400" u="none" kumimoji="0" normalizeH="0">
+      <a:defRPr kumimoji="0" sz="1400" b="0" i="0" u="none" strike="noStrike" cap="none" spc="0" normalizeH="0" baseline="0">
         <a:ln>
           <a:noFill/>
         </a:ln>
@@ -271,7 +273,7 @@
       <a:buFontTx/>
       <a:buNone/>
       <a:tabLst/>
-      <a:defRPr b="0" baseline="0" cap="none" i="0" spc="0" strike="noStrike" sz="1400" u="none" kumimoji="0" normalizeH="0">
+      <a:defRPr kumimoji="0" sz="1400" b="0" i="0" u="none" strike="noStrike" cap="none" spc="0" normalizeH="0" baseline="0">
         <a:ln>
           <a:noFill/>
         </a:ln>
@@ -301,7 +303,7 @@
       <a:buFontTx/>
       <a:buNone/>
       <a:tabLst/>
-      <a:defRPr b="0" baseline="0" cap="none" i="0" spc="0" strike="noStrike" sz="1400" u="none" kumimoji="0" normalizeH="0">
+      <a:defRPr kumimoji="0" sz="1400" b="0" i="0" u="none" strike="noStrike" cap="none" spc="0" normalizeH="0" baseline="0">
         <a:ln>
           <a:noFill/>
         </a:ln>
@@ -320,13 +322,286 @@
 </p:presentation>
 </file>
 
-<file path=ppt/commentAuthors.xml><?xml version="1.0" encoding="utf-8"?>
-<p:cmAuthorLst xmlns:a="http://schemas.openxmlformats.org/drawingml/2006/main" xmlns:r="http://schemas.openxmlformats.org/officeDocument/2006/relationships" xmlns:p="http://schemas.openxmlformats.org/presentationml/2006/main"/>
+<file path=ppt/revisionInfo.xml><?xml version="1.0" encoding="utf-8"?>
+<p1510:revInfo xmlns:a="http://schemas.openxmlformats.org/drawingml/2006/main" xmlns:r="http://schemas.openxmlformats.org/officeDocument/2006/relationships" xmlns:p1510="http://schemas.microsoft.com/office/powerpoint/2015/10/main">
+  <p1510:revLst>
+    <p1510:client id="{ECBB17EB-9AE2-40BB-88E9-186AA517E41B}" v="1887" dt="2022-10-11T10:09:06.280"/>
+  </p1510:revLst>
+</p1510:revInfo>
+</file>
+
+<file path=ppt/changesInfos/changesInfo1.xml><?xml version="1.0" encoding="utf-8"?>
+<pc:chgInfo xmlns:a="http://schemas.openxmlformats.org/drawingml/2006/main" xmlns:r="http://schemas.openxmlformats.org/officeDocument/2006/relationships" xmlns:ac="http://schemas.microsoft.com/office/drawing/2013/main/command" xmlns:pc="http://schemas.microsoft.com/office/powerpoint/2013/main/command">
+  <pc:docChgLst>
+    <pc:chgData name="Asraful Islam" userId="a32860350e1d8602" providerId="Windows Live" clId="Web-{ECBB17EB-9AE2-40BB-88E9-186AA517E41B}"/>
+    <pc:docChg chg="addSld delSld modSld">
+      <pc:chgData name="Asraful Islam" userId="a32860350e1d8602" providerId="Windows Live" clId="Web-{ECBB17EB-9AE2-40BB-88E9-186AA517E41B}" dt="2022-10-11T10:09:06.280" v="1120" actId="20577"/>
+      <pc:docMkLst>
+        <pc:docMk/>
+      </pc:docMkLst>
+      <pc:sldChg chg="delSp modSp">
+        <pc:chgData name="Asraful Islam" userId="a32860350e1d8602" providerId="Windows Live" clId="Web-{ECBB17EB-9AE2-40BB-88E9-186AA517E41B}" dt="2022-10-11T06:55:09.162" v="68" actId="14100"/>
+        <pc:sldMkLst>
+          <pc:docMk/>
+          <pc:sldMk cId="0" sldId="256"/>
+        </pc:sldMkLst>
+        <pc:spChg chg="mod">
+          <ac:chgData name="Asraful Islam" userId="a32860350e1d8602" providerId="Windows Live" clId="Web-{ECBB17EB-9AE2-40BB-88E9-186AA517E41B}" dt="2022-10-11T06:55:09.162" v="68" actId="14100"/>
+          <ac:spMkLst>
+            <pc:docMk/>
+            <pc:sldMk cId="0" sldId="256"/>
+            <ac:spMk id="110" creationId="{00000000-0000-0000-0000-000000000000}"/>
+          </ac:spMkLst>
+        </pc:spChg>
+        <pc:spChg chg="mod">
+          <ac:chgData name="Asraful Islam" userId="a32860350e1d8602" providerId="Windows Live" clId="Web-{ECBB17EB-9AE2-40BB-88E9-186AA517E41B}" dt="2022-10-11T06:54:45.786" v="64" actId="20577"/>
+          <ac:spMkLst>
+            <pc:docMk/>
+            <pc:sldMk cId="0" sldId="256"/>
+            <ac:spMk id="111" creationId="{00000000-0000-0000-0000-000000000000}"/>
+          </ac:spMkLst>
+        </pc:spChg>
+        <pc:spChg chg="mod">
+          <ac:chgData name="Asraful Islam" userId="a32860350e1d8602" providerId="Windows Live" clId="Web-{ECBB17EB-9AE2-40BB-88E9-186AA517E41B}" dt="2022-10-11T06:54:58.724" v="67" actId="1076"/>
+          <ac:spMkLst>
+            <pc:docMk/>
+            <pc:sldMk cId="0" sldId="256"/>
+            <ac:spMk id="113" creationId="{00000000-0000-0000-0000-000000000000}"/>
+          </ac:spMkLst>
+        </pc:spChg>
+        <pc:picChg chg="del">
+          <ac:chgData name="Asraful Islam" userId="a32860350e1d8602" providerId="Windows Live" clId="Web-{ECBB17EB-9AE2-40BB-88E9-186AA517E41B}" dt="2022-10-11T06:53:28.504" v="0"/>
+          <ac:picMkLst>
+            <pc:docMk/>
+            <pc:sldMk cId="0" sldId="256"/>
+            <ac:picMk id="112" creationId="{00000000-0000-0000-0000-000000000000}"/>
+          </ac:picMkLst>
+        </pc:picChg>
+      </pc:sldChg>
+      <pc:sldChg chg="addSp delSp modSp mod modClrScheme chgLayout">
+        <pc:chgData name="Asraful Islam" userId="a32860350e1d8602" providerId="Windows Live" clId="Web-{ECBB17EB-9AE2-40BB-88E9-186AA517E41B}" dt="2022-10-11T07:13:47.433" v="445" actId="20577"/>
+        <pc:sldMkLst>
+          <pc:docMk/>
+          <pc:sldMk cId="0" sldId="258"/>
+        </pc:sldMkLst>
+        <pc:spChg chg="add del mod">
+          <ac:chgData name="Asraful Islam" userId="a32860350e1d8602" providerId="Windows Live" clId="Web-{ECBB17EB-9AE2-40BB-88E9-186AA517E41B}" dt="2022-10-11T07:00:56.715" v="175"/>
+          <ac:spMkLst>
+            <pc:docMk/>
+            <pc:sldMk cId="0" sldId="258"/>
+            <ac:spMk id="2" creationId="{6D0DAF6A-205C-A2AD-6893-E41758883C93}"/>
+          </ac:spMkLst>
+        </pc:spChg>
+        <pc:spChg chg="add mod ord">
+          <ac:chgData name="Asraful Islam" userId="a32860350e1d8602" providerId="Windows Live" clId="Web-{ECBB17EB-9AE2-40BB-88E9-186AA517E41B}" dt="2022-10-11T07:11:59.884" v="424" actId="1076"/>
+          <ac:spMkLst>
+            <pc:docMk/>
+            <pc:sldMk cId="0" sldId="258"/>
+            <ac:spMk id="3" creationId="{F181B13A-C04B-7D19-1CA5-F1F6694A09FD}"/>
+          </ac:spMkLst>
+        </pc:spChg>
+        <pc:spChg chg="add mod ord">
+          <ac:chgData name="Asraful Islam" userId="a32860350e1d8602" providerId="Windows Live" clId="Web-{ECBB17EB-9AE2-40BB-88E9-186AA517E41B}" dt="2022-10-11T07:13:28.511" v="438" actId="20577"/>
+          <ac:spMkLst>
+            <pc:docMk/>
+            <pc:sldMk cId="0" sldId="258"/>
+            <ac:spMk id="4" creationId="{EB0A72B2-8B45-F5D6-180B-5B5D0EF03EFB}"/>
+          </ac:spMkLst>
+        </pc:spChg>
+        <pc:spChg chg="add mod ord">
+          <ac:chgData name="Asraful Islam" userId="a32860350e1d8602" providerId="Windows Live" clId="Web-{ECBB17EB-9AE2-40BB-88E9-186AA517E41B}" dt="2022-10-11T07:13:47.433" v="445" actId="20577"/>
+          <ac:spMkLst>
+            <pc:docMk/>
+            <pc:sldMk cId="0" sldId="258"/>
+            <ac:spMk id="5" creationId="{8C4522DC-1A1B-4DF4-0235-61E2646B8B75}"/>
+          </ac:spMkLst>
+        </pc:spChg>
+        <pc:spChg chg="add del mod">
+          <ac:chgData name="Asraful Islam" userId="a32860350e1d8602" providerId="Windows Live" clId="Web-{ECBB17EB-9AE2-40BB-88E9-186AA517E41B}" dt="2022-10-11T07:05:53.018" v="290"/>
+          <ac:spMkLst>
+            <pc:docMk/>
+            <pc:sldMk cId="0" sldId="258"/>
+            <ac:spMk id="6" creationId="{AEB44B9C-DB35-7329-CF22-80A44A62000C}"/>
+          </ac:spMkLst>
+        </pc:spChg>
+        <pc:spChg chg="add mod">
+          <ac:chgData name="Asraful Islam" userId="a32860350e1d8602" providerId="Windows Live" clId="Web-{ECBB17EB-9AE2-40BB-88E9-186AA517E41B}" dt="2022-10-11T07:12:44.120" v="430" actId="1076"/>
+          <ac:spMkLst>
+            <pc:docMk/>
+            <pc:sldMk cId="0" sldId="258"/>
+            <ac:spMk id="8" creationId="{8B189802-6144-D33F-9719-2ABBC699A94F}"/>
+          </ac:spMkLst>
+        </pc:spChg>
+        <pc:spChg chg="mod">
+          <ac:chgData name="Asraful Islam" userId="a32860350e1d8602" providerId="Windows Live" clId="Web-{ECBB17EB-9AE2-40BB-88E9-186AA517E41B}" dt="2022-10-11T06:57:16.336" v="79" actId="1076"/>
+          <ac:spMkLst>
+            <pc:docMk/>
+            <pc:sldMk cId="0" sldId="258"/>
+            <ac:spMk id="122" creationId="{00000000-0000-0000-0000-000000000000}"/>
+          </ac:spMkLst>
+        </pc:spChg>
+        <pc:spChg chg="del">
+          <ac:chgData name="Asraful Islam" userId="a32860350e1d8602" providerId="Windows Live" clId="Web-{ECBB17EB-9AE2-40BB-88E9-186AA517E41B}" dt="2022-10-11T06:55:40.303" v="73"/>
+          <ac:spMkLst>
+            <pc:docMk/>
+            <pc:sldMk cId="0" sldId="258"/>
+            <ac:spMk id="123" creationId="{00000000-0000-0000-0000-000000000000}"/>
+          </ac:spMkLst>
+        </pc:spChg>
+        <pc:spChg chg="del mod">
+          <ac:chgData name="Asraful Islam" userId="a32860350e1d8602" providerId="Windows Live" clId="Web-{ECBB17EB-9AE2-40BB-88E9-186AA517E41B}" dt="2022-10-11T06:55:38.444" v="72"/>
+          <ac:spMkLst>
+            <pc:docMk/>
+            <pc:sldMk cId="0" sldId="258"/>
+            <ac:spMk id="124" creationId="{00000000-0000-0000-0000-000000000000}"/>
+          </ac:spMkLst>
+        </pc:spChg>
+        <pc:spChg chg="del topLvl">
+          <ac:chgData name="Asraful Islam" userId="a32860350e1d8602" providerId="Windows Live" clId="Web-{ECBB17EB-9AE2-40BB-88E9-186AA517E41B}" dt="2022-10-11T06:55:33.084" v="70"/>
+          <ac:spMkLst>
+            <pc:docMk/>
+            <pc:sldMk cId="0" sldId="258"/>
+            <ac:spMk id="125" creationId="{00000000-0000-0000-0000-000000000000}"/>
+          </ac:spMkLst>
+        </pc:spChg>
+        <pc:spChg chg="del topLvl">
+          <ac:chgData name="Asraful Islam" userId="a32860350e1d8602" providerId="Windows Live" clId="Web-{ECBB17EB-9AE2-40BB-88E9-186AA517E41B}" dt="2022-10-11T06:55:25.443" v="69"/>
+          <ac:spMkLst>
+            <pc:docMk/>
+            <pc:sldMk cId="0" sldId="258"/>
+            <ac:spMk id="126" creationId="{00000000-0000-0000-0000-000000000000}"/>
+          </ac:spMkLst>
+        </pc:spChg>
+        <pc:grpChg chg="del">
+          <ac:chgData name="Asraful Islam" userId="a32860350e1d8602" providerId="Windows Live" clId="Web-{ECBB17EB-9AE2-40BB-88E9-186AA517E41B}" dt="2022-10-11T06:55:25.443" v="69"/>
+          <ac:grpSpMkLst>
+            <pc:docMk/>
+            <pc:sldMk cId="0" sldId="258"/>
+            <ac:grpSpMk id="127" creationId="{00000000-0000-0000-0000-000000000000}"/>
+          </ac:grpSpMkLst>
+        </pc:grpChg>
+      </pc:sldChg>
+      <pc:sldChg chg="delSp modSp">
+        <pc:chgData name="Asraful Islam" userId="a32860350e1d8602" providerId="Windows Live" clId="Web-{ECBB17EB-9AE2-40BB-88E9-186AA517E41B}" dt="2022-10-11T09:45:51.354" v="893" actId="20577"/>
+        <pc:sldMkLst>
+          <pc:docMk/>
+          <pc:sldMk cId="0" sldId="259"/>
+        </pc:sldMkLst>
+        <pc:spChg chg="mod">
+          <ac:chgData name="Asraful Islam" userId="a32860350e1d8602" providerId="Windows Live" clId="Web-{ECBB17EB-9AE2-40BB-88E9-186AA517E41B}" dt="2022-10-11T09:45:51.354" v="893" actId="20577"/>
+          <ac:spMkLst>
+            <pc:docMk/>
+            <pc:sldMk cId="0" sldId="259"/>
+            <ac:spMk id="132" creationId="{00000000-0000-0000-0000-000000000000}"/>
+          </ac:spMkLst>
+        </pc:spChg>
+        <pc:spChg chg="del">
+          <ac:chgData name="Asraful Islam" userId="a32860350e1d8602" providerId="Windows Live" clId="Web-{ECBB17EB-9AE2-40BB-88E9-186AA517E41B}" dt="2022-10-11T07:14:46.794" v="446"/>
+          <ac:spMkLst>
+            <pc:docMk/>
+            <pc:sldMk cId="0" sldId="259"/>
+            <ac:spMk id="133" creationId="{00000000-0000-0000-0000-000000000000}"/>
+          </ac:spMkLst>
+        </pc:spChg>
+        <pc:grpChg chg="del">
+          <ac:chgData name="Asraful Islam" userId="a32860350e1d8602" providerId="Windows Live" clId="Web-{ECBB17EB-9AE2-40BB-88E9-186AA517E41B}" dt="2022-10-11T07:14:48.966" v="447"/>
+          <ac:grpSpMkLst>
+            <pc:docMk/>
+            <pc:sldMk cId="0" sldId="259"/>
+            <ac:grpSpMk id="136" creationId="{00000000-0000-0000-0000-000000000000}"/>
+          </ac:grpSpMkLst>
+        </pc:grpChg>
+      </pc:sldChg>
+      <pc:sldChg chg="addSp delSp new del">
+        <pc:chgData name="Asraful Islam" userId="a32860350e1d8602" providerId="Windows Live" clId="Web-{ECBB17EB-9AE2-40BB-88E9-186AA517E41B}" dt="2022-10-11T06:56:16.444" v="77"/>
+        <pc:sldMkLst>
+          <pc:docMk/>
+          <pc:sldMk cId="2187024081" sldId="264"/>
+        </pc:sldMkLst>
+        <pc:spChg chg="add del">
+          <ac:chgData name="Asraful Islam" userId="a32860350e1d8602" providerId="Windows Live" clId="Web-{ECBB17EB-9AE2-40BB-88E9-186AA517E41B}" dt="2022-10-11T06:56:14.913" v="76"/>
+          <ac:spMkLst>
+            <pc:docMk/>
+            <pc:sldMk cId="2187024081" sldId="264"/>
+            <ac:spMk id="6" creationId="{40F23BBE-35EE-A7D1-3B9F-43EE83D3E711}"/>
+          </ac:spMkLst>
+        </pc:spChg>
+      </pc:sldChg>
+      <pc:sldChg chg="addSp modSp add replId">
+        <pc:chgData name="Asraful Islam" userId="a32860350e1d8602" providerId="Windows Live" clId="Web-{ECBB17EB-9AE2-40BB-88E9-186AA517E41B}" dt="2022-10-11T10:06:06.227" v="1100" actId="20577"/>
+        <pc:sldMkLst>
+          <pc:docMk/>
+          <pc:sldMk cId="2234233248" sldId="264"/>
+        </pc:sldMkLst>
+        <pc:spChg chg="mod">
+          <ac:chgData name="Asraful Islam" userId="a32860350e1d8602" providerId="Windows Live" clId="Web-{ECBB17EB-9AE2-40BB-88E9-186AA517E41B}" dt="2022-10-11T10:06:06.227" v="1100" actId="20577"/>
+          <ac:spMkLst>
+            <pc:docMk/>
+            <pc:sldMk cId="2234233248" sldId="264"/>
+            <ac:spMk id="132" creationId="{00000000-0000-0000-0000-000000000000}"/>
+          </ac:spMkLst>
+        </pc:spChg>
+        <pc:picChg chg="add mod">
+          <ac:chgData name="Asraful Islam" userId="a32860350e1d8602" providerId="Windows Live" clId="Web-{ECBB17EB-9AE2-40BB-88E9-186AA517E41B}" dt="2022-10-11T10:01:25.170" v="1010" actId="1076"/>
+          <ac:picMkLst>
+            <pc:docMk/>
+            <pc:sldMk cId="2234233248" sldId="264"/>
+            <ac:picMk id="2" creationId="{4760DBF9-B176-243D-DCE3-F6832F817D27}"/>
+          </ac:picMkLst>
+        </pc:picChg>
+      </pc:sldChg>
+      <pc:sldChg chg="addSp delSp modSp add replId">
+        <pc:chgData name="Asraful Islam" userId="a32860350e1d8602" providerId="Windows Live" clId="Web-{ECBB17EB-9AE2-40BB-88E9-186AA517E41B}" dt="2022-10-11T10:09:06.280" v="1120" actId="20577"/>
+        <pc:sldMkLst>
+          <pc:docMk/>
+          <pc:sldMk cId="272812540" sldId="265"/>
+        </pc:sldMkLst>
+        <pc:spChg chg="add mod">
+          <ac:chgData name="Asraful Islam" userId="a32860350e1d8602" providerId="Windows Live" clId="Web-{ECBB17EB-9AE2-40BB-88E9-186AA517E41B}" dt="2022-10-11T10:09:06.280" v="1120" actId="20577"/>
+          <ac:spMkLst>
+            <pc:docMk/>
+            <pc:sldMk cId="272812540" sldId="265"/>
+            <ac:spMk id="4" creationId="{878D305B-A53D-0578-2485-FC47B809053D}"/>
+          </ac:spMkLst>
+        </pc:spChg>
+        <pc:spChg chg="mod">
+          <ac:chgData name="Asraful Islam" userId="a32860350e1d8602" providerId="Windows Live" clId="Web-{ECBB17EB-9AE2-40BB-88E9-186AA517E41B}" dt="2022-10-11T10:05:58.086" v="1099" actId="20577"/>
+          <ac:spMkLst>
+            <pc:docMk/>
+            <pc:sldMk cId="272812540" sldId="265"/>
+            <ac:spMk id="132" creationId="{00000000-0000-0000-0000-000000000000}"/>
+          </ac:spMkLst>
+        </pc:spChg>
+        <pc:picChg chg="del">
+          <ac:chgData name="Asraful Islam" userId="a32860350e1d8602" providerId="Windows Live" clId="Web-{ECBB17EB-9AE2-40BB-88E9-186AA517E41B}" dt="2022-10-11T09:52:42.557" v="978"/>
+          <ac:picMkLst>
+            <pc:docMk/>
+            <pc:sldMk cId="272812540" sldId="265"/>
+            <ac:picMk id="2" creationId="{4760DBF9-B176-243D-DCE3-F6832F817D27}"/>
+          </ac:picMkLst>
+        </pc:picChg>
+        <pc:picChg chg="add mod">
+          <ac:chgData name="Asraful Islam" userId="a32860350e1d8602" providerId="Windows Live" clId="Web-{ECBB17EB-9AE2-40BB-88E9-186AA517E41B}" dt="2022-10-11T10:01:47.780" v="1012" actId="1076"/>
+          <ac:picMkLst>
+            <pc:docMk/>
+            <pc:sldMk cId="272812540" sldId="265"/>
+            <ac:picMk id="3" creationId="{2F17B785-4BDB-4E3E-E588-087EE2768DFD}"/>
+          </ac:picMkLst>
+        </pc:picChg>
+      </pc:sldChg>
+    </pc:docChg>
+  </pc:docChgLst>
+</pc:chgInfo>
 </file>
 
 <file path=ppt/notesMasters/notesMaster1.xml><?xml version="1.0" encoding="utf-8"?>
 <p:notesMaster xmlns:a="http://schemas.openxmlformats.org/drawingml/2006/main" xmlns:r="http://schemas.openxmlformats.org/officeDocument/2006/relationships" xmlns:p="http://schemas.openxmlformats.org/presentationml/2006/main">
   <p:cSld>
+    <p:bg>
+      <p:bgRef idx="1001">
+        <a:schemeClr val="bg1"/>
+      </p:bgRef>
+    </p:bg>
     <p:spTree>
       <p:nvGrpSpPr>
         <p:cNvPr id="1" name=""/>
@@ -344,7 +619,9 @@
       <p:sp>
         <p:nvSpPr>
           <p:cNvPr id="106" name="Shape 106"/>
-          <p:cNvSpPr/>
+          <p:cNvSpPr>
+            <a:spLocks noGrp="1" noRot="1" noChangeAspect="1"/>
+          </p:cNvSpPr>
           <p:nvPr>
             <p:ph type="sldImg"/>
           </p:nvPr>
@@ -362,14 +639,16 @@
           <a:bodyPr/>
           <a:lstStyle/>
           <a:p>
-            <a:pPr/>
+            <a:endParaRPr/>
           </a:p>
         </p:txBody>
       </p:sp>
       <p:sp>
         <p:nvSpPr>
           <p:cNvPr id="107" name="Shape 107"/>
-          <p:cNvSpPr/>
+          <p:cNvSpPr>
+            <a:spLocks noGrp="1"/>
+          </p:cNvSpPr>
           <p:nvPr>
             <p:ph type="body" sz="quarter" idx="1"/>
           </p:nvPr>
@@ -387,7 +666,7 @@
           <a:bodyPr/>
           <a:lstStyle/>
           <a:p>
-            <a:pPr/>
+            <a:endParaRPr/>
           </a:p>
         </p:txBody>
       </p:sp>
@@ -472,7 +751,7 @@
 </file>
 
 <file path=ppt/slideLayouts/slideLayout1.xml><?xml version="1.0" encoding="utf-8"?>
-<p:sldLayout xmlns:a="http://schemas.openxmlformats.org/drawingml/2006/main" xmlns:r="http://schemas.openxmlformats.org/officeDocument/2006/relationships" xmlns:p="http://schemas.openxmlformats.org/presentationml/2006/main" type="title" showMasterSp="1" showMasterPhAnim="1">
+<p:sldLayout xmlns:a="http://schemas.openxmlformats.org/drawingml/2006/main" xmlns:r="http://schemas.openxmlformats.org/officeDocument/2006/relationships" xmlns:p="http://schemas.openxmlformats.org/presentationml/2006/main" type="title">
   <p:cSld name="TITLE">
     <p:spTree>
       <p:nvGrpSpPr>
@@ -491,7 +770,9 @@
       <p:sp>
         <p:nvSpPr>
           <p:cNvPr id="11" name="Title Text"/>
-          <p:cNvSpPr/>
+          <p:cNvSpPr>
+            <a:spLocks noGrp="1"/>
+          </p:cNvSpPr>
           <p:nvPr>
             <p:ph type="title"/>
           </p:nvPr>
@@ -513,7 +794,6 @@
             </a:lvl1pPr>
           </a:lstStyle>
           <a:p>
-            <a:pPr/>
             <a:r>
               <a:t>Title Text</a:t>
             </a:r>
@@ -523,7 +803,9 @@
       <p:sp>
         <p:nvSpPr>
           <p:cNvPr id="12" name="Body Level One…"/>
-          <p:cNvSpPr/>
+          <p:cNvSpPr>
+            <a:spLocks noGrp="1"/>
+          </p:cNvSpPr>
           <p:nvPr>
             <p:ph type="body" sz="quarter" idx="1"/>
           </p:nvPr>
@@ -592,7 +874,6 @@
             </a:lvl5pPr>
           </a:lstStyle>
           <a:p>
-            <a:pPr/>
             <a:r>
               <a:t>Body Level One</a:t>
             </a:r>
@@ -626,7 +907,9 @@
       <p:sp>
         <p:nvSpPr>
           <p:cNvPr id="13" name="Slide Number"/>
-          <p:cNvSpPr/>
+          <p:cNvSpPr>
+            <a:spLocks noGrp="1"/>
+          </p:cNvSpPr>
           <p:nvPr>
             <p:ph type="sldNum" sz="quarter" idx="2"/>
           </p:nvPr>
@@ -640,8 +923,10 @@
           <a:bodyPr/>
           <a:lstStyle/>
           <a:p>
-            <a:pPr/>
-            <a:fld id="{86CB4B4D-7CA3-9044-876B-883B54F8677D}" type="slidenum"/>
+            <a:fld id="{86CB4B4D-7CA3-9044-876B-883B54F8677D}" type="slidenum">
+              <a:t>‹#›</a:t>
+            </a:fld>
+            <a:endParaRPr/>
           </a:p>
         </p:txBody>
       </p:sp>
@@ -650,12 +935,12 @@
   <p:clrMapOvr>
     <a:masterClrMapping/>
   </p:clrMapOvr>
-  <p:transition xmlns:p14="http://schemas.microsoft.com/office/powerpoint/2010/main" spd="med" advClick="1"/>
+  <p:transition spd="med"/>
 </p:sldLayout>
 </file>
 
 <file path=ppt/slideLayouts/slideLayout10.xml><?xml version="1.0" encoding="utf-8"?>
-<p:sldLayout xmlns:a="http://schemas.openxmlformats.org/drawingml/2006/main" xmlns:r="http://schemas.openxmlformats.org/officeDocument/2006/relationships" xmlns:p="http://schemas.openxmlformats.org/presentationml/2006/main" type="tx" showMasterSp="1" showMasterPhAnim="1">
+<p:sldLayout xmlns:a="http://schemas.openxmlformats.org/drawingml/2006/main" xmlns:r="http://schemas.openxmlformats.org/officeDocument/2006/relationships" xmlns:p="http://schemas.openxmlformats.org/presentationml/2006/main" type="tx">
   <p:cSld name="BIG_NUMBER">
     <p:spTree>
       <p:nvGrpSpPr>
@@ -674,7 +959,9 @@
       <p:sp>
         <p:nvSpPr>
           <p:cNvPr id="91" name="Title Text"/>
-          <p:cNvSpPr/>
+          <p:cNvSpPr>
+            <a:spLocks noGrp="1"/>
+          </p:cNvSpPr>
           <p:nvPr>
             <p:ph type="title"/>
           </p:nvPr>
@@ -696,7 +983,6 @@
             </a:lvl1pPr>
           </a:lstStyle>
           <a:p>
-            <a:pPr/>
             <a:r>
               <a:t>Title Text</a:t>
             </a:r>
@@ -706,7 +992,9 @@
       <p:sp>
         <p:nvSpPr>
           <p:cNvPr id="92" name="Body Level One…"/>
-          <p:cNvSpPr/>
+          <p:cNvSpPr>
+            <a:spLocks noGrp="1"/>
+          </p:cNvSpPr>
           <p:nvPr>
             <p:ph type="body" sz="half" idx="1"/>
           </p:nvPr>
@@ -730,7 +1018,6 @@
             <a:lvl5pPr algn="ctr"/>
           </a:lstStyle>
           <a:p>
-            <a:pPr/>
             <a:r>
               <a:t>Body Level One</a:t>
             </a:r>
@@ -764,7 +1051,9 @@
       <p:sp>
         <p:nvSpPr>
           <p:cNvPr id="93" name="Slide Number"/>
-          <p:cNvSpPr/>
+          <p:cNvSpPr>
+            <a:spLocks noGrp="1"/>
+          </p:cNvSpPr>
           <p:nvPr>
             <p:ph type="sldNum" sz="quarter" idx="2"/>
           </p:nvPr>
@@ -778,8 +1067,10 @@
           <a:bodyPr/>
           <a:lstStyle/>
           <a:p>
-            <a:pPr/>
-            <a:fld id="{86CB4B4D-7CA3-9044-876B-883B54F8677D}" type="slidenum"/>
+            <a:fld id="{86CB4B4D-7CA3-9044-876B-883B54F8677D}" type="slidenum">
+              <a:t>‹#›</a:t>
+            </a:fld>
+            <a:endParaRPr/>
           </a:p>
         </p:txBody>
       </p:sp>
@@ -788,12 +1079,12 @@
   <p:clrMapOvr>
     <a:masterClrMapping/>
   </p:clrMapOvr>
-  <p:transition xmlns:p14="http://schemas.microsoft.com/office/powerpoint/2010/main" spd="med" advClick="1"/>
+  <p:transition spd="med"/>
 </p:sldLayout>
 </file>
 
 <file path=ppt/slideLayouts/slideLayout11.xml><?xml version="1.0" encoding="utf-8"?>
-<p:sldLayout xmlns:a="http://schemas.openxmlformats.org/drawingml/2006/main" xmlns:r="http://schemas.openxmlformats.org/officeDocument/2006/relationships" xmlns:p="http://schemas.openxmlformats.org/presentationml/2006/main" type="tx" showMasterSp="1" showMasterPhAnim="1">
+<p:sldLayout xmlns:a="http://schemas.openxmlformats.org/drawingml/2006/main" xmlns:r="http://schemas.openxmlformats.org/officeDocument/2006/relationships" xmlns:p="http://schemas.openxmlformats.org/presentationml/2006/main" type="tx">
   <p:cSld name="BLANK">
     <p:spTree>
       <p:nvGrpSpPr>
@@ -812,7 +1103,9 @@
       <p:sp>
         <p:nvSpPr>
           <p:cNvPr id="100" name="Slide Number"/>
-          <p:cNvSpPr/>
+          <p:cNvSpPr>
+            <a:spLocks noGrp="1"/>
+          </p:cNvSpPr>
           <p:nvPr>
             <p:ph type="sldNum" sz="quarter" idx="2"/>
           </p:nvPr>
@@ -826,8 +1119,10 @@
           <a:bodyPr/>
           <a:lstStyle/>
           <a:p>
-            <a:pPr/>
-            <a:fld id="{86CB4B4D-7CA3-9044-876B-883B54F8677D}" type="slidenum"/>
+            <a:fld id="{86CB4B4D-7CA3-9044-876B-883B54F8677D}" type="slidenum">
+              <a:t>‹#›</a:t>
+            </a:fld>
+            <a:endParaRPr/>
           </a:p>
         </p:txBody>
       </p:sp>
@@ -836,12 +1131,12 @@
   <p:clrMapOvr>
     <a:masterClrMapping/>
   </p:clrMapOvr>
-  <p:transition xmlns:p14="http://schemas.microsoft.com/office/powerpoint/2010/main" spd="med" advClick="1"/>
+  <p:transition spd="med"/>
 </p:sldLayout>
 </file>
 
 <file path=ppt/slideLayouts/slideLayout2.xml><?xml version="1.0" encoding="utf-8"?>
-<p:sldLayout xmlns:a="http://schemas.openxmlformats.org/drawingml/2006/main" xmlns:r="http://schemas.openxmlformats.org/officeDocument/2006/relationships" xmlns:p="http://schemas.openxmlformats.org/presentationml/2006/main" type="tx" showMasterSp="1" showMasterPhAnim="1">
+<p:sldLayout xmlns:a="http://schemas.openxmlformats.org/drawingml/2006/main" xmlns:r="http://schemas.openxmlformats.org/officeDocument/2006/relationships" xmlns:p="http://schemas.openxmlformats.org/presentationml/2006/main" type="tx">
   <p:cSld name="SECTION_HEADER">
     <p:spTree>
       <p:nvGrpSpPr>
@@ -860,7 +1155,9 @@
       <p:sp>
         <p:nvSpPr>
           <p:cNvPr id="20" name="Title Text"/>
-          <p:cNvSpPr/>
+          <p:cNvSpPr>
+            <a:spLocks noGrp="1"/>
+          </p:cNvSpPr>
           <p:nvPr>
             <p:ph type="title"/>
           </p:nvPr>
@@ -882,7 +1179,6 @@
             </a:lvl1pPr>
           </a:lstStyle>
           <a:p>
-            <a:pPr/>
             <a:r>
               <a:t>Title Text</a:t>
             </a:r>
@@ -892,7 +1188,9 @@
       <p:sp>
         <p:nvSpPr>
           <p:cNvPr id="21" name="Slide Number"/>
-          <p:cNvSpPr/>
+          <p:cNvSpPr>
+            <a:spLocks noGrp="1"/>
+          </p:cNvSpPr>
           <p:nvPr>
             <p:ph type="sldNum" sz="quarter" idx="2"/>
           </p:nvPr>
@@ -906,8 +1204,10 @@
           <a:bodyPr/>
           <a:lstStyle/>
           <a:p>
-            <a:pPr/>
-            <a:fld id="{86CB4B4D-7CA3-9044-876B-883B54F8677D}" type="slidenum"/>
+            <a:fld id="{86CB4B4D-7CA3-9044-876B-883B54F8677D}" type="slidenum">
+              <a:t>‹#›</a:t>
+            </a:fld>
+            <a:endParaRPr/>
           </a:p>
         </p:txBody>
       </p:sp>
@@ -916,12 +1216,12 @@
   <p:clrMapOvr>
     <a:masterClrMapping/>
   </p:clrMapOvr>
-  <p:transition xmlns:p14="http://schemas.microsoft.com/office/powerpoint/2010/main" spd="med" advClick="1"/>
+  <p:transition spd="med"/>
 </p:sldLayout>
 </file>
 
 <file path=ppt/slideLayouts/slideLayout3.xml><?xml version="1.0" encoding="utf-8"?>
-<p:sldLayout xmlns:a="http://schemas.openxmlformats.org/drawingml/2006/main" xmlns:r="http://schemas.openxmlformats.org/officeDocument/2006/relationships" xmlns:p="http://schemas.openxmlformats.org/presentationml/2006/main" type="tx" showMasterSp="1" showMasterPhAnim="1">
+<p:sldLayout xmlns:a="http://schemas.openxmlformats.org/drawingml/2006/main" xmlns:r="http://schemas.openxmlformats.org/officeDocument/2006/relationships" xmlns:p="http://schemas.openxmlformats.org/presentationml/2006/main" type="tx">
   <p:cSld name="TITLE_AND_BODY">
     <p:spTree>
       <p:nvGrpSpPr>
@@ -940,7 +1240,9 @@
       <p:sp>
         <p:nvSpPr>
           <p:cNvPr id="28" name="Title Text"/>
-          <p:cNvSpPr/>
+          <p:cNvSpPr>
+            <a:spLocks noGrp="1"/>
+          </p:cNvSpPr>
           <p:nvPr>
             <p:ph type="title"/>
           </p:nvPr>
@@ -954,7 +1256,6 @@
           <a:bodyPr/>
           <a:lstStyle/>
           <a:p>
-            <a:pPr/>
             <a:r>
               <a:t>Title Text</a:t>
             </a:r>
@@ -964,7 +1265,9 @@
       <p:sp>
         <p:nvSpPr>
           <p:cNvPr id="29" name="Body Level One…"/>
-          <p:cNvSpPr/>
+          <p:cNvSpPr>
+            <a:spLocks noGrp="1"/>
+          </p:cNvSpPr>
           <p:nvPr>
             <p:ph type="body" idx="1"/>
           </p:nvPr>
@@ -978,7 +1281,6 @@
           <a:bodyPr/>
           <a:lstStyle/>
           <a:p>
-            <a:pPr/>
             <a:r>
               <a:t>Body Level One</a:t>
             </a:r>
@@ -1012,7 +1314,9 @@
       <p:sp>
         <p:nvSpPr>
           <p:cNvPr id="30" name="Slide Number"/>
-          <p:cNvSpPr/>
+          <p:cNvSpPr>
+            <a:spLocks noGrp="1"/>
+          </p:cNvSpPr>
           <p:nvPr>
             <p:ph type="sldNum" sz="quarter" idx="2"/>
           </p:nvPr>
@@ -1026,8 +1330,10 @@
           <a:bodyPr/>
           <a:lstStyle/>
           <a:p>
-            <a:pPr/>
-            <a:fld id="{86CB4B4D-7CA3-9044-876B-883B54F8677D}" type="slidenum"/>
+            <a:fld id="{86CB4B4D-7CA3-9044-876B-883B54F8677D}" type="slidenum">
+              <a:t>‹#›</a:t>
+            </a:fld>
+            <a:endParaRPr/>
           </a:p>
         </p:txBody>
       </p:sp>
@@ -1036,12 +1342,12 @@
   <p:clrMapOvr>
     <a:masterClrMapping/>
   </p:clrMapOvr>
-  <p:transition xmlns:p14="http://schemas.microsoft.com/office/powerpoint/2010/main" spd="med" advClick="1"/>
+  <p:transition spd="med"/>
 </p:sldLayout>
 </file>
 
 <file path=ppt/slideLayouts/slideLayout4.xml><?xml version="1.0" encoding="utf-8"?>
-<p:sldLayout xmlns:a="http://schemas.openxmlformats.org/drawingml/2006/main" xmlns:r="http://schemas.openxmlformats.org/officeDocument/2006/relationships" xmlns:p="http://schemas.openxmlformats.org/presentationml/2006/main" type="tx" showMasterSp="1" showMasterPhAnim="1">
+<p:sldLayout xmlns:a="http://schemas.openxmlformats.org/drawingml/2006/main" xmlns:r="http://schemas.openxmlformats.org/officeDocument/2006/relationships" xmlns:p="http://schemas.openxmlformats.org/presentationml/2006/main" type="tx">
   <p:cSld name="TITLE_AND_TWO_COLUMNS">
     <p:spTree>
       <p:nvGrpSpPr>
@@ -1060,7 +1366,9 @@
       <p:sp>
         <p:nvSpPr>
           <p:cNvPr id="37" name="Title Text"/>
-          <p:cNvSpPr/>
+          <p:cNvSpPr>
+            <a:spLocks noGrp="1"/>
+          </p:cNvSpPr>
           <p:nvPr>
             <p:ph type="title"/>
           </p:nvPr>
@@ -1074,7 +1382,6 @@
           <a:bodyPr/>
           <a:lstStyle/>
           <a:p>
-            <a:pPr/>
             <a:r>
               <a:t>Title Text</a:t>
             </a:r>
@@ -1084,7 +1391,9 @@
       <p:sp>
         <p:nvSpPr>
           <p:cNvPr id="38" name="Body Level One…"/>
-          <p:cNvSpPr/>
+          <p:cNvSpPr>
+            <a:spLocks noGrp="1"/>
+          </p:cNvSpPr>
           <p:nvPr>
             <p:ph type="body" sz="half" idx="1"/>
           </p:nvPr>
@@ -1123,7 +1432,6 @@
             </a:lvl5pPr>
           </a:lstStyle>
           <a:p>
-            <a:pPr/>
             <a:r>
               <a:t>Body Level One</a:t>
             </a:r>
@@ -1157,7 +1465,9 @@
       <p:sp>
         <p:nvSpPr>
           <p:cNvPr id="39" name="Shape 23"/>
-          <p:cNvSpPr/>
+          <p:cNvSpPr>
+            <a:spLocks noGrp="1"/>
+          </p:cNvSpPr>
           <p:nvPr>
             <p:ph type="body" sz="half" idx="13"/>
           </p:nvPr>
@@ -1179,13 +1489,16 @@
               <a:buSzPts val="1400"/>
               <a:defRPr sz="1400"/>
             </a:pPr>
+            <a:endParaRPr/>
           </a:p>
         </p:txBody>
       </p:sp>
       <p:sp>
         <p:nvSpPr>
           <p:cNvPr id="40" name="Slide Number"/>
-          <p:cNvSpPr/>
+          <p:cNvSpPr>
+            <a:spLocks noGrp="1"/>
+          </p:cNvSpPr>
           <p:nvPr>
             <p:ph type="sldNum" sz="quarter" idx="2"/>
           </p:nvPr>
@@ -1199,8 +1512,10 @@
           <a:bodyPr/>
           <a:lstStyle/>
           <a:p>
-            <a:pPr/>
-            <a:fld id="{86CB4B4D-7CA3-9044-876B-883B54F8677D}" type="slidenum"/>
+            <a:fld id="{86CB4B4D-7CA3-9044-876B-883B54F8677D}" type="slidenum">
+              <a:t>‹#›</a:t>
+            </a:fld>
+            <a:endParaRPr/>
           </a:p>
         </p:txBody>
       </p:sp>
@@ -1209,12 +1524,12 @@
   <p:clrMapOvr>
     <a:masterClrMapping/>
   </p:clrMapOvr>
-  <p:transition xmlns:p14="http://schemas.microsoft.com/office/powerpoint/2010/main" spd="med" advClick="1"/>
+  <p:transition spd="med"/>
 </p:sldLayout>
 </file>
 
 <file path=ppt/slideLayouts/slideLayout5.xml><?xml version="1.0" encoding="utf-8"?>
-<p:sldLayout xmlns:a="http://schemas.openxmlformats.org/drawingml/2006/main" xmlns:r="http://schemas.openxmlformats.org/officeDocument/2006/relationships" xmlns:p="http://schemas.openxmlformats.org/presentationml/2006/main" type="tx" showMasterSp="1" showMasterPhAnim="1">
+<p:sldLayout xmlns:a="http://schemas.openxmlformats.org/drawingml/2006/main" xmlns:r="http://schemas.openxmlformats.org/officeDocument/2006/relationships" xmlns:p="http://schemas.openxmlformats.org/presentationml/2006/main" type="tx">
   <p:cSld name="TITLE_ONLY">
     <p:spTree>
       <p:nvGrpSpPr>
@@ -1233,7 +1548,9 @@
       <p:sp>
         <p:nvSpPr>
           <p:cNvPr id="47" name="Title Text"/>
-          <p:cNvSpPr/>
+          <p:cNvSpPr>
+            <a:spLocks noGrp="1"/>
+          </p:cNvSpPr>
           <p:nvPr>
             <p:ph type="title"/>
           </p:nvPr>
@@ -1247,7 +1564,6 @@
           <a:bodyPr/>
           <a:lstStyle/>
           <a:p>
-            <a:pPr/>
             <a:r>
               <a:t>Title Text</a:t>
             </a:r>
@@ -1257,7 +1573,9 @@
       <p:sp>
         <p:nvSpPr>
           <p:cNvPr id="48" name="Slide Number"/>
-          <p:cNvSpPr/>
+          <p:cNvSpPr>
+            <a:spLocks noGrp="1"/>
+          </p:cNvSpPr>
           <p:nvPr>
             <p:ph type="sldNum" sz="quarter" idx="2"/>
           </p:nvPr>
@@ -1271,8 +1589,10 @@
           <a:bodyPr/>
           <a:lstStyle/>
           <a:p>
-            <a:pPr/>
-            <a:fld id="{86CB4B4D-7CA3-9044-876B-883B54F8677D}" type="slidenum"/>
+            <a:fld id="{86CB4B4D-7CA3-9044-876B-883B54F8677D}" type="slidenum">
+              <a:t>‹#›</a:t>
+            </a:fld>
+            <a:endParaRPr/>
           </a:p>
         </p:txBody>
       </p:sp>
@@ -1281,12 +1601,12 @@
   <p:clrMapOvr>
     <a:masterClrMapping/>
   </p:clrMapOvr>
-  <p:transition xmlns:p14="http://schemas.microsoft.com/office/powerpoint/2010/main" spd="med" advClick="1"/>
+  <p:transition spd="med"/>
 </p:sldLayout>
 </file>
 
 <file path=ppt/slideLayouts/slideLayout6.xml><?xml version="1.0" encoding="utf-8"?>
-<p:sldLayout xmlns:a="http://schemas.openxmlformats.org/drawingml/2006/main" xmlns:r="http://schemas.openxmlformats.org/officeDocument/2006/relationships" xmlns:p="http://schemas.openxmlformats.org/presentationml/2006/main" type="tx" showMasterSp="1" showMasterPhAnim="1">
+<p:sldLayout xmlns:a="http://schemas.openxmlformats.org/drawingml/2006/main" xmlns:r="http://schemas.openxmlformats.org/officeDocument/2006/relationships" xmlns:p="http://schemas.openxmlformats.org/presentationml/2006/main" type="tx">
   <p:cSld name="ONE_COLUMN_TEXT">
     <p:spTree>
       <p:nvGrpSpPr>
@@ -1305,7 +1625,9 @@
       <p:sp>
         <p:nvSpPr>
           <p:cNvPr id="55" name="Title Text"/>
-          <p:cNvSpPr/>
+          <p:cNvSpPr>
+            <a:spLocks noGrp="1"/>
+          </p:cNvSpPr>
           <p:nvPr>
             <p:ph type="title"/>
           </p:nvPr>
@@ -1327,7 +1649,6 @@
             </a:lvl1pPr>
           </a:lstStyle>
           <a:p>
-            <a:pPr/>
             <a:r>
               <a:t>Title Text</a:t>
             </a:r>
@@ -1337,7 +1658,9 @@
       <p:sp>
         <p:nvSpPr>
           <p:cNvPr id="56" name="Body Level One…"/>
-          <p:cNvSpPr/>
+          <p:cNvSpPr>
+            <a:spLocks noGrp="1"/>
+          </p:cNvSpPr>
           <p:nvPr>
             <p:ph type="body" sz="quarter" idx="1"/>
           </p:nvPr>
@@ -1376,7 +1699,6 @@
             </a:lvl5pPr>
           </a:lstStyle>
           <a:p>
-            <a:pPr/>
             <a:r>
               <a:t>Body Level One</a:t>
             </a:r>
@@ -1410,7 +1732,9 @@
       <p:sp>
         <p:nvSpPr>
           <p:cNvPr id="57" name="Slide Number"/>
-          <p:cNvSpPr/>
+          <p:cNvSpPr>
+            <a:spLocks noGrp="1"/>
+          </p:cNvSpPr>
           <p:nvPr>
             <p:ph type="sldNum" sz="quarter" idx="2"/>
           </p:nvPr>
@@ -1424,8 +1748,10 @@
           <a:bodyPr/>
           <a:lstStyle/>
           <a:p>
-            <a:pPr/>
-            <a:fld id="{86CB4B4D-7CA3-9044-876B-883B54F8677D}" type="slidenum"/>
+            <a:fld id="{86CB4B4D-7CA3-9044-876B-883B54F8677D}" type="slidenum">
+              <a:t>‹#›</a:t>
+            </a:fld>
+            <a:endParaRPr/>
           </a:p>
         </p:txBody>
       </p:sp>
@@ -1434,12 +1760,12 @@
   <p:clrMapOvr>
     <a:masterClrMapping/>
   </p:clrMapOvr>
-  <p:transition xmlns:p14="http://schemas.microsoft.com/office/powerpoint/2010/main" spd="med" advClick="1"/>
+  <p:transition spd="med"/>
 </p:sldLayout>
 </file>
 
 <file path=ppt/slideLayouts/slideLayout7.xml><?xml version="1.0" encoding="utf-8"?>
-<p:sldLayout xmlns:a="http://schemas.openxmlformats.org/drawingml/2006/main" xmlns:r="http://schemas.openxmlformats.org/officeDocument/2006/relationships" xmlns:p="http://schemas.openxmlformats.org/presentationml/2006/main" type="tx" showMasterSp="1" showMasterPhAnim="1">
+<p:sldLayout xmlns:a="http://schemas.openxmlformats.org/drawingml/2006/main" xmlns:r="http://schemas.openxmlformats.org/officeDocument/2006/relationships" xmlns:p="http://schemas.openxmlformats.org/presentationml/2006/main" type="tx">
   <p:cSld name="MAIN_POINT">
     <p:spTree>
       <p:nvGrpSpPr>
@@ -1458,7 +1784,9 @@
       <p:sp>
         <p:nvSpPr>
           <p:cNvPr id="64" name="Title Text"/>
-          <p:cNvSpPr/>
+          <p:cNvSpPr>
+            <a:spLocks noGrp="1"/>
+          </p:cNvSpPr>
           <p:nvPr>
             <p:ph type="title"/>
           </p:nvPr>
@@ -1480,7 +1808,6 @@
             </a:lvl1pPr>
           </a:lstStyle>
           <a:p>
-            <a:pPr/>
             <a:r>
               <a:t>Title Text</a:t>
             </a:r>
@@ -1490,7 +1817,9 @@
       <p:sp>
         <p:nvSpPr>
           <p:cNvPr id="65" name="Slide Number"/>
-          <p:cNvSpPr/>
+          <p:cNvSpPr>
+            <a:spLocks noGrp="1"/>
+          </p:cNvSpPr>
           <p:nvPr>
             <p:ph type="sldNum" sz="quarter" idx="2"/>
           </p:nvPr>
@@ -1504,8 +1833,10 @@
           <a:bodyPr/>
           <a:lstStyle/>
           <a:p>
-            <a:pPr/>
-            <a:fld id="{86CB4B4D-7CA3-9044-876B-883B54F8677D}" type="slidenum"/>
+            <a:fld id="{86CB4B4D-7CA3-9044-876B-883B54F8677D}" type="slidenum">
+              <a:t>‹#›</a:t>
+            </a:fld>
+            <a:endParaRPr/>
           </a:p>
         </p:txBody>
       </p:sp>
@@ -1514,12 +1845,12 @@
   <p:clrMapOvr>
     <a:masterClrMapping/>
   </p:clrMapOvr>
-  <p:transition xmlns:p14="http://schemas.microsoft.com/office/powerpoint/2010/main" spd="med" advClick="1"/>
+  <p:transition spd="med"/>
 </p:sldLayout>
 </file>
 
 <file path=ppt/slideLayouts/slideLayout8.xml><?xml version="1.0" encoding="utf-8"?>
-<p:sldLayout xmlns:a="http://schemas.openxmlformats.org/drawingml/2006/main" xmlns:r="http://schemas.openxmlformats.org/officeDocument/2006/relationships" xmlns:p="http://schemas.openxmlformats.org/presentationml/2006/main" type="tx" showMasterSp="1" showMasterPhAnim="1">
+<p:sldLayout xmlns:a="http://schemas.openxmlformats.org/drawingml/2006/main" xmlns:r="http://schemas.openxmlformats.org/officeDocument/2006/relationships" xmlns:p="http://schemas.openxmlformats.org/presentationml/2006/main" type="tx">
   <p:cSld name="SECTION_TITLE_AND_DESCRIPTION">
     <p:spTree>
       <p:nvGrpSpPr>
@@ -1560,14 +1891,16 @@
           <a:bodyPr lIns="45719" rIns="45719" anchor="ctr"/>
           <a:lstStyle/>
           <a:p>
-            <a:pPr/>
+            <a:endParaRPr/>
           </a:p>
         </p:txBody>
       </p:sp>
       <p:sp>
         <p:nvSpPr>
           <p:cNvPr id="73" name="Title Text"/>
-          <p:cNvSpPr/>
+          <p:cNvSpPr>
+            <a:spLocks noGrp="1"/>
+          </p:cNvSpPr>
           <p:nvPr>
             <p:ph type="title"/>
           </p:nvPr>
@@ -1589,7 +1922,6 @@
             </a:lvl1pPr>
           </a:lstStyle>
           <a:p>
-            <a:pPr/>
             <a:r>
               <a:t>Title Text</a:t>
             </a:r>
@@ -1599,7 +1931,9 @@
       <p:sp>
         <p:nvSpPr>
           <p:cNvPr id="74" name="Body Level One…"/>
-          <p:cNvSpPr/>
+          <p:cNvSpPr>
+            <a:spLocks noGrp="1"/>
+          </p:cNvSpPr>
           <p:nvPr>
             <p:ph type="body" sz="quarter" idx="1"/>
           </p:nvPr>
@@ -1668,7 +2002,6 @@
             </a:lvl5pPr>
           </a:lstStyle>
           <a:p>
-            <a:pPr/>
             <a:r>
               <a:t>Body Level One</a:t>
             </a:r>
@@ -1702,7 +2035,9 @@
       <p:sp>
         <p:nvSpPr>
           <p:cNvPr id="75" name="Shape 39"/>
-          <p:cNvSpPr/>
+          <p:cNvSpPr>
+            <a:spLocks noGrp="1"/>
+          </p:cNvSpPr>
           <p:nvPr>
             <p:ph type="body" sz="half" idx="13"/>
           </p:nvPr>
@@ -1720,14 +2055,16 @@
           <a:bodyPr anchor="ctr"/>
           <a:lstStyle/>
           <a:p>
-            <a:pPr/>
+            <a:endParaRPr/>
           </a:p>
         </p:txBody>
       </p:sp>
       <p:sp>
         <p:nvSpPr>
           <p:cNvPr id="76" name="Slide Number"/>
-          <p:cNvSpPr/>
+          <p:cNvSpPr>
+            <a:spLocks noGrp="1"/>
+          </p:cNvSpPr>
           <p:nvPr>
             <p:ph type="sldNum" sz="quarter" idx="2"/>
           </p:nvPr>
@@ -1741,8 +2078,10 @@
           <a:bodyPr/>
           <a:lstStyle/>
           <a:p>
-            <a:pPr/>
-            <a:fld id="{86CB4B4D-7CA3-9044-876B-883B54F8677D}" type="slidenum"/>
+            <a:fld id="{86CB4B4D-7CA3-9044-876B-883B54F8677D}" type="slidenum">
+              <a:t>‹#›</a:t>
+            </a:fld>
+            <a:endParaRPr/>
           </a:p>
         </p:txBody>
       </p:sp>
@@ -1751,12 +2090,12 @@
   <p:clrMapOvr>
     <a:masterClrMapping/>
   </p:clrMapOvr>
-  <p:transition xmlns:p14="http://schemas.microsoft.com/office/powerpoint/2010/main" spd="med" advClick="1"/>
+  <p:transition spd="med"/>
 </p:sldLayout>
 </file>
 
 <file path=ppt/slideLayouts/slideLayout9.xml><?xml version="1.0" encoding="utf-8"?>
-<p:sldLayout xmlns:a="http://schemas.openxmlformats.org/drawingml/2006/main" xmlns:r="http://schemas.openxmlformats.org/officeDocument/2006/relationships" xmlns:p="http://schemas.openxmlformats.org/presentationml/2006/main" type="tx" showMasterSp="1" showMasterPhAnim="1">
+<p:sldLayout xmlns:a="http://schemas.openxmlformats.org/drawingml/2006/main" xmlns:r="http://schemas.openxmlformats.org/officeDocument/2006/relationships" xmlns:p="http://schemas.openxmlformats.org/presentationml/2006/main" type="tx">
   <p:cSld name="CAPTION_ONLY">
     <p:spTree>
       <p:nvGrpSpPr>
@@ -1775,7 +2114,9 @@
       <p:sp>
         <p:nvSpPr>
           <p:cNvPr id="83" name="Body Level One…"/>
-          <p:cNvSpPr/>
+          <p:cNvSpPr>
+            <a:spLocks noGrp="1"/>
+          </p:cNvSpPr>
           <p:nvPr>
             <p:ph type="body" sz="quarter" idx="1"/>
           </p:nvPr>
@@ -1831,7 +2172,6 @@
             </a:lvl5pPr>
           </a:lstStyle>
           <a:p>
-            <a:pPr/>
             <a:r>
               <a:t>Body Level One</a:t>
             </a:r>
@@ -1865,7 +2205,9 @@
       <p:sp>
         <p:nvSpPr>
           <p:cNvPr id="84" name="Slide Number"/>
-          <p:cNvSpPr/>
+          <p:cNvSpPr>
+            <a:spLocks noGrp="1"/>
+          </p:cNvSpPr>
           <p:nvPr>
             <p:ph type="sldNum" sz="quarter" idx="2"/>
           </p:nvPr>
@@ -1879,8 +2221,10 @@
           <a:bodyPr/>
           <a:lstStyle/>
           <a:p>
-            <a:pPr/>
-            <a:fld id="{86CB4B4D-7CA3-9044-876B-883B54F8677D}" type="slidenum"/>
+            <a:fld id="{86CB4B4D-7CA3-9044-876B-883B54F8677D}" type="slidenum">
+              <a:t>‹#›</a:t>
+            </a:fld>
+            <a:endParaRPr/>
           </a:p>
         </p:txBody>
       </p:sp>
@@ -1889,7 +2233,7 @@
   <p:clrMapOvr>
     <a:masterClrMapping/>
   </p:clrMapOvr>
-  <p:transition xmlns:p14="http://schemas.microsoft.com/office/powerpoint/2010/main" spd="med" advClick="1"/>
+  <p:transition spd="med"/>
 </p:sldLayout>
 </file>
 
@@ -1901,6 +2245,7 @@
         <a:solidFill>
           <a:srgbClr val="FFFFFF"/>
         </a:solidFill>
+        <a:effectLst/>
       </p:bgPr>
     </p:bg>
     <p:spTree>
@@ -1920,7 +2265,9 @@
       <p:sp>
         <p:nvSpPr>
           <p:cNvPr id="2" name="Title Text"/>
-          <p:cNvSpPr/>
+          <p:cNvSpPr>
+            <a:spLocks noGrp="1"/>
+          </p:cNvSpPr>
           <p:nvPr>
             <p:ph type="title"/>
           </p:nvPr>
@@ -1938,17 +2285,16 @@
           </a:ln>
           <a:extLst>
             <a:ext uri="{C572A759-6A51-4108-AA02-DFA0A04FC94B}">
-              <ma14:wrappingTextBoxFlag xmlns:ma14="http://schemas.microsoft.com/office/mac/drawingml/2011/main" val="1"/>
+              <ma14:wrappingTextBoxFlag xmlns="" xmlns:ma14="http://schemas.microsoft.com/office/mac/drawingml/2011/main" val="1"/>
             </a:ext>
           </a:extLst>
         </p:spPr>
         <p:txBody>
           <a:bodyPr lIns="91424" tIns="91424" rIns="91424" bIns="91424">
-            <a:normAutofit fontScale="100000" lnSpcReduction="0"/>
+            <a:normAutofit/>
           </a:bodyPr>
           <a:lstStyle/>
           <a:p>
-            <a:pPr/>
             <a:r>
               <a:t>Title Text</a:t>
             </a:r>
@@ -1958,7 +2304,9 @@
       <p:sp>
         <p:nvSpPr>
           <p:cNvPr id="3" name="Body Level One…"/>
-          <p:cNvSpPr/>
+          <p:cNvSpPr>
+            <a:spLocks noGrp="1"/>
+          </p:cNvSpPr>
           <p:nvPr>
             <p:ph type="body" idx="1"/>
           </p:nvPr>
@@ -1976,17 +2324,16 @@
           </a:ln>
           <a:extLst>
             <a:ext uri="{C572A759-6A51-4108-AA02-DFA0A04FC94B}">
-              <ma14:wrappingTextBoxFlag xmlns:ma14="http://schemas.microsoft.com/office/mac/drawingml/2011/main" val="1"/>
+              <ma14:wrappingTextBoxFlag xmlns="" xmlns:ma14="http://schemas.microsoft.com/office/mac/drawingml/2011/main" val="1"/>
             </a:ext>
           </a:extLst>
         </p:spPr>
         <p:txBody>
           <a:bodyPr lIns="91424" tIns="91424" rIns="91424" bIns="91424">
-            <a:normAutofit fontScale="100000" lnSpcReduction="0"/>
+            <a:normAutofit/>
           </a:bodyPr>
           <a:lstStyle/>
           <a:p>
-            <a:pPr/>
             <a:r>
               <a:t>Body Level One</a:t>
             </a:r>
@@ -2020,7 +2367,9 @@
       <p:sp>
         <p:nvSpPr>
           <p:cNvPr id="4" name="Slide Number"/>
-          <p:cNvSpPr/>
+          <p:cNvSpPr>
+            <a:spLocks noGrp="1"/>
+          </p:cNvSpPr>
           <p:nvPr>
             <p:ph type="sldNum" sz="quarter" idx="2"/>
           </p:nvPr>
@@ -2053,8 +2402,10 @@
             </a:lvl1pPr>
           </a:lstStyle>
           <a:p>
-            <a:pPr/>
-            <a:fld id="{86CB4B4D-7CA3-9044-876B-883B54F8677D}" type="slidenum"/>
+            <a:fld id="{86CB4B4D-7CA3-9044-876B-883B54F8677D}" type="slidenum">
+              <a:t>‹#›</a:t>
+            </a:fld>
+            <a:endParaRPr/>
           </a:p>
         </p:txBody>
       </p:sp>
@@ -2062,19 +2413,19 @@
   </p:cSld>
   <p:clrMap bg1="lt1" tx1="dk1" bg2="lt2" tx2="dk2" accent1="accent1" accent2="accent2" accent3="accent3" accent4="accent4" accent5="accent5" accent6="accent6" hlink="hlink" folHlink="folHlink"/>
   <p:sldLayoutIdLst>
-    <p:sldLayoutId id="2147483649" r:id="rId2"/>
-    <p:sldLayoutId id="2147483650" r:id="rId3"/>
-    <p:sldLayoutId id="2147483651" r:id="rId4"/>
-    <p:sldLayoutId id="2147483652" r:id="rId5"/>
-    <p:sldLayoutId id="2147483653" r:id="rId6"/>
-    <p:sldLayoutId id="2147483654" r:id="rId7"/>
-    <p:sldLayoutId id="2147483655" r:id="rId8"/>
-    <p:sldLayoutId id="2147483656" r:id="rId9"/>
-    <p:sldLayoutId id="2147483657" r:id="rId10"/>
-    <p:sldLayoutId id="2147483658" r:id="rId11"/>
-    <p:sldLayoutId id="2147483659" r:id="rId12"/>
+    <p:sldLayoutId id="2147483649" r:id="rId1"/>
+    <p:sldLayoutId id="2147483650" r:id="rId2"/>
+    <p:sldLayoutId id="2147483651" r:id="rId3"/>
+    <p:sldLayoutId id="2147483652" r:id="rId4"/>
+    <p:sldLayoutId id="2147483653" r:id="rId5"/>
+    <p:sldLayoutId id="2147483654" r:id="rId6"/>
+    <p:sldLayoutId id="2147483655" r:id="rId7"/>
+    <p:sldLayoutId id="2147483656" r:id="rId8"/>
+    <p:sldLayoutId id="2147483657" r:id="rId9"/>
+    <p:sldLayoutId id="2147483658" r:id="rId10"/>
+    <p:sldLayoutId id="2147483659" r:id="rId11"/>
   </p:sldLayoutIdLst>
-  <p:transition xmlns:p14="http://schemas.microsoft.com/office/powerpoint/2010/main" spd="med" advClick="1"/>
+  <p:transition spd="med"/>
   <p:txStyles>
     <p:titleStyle>
       <a:lvl1pPr marL="0" marR="0" indent="0" algn="l" defTabSz="914400" rtl="0" latinLnBrk="0">
@@ -2092,7 +2443,7 @@
         <a:buFontTx/>
         <a:buNone/>
         <a:tabLst/>
-        <a:defRPr b="0" baseline="0" cap="none" i="0" spc="0" strike="noStrike" sz="2800" u="none">
+        <a:defRPr sz="2800" b="0" i="0" u="none" strike="noStrike" cap="none" spc="0" baseline="0">
           <a:ln>
             <a:noFill/>
           </a:ln>
@@ -2121,7 +2472,7 @@
         <a:buFontTx/>
         <a:buNone/>
         <a:tabLst/>
-        <a:defRPr b="0" baseline="0" cap="none" i="0" spc="0" strike="noStrike" sz="2800" u="none">
+        <a:defRPr sz="2800" b="0" i="0" u="none" strike="noStrike" cap="none" spc="0" baseline="0">
           <a:ln>
             <a:noFill/>
           </a:ln>
@@ -2150,7 +2501,7 @@
         <a:buFontTx/>
         <a:buNone/>
         <a:tabLst/>
-        <a:defRPr b="0" baseline="0" cap="none" i="0" spc="0" strike="noStrike" sz="2800" u="none">
+        <a:defRPr sz="2800" b="0" i="0" u="none" strike="noStrike" cap="none" spc="0" baseline="0">
           <a:ln>
             <a:noFill/>
           </a:ln>
@@ -2179,7 +2530,7 @@
         <a:buFontTx/>
         <a:buNone/>
         <a:tabLst/>
-        <a:defRPr b="0" baseline="0" cap="none" i="0" spc="0" strike="noStrike" sz="2800" u="none">
+        <a:defRPr sz="2800" b="0" i="0" u="none" strike="noStrike" cap="none" spc="0" baseline="0">
           <a:ln>
             <a:noFill/>
           </a:ln>
@@ -2208,7 +2559,7 @@
         <a:buFontTx/>
         <a:buNone/>
         <a:tabLst/>
-        <a:defRPr b="0" baseline="0" cap="none" i="0" spc="0" strike="noStrike" sz="2800" u="none">
+        <a:defRPr sz="2800" b="0" i="0" u="none" strike="noStrike" cap="none" spc="0" baseline="0">
           <a:ln>
             <a:noFill/>
           </a:ln>
@@ -2237,7 +2588,7 @@
         <a:buFontTx/>
         <a:buNone/>
         <a:tabLst/>
-        <a:defRPr b="0" baseline="0" cap="none" i="0" spc="0" strike="noStrike" sz="2800" u="none">
+        <a:defRPr sz="2800" b="0" i="0" u="none" strike="noStrike" cap="none" spc="0" baseline="0">
           <a:ln>
             <a:noFill/>
           </a:ln>
@@ -2266,7 +2617,7 @@
         <a:buFontTx/>
         <a:buNone/>
         <a:tabLst/>
-        <a:defRPr b="0" baseline="0" cap="none" i="0" spc="0" strike="noStrike" sz="2800" u="none">
+        <a:defRPr sz="2800" b="0" i="0" u="none" strike="noStrike" cap="none" spc="0" baseline="0">
           <a:ln>
             <a:noFill/>
           </a:ln>
@@ -2295,7 +2646,7 @@
         <a:buFontTx/>
         <a:buNone/>
         <a:tabLst/>
-        <a:defRPr b="0" baseline="0" cap="none" i="0" spc="0" strike="noStrike" sz="2800" u="none">
+        <a:defRPr sz="2800" b="0" i="0" u="none" strike="noStrike" cap="none" spc="0" baseline="0">
           <a:ln>
             <a:noFill/>
           </a:ln>
@@ -2324,7 +2675,7 @@
         <a:buFontTx/>
         <a:buNone/>
         <a:tabLst/>
-        <a:defRPr b="0" baseline="0" cap="none" i="0" spc="0" strike="noStrike" sz="2800" u="none">
+        <a:defRPr sz="2800" b="0" i="0" u="none" strike="noStrike" cap="none" spc="0" baseline="0">
           <a:ln>
             <a:noFill/>
           </a:ln>
@@ -2359,7 +2710,7 @@
         <a:buFont typeface="Arial"/>
         <a:buChar char="●"/>
         <a:tabLst/>
-        <a:defRPr b="0" baseline="0" cap="none" i="0" spc="0" strike="noStrike" sz="1800" u="none">
+        <a:defRPr sz="1800" b="0" i="0" u="none" strike="noStrike" cap="none" spc="0" baseline="0">
           <a:ln>
             <a:noFill/>
           </a:ln>
@@ -2394,7 +2745,7 @@
         <a:buFont typeface="Arial"/>
         <a:buChar char="○"/>
         <a:tabLst/>
-        <a:defRPr b="0" baseline="0" cap="none" i="0" spc="0" strike="noStrike" sz="1800" u="none">
+        <a:defRPr sz="1800" b="0" i="0" u="none" strike="noStrike" cap="none" spc="0" baseline="0">
           <a:ln>
             <a:noFill/>
           </a:ln>
@@ -2429,7 +2780,7 @@
         <a:buFont typeface="Arial"/>
         <a:buChar char="■"/>
         <a:tabLst/>
-        <a:defRPr b="0" baseline="0" cap="none" i="0" spc="0" strike="noStrike" sz="1800" u="none">
+        <a:defRPr sz="1800" b="0" i="0" u="none" strike="noStrike" cap="none" spc="0" baseline="0">
           <a:ln>
             <a:noFill/>
           </a:ln>
@@ -2464,7 +2815,7 @@
         <a:buFont typeface="Arial"/>
         <a:buChar char="●"/>
         <a:tabLst/>
-        <a:defRPr b="0" baseline="0" cap="none" i="0" spc="0" strike="noStrike" sz="1800" u="none">
+        <a:defRPr sz="1800" b="0" i="0" u="none" strike="noStrike" cap="none" spc="0" baseline="0">
           <a:ln>
             <a:noFill/>
           </a:ln>
@@ -2499,7 +2850,7 @@
         <a:buFont typeface="Arial"/>
         <a:buChar char="○"/>
         <a:tabLst/>
-        <a:defRPr b="0" baseline="0" cap="none" i="0" spc="0" strike="noStrike" sz="1800" u="none">
+        <a:defRPr sz="1800" b="0" i="0" u="none" strike="noStrike" cap="none" spc="0" baseline="0">
           <a:ln>
             <a:noFill/>
           </a:ln>
@@ -2534,7 +2885,7 @@
         <a:buFont typeface="Arial"/>
         <a:buChar char="■"/>
         <a:tabLst/>
-        <a:defRPr b="0" baseline="0" cap="none" i="0" spc="0" strike="noStrike" sz="1800" u="none">
+        <a:defRPr sz="1800" b="0" i="0" u="none" strike="noStrike" cap="none" spc="0" baseline="0">
           <a:ln>
             <a:noFill/>
           </a:ln>
@@ -2569,7 +2920,7 @@
         <a:buFont typeface="Arial"/>
         <a:buChar char="●"/>
         <a:tabLst/>
-        <a:defRPr b="0" baseline="0" cap="none" i="0" spc="0" strike="noStrike" sz="1800" u="none">
+        <a:defRPr sz="1800" b="0" i="0" u="none" strike="noStrike" cap="none" spc="0" baseline="0">
           <a:ln>
             <a:noFill/>
           </a:ln>
@@ -2604,7 +2955,7 @@
         <a:buFont typeface="Arial"/>
         <a:buChar char="○"/>
         <a:tabLst/>
-        <a:defRPr b="0" baseline="0" cap="none" i="0" spc="0" strike="noStrike" sz="1800" u="none">
+        <a:defRPr sz="1800" b="0" i="0" u="none" strike="noStrike" cap="none" spc="0" baseline="0">
           <a:ln>
             <a:noFill/>
           </a:ln>
@@ -2639,7 +2990,7 @@
         <a:buFont typeface="Arial"/>
         <a:buChar char="■"/>
         <a:tabLst/>
-        <a:defRPr b="0" baseline="0" cap="none" i="0" spc="0" strike="noStrike" sz="1800" u="none">
+        <a:defRPr sz="1800" b="0" i="0" u="none" strike="noStrike" cap="none" spc="0" baseline="0">
           <a:ln>
             <a:noFill/>
           </a:ln>
@@ -2672,7 +3023,7 @@
         <a:buFontTx/>
         <a:buNone/>
         <a:tabLst/>
-        <a:defRPr b="0" baseline="0" cap="none" i="0" spc="0" strike="noStrike" sz="1000" u="none">
+        <a:defRPr sz="1000" b="0" i="0" u="none" strike="noStrike" cap="none" spc="0" baseline="0">
           <a:ln>
             <a:noFill/>
           </a:ln>
@@ -2701,7 +3052,7 @@
         <a:buFontTx/>
         <a:buNone/>
         <a:tabLst/>
-        <a:defRPr b="0" baseline="0" cap="none" i="0" spc="0" strike="noStrike" sz="1000" u="none">
+        <a:defRPr sz="1000" b="0" i="0" u="none" strike="noStrike" cap="none" spc="0" baseline="0">
           <a:ln>
             <a:noFill/>
           </a:ln>
@@ -2730,7 +3081,7 @@
         <a:buFontTx/>
         <a:buNone/>
         <a:tabLst/>
-        <a:defRPr b="0" baseline="0" cap="none" i="0" spc="0" strike="noStrike" sz="1000" u="none">
+        <a:defRPr sz="1000" b="0" i="0" u="none" strike="noStrike" cap="none" spc="0" baseline="0">
           <a:ln>
             <a:noFill/>
           </a:ln>
@@ -2759,7 +3110,7 @@
         <a:buFontTx/>
         <a:buNone/>
         <a:tabLst/>
-        <a:defRPr b="0" baseline="0" cap="none" i="0" spc="0" strike="noStrike" sz="1000" u="none">
+        <a:defRPr sz="1000" b="0" i="0" u="none" strike="noStrike" cap="none" spc="0" baseline="0">
           <a:ln>
             <a:noFill/>
           </a:ln>
@@ -2788,7 +3139,7 @@
         <a:buFontTx/>
         <a:buNone/>
         <a:tabLst/>
-        <a:defRPr b="0" baseline="0" cap="none" i="0" spc="0" strike="noStrike" sz="1000" u="none">
+        <a:defRPr sz="1000" b="0" i="0" u="none" strike="noStrike" cap="none" spc="0" baseline="0">
           <a:ln>
             <a:noFill/>
           </a:ln>
@@ -2817,7 +3168,7 @@
         <a:buFontTx/>
         <a:buNone/>
         <a:tabLst/>
-        <a:defRPr b="0" baseline="0" cap="none" i="0" spc="0" strike="noStrike" sz="1000" u="none">
+        <a:defRPr sz="1000" b="0" i="0" u="none" strike="noStrike" cap="none" spc="0" baseline="0">
           <a:ln>
             <a:noFill/>
           </a:ln>
@@ -2846,7 +3197,7 @@
         <a:buFontTx/>
         <a:buNone/>
         <a:tabLst/>
-        <a:defRPr b="0" baseline="0" cap="none" i="0" spc="0" strike="noStrike" sz="1000" u="none">
+        <a:defRPr sz="1000" b="0" i="0" u="none" strike="noStrike" cap="none" spc="0" baseline="0">
           <a:ln>
             <a:noFill/>
           </a:ln>
@@ -2875,7 +3226,7 @@
         <a:buFontTx/>
         <a:buNone/>
         <a:tabLst/>
-        <a:defRPr b="0" baseline="0" cap="none" i="0" spc="0" strike="noStrike" sz="1000" u="none">
+        <a:defRPr sz="1000" b="0" i="0" u="none" strike="noStrike" cap="none" spc="0" baseline="0">
           <a:ln>
             <a:noFill/>
           </a:ln>
@@ -2904,7 +3255,7 @@
         <a:buFontTx/>
         <a:buNone/>
         <a:tabLst/>
-        <a:defRPr b="0" baseline="0" cap="none" i="0" spc="0" strike="noStrike" sz="1000" u="none">
+        <a:defRPr sz="1000" b="0" i="0" u="none" strike="noStrike" cap="none" spc="0" baseline="0">
           <a:ln>
             <a:noFill/>
           </a:ln>
@@ -2924,7 +3275,7 @@
 </file>
 
 <file path=ppt/slides/slide1.xml><?xml version="1.0" encoding="utf-8"?>
-<p:sld xmlns:a="http://schemas.openxmlformats.org/drawingml/2006/main" xmlns:r="http://schemas.openxmlformats.org/officeDocument/2006/relationships" xmlns:p="http://schemas.openxmlformats.org/presentationml/2006/main" showMasterSp="1" showMasterPhAnim="1">
+<p:sld xmlns:a="http://schemas.openxmlformats.org/drawingml/2006/main" xmlns:r="http://schemas.openxmlformats.org/officeDocument/2006/relationships" xmlns:p="http://schemas.openxmlformats.org/presentationml/2006/main">
   <p:cSld>
     <p:spTree>
       <p:nvGrpSpPr>
@@ -2947,7 +3298,7 @@
           <p:nvPr/>
         </p:nvSpPr>
         <p:spPr>
-          <a:xfrm flipH="1" rot="10800000">
+          <a:xfrm rot="10800000" flipH="1">
             <a:off x="-1" y="0"/>
             <a:ext cx="9163201" cy="5148001"/>
           </a:xfrm>
@@ -2971,7 +3322,7 @@
             </a:cxnLst>
             <a:rect l="0" t="0" r="r" b="b"/>
             <a:pathLst>
-              <a:path w="21600" h="21600" fill="norm" stroke="1" extrusionOk="0">
+              <a:path w="21600" h="21600" extrusionOk="0">
                 <a:moveTo>
                   <a:pt x="0" y="0"/>
                 </a:moveTo>
@@ -3010,7 +3361,7 @@
           <a:bodyPr lIns="45719" rIns="45719" anchor="ctr"/>
           <a:lstStyle/>
           <a:p>
-            <a:pPr/>
+            <a:endParaRPr/>
           </a:p>
         </p:txBody>
       </p:sp>
@@ -3022,8 +3373,8 @@
         </p:nvSpPr>
         <p:spPr>
           <a:xfrm>
-            <a:off x="537899" y="1895175"/>
-            <a:ext cx="3953102" cy="1376651"/>
+            <a:off x="537899" y="687477"/>
+            <a:ext cx="6411630" cy="723243"/>
           </a:xfrm>
           <a:prstGeom prst="rect">
             <a:avLst/>
@@ -3033,12 +3384,12 @@
           </a:ln>
           <a:extLst>
             <a:ext uri="{C572A759-6A51-4108-AA02-DFA0A04FC94B}">
-              <ma14:wrappingTextBoxFlag xmlns:ma14="http://schemas.microsoft.com/office/mac/drawingml/2011/main" val="1"/>
+              <ma14:wrappingTextBoxFlag xmlns="" xmlns:ma14="http://schemas.microsoft.com/office/mac/drawingml/2011/main" val="1"/>
             </a:ext>
           </a:extLst>
         </p:spPr>
         <p:txBody>
-          <a:bodyPr lIns="91424" tIns="91424" rIns="91424" bIns="91424">
+          <a:bodyPr wrap="square" lIns="91424" tIns="91424" rIns="91424" bIns="91424">
             <a:spAutoFit/>
           </a:bodyPr>
           <a:lstStyle>
@@ -3055,7 +3406,6 @@
             </a:lvl1pPr>
           </a:lstStyle>
           <a:p>
-            <a:pPr/>
             <a:r>
               <a:t>Sprocket Central Pty Ltd</a:t>
             </a:r>
@@ -3070,8 +3420,8 @@
         </p:nvSpPr>
         <p:spPr>
           <a:xfrm>
-            <a:off x="537900" y="3315475"/>
-            <a:ext cx="5550600" cy="525751"/>
+            <a:off x="537900" y="2237173"/>
+            <a:ext cx="5550600" cy="553966"/>
           </a:xfrm>
           <a:prstGeom prst="rect">
             <a:avLst/>
@@ -3081,12 +3431,12 @@
           </a:ln>
           <a:extLst>
             <a:ext uri="{C572A759-6A51-4108-AA02-DFA0A04FC94B}">
-              <ma14:wrappingTextBoxFlag xmlns:ma14="http://schemas.microsoft.com/office/mac/drawingml/2011/main" val="1"/>
+              <ma14:wrappingTextBoxFlag xmlns="" xmlns:ma14="http://schemas.microsoft.com/office/mac/drawingml/2011/main" val="1"/>
             </a:ext>
           </a:extLst>
         </p:spPr>
         <p:txBody>
-          <a:bodyPr lIns="91424" tIns="91424" rIns="91424" bIns="91424">
+          <a:bodyPr lIns="91424" tIns="91424" rIns="91424" bIns="91424" anchor="t">
             <a:spAutoFit/>
           </a:bodyPr>
           <a:lstStyle>
@@ -3103,42 +3453,13 @@
             </a:lvl1pPr>
           </a:lstStyle>
           <a:p>
-            <a:pPr/>
-            <a:r>
+            <a:r>
+              <a:rPr sz="2400" dirty="0"/>
               <a:t>Data analytics approach</a:t>
             </a:r>
           </a:p>
         </p:txBody>
       </p:sp>
-      <p:pic>
-        <p:nvPicPr>
-          <p:cNvPr id="112" name="Shape 57" descr="Shape 57"/>
-          <p:cNvPicPr>
-            <a:picLocks noChangeAspect="1"/>
-          </p:cNvPicPr>
-          <p:nvPr/>
-        </p:nvPicPr>
-        <p:blipFill>
-          <a:blip r:embed="rId2">
-            <a:extLst/>
-          </a:blip>
-          <a:stretch>
-            <a:fillRect/>
-          </a:stretch>
-        </p:blipFill>
-        <p:spPr>
-          <a:xfrm>
-            <a:off x="614100" y="1275524"/>
-            <a:ext cx="1982300" cy="238701"/>
-          </a:xfrm>
-          <a:prstGeom prst="rect">
-            <a:avLst/>
-          </a:prstGeom>
-          <a:ln w="12700">
-            <a:miter lim="400000"/>
-          </a:ln>
-        </p:spPr>
-      </p:pic>
       <p:sp>
         <p:nvSpPr>
           <p:cNvPr id="113" name="Shape 58"/>
@@ -3147,8 +3468,8 @@
         </p:nvSpPr>
         <p:spPr>
           <a:xfrm>
-            <a:off x="537900" y="3666599"/>
-            <a:ext cx="6249600" cy="398751"/>
+            <a:off x="537900" y="3213713"/>
+            <a:ext cx="6249600" cy="677076"/>
           </a:xfrm>
           <a:prstGeom prst="rect">
             <a:avLst/>
@@ -3158,12 +3479,12 @@
           </a:ln>
           <a:extLst>
             <a:ext uri="{C572A759-6A51-4108-AA02-DFA0A04FC94B}">
-              <ma14:wrappingTextBoxFlag xmlns:ma14="http://schemas.microsoft.com/office/mac/drawingml/2011/main" val="1"/>
+              <ma14:wrappingTextBoxFlag xmlns="" xmlns:ma14="http://schemas.microsoft.com/office/mac/drawingml/2011/main" val="1"/>
             </a:ext>
           </a:extLst>
         </p:spPr>
         <p:txBody>
-          <a:bodyPr lIns="91424" tIns="91424" rIns="91424" bIns="91424">
+          <a:bodyPr lIns="91424" tIns="91424" rIns="91424" bIns="91424" anchor="t">
             <a:spAutoFit/>
           </a:bodyPr>
           <a:lstStyle>
@@ -3180,9 +3501,20 @@
             </a:lvl1pPr>
           </a:lstStyle>
           <a:p>
-            <a:pPr/>
-            <a:r>
-              <a:t>[Division Name] - [Engagement Manager], [Senior Consultant], [Junior Consultant]</a:t>
+            <a:r>
+              <a:rPr lang="en-US" sz="1600" dirty="0" err="1"/>
+              <a:t>Asraful</a:t>
+            </a:r>
+            <a:r>
+              <a:rPr lang="en-US" sz="1600" dirty="0"/>
+              <a:t> Islam, Junior Data Analyst</a:t>
+            </a:r>
+            <a:endParaRPr lang="en-US" sz="1600"/>
+          </a:p>
+          <a:p>
+            <a:r>
+              <a:rPr lang="en-US" sz="1600" dirty="0"/>
+              <a:t>asrafuldu126@gmail.com</a:t>
             </a:r>
           </a:p>
         </p:txBody>
@@ -3209,7 +3541,7 @@
           </a:ln>
           <a:extLst>
             <a:ext uri="{C572A759-6A51-4108-AA02-DFA0A04FC94B}">
-              <ma14:wrappingTextBoxFlag xmlns:ma14="http://schemas.microsoft.com/office/mac/drawingml/2011/main" val="1"/>
+              <ma14:wrappingTextBoxFlag xmlns="" xmlns:ma14="http://schemas.microsoft.com/office/mac/drawingml/2011/main" val="1"/>
             </a:ext>
           </a:extLst>
         </p:spPr>
@@ -3218,7 +3550,7 @@
           <a:lstStyle/>
           <a:p>
             <a:pPr defTabSz="457200">
-              <a:defRPr b="1" sz="500">
+              <a:defRPr sz="500" b="1">
                 <a:latin typeface="Calibri"/>
                 <a:ea typeface="Calibri"/>
                 <a:cs typeface="Calibri"/>
@@ -3240,12 +3572,216 @@
   <p:clrMapOvr>
     <a:masterClrMapping/>
   </p:clrMapOvr>
-  <p:transition xmlns:p14="http://schemas.microsoft.com/office/powerpoint/2010/main" spd="med" advClick="1"/>
+  <p:transition spd="med"/>
+</p:sld>
+</file>
+
+<file path=ppt/slides/slide10.xml><?xml version="1.0" encoding="utf-8"?>
+<p:sld xmlns:a="http://schemas.openxmlformats.org/drawingml/2006/main" xmlns:r="http://schemas.openxmlformats.org/officeDocument/2006/relationships" xmlns:p="http://schemas.openxmlformats.org/presentationml/2006/main">
+  <p:cSld>
+    <p:spTree>
+      <p:nvGrpSpPr>
+        <p:cNvPr id="1" name=""/>
+        <p:cNvGrpSpPr/>
+        <p:nvPr/>
+      </p:nvGrpSpPr>
+      <p:grpSpPr>
+        <a:xfrm>
+          <a:off x="0" y="0"/>
+          <a:ext cx="0" cy="0"/>
+          <a:chOff x="0" y="0"/>
+          <a:chExt cx="0" cy="0"/>
+        </a:xfrm>
+      </p:grpSpPr>
+      <p:sp>
+        <p:nvSpPr>
+          <p:cNvPr id="161" name="Shape 113"/>
+          <p:cNvSpPr/>
+          <p:nvPr/>
+        </p:nvSpPr>
+        <p:spPr>
+          <a:xfrm>
+            <a:off x="-15501" y="-19475"/>
+            <a:ext cx="9191402" cy="840000"/>
+          </a:xfrm>
+          <a:prstGeom prst="rect">
+            <a:avLst/>
+          </a:prstGeom>
+          <a:gradFill>
+            <a:gsLst>
+              <a:gs pos="0">
+                <a:srgbClr val="1077D2"/>
+              </a:gs>
+              <a:gs pos="100000">
+                <a:srgbClr val="093153"/>
+              </a:gs>
+            </a:gsLst>
+            <a:lin ang="12000143"/>
+          </a:gradFill>
+          <a:ln w="12700">
+            <a:miter lim="400000"/>
+          </a:ln>
+        </p:spPr>
+        <p:txBody>
+          <a:bodyPr lIns="45719" rIns="45719" anchor="ctr"/>
+          <a:lstStyle/>
+          <a:p>
+            <a:endParaRPr/>
+          </a:p>
+        </p:txBody>
+      </p:sp>
+      <p:sp>
+        <p:nvSpPr>
+          <p:cNvPr id="162" name="Shape 114"/>
+          <p:cNvSpPr/>
+          <p:nvPr/>
+        </p:nvSpPr>
+        <p:spPr>
+          <a:xfrm>
+            <a:off x="205025" y="263974"/>
+            <a:ext cx="8565600" cy="758742"/>
+          </a:xfrm>
+          <a:prstGeom prst="rect">
+            <a:avLst/>
+          </a:prstGeom>
+          <a:ln w="12700">
+            <a:miter lim="400000"/>
+          </a:ln>
+          <a:extLst>
+            <a:ext uri="{C572A759-6A51-4108-AA02-DFA0A04FC94B}">
+              <ma14:wrappingTextBoxFlag xmlns="" xmlns:ma14="http://schemas.microsoft.com/office/mac/drawingml/2011/main" val="1"/>
+            </a:ext>
+          </a:extLst>
+        </p:spPr>
+        <p:txBody>
+          <a:bodyPr lIns="91424" tIns="91424" rIns="91424" bIns="91424">
+            <a:spAutoFit/>
+          </a:bodyPr>
+          <a:lstStyle>
+            <a:lvl1pPr>
+              <a:defRPr sz="2000" b="1">
+                <a:solidFill>
+                  <a:srgbClr val="FFFFFF"/>
+                </a:solidFill>
+              </a:defRPr>
+            </a:lvl1pPr>
+          </a:lstStyle>
+          <a:p>
+            <a:r>
+              <a:rPr dirty="0"/>
+              <a:t>Appendix</a:t>
+            </a:r>
+          </a:p>
+        </p:txBody>
+      </p:sp>
+      <p:sp>
+        <p:nvSpPr>
+          <p:cNvPr id="163" name="Shape 115"/>
+          <p:cNvSpPr/>
+          <p:nvPr/>
+        </p:nvSpPr>
+        <p:spPr>
+          <a:xfrm>
+            <a:off x="205025" y="1083299"/>
+            <a:ext cx="8565600" cy="920086"/>
+          </a:xfrm>
+          <a:prstGeom prst="rect">
+            <a:avLst/>
+          </a:prstGeom>
+          <a:ln w="12700">
+            <a:miter lim="400000"/>
+          </a:ln>
+          <a:extLst>
+            <a:ext uri="{C572A759-6A51-4108-AA02-DFA0A04FC94B}">
+              <ma14:wrappingTextBoxFlag xmlns="" xmlns:ma14="http://schemas.microsoft.com/office/mac/drawingml/2011/main" val="1"/>
+            </a:ext>
+          </a:extLst>
+        </p:spPr>
+        <p:txBody>
+          <a:bodyPr lIns="91424" tIns="91424" rIns="91424" bIns="91424">
+            <a:spAutoFit/>
+          </a:bodyPr>
+          <a:lstStyle>
+            <a:lvl1pPr>
+              <a:lnSpc>
+                <a:spcPct val="115000"/>
+              </a:lnSpc>
+              <a:defRPr sz="2000" b="1">
+                <a:latin typeface="Open Sans"/>
+                <a:ea typeface="Open Sans"/>
+                <a:cs typeface="Open Sans"/>
+                <a:sym typeface="Open Sans"/>
+              </a:defRPr>
+            </a:lvl1pPr>
+          </a:lstStyle>
+          <a:p>
+            <a:r>
+              <a:rPr dirty="0"/>
+              <a:t>This is an optional slide where you may place any supporting items.</a:t>
+            </a:r>
+          </a:p>
+        </p:txBody>
+      </p:sp>
+      <p:sp>
+        <p:nvSpPr>
+          <p:cNvPr id="164" name="Note: The data and information in this document is reflective of a hypothetical situation and client. This document is to be used for KPMG Virtual Internship purposes only."/>
+          <p:cNvSpPr/>
+          <p:nvPr/>
+        </p:nvSpPr>
+        <p:spPr>
+          <a:xfrm>
+            <a:off x="-6201" y="-6350"/>
+            <a:ext cx="9175601" cy="238700"/>
+          </a:xfrm>
+          <a:prstGeom prst="rect">
+            <a:avLst/>
+          </a:prstGeom>
+          <a:solidFill>
+            <a:schemeClr val="accent3"/>
+          </a:solidFill>
+          <a:ln w="12700">
+            <a:miter lim="400000"/>
+          </a:ln>
+          <a:extLst>
+            <a:ext uri="{C572A759-6A51-4108-AA02-DFA0A04FC94B}">
+              <ma14:wrappingTextBoxFlag xmlns="" xmlns:ma14="http://schemas.microsoft.com/office/mac/drawingml/2011/main" val="1"/>
+            </a:ext>
+          </a:extLst>
+        </p:spPr>
+        <p:txBody>
+          <a:bodyPr lIns="45719" rIns="45719" anchor="ctr"/>
+          <a:lstStyle/>
+          <a:p>
+            <a:pPr defTabSz="457200">
+              <a:defRPr sz="500" b="1">
+                <a:latin typeface="Calibri"/>
+                <a:ea typeface="Calibri"/>
+                <a:cs typeface="Calibri"/>
+                <a:sym typeface="Calibri"/>
+              </a:defRPr>
+            </a:pPr>
+            <a:r>
+              <a:rPr dirty="0"/>
+              <a:t>       Note: </a:t>
+            </a:r>
+            <a:r>
+              <a:rPr b="0" dirty="0"/>
+              <a:t>The data and information in this document is reflective of a hypothetical situation and client. This document is to be used for KPMG Virtual Internship purposes only. </a:t>
+            </a:r>
+          </a:p>
+        </p:txBody>
+      </p:sp>
+    </p:spTree>
+  </p:cSld>
+  <p:clrMapOvr>
+    <a:masterClrMapping/>
+  </p:clrMapOvr>
+  <p:transition spd="med"/>
 </p:sld>
 </file>
 
 <file path=ppt/slides/slide2.xml><?xml version="1.0" encoding="utf-8"?>
-<p:sld xmlns:a="http://schemas.openxmlformats.org/drawingml/2006/main" xmlns:r="http://schemas.openxmlformats.org/officeDocument/2006/relationships" xmlns:p="http://schemas.openxmlformats.org/presentationml/2006/main" showMasterSp="1" showMasterPhAnim="1">
+<p:sld xmlns:a="http://schemas.openxmlformats.org/drawingml/2006/main" xmlns:r="http://schemas.openxmlformats.org/officeDocument/2006/relationships" xmlns:p="http://schemas.openxmlformats.org/presentationml/2006/main">
   <p:cSld>
     <p:spTree>
       <p:nvGrpSpPr>
@@ -3294,7 +3830,7 @@
           <a:bodyPr lIns="45719" rIns="45719" anchor="ctr"/>
           <a:lstStyle/>
           <a:p>
-            <a:pPr/>
+            <a:endParaRPr/>
           </a:p>
         </p:txBody>
       </p:sp>
@@ -3317,7 +3853,7 @@
           </a:ln>
           <a:extLst>
             <a:ext uri="{C572A759-6A51-4108-AA02-DFA0A04FC94B}">
-              <ma14:wrappingTextBoxFlag xmlns:ma14="http://schemas.microsoft.com/office/mac/drawingml/2011/main" val="1"/>
+              <ma14:wrappingTextBoxFlag xmlns="" xmlns:ma14="http://schemas.microsoft.com/office/mac/drawingml/2011/main" val="1"/>
             </a:ext>
           </a:extLst>
         </p:spPr>
@@ -3327,7 +3863,7 @@
           </a:bodyPr>
           <a:lstStyle>
             <a:lvl1pPr>
-              <a:defRPr b="1" sz="2000">
+              <a:defRPr sz="2000" b="1">
                 <a:solidFill>
                   <a:srgbClr val="FFFFFF"/>
                 </a:solidFill>
@@ -3335,7 +3871,6 @@
             </a:lvl1pPr>
           </a:lstStyle>
           <a:p>
-            <a:pPr/>
             <a:r>
               <a:t>Agenda</a:t>
             </a:r>
@@ -3361,7 +3896,7 @@
           </a:ln>
           <a:extLst>
             <a:ext uri="{C572A759-6A51-4108-AA02-DFA0A04FC94B}">
-              <ma14:wrappingTextBoxFlag xmlns:ma14="http://schemas.microsoft.com/office/mac/drawingml/2011/main" val="1"/>
+              <ma14:wrappingTextBoxFlag xmlns="" xmlns:ma14="http://schemas.microsoft.com/office/mac/drawingml/2011/main" val="1"/>
             </a:ext>
           </a:extLst>
         </p:spPr>
@@ -3379,7 +3914,7 @@
                 <a:srgbClr val="000000"/>
               </a:buClr>
               <a:buSzPts val="2000"/>
-              <a:buAutoNum type="arabicPeriod" startAt="1"/>
+              <a:buAutoNum type="arabicPeriod"/>
               <a:defRPr sz="2000">
                 <a:latin typeface="Open Sans"/>
                 <a:ea typeface="Open Sans"/>
@@ -3400,7 +3935,7 @@
                 <a:srgbClr val="000000"/>
               </a:buClr>
               <a:buSzPts val="2000"/>
-              <a:buAutoNum type="arabicPeriod" startAt="1"/>
+              <a:buAutoNum type="arabicPeriod"/>
               <a:defRPr sz="2000">
                 <a:latin typeface="Open Sans"/>
                 <a:ea typeface="Open Sans"/>
@@ -3421,7 +3956,7 @@
                 <a:srgbClr val="000000"/>
               </a:buClr>
               <a:buSzPts val="2000"/>
-              <a:buAutoNum type="arabicPeriod" startAt="1"/>
+              <a:buAutoNum type="arabicPeriod"/>
               <a:defRPr sz="2000">
                 <a:latin typeface="Open Sans"/>
                 <a:ea typeface="Open Sans"/>
@@ -3442,7 +3977,7 @@
                 <a:srgbClr val="000000"/>
               </a:buClr>
               <a:buSzPts val="2000"/>
-              <a:buAutoNum type="arabicPeriod" startAt="1"/>
+              <a:buAutoNum type="arabicPeriod"/>
               <a:defRPr sz="2000">
                 <a:latin typeface="Open Sans"/>
                 <a:ea typeface="Open Sans"/>
@@ -3478,7 +4013,7 @@
           </a:ln>
           <a:extLst>
             <a:ext uri="{C572A759-6A51-4108-AA02-DFA0A04FC94B}">
-              <ma14:wrappingTextBoxFlag xmlns:ma14="http://schemas.microsoft.com/office/mac/drawingml/2011/main" val="1"/>
+              <ma14:wrappingTextBoxFlag xmlns="" xmlns:ma14="http://schemas.microsoft.com/office/mac/drawingml/2011/main" val="1"/>
             </a:ext>
           </a:extLst>
         </p:spPr>
@@ -3487,7 +4022,7 @@
           <a:lstStyle/>
           <a:p>
             <a:pPr defTabSz="457200">
-              <a:defRPr b="1" sz="500">
+              <a:defRPr sz="500" b="1">
                 <a:latin typeface="Calibri"/>
                 <a:ea typeface="Calibri"/>
                 <a:cs typeface="Calibri"/>
@@ -3509,12 +4044,12 @@
   <p:clrMapOvr>
     <a:masterClrMapping/>
   </p:clrMapOvr>
-  <p:transition xmlns:p14="http://schemas.microsoft.com/office/powerpoint/2010/main" spd="med" advClick="1"/>
+  <p:transition spd="med"/>
 </p:sld>
 </file>
 
 <file path=ppt/slides/slide3.xml><?xml version="1.0" encoding="utf-8"?>
-<p:sld xmlns:a="http://schemas.openxmlformats.org/drawingml/2006/main" xmlns:r="http://schemas.openxmlformats.org/officeDocument/2006/relationships" xmlns:p="http://schemas.openxmlformats.org/presentationml/2006/main" showMasterSp="1" showMasterPhAnim="1">
+<p:sld xmlns:a="http://schemas.openxmlformats.org/drawingml/2006/main" xmlns:r="http://schemas.openxmlformats.org/officeDocument/2006/relationships" xmlns:p="http://schemas.openxmlformats.org/presentationml/2006/main">
   <p:cSld>
     <p:spTree>
       <p:nvGrpSpPr>
@@ -3563,7 +4098,7 @@
           <a:bodyPr lIns="45719" rIns="45719" anchor="ctr"/>
           <a:lstStyle/>
           <a:p>
-            <a:pPr/>
+            <a:endParaRPr/>
           </a:p>
         </p:txBody>
       </p:sp>
@@ -3586,7 +4121,7 @@
           </a:ln>
           <a:extLst>
             <a:ext uri="{C572A759-6A51-4108-AA02-DFA0A04FC94B}">
-              <ma14:wrappingTextBoxFlag xmlns:ma14="http://schemas.microsoft.com/office/mac/drawingml/2011/main" val="1"/>
+              <ma14:wrappingTextBoxFlag xmlns="" xmlns:ma14="http://schemas.microsoft.com/office/mac/drawingml/2011/main" val="1"/>
             </a:ext>
           </a:extLst>
         </p:spPr>
@@ -3596,7 +4131,7 @@
           </a:bodyPr>
           <a:lstStyle>
             <a:lvl1pPr>
-              <a:defRPr b="1" sz="2000">
+              <a:defRPr sz="2000" b="1">
                 <a:solidFill>
                   <a:srgbClr val="FFFFFF"/>
                 </a:solidFill>
@@ -3604,210 +4139,12 @@
             </a:lvl1pPr>
           </a:lstStyle>
           <a:p>
-            <a:pPr/>
             <a:r>
               <a:t>Introduction</a:t>
             </a:r>
           </a:p>
         </p:txBody>
       </p:sp>
-      <p:sp>
-        <p:nvSpPr>
-          <p:cNvPr id="123" name="Shape 72"/>
-          <p:cNvSpPr/>
-          <p:nvPr/>
-        </p:nvSpPr>
-        <p:spPr>
-          <a:xfrm>
-            <a:off x="205025" y="1083299"/>
-            <a:ext cx="8565600" cy="920086"/>
-          </a:xfrm>
-          <a:prstGeom prst="rect">
-            <a:avLst/>
-          </a:prstGeom>
-          <a:ln w="12700">
-            <a:miter lim="400000"/>
-          </a:ln>
-          <a:extLst>
-            <a:ext uri="{C572A759-6A51-4108-AA02-DFA0A04FC94B}">
-              <ma14:wrappingTextBoxFlag xmlns:ma14="http://schemas.microsoft.com/office/mac/drawingml/2011/main" val="1"/>
-            </a:ext>
-          </a:extLst>
-        </p:spPr>
-        <p:txBody>
-          <a:bodyPr lIns="91424" tIns="91424" rIns="91424" bIns="91424">
-            <a:spAutoFit/>
-          </a:bodyPr>
-          <a:lstStyle>
-            <a:lvl1pPr>
-              <a:lnSpc>
-                <a:spcPct val="115000"/>
-              </a:lnSpc>
-              <a:defRPr b="1" sz="2000">
-                <a:latin typeface="Open Sans"/>
-                <a:ea typeface="Open Sans"/>
-                <a:cs typeface="Open Sans"/>
-                <a:sym typeface="Open Sans"/>
-              </a:defRPr>
-            </a:lvl1pPr>
-          </a:lstStyle>
-          <a:p>
-            <a:pPr/>
-            <a:r>
-              <a:t>Place headline insight or information here. This should be the most important point for this slide.</a:t>
-            </a:r>
-          </a:p>
-        </p:txBody>
-      </p:sp>
-      <p:sp>
-        <p:nvSpPr>
-          <p:cNvPr id="124" name="Shape 73"/>
-          <p:cNvSpPr/>
-          <p:nvPr/>
-        </p:nvSpPr>
-        <p:spPr>
-          <a:xfrm>
-            <a:off x="205025" y="2164724"/>
-            <a:ext cx="4134600" cy="436851"/>
-          </a:xfrm>
-          <a:prstGeom prst="rect">
-            <a:avLst/>
-          </a:prstGeom>
-          <a:ln w="12700">
-            <a:miter lim="400000"/>
-          </a:ln>
-          <a:extLst>
-            <a:ext uri="{C572A759-6A51-4108-AA02-DFA0A04FC94B}">
-              <ma14:wrappingTextBoxFlag xmlns:ma14="http://schemas.microsoft.com/office/mac/drawingml/2011/main" val="1"/>
-            </a:ext>
-          </a:extLst>
-        </p:spPr>
-        <p:txBody>
-          <a:bodyPr lIns="91424" tIns="91424" rIns="91424" bIns="91424">
-            <a:spAutoFit/>
-          </a:bodyPr>
-          <a:lstStyle>
-            <a:lvl1pPr>
-              <a:lnSpc>
-                <a:spcPct val="115000"/>
-              </a:lnSpc>
-              <a:defRPr sz="1500">
-                <a:latin typeface="Open Sans"/>
-                <a:ea typeface="Open Sans"/>
-                <a:cs typeface="Open Sans"/>
-                <a:sym typeface="Open Sans"/>
-              </a:defRPr>
-            </a:lvl1pPr>
-          </a:lstStyle>
-          <a:p>
-            <a:pPr/>
-            <a:r>
-              <a:t>Place any information about this point here.</a:t>
-            </a:r>
-          </a:p>
-        </p:txBody>
-      </p:sp>
-      <p:grpSp>
-        <p:nvGrpSpPr>
-          <p:cNvPr id="127" name="Shape 74"/>
-          <p:cNvGrpSpPr/>
-          <p:nvPr/>
-        </p:nvGrpSpPr>
-        <p:grpSpPr>
-          <a:xfrm>
-            <a:off x="4969974" y="2164724"/>
-            <a:ext cx="3800702" cy="2649302"/>
-            <a:chOff x="0" y="0"/>
-            <a:chExt cx="3800700" cy="2649300"/>
-          </a:xfrm>
-        </p:grpSpPr>
-        <p:sp>
-          <p:nvSpPr>
-            <p:cNvPr id="125" name="Rectangle"/>
-            <p:cNvSpPr/>
-            <p:nvPr/>
-          </p:nvSpPr>
-          <p:spPr>
-            <a:xfrm>
-              <a:off x="-1" y="-1"/>
-              <a:ext cx="3800702" cy="2649302"/>
-            </a:xfrm>
-            <a:prstGeom prst="rect">
-              <a:avLst/>
-            </a:prstGeom>
-            <a:solidFill>
-              <a:srgbClr val="EEEEEE"/>
-            </a:solidFill>
-            <a:ln w="12700" cap="flat">
-              <a:noFill/>
-              <a:miter lim="400000"/>
-            </a:ln>
-            <a:effectLst/>
-          </p:spPr>
-          <p:txBody>
-            <a:bodyPr wrap="square" lIns="45719" tIns="45719" rIns="45719" bIns="45719" numCol="1" anchor="ctr">
-              <a:noAutofit/>
-            </a:bodyPr>
-            <a:lstStyle/>
-            <a:p>
-              <a:pPr algn="ctr">
-                <a:defRPr>
-                  <a:solidFill>
-                    <a:srgbClr val="666666"/>
-                  </a:solidFill>
-                </a:defRPr>
-              </a:pPr>
-            </a:p>
-          </p:txBody>
-        </p:sp>
-        <p:sp>
-          <p:nvSpPr>
-            <p:cNvPr id="126" name="Place any supporting images, graphs, data or extra text here."/>
-            <p:cNvSpPr/>
-            <p:nvPr/>
-          </p:nvSpPr>
-          <p:spPr>
-            <a:xfrm>
-              <a:off x="-1" y="1032933"/>
-              <a:ext cx="3800702" cy="583434"/>
-            </a:xfrm>
-            <a:prstGeom prst="rect">
-              <a:avLst/>
-            </a:prstGeom>
-            <a:noFill/>
-            <a:ln w="12700" cap="flat">
-              <a:noFill/>
-              <a:miter lim="400000"/>
-            </a:ln>
-            <a:effectLst/>
-            <a:extLst>
-              <a:ext uri="{C572A759-6A51-4108-AA02-DFA0A04FC94B}">
-                <ma14:wrappingTextBoxFlag xmlns:ma14="http://schemas.microsoft.com/office/mac/drawingml/2011/main" val="1"/>
-              </a:ext>
-            </a:extLst>
-          </p:spPr>
-          <p:txBody>
-            <a:bodyPr wrap="square" lIns="91424" tIns="91424" rIns="91424" bIns="91424" numCol="1" anchor="ctr">
-              <a:spAutoFit/>
-            </a:bodyPr>
-            <a:lstStyle>
-              <a:lvl1pPr algn="ctr">
-                <a:defRPr>
-                  <a:solidFill>
-                    <a:srgbClr val="666666"/>
-                  </a:solidFill>
-                </a:defRPr>
-              </a:lvl1pPr>
-            </a:lstStyle>
-            <a:p>
-              <a:pPr/>
-              <a:r>
-                <a:t>Place any supporting images, graphs, data or extra text here.</a:t>
-              </a:r>
-            </a:p>
-          </p:txBody>
-        </p:sp>
-      </p:grpSp>
       <p:sp>
         <p:nvSpPr>
           <p:cNvPr id="128" name="Note: The data and information in this document is reflective of a hypothetical situation and client. This document is to be used for KPMG Virtual Internship purposes only."/>
@@ -3830,7 +4167,7 @@
           </a:ln>
           <a:extLst>
             <a:ext uri="{C572A759-6A51-4108-AA02-DFA0A04FC94B}">
-              <ma14:wrappingTextBoxFlag xmlns:ma14="http://schemas.microsoft.com/office/mac/drawingml/2011/main" val="1"/>
+              <ma14:wrappingTextBoxFlag xmlns="" xmlns:ma14="http://schemas.microsoft.com/office/mac/drawingml/2011/main" val="1"/>
             </a:ext>
           </a:extLst>
         </p:spPr>
@@ -3839,7 +4176,7 @@
           <a:lstStyle/>
           <a:p>
             <a:pPr defTabSz="457200">
-              <a:defRPr b="1" sz="500">
+              <a:defRPr sz="500" b="1">
                 <a:latin typeface="Calibri"/>
                 <a:ea typeface="Calibri"/>
                 <a:cs typeface="Calibri"/>
@@ -3852,6 +4189,747 @@
             <a:r>
               <a:rPr b="0"/>
               <a:t>The data and information in this document is reflective of a hypothetical situation and client. This document is to be used for KPMG Virtual Internship purposes only. </a:t>
+            </a:r>
+          </a:p>
+        </p:txBody>
+      </p:sp>
+      <p:sp>
+        <p:nvSpPr>
+          <p:cNvPr id="3" name="Title 2">
+            <a:extLst>
+              <a:ext uri="{FF2B5EF4-FFF2-40B4-BE49-F238E27FC236}">
+                <a16:creationId xmlns:a16="http://schemas.microsoft.com/office/drawing/2014/main" id="{F181B13A-C04B-7D19-1CA5-F1F6694A09FD}"/>
+              </a:ext>
+            </a:extLst>
+          </p:cNvPr>
+          <p:cNvSpPr>
+            <a:spLocks noGrp="1"/>
+          </p:cNvSpPr>
+          <p:nvPr>
+            <p:ph type="title"/>
+          </p:nvPr>
+        </p:nvSpPr>
+        <p:spPr>
+          <a:xfrm>
+            <a:off x="311699" y="843997"/>
+            <a:ext cx="8531385" cy="756012"/>
+          </a:xfrm>
+        </p:spPr>
+        <p:txBody>
+          <a:bodyPr lIns="91424" tIns="91424" rIns="91424" bIns="91424" anchor="t">
+            <a:noAutofit/>
+          </a:bodyPr>
+          <a:lstStyle/>
+          <a:p>
+            <a:pPr marL="285750" indent="-285750">
+              <a:buFont typeface="Wingdings"/>
+              <a:buChar char="Ø"/>
+            </a:pPr>
+            <a:r>
+              <a:rPr lang="en-US" sz="1800" dirty="0">
+                <a:ea typeface="+mn-lt"/>
+                <a:cs typeface="+mn-lt"/>
+              </a:rPr>
+              <a:t>Sprocket Central Pty Ltd provided us a dataset of 1000 customers with their demographics and attributes consisting of the following fields</a:t>
+            </a:r>
+            <a:endParaRPr lang="en-US" sz="1800" dirty="0"/>
+          </a:p>
+        </p:txBody>
+      </p:sp>
+      <p:sp>
+        <p:nvSpPr>
+          <p:cNvPr id="4" name="Text Placeholder 3">
+            <a:extLst>
+              <a:ext uri="{FF2B5EF4-FFF2-40B4-BE49-F238E27FC236}">
+                <a16:creationId xmlns:a16="http://schemas.microsoft.com/office/drawing/2014/main" id="{EB0A72B2-8B45-F5D6-180B-5B5D0EF03EFB}"/>
+              </a:ext>
+            </a:extLst>
+          </p:cNvPr>
+          <p:cNvSpPr>
+            <a:spLocks noGrp="1"/>
+          </p:cNvSpPr>
+          <p:nvPr>
+            <p:ph type="body" sz="half" idx="1"/>
+          </p:nvPr>
+        </p:nvSpPr>
+        <p:spPr>
+          <a:xfrm>
+            <a:off x="538142" y="1497531"/>
+            <a:ext cx="5067419" cy="2338099"/>
+          </a:xfrm>
+        </p:spPr>
+        <p:txBody>
+          <a:bodyPr lIns="91424" tIns="91424" rIns="91424" bIns="91424" anchor="t">
+            <a:noAutofit/>
+          </a:bodyPr>
+          <a:lstStyle/>
+          <a:p>
+            <a:pPr>
+              <a:lnSpc>
+                <a:spcPct val="114999"/>
+              </a:lnSpc>
+              <a:buChar char="•"/>
+            </a:pPr>
+            <a:r>
+              <a:rPr lang="en-US" sz="1600" dirty="0">
+                <a:solidFill>
+                  <a:schemeClr val="tx1"/>
+                </a:solidFill>
+                <a:latin typeface="Courier New"/>
+                <a:ea typeface="+mn-lt"/>
+                <a:cs typeface="+mn-lt"/>
+              </a:rPr>
+              <a:t>gender</a:t>
+            </a:r>
+            <a:endParaRPr lang="en-US" dirty="0">
+              <a:solidFill>
+                <a:schemeClr val="tx1"/>
+              </a:solidFill>
+            </a:endParaRPr>
+          </a:p>
+          <a:p>
+            <a:pPr>
+              <a:lnSpc>
+                <a:spcPct val="114999"/>
+              </a:lnSpc>
+              <a:buChar char="•"/>
+            </a:pPr>
+            <a:r>
+              <a:rPr lang="en-US" sz="1600" dirty="0">
+                <a:solidFill>
+                  <a:schemeClr val="tx1"/>
+                </a:solidFill>
+                <a:latin typeface="Courier New"/>
+                <a:ea typeface="+mn-lt"/>
+                <a:cs typeface="+mn-lt"/>
+              </a:rPr>
+              <a:t>past_3_years_bike_related_purchases</a:t>
+            </a:r>
+          </a:p>
+          <a:p>
+            <a:pPr>
+              <a:lnSpc>
+                <a:spcPct val="114999"/>
+              </a:lnSpc>
+              <a:buChar char="•"/>
+            </a:pPr>
+            <a:r>
+              <a:rPr lang="en-US" sz="1600" dirty="0">
+                <a:solidFill>
+                  <a:schemeClr val="tx1"/>
+                </a:solidFill>
+                <a:latin typeface="Courier New"/>
+                <a:ea typeface="+mn-lt"/>
+                <a:cs typeface="+mn-lt"/>
+              </a:rPr>
+              <a:t>DOB</a:t>
+            </a:r>
+          </a:p>
+          <a:p>
+            <a:pPr>
+              <a:lnSpc>
+                <a:spcPct val="114999"/>
+              </a:lnSpc>
+              <a:buChar char="•"/>
+            </a:pPr>
+            <a:r>
+              <a:rPr lang="en-US" sz="1600" dirty="0" err="1">
+                <a:solidFill>
+                  <a:schemeClr val="tx1"/>
+                </a:solidFill>
+                <a:latin typeface="Courier New"/>
+                <a:ea typeface="+mn-lt"/>
+                <a:cs typeface="+mn-lt"/>
+              </a:rPr>
+              <a:t>job_title</a:t>
+            </a:r>
+            <a:endParaRPr lang="en-US" sz="1600" dirty="0">
+              <a:solidFill>
+                <a:schemeClr val="tx1"/>
+              </a:solidFill>
+              <a:latin typeface="Courier New"/>
+              <a:ea typeface="+mn-lt"/>
+              <a:cs typeface="+mn-lt"/>
+            </a:endParaRPr>
+          </a:p>
+          <a:p>
+            <a:pPr>
+              <a:lnSpc>
+                <a:spcPct val="114999"/>
+              </a:lnSpc>
+              <a:buChar char="•"/>
+            </a:pPr>
+            <a:r>
+              <a:rPr lang="en-US" sz="1600" dirty="0" err="1">
+                <a:solidFill>
+                  <a:schemeClr val="tx1"/>
+                </a:solidFill>
+                <a:latin typeface="Courier New"/>
+                <a:ea typeface="+mn-lt"/>
+                <a:cs typeface="+mn-lt"/>
+              </a:rPr>
+              <a:t>job_industry_category</a:t>
+            </a:r>
+            <a:endParaRPr lang="en-US" sz="1600" dirty="0">
+              <a:solidFill>
+                <a:schemeClr val="tx1"/>
+              </a:solidFill>
+              <a:latin typeface="Courier New"/>
+            </a:endParaRPr>
+          </a:p>
+          <a:p>
+            <a:pPr>
+              <a:lnSpc>
+                <a:spcPct val="114999"/>
+              </a:lnSpc>
+              <a:buChar char="•"/>
+            </a:pPr>
+            <a:r>
+              <a:rPr lang="en-US" sz="1600" dirty="0" err="1">
+                <a:solidFill>
+                  <a:schemeClr val="tx1"/>
+                </a:solidFill>
+                <a:latin typeface="Courier New"/>
+                <a:ea typeface="+mn-lt"/>
+                <a:cs typeface="+mn-lt"/>
+              </a:rPr>
+              <a:t>wealth_segment</a:t>
+            </a:r>
+            <a:endParaRPr lang="en-US" sz="1600" dirty="0">
+              <a:solidFill>
+                <a:schemeClr val="tx1"/>
+              </a:solidFill>
+              <a:latin typeface="Courier New"/>
+              <a:ea typeface="+mn-lt"/>
+              <a:cs typeface="+mn-lt"/>
+            </a:endParaRPr>
+          </a:p>
+          <a:p>
+            <a:pPr>
+              <a:lnSpc>
+                <a:spcPct val="114999"/>
+              </a:lnSpc>
+              <a:buChar char="•"/>
+            </a:pPr>
+            <a:r>
+              <a:rPr lang="en-US" sz="1600" err="1">
+                <a:solidFill>
+                  <a:schemeClr val="tx1"/>
+                </a:solidFill>
+                <a:latin typeface="Courier New"/>
+                <a:ea typeface="+mn-lt"/>
+                <a:cs typeface="+mn-lt"/>
+              </a:rPr>
+              <a:t>owns_car</a:t>
+            </a:r>
+            <a:endParaRPr lang="en-US" sz="1600">
+              <a:solidFill>
+                <a:schemeClr val="tx1"/>
+              </a:solidFill>
+              <a:latin typeface="Courier New"/>
+              <a:ea typeface="+mn-lt"/>
+              <a:cs typeface="+mn-lt"/>
+            </a:endParaRPr>
+          </a:p>
+          <a:p>
+            <a:pPr>
+              <a:lnSpc>
+                <a:spcPct val="114999"/>
+              </a:lnSpc>
+              <a:buChar char="•"/>
+            </a:pPr>
+            <a:r>
+              <a:rPr lang="en-US" sz="1600" dirty="0">
+                <a:solidFill>
+                  <a:schemeClr val="tx1"/>
+                </a:solidFill>
+                <a:latin typeface="Courier New"/>
+                <a:ea typeface="+mn-lt"/>
+                <a:cs typeface="+mn-lt"/>
+              </a:rPr>
+              <a:t>tenure</a:t>
+            </a:r>
+          </a:p>
+        </p:txBody>
+      </p:sp>
+      <p:sp>
+        <p:nvSpPr>
+          <p:cNvPr id="5" name="Text Placeholder 4">
+            <a:extLst>
+              <a:ext uri="{FF2B5EF4-FFF2-40B4-BE49-F238E27FC236}">
+                <a16:creationId xmlns:a16="http://schemas.microsoft.com/office/drawing/2014/main" id="{8C4522DC-1A1B-4DF4-0235-61E2646B8B75}"/>
+              </a:ext>
+            </a:extLst>
+          </p:cNvPr>
+          <p:cNvSpPr>
+            <a:spLocks noGrp="1"/>
+          </p:cNvSpPr>
+          <p:nvPr>
+            <p:ph type="body" sz="half" idx="13"/>
+          </p:nvPr>
+        </p:nvSpPr>
+        <p:spPr>
+          <a:xfrm>
+            <a:off x="5727386" y="1497531"/>
+            <a:ext cx="2835339" cy="2100873"/>
+          </a:xfrm>
+        </p:spPr>
+        <p:txBody>
+          <a:bodyPr lIns="91424" tIns="91424" rIns="91424" bIns="91424" anchor="t">
+            <a:normAutofit fontScale="92500"/>
+          </a:bodyPr>
+          <a:lstStyle/>
+          <a:p>
+            <a:pPr indent="-317500">
+              <a:lnSpc>
+                <a:spcPct val="114999"/>
+              </a:lnSpc>
+              <a:buChar char="•"/>
+            </a:pPr>
+            <a:r>
+              <a:rPr lang="en-US" sz="1600" dirty="0">
+                <a:solidFill>
+                  <a:schemeClr val="tx1"/>
+                </a:solidFill>
+                <a:latin typeface="Courier New"/>
+              </a:rPr>
+              <a:t>address</a:t>
+            </a:r>
+            <a:endParaRPr lang="en-US" sz="1600" dirty="0">
+              <a:solidFill>
+                <a:schemeClr val="tx1"/>
+              </a:solidFill>
+              <a:latin typeface="Courier New"/>
+              <a:ea typeface="+mn-lt"/>
+              <a:cs typeface="+mn-lt"/>
+            </a:endParaRPr>
+          </a:p>
+          <a:p>
+            <a:pPr indent="-317500">
+              <a:lnSpc>
+                <a:spcPct val="114999"/>
+              </a:lnSpc>
+              <a:buChar char="•"/>
+            </a:pPr>
+            <a:r>
+              <a:rPr lang="en-US" sz="1600" dirty="0">
+                <a:solidFill>
+                  <a:schemeClr val="tx1"/>
+                </a:solidFill>
+                <a:latin typeface="Courier New"/>
+              </a:rPr>
+              <a:t>postcode</a:t>
+            </a:r>
+          </a:p>
+          <a:p>
+            <a:pPr indent="-317500">
+              <a:lnSpc>
+                <a:spcPct val="114999"/>
+              </a:lnSpc>
+              <a:buChar char="•"/>
+            </a:pPr>
+            <a:r>
+              <a:rPr lang="en-US" sz="1600" dirty="0">
+                <a:solidFill>
+                  <a:schemeClr val="tx1"/>
+                </a:solidFill>
+                <a:latin typeface="Courier New"/>
+              </a:rPr>
+              <a:t>state</a:t>
+            </a:r>
+          </a:p>
+          <a:p>
+            <a:pPr indent="-317500">
+              <a:lnSpc>
+                <a:spcPct val="114999"/>
+              </a:lnSpc>
+              <a:buChar char="•"/>
+            </a:pPr>
+            <a:r>
+              <a:rPr lang="en-US" sz="1600" dirty="0">
+                <a:solidFill>
+                  <a:schemeClr val="tx1"/>
+                </a:solidFill>
+                <a:latin typeface="Courier New"/>
+              </a:rPr>
+              <a:t>country</a:t>
+            </a:r>
+          </a:p>
+          <a:p>
+            <a:pPr indent="-317500">
+              <a:lnSpc>
+                <a:spcPct val="114999"/>
+              </a:lnSpc>
+              <a:buChar char="•"/>
+            </a:pPr>
+            <a:r>
+              <a:rPr lang="en-US" sz="1600" dirty="0" err="1">
+                <a:solidFill>
+                  <a:schemeClr val="tx1"/>
+                </a:solidFill>
+                <a:latin typeface="Courier New"/>
+              </a:rPr>
+              <a:t>property_valuation</a:t>
+            </a:r>
+            <a:endParaRPr lang="en-US" sz="1600" dirty="0">
+              <a:solidFill>
+                <a:schemeClr val="tx1"/>
+              </a:solidFill>
+              <a:latin typeface="Courier New"/>
+              <a:ea typeface="+mn-lt"/>
+              <a:cs typeface="+mn-lt"/>
+            </a:endParaRPr>
+          </a:p>
+          <a:p>
+            <a:pPr indent="-317500">
+              <a:lnSpc>
+                <a:spcPct val="114999"/>
+              </a:lnSpc>
+              <a:buChar char="•"/>
+            </a:pPr>
+            <a:r>
+              <a:rPr lang="en-US" sz="1600" dirty="0">
+                <a:solidFill>
+                  <a:schemeClr val="tx1"/>
+                </a:solidFill>
+                <a:latin typeface="Courier New"/>
+              </a:rPr>
+              <a:t>rank</a:t>
+            </a:r>
+          </a:p>
+          <a:p>
+            <a:pPr indent="-317500">
+              <a:lnSpc>
+                <a:spcPct val="114999"/>
+              </a:lnSpc>
+              <a:buChar char="•"/>
+            </a:pPr>
+            <a:r>
+              <a:rPr lang="en-US" sz="1600" dirty="0">
+                <a:solidFill>
+                  <a:schemeClr val="tx1"/>
+                </a:solidFill>
+                <a:latin typeface="Courier New"/>
+              </a:rPr>
+              <a:t>value</a:t>
+            </a:r>
+          </a:p>
+        </p:txBody>
+      </p:sp>
+      <p:sp>
+        <p:nvSpPr>
+          <p:cNvPr id="8" name="Title 2">
+            <a:extLst>
+              <a:ext uri="{FF2B5EF4-FFF2-40B4-BE49-F238E27FC236}">
+                <a16:creationId xmlns:a16="http://schemas.microsoft.com/office/drawing/2014/main" id="{8B189802-6144-D33F-9719-2ABBC699A94F}"/>
+              </a:ext>
+            </a:extLst>
+          </p:cNvPr>
+          <p:cNvSpPr txBox="1">
+            <a:spLocks/>
+          </p:cNvSpPr>
+          <p:nvPr/>
+        </p:nvSpPr>
+        <p:spPr>
+          <a:xfrm>
+            <a:off x="313137" y="4145038"/>
+            <a:ext cx="8531385" cy="756012"/>
+          </a:xfrm>
+          <a:prstGeom prst="rect">
+            <a:avLst/>
+          </a:prstGeom>
+          <a:ln w="12700">
+            <a:miter lim="400000"/>
+          </a:ln>
+          <a:extLst>
+            <a:ext uri="{C572A759-6A51-4108-AA02-DFA0A04FC94B}">
+              <ma14:wrappingTextBoxFlag xmlns:ma14="http://schemas.microsoft.com/office/mac/drawingml/2011/main" xmlns="" val="1"/>
+            </a:ext>
+          </a:extLst>
+        </p:spPr>
+        <p:txBody>
+          <a:bodyPr lIns="91424" tIns="91424" rIns="91424" bIns="91424" anchor="t">
+            <a:noAutofit/>
+          </a:bodyPr>
+          <a:lstStyle>
+            <a:lvl1pPr marL="0" marR="0" indent="0" algn="l" defTabSz="914400" rtl="0" latinLnBrk="0">
+              <a:lnSpc>
+                <a:spcPct val="100000"/>
+              </a:lnSpc>
+              <a:spcBef>
+                <a:spcPts val="0"/>
+              </a:spcBef>
+              <a:spcAft>
+                <a:spcPts val="0"/>
+              </a:spcAft>
+              <a:buClrTx/>
+              <a:buSzTx/>
+              <a:buFontTx/>
+              <a:buNone/>
+              <a:tabLst/>
+              <a:defRPr sz="2800" b="0" i="0" u="none" strike="noStrike" cap="none" spc="0" baseline="0">
+                <a:ln>
+                  <a:noFill/>
+                </a:ln>
+                <a:solidFill>
+                  <a:srgbClr val="000000"/>
+                </a:solidFill>
+                <a:uFillTx/>
+                <a:latin typeface="+mn-lt"/>
+                <a:ea typeface="+mn-ea"/>
+                <a:cs typeface="+mn-cs"/>
+                <a:sym typeface="Arial"/>
+              </a:defRPr>
+            </a:lvl1pPr>
+            <a:lvl2pPr marL="0" marR="0" indent="0" algn="l" defTabSz="914400" rtl="0" latinLnBrk="0">
+              <a:lnSpc>
+                <a:spcPct val="100000"/>
+              </a:lnSpc>
+              <a:spcBef>
+                <a:spcPts val="0"/>
+              </a:spcBef>
+              <a:spcAft>
+                <a:spcPts val="0"/>
+              </a:spcAft>
+              <a:buClrTx/>
+              <a:buSzTx/>
+              <a:buFontTx/>
+              <a:buNone/>
+              <a:tabLst/>
+              <a:defRPr sz="2800" b="0" i="0" u="none" strike="noStrike" cap="none" spc="0" baseline="0">
+                <a:ln>
+                  <a:noFill/>
+                </a:ln>
+                <a:solidFill>
+                  <a:srgbClr val="000000"/>
+                </a:solidFill>
+                <a:uFillTx/>
+                <a:latin typeface="+mn-lt"/>
+                <a:ea typeface="+mn-ea"/>
+                <a:cs typeface="+mn-cs"/>
+                <a:sym typeface="Arial"/>
+              </a:defRPr>
+            </a:lvl2pPr>
+            <a:lvl3pPr marL="0" marR="0" indent="0" algn="l" defTabSz="914400" rtl="0" latinLnBrk="0">
+              <a:lnSpc>
+                <a:spcPct val="100000"/>
+              </a:lnSpc>
+              <a:spcBef>
+                <a:spcPts val="0"/>
+              </a:spcBef>
+              <a:spcAft>
+                <a:spcPts val="0"/>
+              </a:spcAft>
+              <a:buClrTx/>
+              <a:buSzTx/>
+              <a:buFontTx/>
+              <a:buNone/>
+              <a:tabLst/>
+              <a:defRPr sz="2800" b="0" i="0" u="none" strike="noStrike" cap="none" spc="0" baseline="0">
+                <a:ln>
+                  <a:noFill/>
+                </a:ln>
+                <a:solidFill>
+                  <a:srgbClr val="000000"/>
+                </a:solidFill>
+                <a:uFillTx/>
+                <a:latin typeface="+mn-lt"/>
+                <a:ea typeface="+mn-ea"/>
+                <a:cs typeface="+mn-cs"/>
+                <a:sym typeface="Arial"/>
+              </a:defRPr>
+            </a:lvl3pPr>
+            <a:lvl4pPr marL="0" marR="0" indent="0" algn="l" defTabSz="914400" rtl="0" latinLnBrk="0">
+              <a:lnSpc>
+                <a:spcPct val="100000"/>
+              </a:lnSpc>
+              <a:spcBef>
+                <a:spcPts val="0"/>
+              </a:spcBef>
+              <a:spcAft>
+                <a:spcPts val="0"/>
+              </a:spcAft>
+              <a:buClrTx/>
+              <a:buSzTx/>
+              <a:buFontTx/>
+              <a:buNone/>
+              <a:tabLst/>
+              <a:defRPr sz="2800" b="0" i="0" u="none" strike="noStrike" cap="none" spc="0" baseline="0">
+                <a:ln>
+                  <a:noFill/>
+                </a:ln>
+                <a:solidFill>
+                  <a:srgbClr val="000000"/>
+                </a:solidFill>
+                <a:uFillTx/>
+                <a:latin typeface="+mn-lt"/>
+                <a:ea typeface="+mn-ea"/>
+                <a:cs typeface="+mn-cs"/>
+                <a:sym typeface="Arial"/>
+              </a:defRPr>
+            </a:lvl4pPr>
+            <a:lvl5pPr marL="0" marR="0" indent="0" algn="l" defTabSz="914400" rtl="0" latinLnBrk="0">
+              <a:lnSpc>
+                <a:spcPct val="100000"/>
+              </a:lnSpc>
+              <a:spcBef>
+                <a:spcPts val="0"/>
+              </a:spcBef>
+              <a:spcAft>
+                <a:spcPts val="0"/>
+              </a:spcAft>
+              <a:buClrTx/>
+              <a:buSzTx/>
+              <a:buFontTx/>
+              <a:buNone/>
+              <a:tabLst/>
+              <a:defRPr sz="2800" b="0" i="0" u="none" strike="noStrike" cap="none" spc="0" baseline="0">
+                <a:ln>
+                  <a:noFill/>
+                </a:ln>
+                <a:solidFill>
+                  <a:srgbClr val="000000"/>
+                </a:solidFill>
+                <a:uFillTx/>
+                <a:latin typeface="+mn-lt"/>
+                <a:ea typeface="+mn-ea"/>
+                <a:cs typeface="+mn-cs"/>
+                <a:sym typeface="Arial"/>
+              </a:defRPr>
+            </a:lvl5pPr>
+            <a:lvl6pPr marL="0" marR="0" indent="0" algn="l" defTabSz="914400" rtl="0" latinLnBrk="0">
+              <a:lnSpc>
+                <a:spcPct val="100000"/>
+              </a:lnSpc>
+              <a:spcBef>
+                <a:spcPts val="0"/>
+              </a:spcBef>
+              <a:spcAft>
+                <a:spcPts val="0"/>
+              </a:spcAft>
+              <a:buClrTx/>
+              <a:buSzTx/>
+              <a:buFontTx/>
+              <a:buNone/>
+              <a:tabLst/>
+              <a:defRPr sz="2800" b="0" i="0" u="none" strike="noStrike" cap="none" spc="0" baseline="0">
+                <a:ln>
+                  <a:noFill/>
+                </a:ln>
+                <a:solidFill>
+                  <a:srgbClr val="000000"/>
+                </a:solidFill>
+                <a:uFillTx/>
+                <a:latin typeface="+mn-lt"/>
+                <a:ea typeface="+mn-ea"/>
+                <a:cs typeface="+mn-cs"/>
+                <a:sym typeface="Arial"/>
+              </a:defRPr>
+            </a:lvl6pPr>
+            <a:lvl7pPr marL="0" marR="0" indent="0" algn="l" defTabSz="914400" rtl="0" latinLnBrk="0">
+              <a:lnSpc>
+                <a:spcPct val="100000"/>
+              </a:lnSpc>
+              <a:spcBef>
+                <a:spcPts val="0"/>
+              </a:spcBef>
+              <a:spcAft>
+                <a:spcPts val="0"/>
+              </a:spcAft>
+              <a:buClrTx/>
+              <a:buSzTx/>
+              <a:buFontTx/>
+              <a:buNone/>
+              <a:tabLst/>
+              <a:defRPr sz="2800" b="0" i="0" u="none" strike="noStrike" cap="none" spc="0" baseline="0">
+                <a:ln>
+                  <a:noFill/>
+                </a:ln>
+                <a:solidFill>
+                  <a:srgbClr val="000000"/>
+                </a:solidFill>
+                <a:uFillTx/>
+                <a:latin typeface="+mn-lt"/>
+                <a:ea typeface="+mn-ea"/>
+                <a:cs typeface="+mn-cs"/>
+                <a:sym typeface="Arial"/>
+              </a:defRPr>
+            </a:lvl7pPr>
+            <a:lvl8pPr marL="0" marR="0" indent="0" algn="l" defTabSz="914400" rtl="0" latinLnBrk="0">
+              <a:lnSpc>
+                <a:spcPct val="100000"/>
+              </a:lnSpc>
+              <a:spcBef>
+                <a:spcPts val="0"/>
+              </a:spcBef>
+              <a:spcAft>
+                <a:spcPts val="0"/>
+              </a:spcAft>
+              <a:buClrTx/>
+              <a:buSzTx/>
+              <a:buFontTx/>
+              <a:buNone/>
+              <a:tabLst/>
+              <a:defRPr sz="2800" b="0" i="0" u="none" strike="noStrike" cap="none" spc="0" baseline="0">
+                <a:ln>
+                  <a:noFill/>
+                </a:ln>
+                <a:solidFill>
+                  <a:srgbClr val="000000"/>
+                </a:solidFill>
+                <a:uFillTx/>
+                <a:latin typeface="+mn-lt"/>
+                <a:ea typeface="+mn-ea"/>
+                <a:cs typeface="+mn-cs"/>
+                <a:sym typeface="Arial"/>
+              </a:defRPr>
+            </a:lvl8pPr>
+            <a:lvl9pPr marL="0" marR="0" indent="0" algn="l" defTabSz="914400" rtl="0" latinLnBrk="0">
+              <a:lnSpc>
+                <a:spcPct val="100000"/>
+              </a:lnSpc>
+              <a:spcBef>
+                <a:spcPts val="0"/>
+              </a:spcBef>
+              <a:spcAft>
+                <a:spcPts val="0"/>
+              </a:spcAft>
+              <a:buClrTx/>
+              <a:buSzTx/>
+              <a:buFontTx/>
+              <a:buNone/>
+              <a:tabLst/>
+              <a:defRPr sz="2800" b="0" i="0" u="none" strike="noStrike" cap="none" spc="0" baseline="0">
+                <a:ln>
+                  <a:noFill/>
+                </a:ln>
+                <a:solidFill>
+                  <a:srgbClr val="000000"/>
+                </a:solidFill>
+                <a:uFillTx/>
+                <a:latin typeface="+mn-lt"/>
+                <a:ea typeface="+mn-ea"/>
+                <a:cs typeface="+mn-cs"/>
+                <a:sym typeface="Arial"/>
+              </a:defRPr>
+            </a:lvl9pPr>
+          </a:lstStyle>
+          <a:p>
+            <a:pPr marL="285750" indent="-285750" hangingPunct="1">
+              <a:buFont typeface="Wingdings"/>
+              <a:buChar char="Ø"/>
+            </a:pPr>
+            <a:r>
+              <a:rPr lang="en-US" sz="1800" dirty="0"/>
+              <a:t>Our job is to </a:t>
+            </a:r>
+            <a:r>
+              <a:rPr lang="en-US" sz="1800" dirty="0" err="1"/>
+              <a:t>analyse</a:t>
+            </a:r>
+            <a:r>
+              <a:rPr lang="en-US" sz="1800" dirty="0"/>
+              <a:t> the dataset and recommend which of these 1000 customers should be targeted to drive the most value for the organisation</a:t>
             </a:r>
           </a:p>
         </p:txBody>
@@ -3861,12 +4939,12 @@
   <p:clrMapOvr>
     <a:masterClrMapping/>
   </p:clrMapOvr>
-  <p:transition xmlns:p14="http://schemas.microsoft.com/office/powerpoint/2010/main" spd="med" advClick="1"/>
+  <p:transition spd="med"/>
 </p:sld>
 </file>
 
 <file path=ppt/slides/slide4.xml><?xml version="1.0" encoding="utf-8"?>
-<p:sld xmlns:a="http://schemas.openxmlformats.org/drawingml/2006/main" xmlns:r="http://schemas.openxmlformats.org/officeDocument/2006/relationships" xmlns:p="http://schemas.openxmlformats.org/presentationml/2006/main" showMasterSp="1" showMasterPhAnim="1">
+<p:sld xmlns:a="http://schemas.openxmlformats.org/drawingml/2006/main" xmlns:r="http://schemas.openxmlformats.org/officeDocument/2006/relationships" xmlns:p="http://schemas.openxmlformats.org/presentationml/2006/main">
   <p:cSld>
     <p:spTree>
       <p:nvGrpSpPr>
@@ -3915,7 +4993,7 @@
           <a:bodyPr lIns="45719" rIns="45719" anchor="ctr"/>
           <a:lstStyle/>
           <a:p>
-            <a:pPr/>
+            <a:endParaRPr/>
           </a:p>
         </p:txBody>
       </p:sp>
@@ -3938,7 +5016,7 @@
           </a:ln>
           <a:extLst>
             <a:ext uri="{C572A759-6A51-4108-AA02-DFA0A04FC94B}">
-              <ma14:wrappingTextBoxFlag xmlns:ma14="http://schemas.microsoft.com/office/mac/drawingml/2011/main" val="1"/>
+              <ma14:wrappingTextBoxFlag xmlns="" xmlns:ma14="http://schemas.microsoft.com/office/mac/drawingml/2011/main" val="1"/>
             </a:ext>
           </a:extLst>
         </p:spPr>
@@ -3948,7 +5026,7 @@
           </a:bodyPr>
           <a:lstStyle>
             <a:lvl1pPr>
-              <a:defRPr b="1" sz="2000">
+              <a:defRPr sz="2000" b="1">
                 <a:solidFill>
                   <a:srgbClr val="FFFFFF"/>
                 </a:solidFill>
@@ -3956,7 +5034,6 @@
             </a:lvl1pPr>
           </a:lstStyle>
           <a:p>
-            <a:pPr/>
             <a:r>
               <a:t>Data Exploration</a:t>
             </a:r>
@@ -3971,8 +5048,8 @@
         </p:nvSpPr>
         <p:spPr>
           <a:xfrm>
-            <a:off x="205025" y="1083299"/>
-            <a:ext cx="8565600" cy="920086"/>
+            <a:off x="205025" y="835290"/>
+            <a:ext cx="8565600" cy="3987213"/>
           </a:xfrm>
           <a:prstGeom prst="rect">
             <a:avLst/>
@@ -3982,12 +5059,12 @@
           </a:ln>
           <a:extLst>
             <a:ext uri="{C572A759-6A51-4108-AA02-DFA0A04FC94B}">
-              <ma14:wrappingTextBoxFlag xmlns:ma14="http://schemas.microsoft.com/office/mac/drawingml/2011/main" val="1"/>
+              <ma14:wrappingTextBoxFlag xmlns="" xmlns:ma14="http://schemas.microsoft.com/office/mac/drawingml/2011/main" val="1"/>
             </a:ext>
           </a:extLst>
         </p:spPr>
         <p:txBody>
-          <a:bodyPr lIns="91424" tIns="91424" rIns="91424" bIns="91424">
+          <a:bodyPr lIns="91424" tIns="91424" rIns="91424" bIns="91424" anchor="t">
             <a:spAutoFit/>
           </a:bodyPr>
           <a:lstStyle>
@@ -3995,7 +5072,7 @@
               <a:lnSpc>
                 <a:spcPct val="115000"/>
               </a:lnSpc>
-              <a:defRPr b="1" sz="2000">
+              <a:defRPr sz="2000" b="1">
                 <a:latin typeface="Open Sans"/>
                 <a:ea typeface="Open Sans"/>
                 <a:cs typeface="Open Sans"/>
@@ -4004,162 +5081,310 @@
             </a:lvl1pPr>
           </a:lstStyle>
           <a:p>
-            <a:pPr/>
-            <a:r>
-              <a:t>Place headline insight or information here. This should be the most important point for this slide.</a:t>
+            <a:pPr marL="285750" indent="-285750">
+              <a:buFont typeface="Arial"/>
+              <a:buChar char="•"/>
+            </a:pPr>
+            <a:r>
+              <a:rPr lang="en-US" sz="1800" b="0" dirty="0"/>
+              <a:t>Dataset has 15 fields and 1000 records</a:t>
+            </a:r>
+            <a:endParaRPr lang="en-US" b="0"/>
+          </a:p>
+          <a:p>
+            <a:pPr marL="285750" indent="-285750">
+              <a:lnSpc>
+                <a:spcPct val="114999"/>
+              </a:lnSpc>
+              <a:buFont typeface="Arial"/>
+              <a:buChar char="•"/>
+            </a:pPr>
+            <a:r>
+              <a:rPr lang="en-US" sz="1800" b="0" dirty="0"/>
+              <a:t>Our main focus is on the field </a:t>
+            </a:r>
+            <a:r>
+              <a:rPr lang="en-US" sz="1800" b="0" dirty="0">
+                <a:latin typeface="Courier New"/>
+              </a:rPr>
+              <a:t>value</a:t>
+            </a:r>
+            <a:r>
+              <a:rPr lang="en-US" sz="1800" b="0" dirty="0"/>
+              <a:t> and  other fields that </a:t>
+            </a:r>
+            <a:r>
+              <a:rPr lang="en-US" sz="1800" b="0" dirty="0">
+                <a:latin typeface="Courier New"/>
+              </a:rPr>
+              <a:t>value</a:t>
+            </a:r>
+            <a:r>
+              <a:rPr lang="en-US" sz="1800" b="0" dirty="0"/>
+              <a:t> depends on</a:t>
+            </a:r>
+          </a:p>
+          <a:p>
+            <a:pPr marL="285750" indent="-285750">
+              <a:lnSpc>
+                <a:spcPct val="114999"/>
+              </a:lnSpc>
+              <a:buFont typeface="Arial"/>
+              <a:buChar char="•"/>
+            </a:pPr>
+            <a:r>
+              <a:rPr lang="en-US" sz="1800" b="0" dirty="0"/>
+              <a:t>Eventually, the fields </a:t>
+            </a:r>
+            <a:r>
+              <a:rPr lang="en-US" sz="1800" b="0" dirty="0">
+                <a:latin typeface="Courier New"/>
+              </a:rPr>
+              <a:t>address, postcode, country</a:t>
+            </a:r>
+            <a:r>
+              <a:rPr lang="en-US" sz="1800" b="0" dirty="0"/>
+              <a:t> are redundant</a:t>
+            </a:r>
+          </a:p>
+          <a:p>
+            <a:pPr marL="285750" indent="-285750">
+              <a:lnSpc>
+                <a:spcPct val="114999"/>
+              </a:lnSpc>
+              <a:buFont typeface="Arial"/>
+              <a:buChar char="•"/>
+            </a:pPr>
+            <a:r>
+              <a:rPr lang="en-US" sz="1800" b="0" dirty="0">
+                <a:latin typeface="Consolas"/>
+              </a:rPr>
+              <a:t>past_3_years_bike_related_purchases </a:t>
+            </a:r>
+            <a:r>
+              <a:rPr lang="en-US" sz="1800" b="0" dirty="0"/>
+              <a:t>is renamed as</a:t>
+            </a:r>
+            <a:r>
+              <a:rPr lang="en-US" sz="1800" b="0" dirty="0">
+                <a:latin typeface="Consolas"/>
+              </a:rPr>
+              <a:t> </a:t>
+            </a:r>
+            <a:r>
+              <a:rPr lang="en-US" sz="1800" b="0" dirty="0">
+                <a:latin typeface="Courier New"/>
+              </a:rPr>
+              <a:t>purchases</a:t>
+            </a:r>
+            <a:r>
+              <a:rPr lang="en-US" sz="1800" b="0" dirty="0"/>
+              <a:t> and </a:t>
+            </a:r>
+            <a:r>
+              <a:rPr lang="en-US" sz="1800" b="0" dirty="0">
+                <a:latin typeface="Courier New"/>
+              </a:rPr>
+              <a:t>DOB</a:t>
+            </a:r>
+            <a:r>
+              <a:rPr lang="en-US" sz="1800" b="0" dirty="0"/>
+              <a:t> is transformed to</a:t>
+            </a:r>
+            <a:r>
+              <a:rPr lang="en-US" sz="1800" b="0" dirty="0">
+                <a:latin typeface="Courier New"/>
+              </a:rPr>
+              <a:t> age</a:t>
+            </a:r>
+          </a:p>
+          <a:p>
+            <a:pPr marL="285750" indent="-285750">
+              <a:lnSpc>
+                <a:spcPct val="114999"/>
+              </a:lnSpc>
+              <a:buFont typeface="Arial"/>
+              <a:buChar char="•"/>
+            </a:pPr>
+            <a:r>
+              <a:rPr lang="en-US" sz="1800" b="0" dirty="0">
+                <a:latin typeface="Courier New"/>
+              </a:rPr>
+              <a:t>gender, </a:t>
+            </a:r>
+            <a:r>
+              <a:rPr lang="en-US" sz="1800" b="0" dirty="0" err="1">
+                <a:latin typeface="Courier New"/>
+              </a:rPr>
+              <a:t>job_title</a:t>
+            </a:r>
+            <a:r>
+              <a:rPr lang="en-US" sz="1800" b="0" dirty="0">
+                <a:latin typeface="Courier New"/>
+              </a:rPr>
+              <a:t>, </a:t>
+            </a:r>
+            <a:r>
+              <a:rPr lang="en-US" sz="1800" b="0" dirty="0" err="1">
+                <a:latin typeface="Courier New"/>
+              </a:rPr>
+              <a:t>job_industry_category</a:t>
+            </a:r>
+            <a:r>
+              <a:rPr lang="en-US" sz="1800" b="0" dirty="0">
+                <a:latin typeface="Courier New"/>
+              </a:rPr>
+              <a:t>, </a:t>
+            </a:r>
+            <a:r>
+              <a:rPr lang="en-US" sz="1800" b="0" dirty="0" err="1">
+                <a:latin typeface="Courier New"/>
+              </a:rPr>
+              <a:t>wealth_segment</a:t>
+            </a:r>
+            <a:r>
+              <a:rPr lang="en-US" sz="1800" b="0" dirty="0">
+                <a:latin typeface="Courier New"/>
+              </a:rPr>
+              <a:t>, </a:t>
+            </a:r>
+            <a:r>
+              <a:rPr lang="en-US" sz="1800" b="0" dirty="0" err="1">
+                <a:latin typeface="Courier New"/>
+              </a:rPr>
+              <a:t>owns_car</a:t>
+            </a:r>
+            <a:r>
+              <a:rPr lang="en-US" sz="1800" b="0" dirty="0">
+                <a:latin typeface="Courier New"/>
+              </a:rPr>
+              <a:t>, state</a:t>
+            </a:r>
+            <a:r>
+              <a:rPr lang="en-US" sz="1800" b="0" dirty="0">
+                <a:latin typeface="Consolas"/>
+              </a:rPr>
+              <a:t> </a:t>
+            </a:r>
+            <a:r>
+              <a:rPr lang="en-US" sz="1800" b="0" dirty="0"/>
+              <a:t>are </a:t>
+            </a:r>
+            <a:r>
+              <a:rPr lang="en-US" sz="1800" dirty="0"/>
+              <a:t>categorical</a:t>
+            </a:r>
+            <a:r>
+              <a:rPr lang="en-US" sz="1800" b="0" dirty="0"/>
+              <a:t> fields</a:t>
+            </a:r>
+            <a:r>
+              <a:rPr lang="en-US" sz="1800" b="0" dirty="0">
+                <a:latin typeface="Consolas"/>
+              </a:rPr>
+              <a:t> and </a:t>
+            </a:r>
+            <a:r>
+              <a:rPr lang="en-US" sz="1800" b="0" dirty="0">
+                <a:latin typeface="Courier New"/>
+              </a:rPr>
+              <a:t>purchases, tenure, </a:t>
+            </a:r>
+            <a:r>
+              <a:rPr lang="en-US" sz="1800" b="0" dirty="0" err="1">
+                <a:latin typeface="Courier New"/>
+              </a:rPr>
+              <a:t>property_valuation</a:t>
+            </a:r>
+            <a:r>
+              <a:rPr lang="en-US" sz="1800" b="0" dirty="0">
+                <a:latin typeface="Courier New"/>
+              </a:rPr>
+              <a:t>, rank, value, age</a:t>
+            </a:r>
+            <a:r>
+              <a:rPr lang="en-US" sz="1800" b="0" dirty="0"/>
+              <a:t> are </a:t>
+            </a:r>
+            <a:r>
+              <a:rPr lang="en-US" sz="1800" dirty="0"/>
+              <a:t>numerical</a:t>
+            </a:r>
+            <a:r>
+              <a:rPr lang="en-US" sz="1800" b="0" dirty="0"/>
+              <a:t> fields</a:t>
+            </a:r>
+          </a:p>
+          <a:p>
+            <a:pPr marL="285750" indent="-285750">
+              <a:lnSpc>
+                <a:spcPct val="114999"/>
+              </a:lnSpc>
+              <a:buFont typeface="Arial"/>
+              <a:buChar char="•"/>
+            </a:pPr>
+            <a:r>
+              <a:rPr lang="en-US" sz="1800" b="0" dirty="0"/>
+              <a:t>There is no duplicate records</a:t>
+            </a:r>
+          </a:p>
+          <a:p>
+            <a:pPr marL="285750" indent="-285750">
+              <a:lnSpc>
+                <a:spcPct val="114999"/>
+              </a:lnSpc>
+              <a:buFont typeface="Arial"/>
+              <a:buChar char="•"/>
+            </a:pPr>
+            <a:r>
+              <a:rPr lang="en-US" sz="1800" b="0" err="1">
+                <a:latin typeface="Courier New"/>
+              </a:rPr>
+              <a:t>job_title</a:t>
+            </a:r>
+            <a:r>
+              <a:rPr lang="en-US" sz="1800" b="0" dirty="0">
+                <a:latin typeface="Courier New"/>
+              </a:rPr>
+              <a:t>, </a:t>
+            </a:r>
+            <a:r>
+              <a:rPr lang="en-US" sz="1800" b="0" err="1">
+                <a:latin typeface="Courier New"/>
+              </a:rPr>
+              <a:t>job_industry_category</a:t>
+            </a:r>
+            <a:r>
+              <a:rPr lang="en-US" sz="1800" b="0" dirty="0">
+                <a:latin typeface="Courier New"/>
+              </a:rPr>
+              <a:t>,</a:t>
+            </a:r>
+            <a:r>
+              <a:rPr lang="en-US" sz="1800" b="0" dirty="0">
+                <a:latin typeface="Consolas"/>
+              </a:rPr>
+              <a:t> and </a:t>
+            </a:r>
+            <a:r>
+              <a:rPr lang="en-US" sz="1800" b="0" dirty="0">
+                <a:latin typeface="Courier New"/>
+              </a:rPr>
+              <a:t>age</a:t>
+            </a:r>
+            <a:r>
+              <a:rPr lang="en-US" sz="1800" b="0" dirty="0">
+                <a:latin typeface="Consolas"/>
+              </a:rPr>
+              <a:t> </a:t>
+            </a:r>
+            <a:r>
+              <a:rPr lang="en-US" sz="1800" b="0" dirty="0"/>
+              <a:t>has 106, 165, and 17 blank records respectively</a:t>
             </a:r>
           </a:p>
         </p:txBody>
       </p:sp>
-      <p:sp>
-        <p:nvSpPr>
-          <p:cNvPr id="133" name="Shape 82"/>
-          <p:cNvSpPr/>
-          <p:nvPr/>
-        </p:nvSpPr>
-        <p:spPr>
-          <a:xfrm>
-            <a:off x="205025" y="2164724"/>
-            <a:ext cx="4134600" cy="436851"/>
-          </a:xfrm>
-          <a:prstGeom prst="rect">
-            <a:avLst/>
-          </a:prstGeom>
-          <a:ln w="12700">
-            <a:miter lim="400000"/>
-          </a:ln>
-          <a:extLst>
-            <a:ext uri="{C572A759-6A51-4108-AA02-DFA0A04FC94B}">
-              <ma14:wrappingTextBoxFlag xmlns:ma14="http://schemas.microsoft.com/office/mac/drawingml/2011/main" val="1"/>
-            </a:ext>
-          </a:extLst>
-        </p:spPr>
-        <p:txBody>
-          <a:bodyPr lIns="91424" tIns="91424" rIns="91424" bIns="91424">
-            <a:spAutoFit/>
-          </a:bodyPr>
-          <a:lstStyle>
-            <a:lvl1pPr>
-              <a:lnSpc>
-                <a:spcPct val="115000"/>
-              </a:lnSpc>
-              <a:defRPr sz="1500">
-                <a:latin typeface="Open Sans"/>
-                <a:ea typeface="Open Sans"/>
-                <a:cs typeface="Open Sans"/>
-                <a:sym typeface="Open Sans"/>
-              </a:defRPr>
-            </a:lvl1pPr>
-          </a:lstStyle>
-          <a:p>
-            <a:pPr/>
-            <a:r>
-              <a:t>Place any information about this point here.</a:t>
-            </a:r>
-          </a:p>
-        </p:txBody>
-      </p:sp>
-      <p:grpSp>
-        <p:nvGrpSpPr>
-          <p:cNvPr id="136" name="Shape 83"/>
-          <p:cNvGrpSpPr/>
-          <p:nvPr/>
-        </p:nvGrpSpPr>
-        <p:grpSpPr>
-          <a:xfrm>
-            <a:off x="4969974" y="2164724"/>
-            <a:ext cx="3800702" cy="2649302"/>
-            <a:chOff x="0" y="0"/>
-            <a:chExt cx="3800700" cy="2649300"/>
-          </a:xfrm>
-        </p:grpSpPr>
-        <p:sp>
-          <p:nvSpPr>
-            <p:cNvPr id="134" name="Rectangle"/>
-            <p:cNvSpPr/>
-            <p:nvPr/>
-          </p:nvSpPr>
-          <p:spPr>
-            <a:xfrm>
-              <a:off x="-1" y="-1"/>
-              <a:ext cx="3800702" cy="2649302"/>
-            </a:xfrm>
-            <a:prstGeom prst="rect">
-              <a:avLst/>
-            </a:prstGeom>
-            <a:solidFill>
-              <a:srgbClr val="EEEEEE"/>
-            </a:solidFill>
-            <a:ln w="12700" cap="flat">
-              <a:noFill/>
-              <a:miter lim="400000"/>
-            </a:ln>
-            <a:effectLst/>
-          </p:spPr>
-          <p:txBody>
-            <a:bodyPr wrap="square" lIns="45719" tIns="45719" rIns="45719" bIns="45719" numCol="1" anchor="ctr">
-              <a:noAutofit/>
-            </a:bodyPr>
-            <a:lstStyle/>
-            <a:p>
-              <a:pPr algn="ctr">
-                <a:defRPr>
-                  <a:solidFill>
-                    <a:srgbClr val="666666"/>
-                  </a:solidFill>
-                </a:defRPr>
-              </a:pPr>
-            </a:p>
-          </p:txBody>
-        </p:sp>
-        <p:sp>
-          <p:nvSpPr>
-            <p:cNvPr id="135" name="Place any supporting images, graphs, data or extra text here."/>
-            <p:cNvSpPr/>
-            <p:nvPr/>
-          </p:nvSpPr>
-          <p:spPr>
-            <a:xfrm>
-              <a:off x="-1" y="1032933"/>
-              <a:ext cx="3800702" cy="583434"/>
-            </a:xfrm>
-            <a:prstGeom prst="rect">
-              <a:avLst/>
-            </a:prstGeom>
-            <a:noFill/>
-            <a:ln w="12700" cap="flat">
-              <a:noFill/>
-              <a:miter lim="400000"/>
-            </a:ln>
-            <a:effectLst/>
-            <a:extLst>
-              <a:ext uri="{C572A759-6A51-4108-AA02-DFA0A04FC94B}">
-                <ma14:wrappingTextBoxFlag xmlns:ma14="http://schemas.microsoft.com/office/mac/drawingml/2011/main" val="1"/>
-              </a:ext>
-            </a:extLst>
-          </p:spPr>
-          <p:txBody>
-            <a:bodyPr wrap="square" lIns="91424" tIns="91424" rIns="91424" bIns="91424" numCol="1" anchor="ctr">
-              <a:spAutoFit/>
-            </a:bodyPr>
-            <a:lstStyle>
-              <a:lvl1pPr algn="ctr">
-                <a:defRPr>
-                  <a:solidFill>
-                    <a:srgbClr val="666666"/>
-                  </a:solidFill>
-                </a:defRPr>
-              </a:lvl1pPr>
-            </a:lstStyle>
-            <a:p>
-              <a:pPr/>
-              <a:r>
-                <a:t>Place any supporting images, graphs, data or extra text here.</a:t>
-              </a:r>
-            </a:p>
-          </p:txBody>
-        </p:sp>
-      </p:grpSp>
       <p:sp>
         <p:nvSpPr>
           <p:cNvPr id="137" name="Note: The data and information in this document is reflective of a hypothetical situation and client. This document is to be used for KPMG Virtual Internship purposes only."/>
@@ -4182,7 +5407,7 @@
           </a:ln>
           <a:extLst>
             <a:ext uri="{C572A759-6A51-4108-AA02-DFA0A04FC94B}">
-              <ma14:wrappingTextBoxFlag xmlns:ma14="http://schemas.microsoft.com/office/mac/drawingml/2011/main" val="1"/>
+              <ma14:wrappingTextBoxFlag xmlns="" xmlns:ma14="http://schemas.microsoft.com/office/mac/drawingml/2011/main" val="1"/>
             </a:ext>
           </a:extLst>
         </p:spPr>
@@ -4191,7 +5416,7 @@
           <a:lstStyle/>
           <a:p>
             <a:pPr defTabSz="457200">
-              <a:defRPr b="1" sz="500">
+              <a:defRPr sz="500" b="1">
                 <a:latin typeface="Calibri"/>
                 <a:ea typeface="Calibri"/>
                 <a:cs typeface="Calibri"/>
@@ -4213,12 +5438,638 @@
   <p:clrMapOvr>
     <a:masterClrMapping/>
   </p:clrMapOvr>
-  <p:transition xmlns:p14="http://schemas.microsoft.com/office/powerpoint/2010/main" spd="med" advClick="1"/>
+  <p:transition spd="med"/>
 </p:sld>
 </file>
 
 <file path=ppt/slides/slide5.xml><?xml version="1.0" encoding="utf-8"?>
-<p:sld xmlns:a="http://schemas.openxmlformats.org/drawingml/2006/main" xmlns:r="http://schemas.openxmlformats.org/officeDocument/2006/relationships" xmlns:p="http://schemas.openxmlformats.org/presentationml/2006/main" showMasterSp="1" showMasterPhAnim="1">
+<p:sld xmlns:a="http://schemas.openxmlformats.org/drawingml/2006/main" xmlns:r="http://schemas.openxmlformats.org/officeDocument/2006/relationships" xmlns:p="http://schemas.openxmlformats.org/presentationml/2006/main">
+  <p:cSld>
+    <p:spTree>
+      <p:nvGrpSpPr>
+        <p:cNvPr id="1" name=""/>
+        <p:cNvGrpSpPr/>
+        <p:nvPr/>
+      </p:nvGrpSpPr>
+      <p:grpSpPr>
+        <a:xfrm>
+          <a:off x="0" y="0"/>
+          <a:ext cx="0" cy="0"/>
+          <a:chOff x="0" y="0"/>
+          <a:chExt cx="0" cy="0"/>
+        </a:xfrm>
+      </p:grpSpPr>
+      <p:sp>
+        <p:nvSpPr>
+          <p:cNvPr id="130" name="Shape 79"/>
+          <p:cNvSpPr/>
+          <p:nvPr/>
+        </p:nvSpPr>
+        <p:spPr>
+          <a:xfrm>
+            <a:off x="-15501" y="-19475"/>
+            <a:ext cx="9191402" cy="840000"/>
+          </a:xfrm>
+          <a:prstGeom prst="rect">
+            <a:avLst/>
+          </a:prstGeom>
+          <a:gradFill>
+            <a:gsLst>
+              <a:gs pos="0">
+                <a:srgbClr val="1077D2"/>
+              </a:gs>
+              <a:gs pos="100000">
+                <a:srgbClr val="093153"/>
+              </a:gs>
+            </a:gsLst>
+            <a:lin ang="12000143"/>
+          </a:gradFill>
+          <a:ln w="12700">
+            <a:miter lim="400000"/>
+          </a:ln>
+        </p:spPr>
+        <p:txBody>
+          <a:bodyPr lIns="45719" rIns="45719" anchor="ctr"/>
+          <a:lstStyle/>
+          <a:p>
+            <a:endParaRPr/>
+          </a:p>
+        </p:txBody>
+      </p:sp>
+      <p:sp>
+        <p:nvSpPr>
+          <p:cNvPr id="131" name="Shape 80"/>
+          <p:cNvSpPr/>
+          <p:nvPr/>
+        </p:nvSpPr>
+        <p:spPr>
+          <a:xfrm>
+            <a:off x="205025" y="263974"/>
+            <a:ext cx="8565600" cy="466642"/>
+          </a:xfrm>
+          <a:prstGeom prst="rect">
+            <a:avLst/>
+          </a:prstGeom>
+          <a:ln w="12700">
+            <a:miter lim="400000"/>
+          </a:ln>
+          <a:extLst>
+            <a:ext uri="{C572A759-6A51-4108-AA02-DFA0A04FC94B}">
+              <ma14:wrappingTextBoxFlag xmlns:ma14="http://schemas.microsoft.com/office/mac/drawingml/2011/main" xmlns="" val="1"/>
+            </a:ext>
+          </a:extLst>
+        </p:spPr>
+        <p:txBody>
+          <a:bodyPr lIns="91424" tIns="91424" rIns="91424" bIns="91424">
+            <a:spAutoFit/>
+          </a:bodyPr>
+          <a:lstStyle>
+            <a:lvl1pPr>
+              <a:defRPr sz="2000" b="1">
+                <a:solidFill>
+                  <a:srgbClr val="FFFFFF"/>
+                </a:solidFill>
+              </a:defRPr>
+            </a:lvl1pPr>
+          </a:lstStyle>
+          <a:p>
+            <a:r>
+              <a:t>Data Exploration</a:t>
+            </a:r>
+          </a:p>
+        </p:txBody>
+      </p:sp>
+      <p:sp>
+        <p:nvSpPr>
+          <p:cNvPr id="132" name="Shape 81"/>
+          <p:cNvSpPr/>
+          <p:nvPr/>
+        </p:nvSpPr>
+        <p:spPr>
+          <a:xfrm>
+            <a:off x="205025" y="835290"/>
+            <a:ext cx="8565600" cy="2075921"/>
+          </a:xfrm>
+          <a:prstGeom prst="rect">
+            <a:avLst/>
+          </a:prstGeom>
+          <a:ln w="12700">
+            <a:miter lim="400000"/>
+          </a:ln>
+          <a:extLst>
+            <a:ext uri="{C572A759-6A51-4108-AA02-DFA0A04FC94B}">
+              <ma14:wrappingTextBoxFlag xmlns:ma14="http://schemas.microsoft.com/office/mac/drawingml/2011/main" xmlns="" val="1"/>
+            </a:ext>
+          </a:extLst>
+        </p:spPr>
+        <p:txBody>
+          <a:bodyPr lIns="91424" tIns="91424" rIns="91424" bIns="91424" anchor="t">
+            <a:spAutoFit/>
+          </a:bodyPr>
+          <a:lstStyle>
+            <a:lvl1pPr>
+              <a:lnSpc>
+                <a:spcPct val="115000"/>
+              </a:lnSpc>
+              <a:defRPr sz="2000" b="1">
+                <a:latin typeface="Open Sans"/>
+                <a:ea typeface="Open Sans"/>
+                <a:cs typeface="Open Sans"/>
+                <a:sym typeface="Open Sans"/>
+              </a:defRPr>
+            </a:lvl1pPr>
+          </a:lstStyle>
+          <a:p>
+            <a:pPr marL="285750" indent="-285750">
+              <a:buFont typeface="Arial"/>
+              <a:buChar char="•"/>
+            </a:pPr>
+            <a:r>
+              <a:rPr lang="en-US" sz="1800" b="0" dirty="0"/>
+              <a:t>The numerical fields have the following </a:t>
+            </a:r>
+            <a:r>
+              <a:rPr lang="en-US" sz="1800" dirty="0"/>
+              <a:t>statistics</a:t>
+            </a:r>
+            <a:r>
+              <a:rPr lang="en-US" sz="1800" b="0" dirty="0"/>
+              <a:t>:</a:t>
+            </a:r>
+            <a:endParaRPr lang="en-US" dirty="0"/>
+          </a:p>
+          <a:p>
+            <a:pPr>
+              <a:lnSpc>
+                <a:spcPct val="114999"/>
+              </a:lnSpc>
+            </a:pPr>
+            <a:endParaRPr lang="en-US" sz="1800" b="0" dirty="0"/>
+          </a:p>
+          <a:p>
+            <a:pPr>
+              <a:lnSpc>
+                <a:spcPct val="114999"/>
+              </a:lnSpc>
+            </a:pPr>
+            <a:endParaRPr lang="en-US" sz="1800" b="0" dirty="0"/>
+          </a:p>
+          <a:p>
+            <a:pPr>
+              <a:lnSpc>
+                <a:spcPct val="114999"/>
+              </a:lnSpc>
+            </a:pPr>
+            <a:endParaRPr lang="en-US" sz="1800" b="0" dirty="0"/>
+          </a:p>
+          <a:p>
+            <a:pPr>
+              <a:lnSpc>
+                <a:spcPct val="114999"/>
+              </a:lnSpc>
+            </a:pPr>
+            <a:endParaRPr lang="en-US" sz="1800" b="0" dirty="0"/>
+          </a:p>
+          <a:p>
+            <a:pPr>
+              <a:lnSpc>
+                <a:spcPct val="114999"/>
+              </a:lnSpc>
+            </a:pPr>
+            <a:endParaRPr lang="en-US" sz="1800" b="0" dirty="0"/>
+          </a:p>
+        </p:txBody>
+      </p:sp>
+      <p:sp>
+        <p:nvSpPr>
+          <p:cNvPr id="137" name="Note: The data and information in this document is reflective of a hypothetical situation and client. This document is to be used for KPMG Virtual Internship purposes only."/>
+          <p:cNvSpPr/>
+          <p:nvPr/>
+        </p:nvSpPr>
+        <p:spPr>
+          <a:xfrm>
+            <a:off x="-6201" y="-6350"/>
+            <a:ext cx="9175601" cy="238700"/>
+          </a:xfrm>
+          <a:prstGeom prst="rect">
+            <a:avLst/>
+          </a:prstGeom>
+          <a:solidFill>
+            <a:schemeClr val="accent3"/>
+          </a:solidFill>
+          <a:ln w="12700">
+            <a:miter lim="400000"/>
+          </a:ln>
+          <a:extLst>
+            <a:ext uri="{C572A759-6A51-4108-AA02-DFA0A04FC94B}">
+              <ma14:wrappingTextBoxFlag xmlns:ma14="http://schemas.microsoft.com/office/mac/drawingml/2011/main" xmlns="" val="1"/>
+            </a:ext>
+          </a:extLst>
+        </p:spPr>
+        <p:txBody>
+          <a:bodyPr lIns="45719" rIns="45719" anchor="ctr"/>
+          <a:lstStyle/>
+          <a:p>
+            <a:pPr defTabSz="457200">
+              <a:defRPr sz="500" b="1">
+                <a:latin typeface="Calibri"/>
+                <a:ea typeface="Calibri"/>
+                <a:cs typeface="Calibri"/>
+                <a:sym typeface="Calibri"/>
+              </a:defRPr>
+            </a:pPr>
+            <a:r>
+              <a:t>       Note: </a:t>
+            </a:r>
+            <a:r>
+              <a:rPr b="0"/>
+              <a:t>The data and information in this document is reflective of a hypothetical situation and client. This document is to be used for KPMG Virtual Internship purposes only. </a:t>
+            </a:r>
+          </a:p>
+        </p:txBody>
+      </p:sp>
+      <p:pic>
+        <p:nvPicPr>
+          <p:cNvPr id="2" name="Picture 2" descr="Table&#10;&#10;Description automatically generated">
+            <a:extLst>
+              <a:ext uri="{FF2B5EF4-FFF2-40B4-BE49-F238E27FC236}">
+                <a16:creationId xmlns:a16="http://schemas.microsoft.com/office/drawing/2014/main" id="{4760DBF9-B176-243D-DCE3-F6832F817D27}"/>
+              </a:ext>
+            </a:extLst>
+          </p:cNvPr>
+          <p:cNvPicPr>
+            <a:picLocks noChangeAspect="1"/>
+          </p:cNvPicPr>
+          <p:nvPr/>
+        </p:nvPicPr>
+        <p:blipFill>
+          <a:blip r:embed="rId2"/>
+          <a:stretch>
+            <a:fillRect/>
+          </a:stretch>
+        </p:blipFill>
+        <p:spPr>
+          <a:xfrm>
+            <a:off x="429165" y="1409737"/>
+            <a:ext cx="8296454" cy="2830829"/>
+          </a:xfrm>
+          <a:prstGeom prst="rect">
+            <a:avLst/>
+          </a:prstGeom>
+        </p:spPr>
+      </p:pic>
+    </p:spTree>
+    <p:extLst>
+      <p:ext uri="{BB962C8B-B14F-4D97-AF65-F5344CB8AC3E}">
+        <p14:creationId xmlns:p14="http://schemas.microsoft.com/office/powerpoint/2010/main" val="2234233248"/>
+      </p:ext>
+    </p:extLst>
+  </p:cSld>
+  <p:clrMapOvr>
+    <a:masterClrMapping/>
+  </p:clrMapOvr>
+  <p:transition spd="med"/>
+</p:sld>
+</file>
+
+<file path=ppt/slides/slide6.xml><?xml version="1.0" encoding="utf-8"?>
+<p:sld xmlns:a="http://schemas.openxmlformats.org/drawingml/2006/main" xmlns:r="http://schemas.openxmlformats.org/officeDocument/2006/relationships" xmlns:p="http://schemas.openxmlformats.org/presentationml/2006/main">
+  <p:cSld>
+    <p:spTree>
+      <p:nvGrpSpPr>
+        <p:cNvPr id="1" name=""/>
+        <p:cNvGrpSpPr/>
+        <p:nvPr/>
+      </p:nvGrpSpPr>
+      <p:grpSpPr>
+        <a:xfrm>
+          <a:off x="0" y="0"/>
+          <a:ext cx="0" cy="0"/>
+          <a:chOff x="0" y="0"/>
+          <a:chExt cx="0" cy="0"/>
+        </a:xfrm>
+      </p:grpSpPr>
+      <p:sp>
+        <p:nvSpPr>
+          <p:cNvPr id="130" name="Shape 79"/>
+          <p:cNvSpPr/>
+          <p:nvPr/>
+        </p:nvSpPr>
+        <p:spPr>
+          <a:xfrm>
+            <a:off x="-15501" y="-19475"/>
+            <a:ext cx="9191402" cy="840000"/>
+          </a:xfrm>
+          <a:prstGeom prst="rect">
+            <a:avLst/>
+          </a:prstGeom>
+          <a:gradFill>
+            <a:gsLst>
+              <a:gs pos="0">
+                <a:srgbClr val="1077D2"/>
+              </a:gs>
+              <a:gs pos="100000">
+                <a:srgbClr val="093153"/>
+              </a:gs>
+            </a:gsLst>
+            <a:lin ang="12000143"/>
+          </a:gradFill>
+          <a:ln w="12700">
+            <a:miter lim="400000"/>
+          </a:ln>
+        </p:spPr>
+        <p:txBody>
+          <a:bodyPr lIns="45719" rIns="45719" anchor="ctr"/>
+          <a:lstStyle/>
+          <a:p>
+            <a:endParaRPr/>
+          </a:p>
+        </p:txBody>
+      </p:sp>
+      <p:sp>
+        <p:nvSpPr>
+          <p:cNvPr id="131" name="Shape 80"/>
+          <p:cNvSpPr/>
+          <p:nvPr/>
+        </p:nvSpPr>
+        <p:spPr>
+          <a:xfrm>
+            <a:off x="205025" y="263974"/>
+            <a:ext cx="8565600" cy="466642"/>
+          </a:xfrm>
+          <a:prstGeom prst="rect">
+            <a:avLst/>
+          </a:prstGeom>
+          <a:ln w="12700">
+            <a:miter lim="400000"/>
+          </a:ln>
+          <a:extLst>
+            <a:ext uri="{C572A759-6A51-4108-AA02-DFA0A04FC94B}">
+              <ma14:wrappingTextBoxFlag xmlns="" xmlns:ma14="http://schemas.microsoft.com/office/mac/drawingml/2011/main" val="1"/>
+            </a:ext>
+          </a:extLst>
+        </p:spPr>
+        <p:txBody>
+          <a:bodyPr lIns="91424" tIns="91424" rIns="91424" bIns="91424">
+            <a:spAutoFit/>
+          </a:bodyPr>
+          <a:lstStyle>
+            <a:lvl1pPr>
+              <a:defRPr sz="2000" b="1">
+                <a:solidFill>
+                  <a:srgbClr val="FFFFFF"/>
+                </a:solidFill>
+              </a:defRPr>
+            </a:lvl1pPr>
+          </a:lstStyle>
+          <a:p>
+            <a:r>
+              <a:t>Data Exploration</a:t>
+            </a:r>
+          </a:p>
+        </p:txBody>
+      </p:sp>
+      <p:sp>
+        <p:nvSpPr>
+          <p:cNvPr id="132" name="Shape 81"/>
+          <p:cNvSpPr/>
+          <p:nvPr/>
+        </p:nvSpPr>
+        <p:spPr>
+          <a:xfrm>
+            <a:off x="205025" y="835290"/>
+            <a:ext cx="8565600" cy="483177"/>
+          </a:xfrm>
+          <a:prstGeom prst="rect">
+            <a:avLst/>
+          </a:prstGeom>
+          <a:ln w="12700">
+            <a:miter lim="400000"/>
+          </a:ln>
+          <a:extLst>
+            <a:ext uri="{C572A759-6A51-4108-AA02-DFA0A04FC94B}">
+              <ma14:wrappingTextBoxFlag xmlns="" xmlns:ma14="http://schemas.microsoft.com/office/mac/drawingml/2011/main" val="1"/>
+            </a:ext>
+          </a:extLst>
+        </p:spPr>
+        <p:txBody>
+          <a:bodyPr lIns="91424" tIns="91424" rIns="91424" bIns="91424" anchor="t">
+            <a:spAutoFit/>
+          </a:bodyPr>
+          <a:lstStyle>
+            <a:lvl1pPr>
+              <a:lnSpc>
+                <a:spcPct val="115000"/>
+              </a:lnSpc>
+              <a:defRPr sz="2000" b="1">
+                <a:latin typeface="Open Sans"/>
+                <a:ea typeface="Open Sans"/>
+                <a:cs typeface="Open Sans"/>
+                <a:sym typeface="Open Sans"/>
+              </a:defRPr>
+            </a:lvl1pPr>
+          </a:lstStyle>
+          <a:p>
+            <a:pPr marL="285750" indent="-285750">
+              <a:buFont typeface="Arial"/>
+              <a:buChar char="•"/>
+            </a:pPr>
+            <a:r>
+              <a:rPr lang="en-US" sz="1800" b="0" dirty="0"/>
+              <a:t>The numerical fields have the following </a:t>
+            </a:r>
+            <a:r>
+              <a:rPr lang="en-US" sz="1800" dirty="0"/>
+              <a:t>correlation</a:t>
+            </a:r>
+            <a:r>
+              <a:rPr lang="en-US" sz="1800" b="0" dirty="0"/>
+              <a:t>:</a:t>
+            </a:r>
+            <a:endParaRPr lang="en-US" dirty="0"/>
+          </a:p>
+        </p:txBody>
+      </p:sp>
+      <p:sp>
+        <p:nvSpPr>
+          <p:cNvPr id="137" name="Note: The data and information in this document is reflective of a hypothetical situation and client. This document is to be used for KPMG Virtual Internship purposes only."/>
+          <p:cNvSpPr/>
+          <p:nvPr/>
+        </p:nvSpPr>
+        <p:spPr>
+          <a:xfrm>
+            <a:off x="-6201" y="-6350"/>
+            <a:ext cx="9175601" cy="238700"/>
+          </a:xfrm>
+          <a:prstGeom prst="rect">
+            <a:avLst/>
+          </a:prstGeom>
+          <a:solidFill>
+            <a:schemeClr val="accent3"/>
+          </a:solidFill>
+          <a:ln w="12700">
+            <a:miter lim="400000"/>
+          </a:ln>
+          <a:extLst>
+            <a:ext uri="{C572A759-6A51-4108-AA02-DFA0A04FC94B}">
+              <ma14:wrappingTextBoxFlag xmlns="" xmlns:ma14="http://schemas.microsoft.com/office/mac/drawingml/2011/main" val="1"/>
+            </a:ext>
+          </a:extLst>
+        </p:spPr>
+        <p:txBody>
+          <a:bodyPr lIns="45719" rIns="45719" anchor="ctr"/>
+          <a:lstStyle/>
+          <a:p>
+            <a:pPr defTabSz="457200">
+              <a:defRPr sz="500" b="1">
+                <a:latin typeface="Calibri"/>
+                <a:ea typeface="Calibri"/>
+                <a:cs typeface="Calibri"/>
+                <a:sym typeface="Calibri"/>
+              </a:defRPr>
+            </a:pPr>
+            <a:r>
+              <a:t>       Note: </a:t>
+            </a:r>
+            <a:r>
+              <a:rPr b="0"/>
+              <a:t>The data and information in this document is reflective of a hypothetical situation and client. This document is to be used for KPMG Virtual Internship purposes only. </a:t>
+            </a:r>
+          </a:p>
+        </p:txBody>
+      </p:sp>
+      <p:pic>
+        <p:nvPicPr>
+          <p:cNvPr id="3" name="Picture 3" descr="Chart, treemap chart&#10;&#10;Description automatically generated">
+            <a:extLst>
+              <a:ext uri="{FF2B5EF4-FFF2-40B4-BE49-F238E27FC236}">
+                <a16:creationId xmlns:a16="http://schemas.microsoft.com/office/drawing/2014/main" id="{2F17B785-4BDB-4E3E-E588-087EE2768DFD}"/>
+              </a:ext>
+            </a:extLst>
+          </p:cNvPr>
+          <p:cNvPicPr>
+            <a:picLocks noChangeAspect="1"/>
+          </p:cNvPicPr>
+          <p:nvPr/>
+        </p:nvPicPr>
+        <p:blipFill>
+          <a:blip r:embed="rId2"/>
+          <a:stretch>
+            <a:fillRect/>
+          </a:stretch>
+        </p:blipFill>
+        <p:spPr>
+          <a:xfrm>
+            <a:off x="1712343" y="1281734"/>
+            <a:ext cx="5546785" cy="2957437"/>
+          </a:xfrm>
+          <a:prstGeom prst="rect">
+            <a:avLst/>
+          </a:prstGeom>
+        </p:spPr>
+      </p:pic>
+      <p:sp>
+        <p:nvSpPr>
+          <p:cNvPr id="4" name="Shape 81">
+            <a:extLst>
+              <a:ext uri="{FF2B5EF4-FFF2-40B4-BE49-F238E27FC236}">
+                <a16:creationId xmlns:a16="http://schemas.microsoft.com/office/drawing/2014/main" id="{878D305B-A53D-0578-2485-FC47B809053D}"/>
+              </a:ext>
+            </a:extLst>
+          </p:cNvPr>
+          <p:cNvSpPr/>
+          <p:nvPr/>
+        </p:nvSpPr>
+        <p:spPr>
+          <a:xfrm>
+            <a:off x="302072" y="4199592"/>
+            <a:ext cx="8565600" cy="801726"/>
+          </a:xfrm>
+          <a:prstGeom prst="rect">
+            <a:avLst/>
+          </a:prstGeom>
+          <a:ln w="12700">
+            <a:miter lim="400000"/>
+          </a:ln>
+          <a:extLst>
+            <a:ext uri="{C572A759-6A51-4108-AA02-DFA0A04FC94B}">
+              <ma14:wrappingTextBoxFlag xmlns:ma14="http://schemas.microsoft.com/office/mac/drawingml/2011/main" xmlns="" val="1"/>
+            </a:ext>
+          </a:extLst>
+        </p:spPr>
+        <p:txBody>
+          <a:bodyPr lIns="91424" tIns="91424" rIns="91424" bIns="91424" anchor="t">
+            <a:spAutoFit/>
+          </a:bodyPr>
+          <a:lstStyle>
+            <a:lvl1pPr>
+              <a:lnSpc>
+                <a:spcPct val="115000"/>
+              </a:lnSpc>
+              <a:defRPr sz="2000" b="1">
+                <a:latin typeface="Open Sans"/>
+                <a:ea typeface="Open Sans"/>
+                <a:cs typeface="Open Sans"/>
+                <a:sym typeface="Open Sans"/>
+              </a:defRPr>
+            </a:lvl1pPr>
+          </a:lstStyle>
+          <a:p>
+            <a:pPr marL="285750" indent="-285750">
+              <a:buFont typeface="Arial"/>
+              <a:buChar char="•"/>
+            </a:pPr>
+            <a:r>
+              <a:rPr lang="en-US" sz="1800" b="0" dirty="0"/>
+              <a:t>The correlation coefficient –0.98 between </a:t>
+            </a:r>
+            <a:r>
+              <a:rPr lang="en-US" sz="1800" b="0" dirty="0">
+                <a:latin typeface="Courier New"/>
+              </a:rPr>
+              <a:t>value</a:t>
+            </a:r>
+            <a:r>
+              <a:rPr lang="en-US" sz="1800" b="0" dirty="0"/>
+              <a:t> and </a:t>
+            </a:r>
+            <a:r>
+              <a:rPr lang="en-US" sz="1800" b="0" dirty="0">
+                <a:latin typeface="Courier New"/>
+              </a:rPr>
+              <a:t>rank</a:t>
+            </a:r>
+            <a:r>
+              <a:rPr lang="en-US" sz="1800" b="0" dirty="0"/>
+              <a:t> indicates that the fields are </a:t>
+            </a:r>
+            <a:r>
+              <a:rPr lang="en-US" sz="1800"/>
+              <a:t>significantly and negatively correlated</a:t>
+            </a:r>
+            <a:r>
+              <a:rPr lang="en-US" sz="1800" b="0" dirty="0"/>
+              <a:t>.</a:t>
+            </a:r>
+          </a:p>
+        </p:txBody>
+      </p:sp>
+    </p:spTree>
+    <p:extLst>
+      <p:ext uri="{BB962C8B-B14F-4D97-AF65-F5344CB8AC3E}">
+        <p14:creationId xmlns:p14="http://schemas.microsoft.com/office/powerpoint/2010/main" val="272812540"/>
+      </p:ext>
+    </p:extLst>
+  </p:cSld>
+  <p:clrMapOvr>
+    <a:masterClrMapping/>
+  </p:clrMapOvr>
+  <p:transition spd="med"/>
+</p:sld>
+</file>
+
+<file path=ppt/slides/slide7.xml><?xml version="1.0" encoding="utf-8"?>
+<p:sld xmlns:a="http://schemas.openxmlformats.org/drawingml/2006/main" xmlns:r="http://schemas.openxmlformats.org/officeDocument/2006/relationships" xmlns:p="http://schemas.openxmlformats.org/presentationml/2006/main">
   <p:cSld>
     <p:spTree>
       <p:nvGrpSpPr>
@@ -4267,7 +6118,7 @@
           <a:bodyPr lIns="45719" rIns="45719" anchor="ctr"/>
           <a:lstStyle/>
           <a:p>
-            <a:pPr/>
+            <a:endParaRPr/>
           </a:p>
         </p:txBody>
       </p:sp>
@@ -4290,7 +6141,7 @@
           </a:ln>
           <a:extLst>
             <a:ext uri="{C572A759-6A51-4108-AA02-DFA0A04FC94B}">
-              <ma14:wrappingTextBoxFlag xmlns:ma14="http://schemas.microsoft.com/office/mac/drawingml/2011/main" val="1"/>
+              <ma14:wrappingTextBoxFlag xmlns="" xmlns:ma14="http://schemas.microsoft.com/office/mac/drawingml/2011/main" val="1"/>
             </a:ext>
           </a:extLst>
         </p:spPr>
@@ -4300,7 +6151,7 @@
           </a:bodyPr>
           <a:lstStyle>
             <a:lvl1pPr>
-              <a:defRPr b="1" sz="2000">
+              <a:defRPr sz="2000" b="1">
                 <a:solidFill>
                   <a:srgbClr val="FFFFFF"/>
                 </a:solidFill>
@@ -4308,7 +6159,6 @@
             </a:lvl1pPr>
           </a:lstStyle>
           <a:p>
-            <a:pPr/>
             <a:r>
               <a:t>Model Development</a:t>
             </a:r>
@@ -4334,7 +6184,7 @@
           </a:ln>
           <a:extLst>
             <a:ext uri="{C572A759-6A51-4108-AA02-DFA0A04FC94B}">
-              <ma14:wrappingTextBoxFlag xmlns:ma14="http://schemas.microsoft.com/office/mac/drawingml/2011/main" val="1"/>
+              <ma14:wrappingTextBoxFlag xmlns="" xmlns:ma14="http://schemas.microsoft.com/office/mac/drawingml/2011/main" val="1"/>
             </a:ext>
           </a:extLst>
         </p:spPr>
@@ -4347,7 +6197,7 @@
               <a:lnSpc>
                 <a:spcPct val="115000"/>
               </a:lnSpc>
-              <a:defRPr b="1" sz="2000">
+              <a:defRPr sz="2000" b="1">
                 <a:latin typeface="Open Sans"/>
                 <a:ea typeface="Open Sans"/>
                 <a:cs typeface="Open Sans"/>
@@ -4356,7 +6206,6 @@
             </a:lvl1pPr>
           </a:lstStyle>
           <a:p>
-            <a:pPr/>
             <a:r>
               <a:t>Place headline insight or information here. This should be the most important point for this slide.</a:t>
             </a:r>
@@ -4382,7 +6231,7 @@
           </a:ln>
           <a:extLst>
             <a:ext uri="{C572A759-6A51-4108-AA02-DFA0A04FC94B}">
-              <ma14:wrappingTextBoxFlag xmlns:ma14="http://schemas.microsoft.com/office/mac/drawingml/2011/main" val="1"/>
+              <ma14:wrappingTextBoxFlag xmlns="" xmlns:ma14="http://schemas.microsoft.com/office/mac/drawingml/2011/main" val="1"/>
             </a:ext>
           </a:extLst>
         </p:spPr>
@@ -4404,7 +6253,6 @@
             </a:lvl1pPr>
           </a:lstStyle>
           <a:p>
-            <a:pPr/>
             <a:r>
               <a:t>Place any information about this point here.</a:t>
             </a:r>
@@ -4461,6 +6309,7 @@
                   </a:solidFill>
                 </a:defRPr>
               </a:pPr>
+              <a:endParaRPr/>
             </a:p>
           </p:txBody>
         </p:sp>
@@ -4486,7 +6335,7 @@
             <a:effectLst/>
             <a:extLst>
               <a:ext uri="{C572A759-6A51-4108-AA02-DFA0A04FC94B}">
-                <ma14:wrappingTextBoxFlag xmlns:ma14="http://schemas.microsoft.com/office/mac/drawingml/2011/main" val="1"/>
+                <ma14:wrappingTextBoxFlag xmlns="" xmlns:ma14="http://schemas.microsoft.com/office/mac/drawingml/2011/main" val="1"/>
               </a:ext>
             </a:extLst>
           </p:spPr>
@@ -4504,7 +6353,6 @@
               </a:lvl1pPr>
             </a:lstStyle>
             <a:p>
-              <a:pPr/>
               <a:r>
                 <a:t>Place any supporting images, graphs, data or extra text here.</a:t>
               </a:r>
@@ -4534,7 +6382,7 @@
           </a:ln>
           <a:extLst>
             <a:ext uri="{C572A759-6A51-4108-AA02-DFA0A04FC94B}">
-              <ma14:wrappingTextBoxFlag xmlns:ma14="http://schemas.microsoft.com/office/mac/drawingml/2011/main" val="1"/>
+              <ma14:wrappingTextBoxFlag xmlns="" xmlns:ma14="http://schemas.microsoft.com/office/mac/drawingml/2011/main" val="1"/>
             </a:ext>
           </a:extLst>
         </p:spPr>
@@ -4543,7 +6391,7 @@
           <a:lstStyle/>
           <a:p>
             <a:pPr defTabSz="457200">
-              <a:defRPr b="1" sz="500">
+              <a:defRPr sz="500" b="1">
                 <a:latin typeface="Calibri"/>
                 <a:ea typeface="Calibri"/>
                 <a:cs typeface="Calibri"/>
@@ -4565,12 +6413,12 @@
   <p:clrMapOvr>
     <a:masterClrMapping/>
   </p:clrMapOvr>
-  <p:transition xmlns:p14="http://schemas.microsoft.com/office/powerpoint/2010/main" spd="med" advClick="1"/>
+  <p:transition spd="med"/>
 </p:sld>
 </file>
 
-<file path=ppt/slides/slide6.xml><?xml version="1.0" encoding="utf-8"?>
-<p:sld xmlns:a="http://schemas.openxmlformats.org/drawingml/2006/main" xmlns:r="http://schemas.openxmlformats.org/officeDocument/2006/relationships" xmlns:p="http://schemas.openxmlformats.org/presentationml/2006/main" showMasterSp="1" showMasterPhAnim="1">
+<file path=ppt/slides/slide8.xml><?xml version="1.0" encoding="utf-8"?>
+<p:sld xmlns:a="http://schemas.openxmlformats.org/drawingml/2006/main" xmlns:r="http://schemas.openxmlformats.org/officeDocument/2006/relationships" xmlns:p="http://schemas.openxmlformats.org/presentationml/2006/main">
   <p:cSld>
     <p:spTree>
       <p:nvGrpSpPr>
@@ -4619,7 +6467,7 @@
           <a:bodyPr lIns="45719" rIns="45719" anchor="ctr"/>
           <a:lstStyle/>
           <a:p>
-            <a:pPr/>
+            <a:endParaRPr/>
           </a:p>
         </p:txBody>
       </p:sp>
@@ -4642,7 +6490,7 @@
           </a:ln>
           <a:extLst>
             <a:ext uri="{C572A759-6A51-4108-AA02-DFA0A04FC94B}">
-              <ma14:wrappingTextBoxFlag xmlns:ma14="http://schemas.microsoft.com/office/mac/drawingml/2011/main" val="1"/>
+              <ma14:wrappingTextBoxFlag xmlns="" xmlns:ma14="http://schemas.microsoft.com/office/mac/drawingml/2011/main" val="1"/>
             </a:ext>
           </a:extLst>
         </p:spPr>
@@ -4652,7 +6500,7 @@
           </a:bodyPr>
           <a:lstStyle>
             <a:lvl1pPr>
-              <a:defRPr b="1" sz="2000">
+              <a:defRPr sz="2000" b="1">
                 <a:solidFill>
                   <a:srgbClr val="FFFFFF"/>
                 </a:solidFill>
@@ -4660,7 +6508,6 @@
             </a:lvl1pPr>
           </a:lstStyle>
           <a:p>
-            <a:pPr/>
             <a:r>
               <a:t>Interpretation</a:t>
             </a:r>
@@ -4686,7 +6533,7 @@
           </a:ln>
           <a:extLst>
             <a:ext uri="{C572A759-6A51-4108-AA02-DFA0A04FC94B}">
-              <ma14:wrappingTextBoxFlag xmlns:ma14="http://schemas.microsoft.com/office/mac/drawingml/2011/main" val="1"/>
+              <ma14:wrappingTextBoxFlag xmlns="" xmlns:ma14="http://schemas.microsoft.com/office/mac/drawingml/2011/main" val="1"/>
             </a:ext>
           </a:extLst>
         </p:spPr>
@@ -4699,7 +6546,7 @@
               <a:lnSpc>
                 <a:spcPct val="115000"/>
               </a:lnSpc>
-              <a:defRPr b="1" sz="2000">
+              <a:defRPr sz="2000" b="1">
                 <a:latin typeface="Open Sans"/>
                 <a:ea typeface="Open Sans"/>
                 <a:cs typeface="Open Sans"/>
@@ -4708,7 +6555,6 @@
             </a:lvl1pPr>
           </a:lstStyle>
           <a:p>
-            <a:pPr/>
             <a:r>
               <a:t>Place headline insight or information here. This should be the most important point for this slide.</a:t>
             </a:r>
@@ -4734,7 +6580,7 @@
           </a:ln>
           <a:extLst>
             <a:ext uri="{C572A759-6A51-4108-AA02-DFA0A04FC94B}">
-              <ma14:wrappingTextBoxFlag xmlns:ma14="http://schemas.microsoft.com/office/mac/drawingml/2011/main" val="1"/>
+              <ma14:wrappingTextBoxFlag xmlns="" xmlns:ma14="http://schemas.microsoft.com/office/mac/drawingml/2011/main" val="1"/>
             </a:ext>
           </a:extLst>
         </p:spPr>
@@ -4756,7 +6602,6 @@
             </a:lvl1pPr>
           </a:lstStyle>
           <a:p>
-            <a:pPr/>
             <a:r>
               <a:t>Place any information about this point here.</a:t>
             </a:r>
@@ -4813,6 +6658,7 @@
                   </a:solidFill>
                 </a:defRPr>
               </a:pPr>
+              <a:endParaRPr/>
             </a:p>
           </p:txBody>
         </p:sp>
@@ -4838,7 +6684,7 @@
             <a:effectLst/>
             <a:extLst>
               <a:ext uri="{C572A759-6A51-4108-AA02-DFA0A04FC94B}">
-                <ma14:wrappingTextBoxFlag xmlns:ma14="http://schemas.microsoft.com/office/mac/drawingml/2011/main" val="1"/>
+                <ma14:wrappingTextBoxFlag xmlns="" xmlns:ma14="http://schemas.microsoft.com/office/mac/drawingml/2011/main" val="1"/>
               </a:ext>
             </a:extLst>
           </p:spPr>
@@ -4856,7 +6702,6 @@
               </a:lvl1pPr>
             </a:lstStyle>
             <a:p>
-              <a:pPr/>
               <a:r>
                 <a:t>Place any supporting images, graphs, data or extra text here.</a:t>
               </a:r>
@@ -4886,7 +6731,7 @@
           </a:ln>
           <a:extLst>
             <a:ext uri="{C572A759-6A51-4108-AA02-DFA0A04FC94B}">
-              <ma14:wrappingTextBoxFlag xmlns:ma14="http://schemas.microsoft.com/office/mac/drawingml/2011/main" val="1"/>
+              <ma14:wrappingTextBoxFlag xmlns="" xmlns:ma14="http://schemas.microsoft.com/office/mac/drawingml/2011/main" val="1"/>
             </a:ext>
           </a:extLst>
         </p:spPr>
@@ -4895,7 +6740,7 @@
           <a:lstStyle/>
           <a:p>
             <a:pPr defTabSz="457200">
-              <a:defRPr b="1" sz="500">
+              <a:defRPr sz="500" b="1">
                 <a:latin typeface="Calibri"/>
                 <a:ea typeface="Calibri"/>
                 <a:cs typeface="Calibri"/>
@@ -4917,12 +6762,12 @@
   <p:clrMapOvr>
     <a:masterClrMapping/>
   </p:clrMapOvr>
-  <p:transition xmlns:p14="http://schemas.microsoft.com/office/powerpoint/2010/main" spd="med" advClick="1"/>
+  <p:transition spd="med"/>
 </p:sld>
 </file>
 
-<file path=ppt/slides/slide7.xml><?xml version="1.0" encoding="utf-8"?>
-<p:sld xmlns:a="http://schemas.openxmlformats.org/drawingml/2006/main" xmlns:r="http://schemas.openxmlformats.org/officeDocument/2006/relationships" xmlns:p="http://schemas.openxmlformats.org/presentationml/2006/main" showMasterSp="1" showMasterPhAnim="1">
+<file path=ppt/slides/slide9.xml><?xml version="1.0" encoding="utf-8"?>
+<p:sld xmlns:a="http://schemas.openxmlformats.org/drawingml/2006/main" xmlns:r="http://schemas.openxmlformats.org/officeDocument/2006/relationships" xmlns:p="http://schemas.openxmlformats.org/presentationml/2006/main">
   <p:cSld>
     <p:spTree>
       <p:nvGrpSpPr>
@@ -4945,7 +6790,7 @@
           <p:nvPr/>
         </p:nvSpPr>
         <p:spPr>
-          <a:xfrm flipH="1" rot="10800000">
+          <a:xfrm rot="10800000" flipH="1">
             <a:off x="-1" y="0"/>
             <a:ext cx="9163201" cy="5148001"/>
           </a:xfrm>
@@ -4969,7 +6814,7 @@
             </a:cxnLst>
             <a:rect l="0" t="0" r="r" b="b"/>
             <a:pathLst>
-              <a:path w="21600" h="21600" fill="norm" stroke="1" extrusionOk="0">
+              <a:path w="21600" h="21600" extrusionOk="0">
                 <a:moveTo>
                   <a:pt x="0" y="0"/>
                 </a:moveTo>
@@ -5008,7 +6853,7 @@
           <a:bodyPr lIns="45719" rIns="45719" anchor="ctr"/>
           <a:lstStyle/>
           <a:p>
-            <a:pPr/>
+            <a:endParaRPr/>
           </a:p>
         </p:txBody>
       </p:sp>
@@ -5031,7 +6876,7 @@
           </a:ln>
           <a:extLst>
             <a:ext uri="{C572A759-6A51-4108-AA02-DFA0A04FC94B}">
-              <ma14:wrappingTextBoxFlag xmlns:ma14="http://schemas.microsoft.com/office/mac/drawingml/2011/main" val="1"/>
+              <ma14:wrappingTextBoxFlag xmlns="" xmlns:ma14="http://schemas.microsoft.com/office/mac/drawingml/2011/main" val="1"/>
             </a:ext>
           </a:extLst>
         </p:spPr>
@@ -5053,7 +6898,6 @@
             </a:lvl1pPr>
           </a:lstStyle>
           <a:p>
-            <a:pPr/>
             <a:r>
               <a:t>Appendix</a:t>
             </a:r>
@@ -5082,7 +6926,7 @@
           </a:ln>
           <a:extLst>
             <a:ext uri="{C572A759-6A51-4108-AA02-DFA0A04FC94B}">
-              <ma14:wrappingTextBoxFlag xmlns:ma14="http://schemas.microsoft.com/office/mac/drawingml/2011/main" val="1"/>
+              <ma14:wrappingTextBoxFlag xmlns="" xmlns:ma14="http://schemas.microsoft.com/office/mac/drawingml/2011/main" val="1"/>
             </a:ext>
           </a:extLst>
         </p:spPr>
@@ -5091,7 +6935,7 @@
           <a:lstStyle/>
           <a:p>
             <a:pPr defTabSz="457200">
-              <a:defRPr b="1" sz="500">
+              <a:defRPr sz="500" b="1">
                 <a:latin typeface="Calibri"/>
                 <a:ea typeface="Calibri"/>
                 <a:cs typeface="Calibri"/>
@@ -5113,215 +6957,12 @@
   <p:clrMapOvr>
     <a:masterClrMapping/>
   </p:clrMapOvr>
-  <p:transition xmlns:p14="http://schemas.microsoft.com/office/powerpoint/2010/main" spd="med" advClick="1"/>
-</p:sld>
-</file>
-
-<file path=ppt/slides/slide8.xml><?xml version="1.0" encoding="utf-8"?>
-<p:sld xmlns:a="http://schemas.openxmlformats.org/drawingml/2006/main" xmlns:r="http://schemas.openxmlformats.org/officeDocument/2006/relationships" xmlns:p="http://schemas.openxmlformats.org/presentationml/2006/main" showMasterSp="1" showMasterPhAnim="1">
-  <p:cSld>
-    <p:spTree>
-      <p:nvGrpSpPr>
-        <p:cNvPr id="1" name=""/>
-        <p:cNvGrpSpPr/>
-        <p:nvPr/>
-      </p:nvGrpSpPr>
-      <p:grpSpPr>
-        <a:xfrm>
-          <a:off x="0" y="0"/>
-          <a:ext cx="0" cy="0"/>
-          <a:chOff x="0" y="0"/>
-          <a:chExt cx="0" cy="0"/>
-        </a:xfrm>
-      </p:grpSpPr>
-      <p:sp>
-        <p:nvSpPr>
-          <p:cNvPr id="161" name="Shape 113"/>
-          <p:cNvSpPr/>
-          <p:nvPr/>
-        </p:nvSpPr>
-        <p:spPr>
-          <a:xfrm>
-            <a:off x="-15501" y="-19475"/>
-            <a:ext cx="9191402" cy="840000"/>
-          </a:xfrm>
-          <a:prstGeom prst="rect">
-            <a:avLst/>
-          </a:prstGeom>
-          <a:gradFill>
-            <a:gsLst>
-              <a:gs pos="0">
-                <a:srgbClr val="1077D2"/>
-              </a:gs>
-              <a:gs pos="100000">
-                <a:srgbClr val="093153"/>
-              </a:gs>
-            </a:gsLst>
-            <a:lin ang="12000143"/>
-          </a:gradFill>
-          <a:ln w="12700">
-            <a:miter lim="400000"/>
-          </a:ln>
-        </p:spPr>
-        <p:txBody>
-          <a:bodyPr lIns="45719" rIns="45719" anchor="ctr"/>
-          <a:lstStyle/>
-          <a:p>
-            <a:pPr/>
-          </a:p>
-        </p:txBody>
-      </p:sp>
-      <p:sp>
-        <p:nvSpPr>
-          <p:cNvPr id="162" name="Shape 114"/>
-          <p:cNvSpPr/>
-          <p:nvPr/>
-        </p:nvSpPr>
-        <p:spPr>
-          <a:xfrm>
-            <a:off x="205025" y="263974"/>
-            <a:ext cx="8565600" cy="758742"/>
-          </a:xfrm>
-          <a:prstGeom prst="rect">
-            <a:avLst/>
-          </a:prstGeom>
-          <a:ln w="12700">
-            <a:miter lim="400000"/>
-          </a:ln>
-          <a:extLst>
-            <a:ext uri="{C572A759-6A51-4108-AA02-DFA0A04FC94B}">
-              <ma14:wrappingTextBoxFlag xmlns:ma14="http://schemas.microsoft.com/office/mac/drawingml/2011/main" val="1"/>
-            </a:ext>
-          </a:extLst>
-        </p:spPr>
-        <p:txBody>
-          <a:bodyPr lIns="91424" tIns="91424" rIns="91424" bIns="91424">
-            <a:spAutoFit/>
-          </a:bodyPr>
-          <a:lstStyle>
-            <a:lvl1pPr>
-              <a:defRPr b="1" sz="2000">
-                <a:solidFill>
-                  <a:srgbClr val="FFFFFF"/>
-                </a:solidFill>
-              </a:defRPr>
-            </a:lvl1pPr>
-          </a:lstStyle>
-          <a:p>
-            <a:pPr/>
-            <a:r>
-              <a:t>Appendix</a:t>
-            </a:r>
-          </a:p>
-        </p:txBody>
-      </p:sp>
-      <p:sp>
-        <p:nvSpPr>
-          <p:cNvPr id="163" name="Shape 115"/>
-          <p:cNvSpPr/>
-          <p:nvPr/>
-        </p:nvSpPr>
-        <p:spPr>
-          <a:xfrm>
-            <a:off x="205025" y="1083299"/>
-            <a:ext cx="8565600" cy="920086"/>
-          </a:xfrm>
-          <a:prstGeom prst="rect">
-            <a:avLst/>
-          </a:prstGeom>
-          <a:ln w="12700">
-            <a:miter lim="400000"/>
-          </a:ln>
-          <a:extLst>
-            <a:ext uri="{C572A759-6A51-4108-AA02-DFA0A04FC94B}">
-              <ma14:wrappingTextBoxFlag xmlns:ma14="http://schemas.microsoft.com/office/mac/drawingml/2011/main" val="1"/>
-            </a:ext>
-          </a:extLst>
-        </p:spPr>
-        <p:txBody>
-          <a:bodyPr lIns="91424" tIns="91424" rIns="91424" bIns="91424">
-            <a:spAutoFit/>
-          </a:bodyPr>
-          <a:lstStyle>
-            <a:lvl1pPr>
-              <a:lnSpc>
-                <a:spcPct val="115000"/>
-              </a:lnSpc>
-              <a:defRPr b="1" sz="2000">
-                <a:latin typeface="Open Sans"/>
-                <a:ea typeface="Open Sans"/>
-                <a:cs typeface="Open Sans"/>
-                <a:sym typeface="Open Sans"/>
-              </a:defRPr>
-            </a:lvl1pPr>
-          </a:lstStyle>
-          <a:p>
-            <a:pPr/>
-            <a:r>
-              <a:t>This is an optional slide where you may place any supporting items.</a:t>
-            </a:r>
-          </a:p>
-        </p:txBody>
-      </p:sp>
-      <p:sp>
-        <p:nvSpPr>
-          <p:cNvPr id="164" name="Note: The data and information in this document is reflective of a hypothetical situation and client. This document is to be used for KPMG Virtual Internship purposes only."/>
-          <p:cNvSpPr/>
-          <p:nvPr/>
-        </p:nvSpPr>
-        <p:spPr>
-          <a:xfrm>
-            <a:off x="-6201" y="-6350"/>
-            <a:ext cx="9175601" cy="238700"/>
-          </a:xfrm>
-          <a:prstGeom prst="rect">
-            <a:avLst/>
-          </a:prstGeom>
-          <a:solidFill>
-            <a:schemeClr val="accent3"/>
-          </a:solidFill>
-          <a:ln w="12700">
-            <a:miter lim="400000"/>
-          </a:ln>
-          <a:extLst>
-            <a:ext uri="{C572A759-6A51-4108-AA02-DFA0A04FC94B}">
-              <ma14:wrappingTextBoxFlag xmlns:ma14="http://schemas.microsoft.com/office/mac/drawingml/2011/main" val="1"/>
-            </a:ext>
-          </a:extLst>
-        </p:spPr>
-        <p:txBody>
-          <a:bodyPr lIns="45719" rIns="45719" anchor="ctr"/>
-          <a:lstStyle/>
-          <a:p>
-            <a:pPr defTabSz="457200">
-              <a:defRPr b="1" sz="500">
-                <a:latin typeface="Calibri"/>
-                <a:ea typeface="Calibri"/>
-                <a:cs typeface="Calibri"/>
-                <a:sym typeface="Calibri"/>
-              </a:defRPr>
-            </a:pPr>
-            <a:r>
-              <a:t>       Note: </a:t>
-            </a:r>
-            <a:r>
-              <a:rPr b="0"/>
-              <a:t>The data and information in this document is reflective of a hypothetical situation and client. This document is to be used for KPMG Virtual Internship purposes only. </a:t>
-            </a:r>
-          </a:p>
-        </p:txBody>
-      </p:sp>
-    </p:spTree>
-  </p:cSld>
-  <p:clrMapOvr>
-    <a:masterClrMapping/>
-  </p:clrMapOvr>
-  <p:transition xmlns:p14="http://schemas.microsoft.com/office/powerpoint/2010/main" spd="med" advClick="1"/>
+  <p:transition spd="med"/>
 </p:sld>
 </file>
 
 <file path=ppt/theme/theme1.xml><?xml version="1.0" encoding="utf-8"?>
-<a:theme xmlns:a="http://schemas.openxmlformats.org/drawingml/2006/main" xmlns:r="http://schemas.openxmlformats.org/officeDocument/2006/relationships" name="Simple Light">
+<a:theme xmlns:a="http://schemas.openxmlformats.org/drawingml/2006/main" name="Simple Light">
   <a:themeElements>
     <a:clrScheme name="Simple Light">
       <a:dk1>
@@ -5447,7 +7088,7 @@
       <a:effectStyleLst>
         <a:effectStyle>
           <a:effectLst>
-            <a:outerShdw sx="100000" sy="100000" kx="0" ky="0" algn="b" rotWithShape="0" blurRad="38100" dist="23000" dir="5400000">
+            <a:outerShdw blurRad="38100" dist="23000" dir="5400000" rotWithShape="0">
               <a:srgbClr val="000000">
                 <a:alpha val="35000"/>
               </a:srgbClr>
@@ -5456,7 +7097,7 @@
         </a:effectStyle>
         <a:effectStyle>
           <a:effectLst>
-            <a:outerShdw sx="100000" sy="100000" kx="0" ky="0" algn="b" rotWithShape="0" blurRad="38100" dist="23000" dir="5400000">
+            <a:outerShdw blurRad="38100" dist="23000" dir="5400000" rotWithShape="0">
               <a:srgbClr val="000000">
                 <a:alpha val="35000"/>
               </a:srgbClr>
@@ -5465,7 +7106,7 @@
         </a:effectStyle>
         <a:effectStyle>
           <a:effectLst>
-            <a:outerShdw sx="100000" sy="100000" kx="0" ky="0" algn="b" rotWithShape="0" blurRad="38100" dist="20000" dir="5400000">
+            <a:outerShdw blurRad="38100" dist="20000" dir="5400000" rotWithShape="0">
               <a:srgbClr val="000000">
                 <a:alpha val="38000"/>
               </a:srgbClr>
@@ -5539,7 +7180,7 @@
           <a:round/>
         </a:ln>
         <a:effectLst>
-          <a:outerShdw sx="100000" sy="100000" kx="0" ky="0" algn="b" rotWithShape="0" blurRad="38100" dist="23000" dir="5400000">
+          <a:outerShdw blurRad="38100" dist="23000" dir="5400000" rotWithShape="0">
             <a:srgbClr val="000000">
               <a:alpha val="35000"/>
             </a:srgbClr>
@@ -5547,7 +7188,7 @@
         </a:effectLst>
         <a:sp3d/>
       </a:spPr>
-      <a:bodyPr rot="0" spcFirstLastPara="1" vertOverflow="overflow" horzOverflow="overflow" vert="horz" wrap="square" lIns="45719" tIns="45719" rIns="45719" bIns="45719" numCol="1" spcCol="38100" rtlCol="0" anchor="ctr" upright="0">
+      <a:bodyPr rot="0" spcFirstLastPara="1" vertOverflow="overflow" horzOverflow="overflow" vert="horz" wrap="square" lIns="45719" tIns="45719" rIns="45719" bIns="45719" numCol="1" spcCol="38100" rtlCol="0" anchor="ctr">
         <a:spAutoFit/>
       </a:bodyPr>
       <a:lstStyle>
@@ -5566,7 +7207,7 @@
           <a:buFontTx/>
           <a:buNone/>
           <a:tabLst/>
-          <a:defRPr b="0" baseline="0" cap="none" i="0" spc="0" strike="noStrike" sz="1400" u="none" kumimoji="0" normalizeH="0">
+          <a:defRPr kumimoji="0" sz="1400" b="0" i="0" u="none" strike="noStrike" cap="none" spc="0" normalizeH="0" baseline="0">
             <a:ln>
               <a:noFill/>
             </a:ln>
@@ -5596,7 +7237,7 @@
           <a:buFontTx/>
           <a:buNone/>
           <a:tabLst/>
-          <a:defRPr b="0" baseline="0" cap="none" i="0" spc="0" strike="noStrike" sz="1800" u="none" kumimoji="0" normalizeH="0">
+          <a:defRPr kumimoji="0" sz="1800" b="0" i="0" u="none" strike="noStrike" cap="none" spc="0" normalizeH="0" baseline="0">
             <a:ln>
               <a:noFill/>
             </a:ln>
@@ -5622,7 +7263,7 @@
           <a:buFontTx/>
           <a:buNone/>
           <a:tabLst/>
-          <a:defRPr b="0" baseline="0" cap="none" i="0" spc="0" strike="noStrike" sz="1800" u="none" kumimoji="0" normalizeH="0">
+          <a:defRPr kumimoji="0" sz="1800" b="0" i="0" u="none" strike="noStrike" cap="none" spc="0" normalizeH="0" baseline="0">
             <a:ln>
               <a:noFill/>
             </a:ln>
@@ -5648,7 +7289,7 @@
           <a:buFontTx/>
           <a:buNone/>
           <a:tabLst/>
-          <a:defRPr b="0" baseline="0" cap="none" i="0" spc="0" strike="noStrike" sz="1800" u="none" kumimoji="0" normalizeH="0">
+          <a:defRPr kumimoji="0" sz="1800" b="0" i="0" u="none" strike="noStrike" cap="none" spc="0" normalizeH="0" baseline="0">
             <a:ln>
               <a:noFill/>
             </a:ln>
@@ -5674,7 +7315,7 @@
           <a:buFontTx/>
           <a:buNone/>
           <a:tabLst/>
-          <a:defRPr b="0" baseline="0" cap="none" i="0" spc="0" strike="noStrike" sz="1800" u="none" kumimoji="0" normalizeH="0">
+          <a:defRPr kumimoji="0" sz="1800" b="0" i="0" u="none" strike="noStrike" cap="none" spc="0" normalizeH="0" baseline="0">
             <a:ln>
               <a:noFill/>
             </a:ln>
@@ -5700,7 +7341,7 @@
           <a:buFontTx/>
           <a:buNone/>
           <a:tabLst/>
-          <a:defRPr b="0" baseline="0" cap="none" i="0" spc="0" strike="noStrike" sz="1800" u="none" kumimoji="0" normalizeH="0">
+          <a:defRPr kumimoji="0" sz="1800" b="0" i="0" u="none" strike="noStrike" cap="none" spc="0" normalizeH="0" baseline="0">
             <a:ln>
               <a:noFill/>
             </a:ln>
@@ -5726,7 +7367,7 @@
           <a:buFontTx/>
           <a:buNone/>
           <a:tabLst/>
-          <a:defRPr b="0" baseline="0" cap="none" i="0" spc="0" strike="noStrike" sz="1800" u="none" kumimoji="0" normalizeH="0">
+          <a:defRPr kumimoji="0" sz="1800" b="0" i="0" u="none" strike="noStrike" cap="none" spc="0" normalizeH="0" baseline="0">
             <a:ln>
               <a:noFill/>
             </a:ln>
@@ -5752,7 +7393,7 @@
           <a:buFontTx/>
           <a:buNone/>
           <a:tabLst/>
-          <a:defRPr b="0" baseline="0" cap="none" i="0" spc="0" strike="noStrike" sz="1800" u="none" kumimoji="0" normalizeH="0">
+          <a:defRPr kumimoji="0" sz="1800" b="0" i="0" u="none" strike="noStrike" cap="none" spc="0" normalizeH="0" baseline="0">
             <a:ln>
               <a:noFill/>
             </a:ln>
@@ -5778,7 +7419,7 @@
           <a:buFontTx/>
           <a:buNone/>
           <a:tabLst/>
-          <a:defRPr b="0" baseline="0" cap="none" i="0" spc="0" strike="noStrike" sz="1800" u="none" kumimoji="0" normalizeH="0">
+          <a:defRPr kumimoji="0" sz="1800" b="0" i="0" u="none" strike="noStrike" cap="none" spc="0" normalizeH="0" baseline="0">
             <a:ln>
               <a:noFill/>
             </a:ln>
@@ -5804,7 +7445,7 @@
           <a:buFontTx/>
           <a:buNone/>
           <a:tabLst/>
-          <a:defRPr b="0" baseline="0" cap="none" i="0" spc="0" strike="noStrike" sz="1800" u="none" kumimoji="0" normalizeH="0">
+          <a:defRPr kumimoji="0" sz="1800" b="0" i="0" u="none" strike="noStrike" cap="none" spc="0" normalizeH="0" baseline="0">
             <a:ln>
               <a:noFill/>
             </a:ln>
@@ -5817,9 +7458,15 @@
         </a:lvl9pPr>
       </a:lstStyle>
       <a:style>
-        <a:lnRef idx="0"/>
-        <a:fillRef idx="0"/>
-        <a:effectRef idx="0"/>
+        <a:lnRef idx="0">
+          <a:scrgbClr r="0" g="0" b="0"/>
+        </a:lnRef>
+        <a:fillRef idx="0">
+          <a:scrgbClr r="0" g="0" b="0"/>
+        </a:fillRef>
+        <a:effectRef idx="0">
+          <a:scrgbClr r="0" g="0" b="0"/>
+        </a:effectRef>
         <a:fontRef idx="none"/>
       </a:style>
     </a:spDef>
@@ -5834,7 +7481,7 @@
           <a:round/>
         </a:ln>
         <a:effectLst>
-          <a:outerShdw sx="100000" sy="100000" kx="0" ky="0" algn="b" rotWithShape="0" blurRad="38100" dist="20000" dir="5400000">
+          <a:outerShdw blurRad="38100" dist="20000" dir="5400000" rotWithShape="0">
             <a:srgbClr val="000000">
               <a:alpha val="38000"/>
             </a:srgbClr>
@@ -5842,7 +7489,7 @@
         </a:effectLst>
         <a:sp3d/>
       </a:spPr>
-      <a:bodyPr rot="0" spcFirstLastPara="1" vertOverflow="overflow" horzOverflow="overflow" vert="horz" wrap="square" lIns="91439" tIns="45719" rIns="91439" bIns="45719" numCol="1" spcCol="38100" rtlCol="0" anchor="t" upright="0">
+      <a:bodyPr rot="0" spcFirstLastPara="1" vertOverflow="overflow" horzOverflow="overflow" vert="horz" wrap="square" lIns="91439" tIns="45719" rIns="91439" bIns="45719" numCol="1" spcCol="38100" rtlCol="0" anchor="t">
         <a:noAutofit/>
       </a:bodyPr>
       <a:lstStyle>
@@ -5861,7 +7508,7 @@
           <a:buFontTx/>
           <a:buNone/>
           <a:tabLst/>
-          <a:defRPr b="0" baseline="0" cap="none" i="0" spc="0" strike="noStrike" sz="1800" u="none" kumimoji="0" normalizeH="0">
+          <a:defRPr kumimoji="0" sz="1800" b="0" i="0" u="none" strike="noStrike" cap="none" spc="0" normalizeH="0" baseline="0">
             <a:ln>
               <a:noFill/>
             </a:ln>
@@ -5887,7 +7534,7 @@
           <a:buFontTx/>
           <a:buNone/>
           <a:tabLst/>
-          <a:defRPr b="0" baseline="0" cap="none" i="0" spc="0" strike="noStrike" sz="1800" u="none" kumimoji="0" normalizeH="0">
+          <a:defRPr kumimoji="0" sz="1800" b="0" i="0" u="none" strike="noStrike" cap="none" spc="0" normalizeH="0" baseline="0">
             <a:ln>
               <a:noFill/>
             </a:ln>
@@ -5913,7 +7560,7 @@
           <a:buFontTx/>
           <a:buNone/>
           <a:tabLst/>
-          <a:defRPr b="0" baseline="0" cap="none" i="0" spc="0" strike="noStrike" sz="1800" u="none" kumimoji="0" normalizeH="0">
+          <a:defRPr kumimoji="0" sz="1800" b="0" i="0" u="none" strike="noStrike" cap="none" spc="0" normalizeH="0" baseline="0">
             <a:ln>
               <a:noFill/>
             </a:ln>
@@ -5939,7 +7586,7 @@
           <a:buFontTx/>
           <a:buNone/>
           <a:tabLst/>
-          <a:defRPr b="0" baseline="0" cap="none" i="0" spc="0" strike="noStrike" sz="1800" u="none" kumimoji="0" normalizeH="0">
+          <a:defRPr kumimoji="0" sz="1800" b="0" i="0" u="none" strike="noStrike" cap="none" spc="0" normalizeH="0" baseline="0">
             <a:ln>
               <a:noFill/>
             </a:ln>
@@ -5965,7 +7612,7 @@
           <a:buFontTx/>
           <a:buNone/>
           <a:tabLst/>
-          <a:defRPr b="0" baseline="0" cap="none" i="0" spc="0" strike="noStrike" sz="1800" u="none" kumimoji="0" normalizeH="0">
+          <a:defRPr kumimoji="0" sz="1800" b="0" i="0" u="none" strike="noStrike" cap="none" spc="0" normalizeH="0" baseline="0">
             <a:ln>
               <a:noFill/>
             </a:ln>
@@ -5991,7 +7638,7 @@
           <a:buFontTx/>
           <a:buNone/>
           <a:tabLst/>
-          <a:defRPr b="0" baseline="0" cap="none" i="0" spc="0" strike="noStrike" sz="1800" u="none" kumimoji="0" normalizeH="0">
+          <a:defRPr kumimoji="0" sz="1800" b="0" i="0" u="none" strike="noStrike" cap="none" spc="0" normalizeH="0" baseline="0">
             <a:ln>
               <a:noFill/>
             </a:ln>
@@ -6017,7 +7664,7 @@
           <a:buFontTx/>
           <a:buNone/>
           <a:tabLst/>
-          <a:defRPr b="0" baseline="0" cap="none" i="0" spc="0" strike="noStrike" sz="1800" u="none" kumimoji="0" normalizeH="0">
+          <a:defRPr kumimoji="0" sz="1800" b="0" i="0" u="none" strike="noStrike" cap="none" spc="0" normalizeH="0" baseline="0">
             <a:ln>
               <a:noFill/>
             </a:ln>
@@ -6043,7 +7690,7 @@
           <a:buFontTx/>
           <a:buNone/>
           <a:tabLst/>
-          <a:defRPr b="0" baseline="0" cap="none" i="0" spc="0" strike="noStrike" sz="1800" u="none" kumimoji="0" normalizeH="0">
+          <a:defRPr kumimoji="0" sz="1800" b="0" i="0" u="none" strike="noStrike" cap="none" spc="0" normalizeH="0" baseline="0">
             <a:ln>
               <a:noFill/>
             </a:ln>
@@ -6069,7 +7716,7 @@
           <a:buFontTx/>
           <a:buNone/>
           <a:tabLst/>
-          <a:defRPr b="0" baseline="0" cap="none" i="0" spc="0" strike="noStrike" sz="1800" u="none" kumimoji="0" normalizeH="0">
+          <a:defRPr kumimoji="0" sz="1800" b="0" i="0" u="none" strike="noStrike" cap="none" spc="0" normalizeH="0" baseline="0">
             <a:ln>
               <a:noFill/>
             </a:ln>
@@ -6095,7 +7742,7 @@
           <a:buFontTx/>
           <a:buNone/>
           <a:tabLst/>
-          <a:defRPr b="0" baseline="0" cap="none" i="0" spc="0" strike="noStrike" sz="1800" u="none" kumimoji="0" normalizeH="0">
+          <a:defRPr kumimoji="0" sz="1800" b="0" i="0" u="none" strike="noStrike" cap="none" spc="0" normalizeH="0" baseline="0">
             <a:ln>
               <a:noFill/>
             </a:ln>
@@ -6108,9 +7755,15 @@
         </a:lvl9pPr>
       </a:lstStyle>
       <a:style>
-        <a:lnRef idx="0"/>
-        <a:fillRef idx="0"/>
-        <a:effectRef idx="0"/>
+        <a:lnRef idx="0">
+          <a:scrgbClr r="0" g="0" b="0"/>
+        </a:lnRef>
+        <a:fillRef idx="0">
+          <a:scrgbClr r="0" g="0" b="0"/>
+        </a:fillRef>
+        <a:effectRef idx="0">
+          <a:scrgbClr r="0" g="0" b="0"/>
+        </a:effectRef>
         <a:fontRef idx="none"/>
       </a:style>
     </a:lnDef>
@@ -6124,7 +7777,7 @@
         <a:effectLst/>
         <a:sp3d/>
       </a:spPr>
-      <a:bodyPr rot="0" spcFirstLastPara="1" vertOverflow="overflow" horzOverflow="overflow" vert="horz" wrap="square" lIns="45719" tIns="45719" rIns="45719" bIns="45719" numCol="1" spcCol="38100" rtlCol="0" anchor="t" upright="0">
+      <a:bodyPr rot="0" spcFirstLastPara="1" vertOverflow="overflow" horzOverflow="overflow" vert="horz" wrap="square" lIns="45719" tIns="45719" rIns="45719" bIns="45719" numCol="1" spcCol="38100" rtlCol="0" anchor="t">
         <a:spAutoFit/>
       </a:bodyPr>
       <a:lstStyle>
@@ -6143,7 +7796,7 @@
           <a:buFontTx/>
           <a:buNone/>
           <a:tabLst/>
-          <a:defRPr b="0" baseline="0" cap="none" i="0" spc="0" strike="noStrike" sz="1400" u="none" kumimoji="0" normalizeH="0">
+          <a:defRPr kumimoji="0" sz="1400" b="0" i="0" u="none" strike="noStrike" cap="none" spc="0" normalizeH="0" baseline="0">
             <a:ln>
               <a:noFill/>
             </a:ln>
@@ -6173,7 +7826,7 @@
           <a:buFontTx/>
           <a:buNone/>
           <a:tabLst/>
-          <a:defRPr b="0" baseline="0" cap="none" i="0" spc="0" strike="noStrike" sz="1800" u="none" kumimoji="0" normalizeH="0">
+          <a:defRPr kumimoji="0" sz="1800" b="0" i="0" u="none" strike="noStrike" cap="none" spc="0" normalizeH="0" baseline="0">
             <a:ln>
               <a:noFill/>
             </a:ln>
@@ -6199,7 +7852,7 @@
           <a:buFontTx/>
           <a:buNone/>
           <a:tabLst/>
-          <a:defRPr b="0" baseline="0" cap="none" i="0" spc="0" strike="noStrike" sz="1800" u="none" kumimoji="0" normalizeH="0">
+          <a:defRPr kumimoji="0" sz="1800" b="0" i="0" u="none" strike="noStrike" cap="none" spc="0" normalizeH="0" baseline="0">
             <a:ln>
               <a:noFill/>
             </a:ln>
@@ -6225,7 +7878,7 @@
           <a:buFontTx/>
           <a:buNone/>
           <a:tabLst/>
-          <a:defRPr b="0" baseline="0" cap="none" i="0" spc="0" strike="noStrike" sz="1800" u="none" kumimoji="0" normalizeH="0">
+          <a:defRPr kumimoji="0" sz="1800" b="0" i="0" u="none" strike="noStrike" cap="none" spc="0" normalizeH="0" baseline="0">
             <a:ln>
               <a:noFill/>
             </a:ln>
@@ -6251,7 +7904,7 @@
           <a:buFontTx/>
           <a:buNone/>
           <a:tabLst/>
-          <a:defRPr b="0" baseline="0" cap="none" i="0" spc="0" strike="noStrike" sz="1800" u="none" kumimoji="0" normalizeH="0">
+          <a:defRPr kumimoji="0" sz="1800" b="0" i="0" u="none" strike="noStrike" cap="none" spc="0" normalizeH="0" baseline="0">
             <a:ln>
               <a:noFill/>
             </a:ln>
@@ -6277,7 +7930,7 @@
           <a:buFontTx/>
           <a:buNone/>
           <a:tabLst/>
-          <a:defRPr b="0" baseline="0" cap="none" i="0" spc="0" strike="noStrike" sz="1800" u="none" kumimoji="0" normalizeH="0">
+          <a:defRPr kumimoji="0" sz="1800" b="0" i="0" u="none" strike="noStrike" cap="none" spc="0" normalizeH="0" baseline="0">
             <a:ln>
               <a:noFill/>
             </a:ln>
@@ -6303,7 +7956,7 @@
           <a:buFontTx/>
           <a:buNone/>
           <a:tabLst/>
-          <a:defRPr b="0" baseline="0" cap="none" i="0" spc="0" strike="noStrike" sz="1800" u="none" kumimoji="0" normalizeH="0">
+          <a:defRPr kumimoji="0" sz="1800" b="0" i="0" u="none" strike="noStrike" cap="none" spc="0" normalizeH="0" baseline="0">
             <a:ln>
               <a:noFill/>
             </a:ln>
@@ -6329,7 +7982,7 @@
           <a:buFontTx/>
           <a:buNone/>
           <a:tabLst/>
-          <a:defRPr b="0" baseline="0" cap="none" i="0" spc="0" strike="noStrike" sz="1800" u="none" kumimoji="0" normalizeH="0">
+          <a:defRPr kumimoji="0" sz="1800" b="0" i="0" u="none" strike="noStrike" cap="none" spc="0" normalizeH="0" baseline="0">
             <a:ln>
               <a:noFill/>
             </a:ln>
@@ -6355,7 +8008,7 @@
           <a:buFontTx/>
           <a:buNone/>
           <a:tabLst/>
-          <a:defRPr b="0" baseline="0" cap="none" i="0" spc="0" strike="noStrike" sz="1800" u="none" kumimoji="0" normalizeH="0">
+          <a:defRPr kumimoji="0" sz="1800" b="0" i="0" u="none" strike="noStrike" cap="none" spc="0" normalizeH="0" baseline="0">
             <a:ln>
               <a:noFill/>
             </a:ln>
@@ -6381,7 +8034,7 @@
           <a:buFontTx/>
           <a:buNone/>
           <a:tabLst/>
-          <a:defRPr b="0" baseline="0" cap="none" i="0" spc="0" strike="noStrike" sz="1800" u="none" kumimoji="0" normalizeH="0">
+          <a:defRPr kumimoji="0" sz="1800" b="0" i="0" u="none" strike="noStrike" cap="none" spc="0" normalizeH="0" baseline="0">
             <a:ln>
               <a:noFill/>
             </a:ln>
@@ -6394,18 +8047,25 @@
         </a:lvl9pPr>
       </a:lstStyle>
       <a:style>
-        <a:lnRef idx="0"/>
-        <a:fillRef idx="0"/>
-        <a:effectRef idx="0"/>
+        <a:lnRef idx="0">
+          <a:scrgbClr r="0" g="0" b="0"/>
+        </a:lnRef>
+        <a:fillRef idx="0">
+          <a:scrgbClr r="0" g="0" b="0"/>
+        </a:fillRef>
+        <a:effectRef idx="0">
+          <a:scrgbClr r="0" g="0" b="0"/>
+        </a:effectRef>
         <a:fontRef idx="none"/>
       </a:style>
     </a:txDef>
   </a:objectDefaults>
+  <a:extraClrSchemeLst/>
 </a:theme>
 </file>
 
 <file path=ppt/theme/theme2.xml><?xml version="1.0" encoding="utf-8"?>
-<a:theme xmlns:a="http://schemas.openxmlformats.org/drawingml/2006/main" xmlns:r="http://schemas.openxmlformats.org/officeDocument/2006/relationships" name="Simple Light">
+<a:theme xmlns:a="http://schemas.openxmlformats.org/drawingml/2006/main" name="Simple Light">
   <a:themeElements>
     <a:clrScheme name="Simple Light">
       <a:dk1>
@@ -6531,7 +8191,7 @@
       <a:effectStyleLst>
         <a:effectStyle>
           <a:effectLst>
-            <a:outerShdw sx="100000" sy="100000" kx="0" ky="0" algn="b" rotWithShape="0" blurRad="38100" dist="23000" dir="5400000">
+            <a:outerShdw blurRad="38100" dist="23000" dir="5400000" rotWithShape="0">
               <a:srgbClr val="000000">
                 <a:alpha val="35000"/>
               </a:srgbClr>
@@ -6540,7 +8200,7 @@
         </a:effectStyle>
         <a:effectStyle>
           <a:effectLst>
-            <a:outerShdw sx="100000" sy="100000" kx="0" ky="0" algn="b" rotWithShape="0" blurRad="38100" dist="23000" dir="5400000">
+            <a:outerShdw blurRad="38100" dist="23000" dir="5400000" rotWithShape="0">
               <a:srgbClr val="000000">
                 <a:alpha val="35000"/>
               </a:srgbClr>
@@ -6549,7 +8209,7 @@
         </a:effectStyle>
         <a:effectStyle>
           <a:effectLst>
-            <a:outerShdw sx="100000" sy="100000" kx="0" ky="0" algn="b" rotWithShape="0" blurRad="38100" dist="20000" dir="5400000">
+            <a:outerShdw blurRad="38100" dist="20000" dir="5400000" rotWithShape="0">
               <a:srgbClr val="000000">
                 <a:alpha val="38000"/>
               </a:srgbClr>
@@ -6623,7 +8283,7 @@
           <a:round/>
         </a:ln>
         <a:effectLst>
-          <a:outerShdw sx="100000" sy="100000" kx="0" ky="0" algn="b" rotWithShape="0" blurRad="38100" dist="23000" dir="5400000">
+          <a:outerShdw blurRad="38100" dist="23000" dir="5400000" rotWithShape="0">
             <a:srgbClr val="000000">
               <a:alpha val="35000"/>
             </a:srgbClr>
@@ -6631,7 +8291,7 @@
         </a:effectLst>
         <a:sp3d/>
       </a:spPr>
-      <a:bodyPr rot="0" spcFirstLastPara="1" vertOverflow="overflow" horzOverflow="overflow" vert="horz" wrap="square" lIns="45719" tIns="45719" rIns="45719" bIns="45719" numCol="1" spcCol="38100" rtlCol="0" anchor="ctr" upright="0">
+      <a:bodyPr rot="0" spcFirstLastPara="1" vertOverflow="overflow" horzOverflow="overflow" vert="horz" wrap="square" lIns="45719" tIns="45719" rIns="45719" bIns="45719" numCol="1" spcCol="38100" rtlCol="0" anchor="ctr">
         <a:spAutoFit/>
       </a:bodyPr>
       <a:lstStyle>
@@ -6650,7 +8310,7 @@
           <a:buFontTx/>
           <a:buNone/>
           <a:tabLst/>
-          <a:defRPr b="0" baseline="0" cap="none" i="0" spc="0" strike="noStrike" sz="1400" u="none" kumimoji="0" normalizeH="0">
+          <a:defRPr kumimoji="0" sz="1400" b="0" i="0" u="none" strike="noStrike" cap="none" spc="0" normalizeH="0" baseline="0">
             <a:ln>
               <a:noFill/>
             </a:ln>
@@ -6680,7 +8340,7 @@
           <a:buFontTx/>
           <a:buNone/>
           <a:tabLst/>
-          <a:defRPr b="0" baseline="0" cap="none" i="0" spc="0" strike="noStrike" sz="1800" u="none" kumimoji="0" normalizeH="0">
+          <a:defRPr kumimoji="0" sz="1800" b="0" i="0" u="none" strike="noStrike" cap="none" spc="0" normalizeH="0" baseline="0">
             <a:ln>
               <a:noFill/>
             </a:ln>
@@ -6706,7 +8366,7 @@
           <a:buFontTx/>
           <a:buNone/>
           <a:tabLst/>
-          <a:defRPr b="0" baseline="0" cap="none" i="0" spc="0" strike="noStrike" sz="1800" u="none" kumimoji="0" normalizeH="0">
+          <a:defRPr kumimoji="0" sz="1800" b="0" i="0" u="none" strike="noStrike" cap="none" spc="0" normalizeH="0" baseline="0">
             <a:ln>
               <a:noFill/>
             </a:ln>
@@ -6732,7 +8392,7 @@
           <a:buFontTx/>
           <a:buNone/>
           <a:tabLst/>
-          <a:defRPr b="0" baseline="0" cap="none" i="0" spc="0" strike="noStrike" sz="1800" u="none" kumimoji="0" normalizeH="0">
+          <a:defRPr kumimoji="0" sz="1800" b="0" i="0" u="none" strike="noStrike" cap="none" spc="0" normalizeH="0" baseline="0">
             <a:ln>
               <a:noFill/>
             </a:ln>
@@ -6758,7 +8418,7 @@
           <a:buFontTx/>
           <a:buNone/>
           <a:tabLst/>
-          <a:defRPr b="0" baseline="0" cap="none" i="0" spc="0" strike="noStrike" sz="1800" u="none" kumimoji="0" normalizeH="0">
+          <a:defRPr kumimoji="0" sz="1800" b="0" i="0" u="none" strike="noStrike" cap="none" spc="0" normalizeH="0" baseline="0">
             <a:ln>
               <a:noFill/>
             </a:ln>
@@ -6784,7 +8444,7 @@
           <a:buFontTx/>
           <a:buNone/>
           <a:tabLst/>
-          <a:defRPr b="0" baseline="0" cap="none" i="0" spc="0" strike="noStrike" sz="1800" u="none" kumimoji="0" normalizeH="0">
+          <a:defRPr kumimoji="0" sz="1800" b="0" i="0" u="none" strike="noStrike" cap="none" spc="0" normalizeH="0" baseline="0">
             <a:ln>
               <a:noFill/>
             </a:ln>
@@ -6810,7 +8470,7 @@
           <a:buFontTx/>
           <a:buNone/>
           <a:tabLst/>
-          <a:defRPr b="0" baseline="0" cap="none" i="0" spc="0" strike="noStrike" sz="1800" u="none" kumimoji="0" normalizeH="0">
+          <a:defRPr kumimoji="0" sz="1800" b="0" i="0" u="none" strike="noStrike" cap="none" spc="0" normalizeH="0" baseline="0">
             <a:ln>
               <a:noFill/>
             </a:ln>
@@ -6836,7 +8496,7 @@
           <a:buFontTx/>
           <a:buNone/>
           <a:tabLst/>
-          <a:defRPr b="0" baseline="0" cap="none" i="0" spc="0" strike="noStrike" sz="1800" u="none" kumimoji="0" normalizeH="0">
+          <a:defRPr kumimoji="0" sz="1800" b="0" i="0" u="none" strike="noStrike" cap="none" spc="0" normalizeH="0" baseline="0">
             <a:ln>
               <a:noFill/>
             </a:ln>
@@ -6862,7 +8522,7 @@
           <a:buFontTx/>
           <a:buNone/>
           <a:tabLst/>
-          <a:defRPr b="0" baseline="0" cap="none" i="0" spc="0" strike="noStrike" sz="1800" u="none" kumimoji="0" normalizeH="0">
+          <a:defRPr kumimoji="0" sz="1800" b="0" i="0" u="none" strike="noStrike" cap="none" spc="0" normalizeH="0" baseline="0">
             <a:ln>
               <a:noFill/>
             </a:ln>
@@ -6888,7 +8548,7 @@
           <a:buFontTx/>
           <a:buNone/>
           <a:tabLst/>
-          <a:defRPr b="0" baseline="0" cap="none" i="0" spc="0" strike="noStrike" sz="1800" u="none" kumimoji="0" normalizeH="0">
+          <a:defRPr kumimoji="0" sz="1800" b="0" i="0" u="none" strike="noStrike" cap="none" spc="0" normalizeH="0" baseline="0">
             <a:ln>
               <a:noFill/>
             </a:ln>
@@ -6901,9 +8561,15 @@
         </a:lvl9pPr>
       </a:lstStyle>
       <a:style>
-        <a:lnRef idx="0"/>
-        <a:fillRef idx="0"/>
-        <a:effectRef idx="0"/>
+        <a:lnRef idx="0">
+          <a:scrgbClr r="0" g="0" b="0"/>
+        </a:lnRef>
+        <a:fillRef idx="0">
+          <a:scrgbClr r="0" g="0" b="0"/>
+        </a:fillRef>
+        <a:effectRef idx="0">
+          <a:scrgbClr r="0" g="0" b="0"/>
+        </a:effectRef>
         <a:fontRef idx="none"/>
       </a:style>
     </a:spDef>
@@ -6918,7 +8584,7 @@
           <a:round/>
         </a:ln>
         <a:effectLst>
-          <a:outerShdw sx="100000" sy="100000" kx="0" ky="0" algn="b" rotWithShape="0" blurRad="38100" dist="20000" dir="5400000">
+          <a:outerShdw blurRad="38100" dist="20000" dir="5400000" rotWithShape="0">
             <a:srgbClr val="000000">
               <a:alpha val="38000"/>
             </a:srgbClr>
@@ -6926,7 +8592,7 @@
         </a:effectLst>
         <a:sp3d/>
       </a:spPr>
-      <a:bodyPr rot="0" spcFirstLastPara="1" vertOverflow="overflow" horzOverflow="overflow" vert="horz" wrap="square" lIns="91439" tIns="45719" rIns="91439" bIns="45719" numCol="1" spcCol="38100" rtlCol="0" anchor="t" upright="0">
+      <a:bodyPr rot="0" spcFirstLastPara="1" vertOverflow="overflow" horzOverflow="overflow" vert="horz" wrap="square" lIns="91439" tIns="45719" rIns="91439" bIns="45719" numCol="1" spcCol="38100" rtlCol="0" anchor="t">
         <a:noAutofit/>
       </a:bodyPr>
       <a:lstStyle>
@@ -6945,7 +8611,7 @@
           <a:buFontTx/>
           <a:buNone/>
           <a:tabLst/>
-          <a:defRPr b="0" baseline="0" cap="none" i="0" spc="0" strike="noStrike" sz="1800" u="none" kumimoji="0" normalizeH="0">
+          <a:defRPr kumimoji="0" sz="1800" b="0" i="0" u="none" strike="noStrike" cap="none" spc="0" normalizeH="0" baseline="0">
             <a:ln>
               <a:noFill/>
             </a:ln>
@@ -6971,7 +8637,7 @@
           <a:buFontTx/>
           <a:buNone/>
           <a:tabLst/>
-          <a:defRPr b="0" baseline="0" cap="none" i="0" spc="0" strike="noStrike" sz="1800" u="none" kumimoji="0" normalizeH="0">
+          <a:defRPr kumimoji="0" sz="1800" b="0" i="0" u="none" strike="noStrike" cap="none" spc="0" normalizeH="0" baseline="0">
             <a:ln>
               <a:noFill/>
             </a:ln>
@@ -6997,7 +8663,7 @@
           <a:buFontTx/>
           <a:buNone/>
           <a:tabLst/>
-          <a:defRPr b="0" baseline="0" cap="none" i="0" spc="0" strike="noStrike" sz="1800" u="none" kumimoji="0" normalizeH="0">
+          <a:defRPr kumimoji="0" sz="1800" b="0" i="0" u="none" strike="noStrike" cap="none" spc="0" normalizeH="0" baseline="0">
             <a:ln>
               <a:noFill/>
             </a:ln>
@@ -7023,7 +8689,7 @@
           <a:buFontTx/>
           <a:buNone/>
           <a:tabLst/>
-          <a:defRPr b="0" baseline="0" cap="none" i="0" spc="0" strike="noStrike" sz="1800" u="none" kumimoji="0" normalizeH="0">
+          <a:defRPr kumimoji="0" sz="1800" b="0" i="0" u="none" strike="noStrike" cap="none" spc="0" normalizeH="0" baseline="0">
             <a:ln>
               <a:noFill/>
             </a:ln>
@@ -7049,7 +8715,7 @@
           <a:buFontTx/>
           <a:buNone/>
           <a:tabLst/>
-          <a:defRPr b="0" baseline="0" cap="none" i="0" spc="0" strike="noStrike" sz="1800" u="none" kumimoji="0" normalizeH="0">
+          <a:defRPr kumimoji="0" sz="1800" b="0" i="0" u="none" strike="noStrike" cap="none" spc="0" normalizeH="0" baseline="0">
             <a:ln>
               <a:noFill/>
             </a:ln>
@@ -7075,7 +8741,7 @@
           <a:buFontTx/>
           <a:buNone/>
           <a:tabLst/>
-          <a:defRPr b="0" baseline="0" cap="none" i="0" spc="0" strike="noStrike" sz="1800" u="none" kumimoji="0" normalizeH="0">
+          <a:defRPr kumimoji="0" sz="1800" b="0" i="0" u="none" strike="noStrike" cap="none" spc="0" normalizeH="0" baseline="0">
             <a:ln>
               <a:noFill/>
             </a:ln>
@@ -7101,7 +8767,7 @@
           <a:buFontTx/>
           <a:buNone/>
           <a:tabLst/>
-          <a:defRPr b="0" baseline="0" cap="none" i="0" spc="0" strike="noStrike" sz="1800" u="none" kumimoji="0" normalizeH="0">
+          <a:defRPr kumimoji="0" sz="1800" b="0" i="0" u="none" strike="noStrike" cap="none" spc="0" normalizeH="0" baseline="0">
             <a:ln>
               <a:noFill/>
             </a:ln>
@@ -7127,7 +8793,7 @@
           <a:buFontTx/>
           <a:buNone/>
           <a:tabLst/>
-          <a:defRPr b="0" baseline="0" cap="none" i="0" spc="0" strike="noStrike" sz="1800" u="none" kumimoji="0" normalizeH="0">
+          <a:defRPr kumimoji="0" sz="1800" b="0" i="0" u="none" strike="noStrike" cap="none" spc="0" normalizeH="0" baseline="0">
             <a:ln>
               <a:noFill/>
             </a:ln>
@@ -7153,7 +8819,7 @@
           <a:buFontTx/>
           <a:buNone/>
           <a:tabLst/>
-          <a:defRPr b="0" baseline="0" cap="none" i="0" spc="0" strike="noStrike" sz="1800" u="none" kumimoji="0" normalizeH="0">
+          <a:defRPr kumimoji="0" sz="1800" b="0" i="0" u="none" strike="noStrike" cap="none" spc="0" normalizeH="0" baseline="0">
             <a:ln>
               <a:noFill/>
             </a:ln>
@@ -7179,7 +8845,7 @@
           <a:buFontTx/>
           <a:buNone/>
           <a:tabLst/>
-          <a:defRPr b="0" baseline="0" cap="none" i="0" spc="0" strike="noStrike" sz="1800" u="none" kumimoji="0" normalizeH="0">
+          <a:defRPr kumimoji="0" sz="1800" b="0" i="0" u="none" strike="noStrike" cap="none" spc="0" normalizeH="0" baseline="0">
             <a:ln>
               <a:noFill/>
             </a:ln>
@@ -7192,9 +8858,15 @@
         </a:lvl9pPr>
       </a:lstStyle>
       <a:style>
-        <a:lnRef idx="0"/>
-        <a:fillRef idx="0"/>
-        <a:effectRef idx="0"/>
+        <a:lnRef idx="0">
+          <a:scrgbClr r="0" g="0" b="0"/>
+        </a:lnRef>
+        <a:fillRef idx="0">
+          <a:scrgbClr r="0" g="0" b="0"/>
+        </a:fillRef>
+        <a:effectRef idx="0">
+          <a:scrgbClr r="0" g="0" b="0"/>
+        </a:effectRef>
         <a:fontRef idx="none"/>
       </a:style>
     </a:lnDef>
@@ -7208,7 +8880,7 @@
         <a:effectLst/>
         <a:sp3d/>
       </a:spPr>
-      <a:bodyPr rot="0" spcFirstLastPara="1" vertOverflow="overflow" horzOverflow="overflow" vert="horz" wrap="square" lIns="45719" tIns="45719" rIns="45719" bIns="45719" numCol="1" spcCol="38100" rtlCol="0" anchor="t" upright="0">
+      <a:bodyPr rot="0" spcFirstLastPara="1" vertOverflow="overflow" horzOverflow="overflow" vert="horz" wrap="square" lIns="45719" tIns="45719" rIns="45719" bIns="45719" numCol="1" spcCol="38100" rtlCol="0" anchor="t">
         <a:spAutoFit/>
       </a:bodyPr>
       <a:lstStyle>
@@ -7227,7 +8899,7 @@
           <a:buFontTx/>
           <a:buNone/>
           <a:tabLst/>
-          <a:defRPr b="0" baseline="0" cap="none" i="0" spc="0" strike="noStrike" sz="1400" u="none" kumimoji="0" normalizeH="0">
+          <a:defRPr kumimoji="0" sz="1400" b="0" i="0" u="none" strike="noStrike" cap="none" spc="0" normalizeH="0" baseline="0">
             <a:ln>
               <a:noFill/>
             </a:ln>
@@ -7257,7 +8929,7 @@
           <a:buFontTx/>
           <a:buNone/>
           <a:tabLst/>
-          <a:defRPr b="0" baseline="0" cap="none" i="0" spc="0" strike="noStrike" sz="1800" u="none" kumimoji="0" normalizeH="0">
+          <a:defRPr kumimoji="0" sz="1800" b="0" i="0" u="none" strike="noStrike" cap="none" spc="0" normalizeH="0" baseline="0">
             <a:ln>
               <a:noFill/>
             </a:ln>
@@ -7283,7 +8955,7 @@
           <a:buFontTx/>
           <a:buNone/>
           <a:tabLst/>
-          <a:defRPr b="0" baseline="0" cap="none" i="0" spc="0" strike="noStrike" sz="1800" u="none" kumimoji="0" normalizeH="0">
+          <a:defRPr kumimoji="0" sz="1800" b="0" i="0" u="none" strike="noStrike" cap="none" spc="0" normalizeH="0" baseline="0">
             <a:ln>
               <a:noFill/>
             </a:ln>
@@ -7309,7 +8981,7 @@
           <a:buFontTx/>
           <a:buNone/>
           <a:tabLst/>
-          <a:defRPr b="0" baseline="0" cap="none" i="0" spc="0" strike="noStrike" sz="1800" u="none" kumimoji="0" normalizeH="0">
+          <a:defRPr kumimoji="0" sz="1800" b="0" i="0" u="none" strike="noStrike" cap="none" spc="0" normalizeH="0" baseline="0">
             <a:ln>
               <a:noFill/>
             </a:ln>
@@ -7335,7 +9007,7 @@
           <a:buFontTx/>
           <a:buNone/>
           <a:tabLst/>
-          <a:defRPr b="0" baseline="0" cap="none" i="0" spc="0" strike="noStrike" sz="1800" u="none" kumimoji="0" normalizeH="0">
+          <a:defRPr kumimoji="0" sz="1800" b="0" i="0" u="none" strike="noStrike" cap="none" spc="0" normalizeH="0" baseline="0">
             <a:ln>
               <a:noFill/>
             </a:ln>
@@ -7361,7 +9033,7 @@
           <a:buFontTx/>
           <a:buNone/>
           <a:tabLst/>
-          <a:defRPr b="0" baseline="0" cap="none" i="0" spc="0" strike="noStrike" sz="1800" u="none" kumimoji="0" normalizeH="0">
+          <a:defRPr kumimoji="0" sz="1800" b="0" i="0" u="none" strike="noStrike" cap="none" spc="0" normalizeH="0" baseline="0">
             <a:ln>
               <a:noFill/>
             </a:ln>
@@ -7387,7 +9059,7 @@
           <a:buFontTx/>
           <a:buNone/>
           <a:tabLst/>
-          <a:defRPr b="0" baseline="0" cap="none" i="0" spc="0" strike="noStrike" sz="1800" u="none" kumimoji="0" normalizeH="0">
+          <a:defRPr kumimoji="0" sz="1800" b="0" i="0" u="none" strike="noStrike" cap="none" spc="0" normalizeH="0" baseline="0">
             <a:ln>
               <a:noFill/>
             </a:ln>
@@ -7413,7 +9085,7 @@
           <a:buFontTx/>
           <a:buNone/>
           <a:tabLst/>
-          <a:defRPr b="0" baseline="0" cap="none" i="0" spc="0" strike="noStrike" sz="1800" u="none" kumimoji="0" normalizeH="0">
+          <a:defRPr kumimoji="0" sz="1800" b="0" i="0" u="none" strike="noStrike" cap="none" spc="0" normalizeH="0" baseline="0">
             <a:ln>
               <a:noFill/>
             </a:ln>
@@ -7439,7 +9111,7 @@
           <a:buFontTx/>
           <a:buNone/>
           <a:tabLst/>
-          <a:defRPr b="0" baseline="0" cap="none" i="0" spc="0" strike="noStrike" sz="1800" u="none" kumimoji="0" normalizeH="0">
+          <a:defRPr kumimoji="0" sz="1800" b="0" i="0" u="none" strike="noStrike" cap="none" spc="0" normalizeH="0" baseline="0">
             <a:ln>
               <a:noFill/>
             </a:ln>
@@ -7465,7 +9137,7 @@
           <a:buFontTx/>
           <a:buNone/>
           <a:tabLst/>
-          <a:defRPr b="0" baseline="0" cap="none" i="0" spc="0" strike="noStrike" sz="1800" u="none" kumimoji="0" normalizeH="0">
+          <a:defRPr kumimoji="0" sz="1800" b="0" i="0" u="none" strike="noStrike" cap="none" spc="0" normalizeH="0" baseline="0">
             <a:ln>
               <a:noFill/>
             </a:ln>
@@ -7478,12 +9150,19 @@
         </a:lvl9pPr>
       </a:lstStyle>
       <a:style>
-        <a:lnRef idx="0"/>
-        <a:fillRef idx="0"/>
-        <a:effectRef idx="0"/>
+        <a:lnRef idx="0">
+          <a:scrgbClr r="0" g="0" b="0"/>
+        </a:lnRef>
+        <a:fillRef idx="0">
+          <a:scrgbClr r="0" g="0" b="0"/>
+        </a:fillRef>
+        <a:effectRef idx="0">
+          <a:scrgbClr r="0" g="0" b="0"/>
+        </a:effectRef>
         <a:fontRef idx="none"/>
       </a:style>
     </a:txDef>
   </a:objectDefaults>
+  <a:extraClrSchemeLst/>
 </a:theme>
 </file>
--- a/Module_2_Template_slide.pptx
+++ b/Module_2_Template_slide.pptx
@@ -5,7 +5,7 @@
     <p:sldMasterId id="2147483648" r:id="rId1"/>
   </p:sldMasterIdLst>
   <p:notesMasterIdLst>
-    <p:notesMasterId r:id="rId12"/>
+    <p:notesMasterId r:id="rId19"/>
   </p:notesMasterIdLst>
   <p:sldIdLst>
     <p:sldId id="256" r:id="rId2"/>
@@ -15,9 +15,16 @@
     <p:sldId id="264" r:id="rId6"/>
     <p:sldId id="265" r:id="rId7"/>
     <p:sldId id="260" r:id="rId8"/>
-    <p:sldId id="261" r:id="rId9"/>
-    <p:sldId id="262" r:id="rId10"/>
-    <p:sldId id="263" r:id="rId11"/>
+    <p:sldId id="266" r:id="rId9"/>
+    <p:sldId id="267" r:id="rId10"/>
+    <p:sldId id="268" r:id="rId11"/>
+    <p:sldId id="269" r:id="rId12"/>
+    <p:sldId id="270" r:id="rId13"/>
+    <p:sldId id="271" r:id="rId14"/>
+    <p:sldId id="272" r:id="rId15"/>
+    <p:sldId id="273" r:id="rId16"/>
+    <p:sldId id="261" r:id="rId17"/>
+    <p:sldId id="263" r:id="rId18"/>
   </p:sldIdLst>
   <p:sldSz cx="9144000" cy="5143500" type="screen16x9"/>
   <p:notesSz cx="6858000" cy="9144000"/>
@@ -325,7 +332,8 @@
 <file path=ppt/revisionInfo.xml><?xml version="1.0" encoding="utf-8"?>
 <p1510:revInfo xmlns:a="http://schemas.openxmlformats.org/drawingml/2006/main" xmlns:r="http://schemas.openxmlformats.org/officeDocument/2006/relationships" xmlns:p1510="http://schemas.microsoft.com/office/powerpoint/2015/10/main">
   <p1510:revLst>
-    <p1510:client id="{ECBB17EB-9AE2-40BB-88E9-186AA517E41B}" v="1887" dt="2022-10-11T10:09:06.280"/>
+    <p1510:client id="{270372AC-E317-4AC0-944E-C7F8AE33EEC8}" v="541" dt="2022-10-12T10:56:41.060"/>
+    <p1510:client id="{ECBB17EB-9AE2-40BB-88E9-186AA517E41B}" v="3755" dt="2022-10-12T03:05:30.190"/>
   </p1510:revLst>
 </p1510:revInfo>
 </file>
@@ -333,9 +341,133 @@
 <file path=ppt/changesInfos/changesInfo1.xml><?xml version="1.0" encoding="utf-8"?>
 <pc:chgInfo xmlns:a="http://schemas.openxmlformats.org/drawingml/2006/main" xmlns:r="http://schemas.openxmlformats.org/officeDocument/2006/relationships" xmlns:ac="http://schemas.microsoft.com/office/drawing/2013/main/command" xmlns:pc="http://schemas.microsoft.com/office/powerpoint/2013/main/command">
   <pc:docChgLst>
+    <pc:chgData name="Asraful Islam" userId="a32860350e1d8602" providerId="Windows Live" clId="Web-{270372AC-E317-4AC0-944E-C7F8AE33EEC8}"/>
+    <pc:docChg chg="addSld delSld modSld">
+      <pc:chgData name="Asraful Islam" userId="a32860350e1d8602" providerId="Windows Live" clId="Web-{270372AC-E317-4AC0-944E-C7F8AE33EEC8}" dt="2022-10-12T10:56:01.590" v="285" actId="20577"/>
+      <pc:docMkLst>
+        <pc:docMk/>
+      </pc:docMkLst>
+      <pc:sldChg chg="modSp">
+        <pc:chgData name="Asraful Islam" userId="a32860350e1d8602" providerId="Windows Live" clId="Web-{270372AC-E317-4AC0-944E-C7F8AE33EEC8}" dt="2022-10-12T10:52:15.492" v="276" actId="20577"/>
+        <pc:sldMkLst>
+          <pc:docMk/>
+          <pc:sldMk cId="0" sldId="259"/>
+        </pc:sldMkLst>
+        <pc:spChg chg="mod">
+          <ac:chgData name="Asraful Islam" userId="a32860350e1d8602" providerId="Windows Live" clId="Web-{270372AC-E317-4AC0-944E-C7F8AE33EEC8}" dt="2022-10-12T10:52:15.492" v="276" actId="20577"/>
+          <ac:spMkLst>
+            <pc:docMk/>
+            <pc:sldMk cId="0" sldId="259"/>
+            <ac:spMk id="132" creationId="{00000000-0000-0000-0000-000000000000}"/>
+          </ac:spMkLst>
+        </pc:spChg>
+      </pc:sldChg>
+      <pc:sldChg chg="addSp modSp">
+        <pc:chgData name="Asraful Islam" userId="a32860350e1d8602" providerId="Windows Live" clId="Web-{270372AC-E317-4AC0-944E-C7F8AE33EEC8}" dt="2022-10-12T10:56:01.590" v="285" actId="20577"/>
+        <pc:sldMkLst>
+          <pc:docMk/>
+          <pc:sldMk cId="0" sldId="261"/>
+        </pc:sldMkLst>
+        <pc:spChg chg="add mod">
+          <ac:chgData name="Asraful Islam" userId="a32860350e1d8602" providerId="Windows Live" clId="Web-{270372AC-E317-4AC0-944E-C7F8AE33EEC8}" dt="2022-10-12T10:44:48.233" v="175" actId="1076"/>
+          <ac:spMkLst>
+            <pc:docMk/>
+            <pc:sldMk cId="0" sldId="261"/>
+            <ac:spMk id="2" creationId="{3FA1371F-FFAA-67E4-0756-13DB3B6D18C9}"/>
+          </ac:spMkLst>
+        </pc:spChg>
+        <pc:spChg chg="mod">
+          <ac:chgData name="Asraful Islam" userId="a32860350e1d8602" providerId="Windows Live" clId="Web-{270372AC-E317-4AC0-944E-C7F8AE33EEC8}" dt="2022-10-12T10:43:59.076" v="157" actId="14100"/>
+          <ac:spMkLst>
+            <pc:docMk/>
+            <pc:sldMk cId="0" sldId="261"/>
+            <ac:spMk id="149" creationId="{00000000-0000-0000-0000-000000000000}"/>
+          </ac:spMkLst>
+        </pc:spChg>
+        <pc:spChg chg="mod">
+          <ac:chgData name="Asraful Islam" userId="a32860350e1d8602" providerId="Windows Live" clId="Web-{270372AC-E317-4AC0-944E-C7F8AE33EEC8}" dt="2022-10-12T10:56:01.590" v="285" actId="20577"/>
+          <ac:spMkLst>
+            <pc:docMk/>
+            <pc:sldMk cId="0" sldId="261"/>
+            <ac:spMk id="150" creationId="{00000000-0000-0000-0000-000000000000}"/>
+          </ac:spMkLst>
+        </pc:spChg>
+      </pc:sldChg>
+      <pc:sldChg chg="del">
+        <pc:chgData name="Asraful Islam" userId="a32860350e1d8602" providerId="Windows Live" clId="Web-{270372AC-E317-4AC0-944E-C7F8AE33EEC8}" dt="2022-10-12T10:46:53.235" v="228"/>
+        <pc:sldMkLst>
+          <pc:docMk/>
+          <pc:sldMk cId="0" sldId="262"/>
+        </pc:sldMkLst>
+      </pc:sldChg>
+      <pc:sldChg chg="addSp delSp modSp">
+        <pc:chgData name="Asraful Islam" userId="a32860350e1d8602" providerId="Windows Live" clId="Web-{270372AC-E317-4AC0-944E-C7F8AE33EEC8}" dt="2022-10-12T10:48:13.362" v="254" actId="1076"/>
+        <pc:sldMkLst>
+          <pc:docMk/>
+          <pc:sldMk cId="0" sldId="263"/>
+        </pc:sldMkLst>
+        <pc:spChg chg="add del mod">
+          <ac:chgData name="Asraful Islam" userId="a32860350e1d8602" providerId="Windows Live" clId="Web-{270372AC-E317-4AC0-944E-C7F8AE33EEC8}" dt="2022-10-12T10:47:40.111" v="237" actId="20577"/>
+          <ac:spMkLst>
+            <pc:docMk/>
+            <pc:sldMk cId="0" sldId="263"/>
+            <ac:spMk id="162" creationId="{00000000-0000-0000-0000-000000000000}"/>
+          </ac:spMkLst>
+        </pc:spChg>
+        <pc:spChg chg="add del mod">
+          <ac:chgData name="Asraful Islam" userId="a32860350e1d8602" providerId="Windows Live" clId="Web-{270372AC-E317-4AC0-944E-C7F8AE33EEC8}" dt="2022-10-12T10:48:13.362" v="254" actId="1076"/>
+          <ac:spMkLst>
+            <pc:docMk/>
+            <pc:sldMk cId="0" sldId="263"/>
+            <ac:spMk id="163" creationId="{00000000-0000-0000-0000-000000000000}"/>
+          </ac:spMkLst>
+        </pc:spChg>
+      </pc:sldChg>
+      <pc:sldChg chg="addSp delSp modSp add replId">
+        <pc:chgData name="Asraful Islam" userId="a32860350e1d8602" providerId="Windows Live" clId="Web-{270372AC-E317-4AC0-944E-C7F8AE33EEC8}" dt="2022-10-12T10:41:44.479" v="114" actId="1076"/>
+        <pc:sldMkLst>
+          <pc:docMk/>
+          <pc:sldMk cId="2322713921" sldId="273"/>
+        </pc:sldMkLst>
+        <pc:spChg chg="mod">
+          <ac:chgData name="Asraful Islam" userId="a32860350e1d8602" providerId="Windows Live" clId="Web-{270372AC-E317-4AC0-944E-C7F8AE33EEC8}" dt="2022-10-12T10:41:39.510" v="113" actId="1076"/>
+          <ac:spMkLst>
+            <pc:docMk/>
+            <pc:sldMk cId="2322713921" sldId="273"/>
+            <ac:spMk id="2" creationId="{8271C920-0F28-B9BA-E15B-0642F75ACD0E}"/>
+          </ac:spMkLst>
+        </pc:spChg>
+        <pc:spChg chg="mod">
+          <ac:chgData name="Asraful Islam" userId="a32860350e1d8602" providerId="Windows Live" clId="Web-{270372AC-E317-4AC0-944E-C7F8AE33EEC8}" dt="2022-10-12T10:39:27.867" v="31" actId="20577"/>
+          <ac:spMkLst>
+            <pc:docMk/>
+            <pc:sldMk cId="2322713921" sldId="273"/>
+            <ac:spMk id="141" creationId="{00000000-0000-0000-0000-000000000000}"/>
+          </ac:spMkLst>
+        </pc:spChg>
+        <pc:picChg chg="add mod">
+          <ac:chgData name="Asraful Islam" userId="a32860350e1d8602" providerId="Windows Live" clId="Web-{270372AC-E317-4AC0-944E-C7F8AE33EEC8}" dt="2022-10-12T10:41:44.479" v="114" actId="1076"/>
+          <ac:picMkLst>
+            <pc:docMk/>
+            <pc:sldMk cId="2322713921" sldId="273"/>
+            <ac:picMk id="3" creationId="{8B950DDB-0150-85EF-5B7D-3657C708630E}"/>
+          </ac:picMkLst>
+        </pc:picChg>
+        <pc:picChg chg="del">
+          <ac:chgData name="Asraful Islam" userId="a32860350e1d8602" providerId="Windows Live" clId="Web-{270372AC-E317-4AC0-944E-C7F8AE33EEC8}" dt="2022-10-12T10:39:34.289" v="32"/>
+          <ac:picMkLst>
+            <pc:docMk/>
+            <pc:sldMk cId="2322713921" sldId="273"/>
+            <ac:picMk id="4" creationId="{EC470A5A-8FD6-BE5F-C001-334A63CE531A}"/>
+          </ac:picMkLst>
+        </pc:picChg>
+      </pc:sldChg>
+    </pc:docChg>
+  </pc:docChgLst>
+  <pc:docChgLst>
     <pc:chgData name="Asraful Islam" userId="a32860350e1d8602" providerId="Windows Live" clId="Web-{ECBB17EB-9AE2-40BB-88E9-186AA517E41B}"/>
     <pc:docChg chg="addSld delSld modSld">
-      <pc:chgData name="Asraful Islam" userId="a32860350e1d8602" providerId="Windows Live" clId="Web-{ECBB17EB-9AE2-40BB-88E9-186AA517E41B}" dt="2022-10-11T10:09:06.280" v="1120" actId="20577"/>
+      <pc:chgData name="Asraful Islam" userId="a32860350e1d8602" providerId="Windows Live" clId="Web-{ECBB17EB-9AE2-40BB-88E9-186AA517E41B}" dt="2022-10-12T03:05:30.190" v="2111" actId="20577"/>
       <pc:docMkLst>
         <pc:docMk/>
       </pc:docMkLst>
@@ -512,6 +644,108 @@
           </ac:grpSpMkLst>
         </pc:grpChg>
       </pc:sldChg>
+      <pc:sldChg chg="addSp delSp modSp add del">
+        <pc:chgData name="Asraful Islam" userId="a32860350e1d8602" providerId="Windows Live" clId="Web-{ECBB17EB-9AE2-40BB-88E9-186AA517E41B}" dt="2022-10-12T02:50:07.845" v="1767" actId="20577"/>
+        <pc:sldMkLst>
+          <pc:docMk/>
+          <pc:sldMk cId="0" sldId="260"/>
+        </pc:sldMkLst>
+        <pc:spChg chg="mod">
+          <ac:chgData name="Asraful Islam" userId="a32860350e1d8602" providerId="Windows Live" clId="Web-{ECBB17EB-9AE2-40BB-88E9-186AA517E41B}" dt="2022-10-12T02:50:07.845" v="1767" actId="20577"/>
+          <ac:spMkLst>
+            <pc:docMk/>
+            <pc:sldMk cId="0" sldId="260"/>
+            <ac:spMk id="141" creationId="{00000000-0000-0000-0000-000000000000}"/>
+          </ac:spMkLst>
+        </pc:spChg>
+        <pc:spChg chg="del">
+          <ac:chgData name="Asraful Islam" userId="a32860350e1d8602" providerId="Windows Live" clId="Web-{ECBB17EB-9AE2-40BB-88E9-186AA517E41B}" dt="2022-10-12T00:43:08.786" v="1121"/>
+          <ac:spMkLst>
+            <pc:docMk/>
+            <pc:sldMk cId="0" sldId="260"/>
+            <ac:spMk id="142" creationId="{00000000-0000-0000-0000-000000000000}"/>
+          </ac:spMkLst>
+        </pc:spChg>
+        <pc:spChg chg="del topLvl">
+          <ac:chgData name="Asraful Islam" userId="a32860350e1d8602" providerId="Windows Live" clId="Web-{ECBB17EB-9AE2-40BB-88E9-186AA517E41B}" dt="2022-10-12T00:43:23.365" v="1122"/>
+          <ac:spMkLst>
+            <pc:docMk/>
+            <pc:sldMk cId="0" sldId="260"/>
+            <ac:spMk id="143" creationId="{00000000-0000-0000-0000-000000000000}"/>
+          </ac:spMkLst>
+        </pc:spChg>
+        <pc:spChg chg="del topLvl">
+          <ac:chgData name="Asraful Islam" userId="a32860350e1d8602" providerId="Windows Live" clId="Web-{ECBB17EB-9AE2-40BB-88E9-186AA517E41B}" dt="2022-10-12T00:43:26.255" v="1123"/>
+          <ac:spMkLst>
+            <pc:docMk/>
+            <pc:sldMk cId="0" sldId="260"/>
+            <ac:spMk id="144" creationId="{00000000-0000-0000-0000-000000000000}"/>
+          </ac:spMkLst>
+        </pc:spChg>
+        <pc:grpChg chg="del">
+          <ac:chgData name="Asraful Islam" userId="a32860350e1d8602" providerId="Windows Live" clId="Web-{ECBB17EB-9AE2-40BB-88E9-186AA517E41B}" dt="2022-10-12T00:43:23.365" v="1122"/>
+          <ac:grpSpMkLst>
+            <pc:docMk/>
+            <pc:sldMk cId="0" sldId="260"/>
+            <ac:grpSpMk id="145" creationId="{00000000-0000-0000-0000-000000000000}"/>
+          </ac:grpSpMkLst>
+        </pc:grpChg>
+        <pc:picChg chg="add del mod">
+          <ac:chgData name="Asraful Islam" userId="a32860350e1d8602" providerId="Windows Live" clId="Web-{ECBB17EB-9AE2-40BB-88E9-186AA517E41B}" dt="2022-10-12T00:49:22.734" v="1153"/>
+          <ac:picMkLst>
+            <pc:docMk/>
+            <pc:sldMk cId="0" sldId="260"/>
+            <ac:picMk id="2" creationId="{2048739F-9C6D-8CD7-0C66-23F49CF2460B}"/>
+          </ac:picMkLst>
+        </pc:picChg>
+        <pc:picChg chg="add mod">
+          <ac:chgData name="Asraful Islam" userId="a32860350e1d8602" providerId="Windows Live" clId="Web-{ECBB17EB-9AE2-40BB-88E9-186AA517E41B}" dt="2022-10-12T01:13:28.526" v="1248" actId="1076"/>
+          <ac:picMkLst>
+            <pc:docMk/>
+            <pc:sldMk cId="0" sldId="260"/>
+            <ac:picMk id="3" creationId="{044CF47E-1D91-2F18-456D-54D0EA437156}"/>
+          </ac:picMkLst>
+        </pc:picChg>
+      </pc:sldChg>
+      <pc:sldChg chg="delSp modSp">
+        <pc:chgData name="Asraful Islam" userId="a32860350e1d8602" providerId="Windows Live" clId="Web-{ECBB17EB-9AE2-40BB-88E9-186AA517E41B}" dt="2022-10-12T03:05:30.190" v="2111" actId="20577"/>
+        <pc:sldMkLst>
+          <pc:docMk/>
+          <pc:sldMk cId="0" sldId="261"/>
+        </pc:sldMkLst>
+        <pc:spChg chg="mod">
+          <ac:chgData name="Asraful Islam" userId="a32860350e1d8602" providerId="Windows Live" clId="Web-{ECBB17EB-9AE2-40BB-88E9-186AA517E41B}" dt="2022-10-12T03:05:30.190" v="2111" actId="20577"/>
+          <ac:spMkLst>
+            <pc:docMk/>
+            <pc:sldMk cId="0" sldId="261"/>
+            <ac:spMk id="150" creationId="{00000000-0000-0000-0000-000000000000}"/>
+          </ac:spMkLst>
+        </pc:spChg>
+        <pc:spChg chg="del">
+          <ac:chgData name="Asraful Islam" userId="a32860350e1d8602" providerId="Windows Live" clId="Web-{ECBB17EB-9AE2-40BB-88E9-186AA517E41B}" dt="2022-10-12T03:03:52.452" v="2053"/>
+          <ac:spMkLst>
+            <pc:docMk/>
+            <pc:sldMk cId="0" sldId="261"/>
+            <ac:spMk id="151" creationId="{00000000-0000-0000-0000-000000000000}"/>
+          </ac:spMkLst>
+        </pc:spChg>
+        <pc:spChg chg="mod">
+          <ac:chgData name="Asraful Islam" userId="a32860350e1d8602" providerId="Windows Live" clId="Web-{ECBB17EB-9AE2-40BB-88E9-186AA517E41B}" dt="2022-10-12T03:03:56.577" v="2055" actId="20577"/>
+          <ac:spMkLst>
+            <pc:docMk/>
+            <pc:sldMk cId="0" sldId="261"/>
+            <ac:spMk id="153" creationId="{00000000-0000-0000-0000-000000000000}"/>
+          </ac:spMkLst>
+        </pc:spChg>
+        <pc:grpChg chg="del">
+          <ac:chgData name="Asraful Islam" userId="a32860350e1d8602" providerId="Windows Live" clId="Web-{ECBB17EB-9AE2-40BB-88E9-186AA517E41B}" dt="2022-10-12T03:03:57.233" v="2056"/>
+          <ac:grpSpMkLst>
+            <pc:docMk/>
+            <pc:sldMk cId="0" sldId="261"/>
+            <ac:grpSpMk id="154" creationId="{00000000-0000-0000-0000-000000000000}"/>
+          </ac:grpSpMkLst>
+        </pc:grpChg>
+      </pc:sldChg>
       <pc:sldChg chg="addSp delSp new del">
         <pc:chgData name="Asraful Islam" userId="a32860350e1d8602" providerId="Windows Live" clId="Web-{ECBB17EB-9AE2-40BB-88E9-186AA517E41B}" dt="2022-10-11T06:56:16.444" v="77"/>
         <pc:sldMkLst>
@@ -586,6 +820,247 @@
             <pc:docMk/>
             <pc:sldMk cId="272812540" sldId="265"/>
             <ac:picMk id="3" creationId="{2F17B785-4BDB-4E3E-E588-087EE2768DFD}"/>
+          </ac:picMkLst>
+        </pc:picChg>
+      </pc:sldChg>
+      <pc:sldChg chg="addSp delSp modSp add replId">
+        <pc:chgData name="Asraful Islam" userId="a32860350e1d8602" providerId="Windows Live" clId="Web-{ECBB17EB-9AE2-40BB-88E9-186AA517E41B}" dt="2022-10-12T02:49:43.125" v="1755" actId="20577"/>
+        <pc:sldMkLst>
+          <pc:docMk/>
+          <pc:sldMk cId="989693086" sldId="266"/>
+        </pc:sldMkLst>
+        <pc:spChg chg="mod">
+          <ac:chgData name="Asraful Islam" userId="a32860350e1d8602" providerId="Windows Live" clId="Web-{ECBB17EB-9AE2-40BB-88E9-186AA517E41B}" dt="2022-10-12T02:49:43.125" v="1755" actId="20577"/>
+          <ac:spMkLst>
+            <pc:docMk/>
+            <pc:sldMk cId="989693086" sldId="266"/>
+            <ac:spMk id="141" creationId="{00000000-0000-0000-0000-000000000000}"/>
+          </ac:spMkLst>
+        </pc:spChg>
+        <pc:picChg chg="add mod">
+          <ac:chgData name="Asraful Islam" userId="a32860350e1d8602" providerId="Windows Live" clId="Web-{ECBB17EB-9AE2-40BB-88E9-186AA517E41B}" dt="2022-10-12T02:35:45.065" v="1586" actId="1076"/>
+          <ac:picMkLst>
+            <pc:docMk/>
+            <pc:sldMk cId="989693086" sldId="266"/>
+            <ac:picMk id="2" creationId="{CB307B91-77FC-B281-250E-19517846FCC8}"/>
+          </ac:picMkLst>
+        </pc:picChg>
+        <pc:picChg chg="del">
+          <ac:chgData name="Asraful Islam" userId="a32860350e1d8602" providerId="Windows Live" clId="Web-{ECBB17EB-9AE2-40BB-88E9-186AA517E41B}" dt="2022-10-12T01:18:20.282" v="1252"/>
+          <ac:picMkLst>
+            <pc:docMk/>
+            <pc:sldMk cId="989693086" sldId="266"/>
+            <ac:picMk id="3" creationId="{044CF47E-1D91-2F18-456D-54D0EA437156}"/>
+          </ac:picMkLst>
+        </pc:picChg>
+      </pc:sldChg>
+      <pc:sldChg chg="addSp modSp add replId">
+        <pc:chgData name="Asraful Islam" userId="a32860350e1d8602" providerId="Windows Live" clId="Web-{ECBB17EB-9AE2-40BB-88E9-186AA517E41B}" dt="2022-10-12T02:49:34.437" v="1749" actId="20577"/>
+        <pc:sldMkLst>
+          <pc:docMk/>
+          <pc:sldMk cId="966215426" sldId="267"/>
+        </pc:sldMkLst>
+        <pc:spChg chg="mod">
+          <ac:chgData name="Asraful Islam" userId="a32860350e1d8602" providerId="Windows Live" clId="Web-{ECBB17EB-9AE2-40BB-88E9-186AA517E41B}" dt="2022-10-12T02:49:34.437" v="1749" actId="20577"/>
+          <ac:spMkLst>
+            <pc:docMk/>
+            <pc:sldMk cId="966215426" sldId="267"/>
+            <ac:spMk id="141" creationId="{00000000-0000-0000-0000-000000000000}"/>
+          </ac:spMkLst>
+        </pc:spChg>
+        <pc:picChg chg="add mod">
+          <ac:chgData name="Asraful Islam" userId="a32860350e1d8602" providerId="Windows Live" clId="Web-{ECBB17EB-9AE2-40BB-88E9-186AA517E41B}" dt="2022-10-12T02:36:55.911" v="1590" actId="1076"/>
+          <ac:picMkLst>
+            <pc:docMk/>
+            <pc:sldMk cId="966215426" sldId="267"/>
+            <ac:picMk id="2" creationId="{569845C7-5A5A-801D-C052-B3E4DB63A5E7}"/>
+          </ac:picMkLst>
+        </pc:picChg>
+      </pc:sldChg>
+      <pc:sldChg chg="addSp delSp modSp add replId">
+        <pc:chgData name="Asraful Islam" userId="a32860350e1d8602" providerId="Windows Live" clId="Web-{ECBB17EB-9AE2-40BB-88E9-186AA517E41B}" dt="2022-10-12T02:49:21.468" v="1741" actId="20577"/>
+        <pc:sldMkLst>
+          <pc:docMk/>
+          <pc:sldMk cId="2848823120" sldId="268"/>
+        </pc:sldMkLst>
+        <pc:spChg chg="add mod">
+          <ac:chgData name="Asraful Islam" userId="a32860350e1d8602" providerId="Windows Live" clId="Web-{ECBB17EB-9AE2-40BB-88E9-186AA517E41B}" dt="2022-10-12T01:45:18.549" v="1581" actId="20577"/>
+          <ac:spMkLst>
+            <pc:docMk/>
+            <pc:sldMk cId="2848823120" sldId="268"/>
+            <ac:spMk id="2" creationId="{8271C920-0F28-B9BA-E15B-0642F75ACD0E}"/>
+          </ac:spMkLst>
+        </pc:spChg>
+        <pc:spChg chg="mod">
+          <ac:chgData name="Asraful Islam" userId="a32860350e1d8602" providerId="Windows Live" clId="Web-{ECBB17EB-9AE2-40BB-88E9-186AA517E41B}" dt="2022-10-12T02:49:21.468" v="1741" actId="20577"/>
+          <ac:spMkLst>
+            <pc:docMk/>
+            <pc:sldMk cId="2848823120" sldId="268"/>
+            <ac:spMk id="141" creationId="{00000000-0000-0000-0000-000000000000}"/>
+          </ac:spMkLst>
+        </pc:spChg>
+        <pc:picChg chg="add del mod">
+          <ac:chgData name="Asraful Islam" userId="a32860350e1d8602" providerId="Windows Live" clId="Web-{ECBB17EB-9AE2-40BB-88E9-186AA517E41B}" dt="2022-10-12T02:39:46.073" v="1594"/>
+          <ac:picMkLst>
+            <pc:docMk/>
+            <pc:sldMk cId="2848823120" sldId="268"/>
+            <ac:picMk id="3" creationId="{2A57F893-F2D8-B13C-B4D0-CD6C31FF1070}"/>
+          </ac:picMkLst>
+        </pc:picChg>
+        <pc:picChg chg="add mod">
+          <ac:chgData name="Asraful Islam" userId="a32860350e1d8602" providerId="Windows Live" clId="Web-{ECBB17EB-9AE2-40BB-88E9-186AA517E41B}" dt="2022-10-12T02:43:00.611" v="1603" actId="1076"/>
+          <ac:picMkLst>
+            <pc:docMk/>
+            <pc:sldMk cId="2848823120" sldId="268"/>
+            <ac:picMk id="4" creationId="{5A27130B-25DF-F8C2-CB78-0E977ADAB763}"/>
+          </ac:picMkLst>
+        </pc:picChg>
+      </pc:sldChg>
+      <pc:sldChg chg="addSp modSp add replId">
+        <pc:chgData name="Asraful Islam" userId="a32860350e1d8602" providerId="Windows Live" clId="Web-{ECBB17EB-9AE2-40BB-88E9-186AA517E41B}" dt="2022-10-12T02:49:08.249" v="1738" actId="20577"/>
+        <pc:sldMkLst>
+          <pc:docMk/>
+          <pc:sldMk cId="604282343" sldId="269"/>
+        </pc:sldMkLst>
+        <pc:spChg chg="mod">
+          <ac:chgData name="Asraful Islam" userId="a32860350e1d8602" providerId="Windows Live" clId="Web-{ECBB17EB-9AE2-40BB-88E9-186AA517E41B}" dt="2022-10-12T01:45:02.611" v="1574" actId="20577"/>
+          <ac:spMkLst>
+            <pc:docMk/>
+            <pc:sldMk cId="604282343" sldId="269"/>
+            <ac:spMk id="2" creationId="{8271C920-0F28-B9BA-E15B-0642F75ACD0E}"/>
+          </ac:spMkLst>
+        </pc:spChg>
+        <pc:spChg chg="mod">
+          <ac:chgData name="Asraful Islam" userId="a32860350e1d8602" providerId="Windows Live" clId="Web-{ECBB17EB-9AE2-40BB-88E9-186AA517E41B}" dt="2022-10-12T02:49:08.249" v="1738" actId="20577"/>
+          <ac:spMkLst>
+            <pc:docMk/>
+            <pc:sldMk cId="604282343" sldId="269"/>
+            <ac:spMk id="141" creationId="{00000000-0000-0000-0000-000000000000}"/>
+          </ac:spMkLst>
+        </pc:spChg>
+        <pc:picChg chg="add mod">
+          <ac:chgData name="Asraful Islam" userId="a32860350e1d8602" providerId="Windows Live" clId="Web-{ECBB17EB-9AE2-40BB-88E9-186AA517E41B}" dt="2022-10-12T02:43:56.754" v="1606" actId="14100"/>
+          <ac:picMkLst>
+            <pc:docMk/>
+            <pc:sldMk cId="604282343" sldId="269"/>
+            <ac:picMk id="3" creationId="{EBAEF62D-7991-F617-60E1-0D1A3F571C2A}"/>
+          </ac:picMkLst>
+        </pc:picChg>
+      </pc:sldChg>
+      <pc:sldChg chg="addSp delSp modSp add replId">
+        <pc:chgData name="Asraful Islam" userId="a32860350e1d8602" providerId="Windows Live" clId="Web-{ECBB17EB-9AE2-40BB-88E9-186AA517E41B}" dt="2022-10-12T02:49:00.171" v="1730" actId="20577"/>
+        <pc:sldMkLst>
+          <pc:docMk/>
+          <pc:sldMk cId="4279189061" sldId="270"/>
+        </pc:sldMkLst>
+        <pc:spChg chg="mod">
+          <ac:chgData name="Asraful Islam" userId="a32860350e1d8602" providerId="Windows Live" clId="Web-{ECBB17EB-9AE2-40BB-88E9-186AA517E41B}" dt="2022-10-12T02:48:36.998" v="1725" actId="1076"/>
+          <ac:spMkLst>
+            <pc:docMk/>
+            <pc:sldMk cId="4279189061" sldId="270"/>
+            <ac:spMk id="2" creationId="{8271C920-0F28-B9BA-E15B-0642F75ACD0E}"/>
+          </ac:spMkLst>
+        </pc:spChg>
+        <pc:spChg chg="mod">
+          <ac:chgData name="Asraful Islam" userId="a32860350e1d8602" providerId="Windows Live" clId="Web-{ECBB17EB-9AE2-40BB-88E9-186AA517E41B}" dt="2022-10-12T02:49:00.171" v="1730" actId="20577"/>
+          <ac:spMkLst>
+            <pc:docMk/>
+            <pc:sldMk cId="4279189061" sldId="270"/>
+            <ac:spMk id="141" creationId="{00000000-0000-0000-0000-000000000000}"/>
+          </ac:spMkLst>
+        </pc:spChg>
+        <pc:picChg chg="del">
+          <ac:chgData name="Asraful Islam" userId="a32860350e1d8602" providerId="Windows Live" clId="Web-{ECBB17EB-9AE2-40BB-88E9-186AA517E41B}" dt="2022-10-12T02:45:14.522" v="1628"/>
+          <ac:picMkLst>
+            <pc:docMk/>
+            <pc:sldMk cId="4279189061" sldId="270"/>
+            <ac:picMk id="3" creationId="{EBAEF62D-7991-F617-60E1-0D1A3F571C2A}"/>
+          </ac:picMkLst>
+        </pc:picChg>
+        <pc:picChg chg="add mod">
+          <ac:chgData name="Asraful Islam" userId="a32860350e1d8602" providerId="Windows Live" clId="Web-{ECBB17EB-9AE2-40BB-88E9-186AA517E41B}" dt="2022-10-12T02:45:28.460" v="1631" actId="14100"/>
+          <ac:picMkLst>
+            <pc:docMk/>
+            <pc:sldMk cId="4279189061" sldId="270"/>
+            <ac:picMk id="4" creationId="{D6035D9E-B4AC-EB04-366F-B962BA19C4E5}"/>
+          </ac:picMkLst>
+        </pc:picChg>
+      </pc:sldChg>
+      <pc:sldChg chg="addSp delSp modSp add replId">
+        <pc:chgData name="Asraful Islam" userId="a32860350e1d8602" providerId="Windows Live" clId="Web-{ECBB17EB-9AE2-40BB-88E9-186AA517E41B}" dt="2022-10-12T02:58:37.425" v="1922" actId="20577"/>
+        <pc:sldMkLst>
+          <pc:docMk/>
+          <pc:sldMk cId="1885066798" sldId="271"/>
+        </pc:sldMkLst>
+        <pc:spChg chg="mod">
+          <ac:chgData name="Asraful Islam" userId="a32860350e1d8602" providerId="Windows Live" clId="Web-{ECBB17EB-9AE2-40BB-88E9-186AA517E41B}" dt="2022-10-12T02:58:37.425" v="1922" actId="20577"/>
+          <ac:spMkLst>
+            <pc:docMk/>
+            <pc:sldMk cId="1885066798" sldId="271"/>
+            <ac:spMk id="2" creationId="{8271C920-0F28-B9BA-E15B-0642F75ACD0E}"/>
+          </ac:spMkLst>
+        </pc:spChg>
+        <pc:spChg chg="mod">
+          <ac:chgData name="Asraful Islam" userId="a32860350e1d8602" providerId="Windows Live" clId="Web-{ECBB17EB-9AE2-40BB-88E9-186AA517E41B}" dt="2022-10-12T02:50:31.564" v="1777" actId="20577"/>
+          <ac:spMkLst>
+            <pc:docMk/>
+            <pc:sldMk cId="1885066798" sldId="271"/>
+            <ac:spMk id="141" creationId="{00000000-0000-0000-0000-000000000000}"/>
+          </ac:spMkLst>
+        </pc:spChg>
+        <pc:picChg chg="add mod">
+          <ac:chgData name="Asraful Islam" userId="a32860350e1d8602" providerId="Windows Live" clId="Web-{ECBB17EB-9AE2-40BB-88E9-186AA517E41B}" dt="2022-10-12T02:50:49.065" v="1782" actId="1076"/>
+          <ac:picMkLst>
+            <pc:docMk/>
+            <pc:sldMk cId="1885066798" sldId="271"/>
+            <ac:picMk id="3" creationId="{F7B52C37-ECD6-AA3B-187C-7AF3FF74449F}"/>
+          </ac:picMkLst>
+        </pc:picChg>
+        <pc:picChg chg="del">
+          <ac:chgData name="Asraful Islam" userId="a32860350e1d8602" providerId="Windows Live" clId="Web-{ECBB17EB-9AE2-40BB-88E9-186AA517E41B}" dt="2022-10-12T02:50:33.971" v="1778"/>
+          <ac:picMkLst>
+            <pc:docMk/>
+            <pc:sldMk cId="1885066798" sldId="271"/>
+            <ac:picMk id="4" creationId="{D6035D9E-B4AC-EB04-366F-B962BA19C4E5}"/>
+          </ac:picMkLst>
+        </pc:picChg>
+      </pc:sldChg>
+      <pc:sldChg chg="addSp delSp modSp add replId">
+        <pc:chgData name="Asraful Islam" userId="a32860350e1d8602" providerId="Windows Live" clId="Web-{ECBB17EB-9AE2-40BB-88E9-186AA517E41B}" dt="2022-10-12T03:02:01.026" v="1994" actId="1076"/>
+        <pc:sldMkLst>
+          <pc:docMk/>
+          <pc:sldMk cId="3348632347" sldId="272"/>
+        </pc:sldMkLst>
+        <pc:spChg chg="mod">
+          <ac:chgData name="Asraful Islam" userId="a32860350e1d8602" providerId="Windows Live" clId="Web-{ECBB17EB-9AE2-40BB-88E9-186AA517E41B}" dt="2022-10-12T03:01:03.665" v="1988" actId="20577"/>
+          <ac:spMkLst>
+            <pc:docMk/>
+            <pc:sldMk cId="3348632347" sldId="272"/>
+            <ac:spMk id="2" creationId="{8271C920-0F28-B9BA-E15B-0642F75ACD0E}"/>
+          </ac:spMkLst>
+        </pc:spChg>
+        <pc:spChg chg="mod">
+          <ac:chgData name="Asraful Islam" userId="a32860350e1d8602" providerId="Windows Live" clId="Web-{ECBB17EB-9AE2-40BB-88E9-186AA517E41B}" dt="2022-10-12T02:59:05.989" v="1933" actId="20577"/>
+          <ac:spMkLst>
+            <pc:docMk/>
+            <pc:sldMk cId="3348632347" sldId="272"/>
+            <ac:spMk id="141" creationId="{00000000-0000-0000-0000-000000000000}"/>
+          </ac:spMkLst>
+        </pc:spChg>
+        <pc:picChg chg="del">
+          <ac:chgData name="Asraful Islam" userId="a32860350e1d8602" providerId="Windows Live" clId="Web-{ECBB17EB-9AE2-40BB-88E9-186AA517E41B}" dt="2022-10-12T03:01:05.665" v="1989"/>
+          <ac:picMkLst>
+            <pc:docMk/>
+            <pc:sldMk cId="3348632347" sldId="272"/>
+            <ac:picMk id="3" creationId="{F7B52C37-ECD6-AA3B-187C-7AF3FF74449F}"/>
+          </ac:picMkLst>
+        </pc:picChg>
+        <pc:picChg chg="add mod">
+          <ac:chgData name="Asraful Islam" userId="a32860350e1d8602" providerId="Windows Live" clId="Web-{ECBB17EB-9AE2-40BB-88E9-186AA517E41B}" dt="2022-10-12T03:02:01.026" v="1994" actId="1076"/>
+          <ac:picMkLst>
+            <pc:docMk/>
+            <pc:sldMk cId="3348632347" sldId="272"/>
+            <ac:picMk id="4" creationId="{EC470A5A-8FD6-BE5F-C001-334A63CE531A}"/>
           </ac:picMkLst>
         </pc:picChg>
       </pc:sldChg>
@@ -3454,7 +3929,7 @@
           </a:lstStyle>
           <a:p>
             <a:r>
-              <a:rPr sz="2400" dirty="0"/>
+              <a:rPr sz="2400"/>
               <a:t>Data analytics approach</a:t>
             </a:r>
           </a:p>
@@ -3502,18 +3977,17 @@
           </a:lstStyle>
           <a:p>
             <a:r>
-              <a:rPr lang="en-US" sz="1600" dirty="0" err="1"/>
+              <a:rPr lang="en-US" sz="1600" err="1"/>
               <a:t>Asraful</a:t>
             </a:r>
             <a:r>
-              <a:rPr lang="en-US" sz="1600" dirty="0"/>
+              <a:rPr lang="en-US" sz="1600"/>
               <a:t> Islam, Junior Data Analyst</a:t>
             </a:r>
-            <a:endParaRPr lang="en-US" sz="1600"/>
-          </a:p>
-          <a:p>
-            <a:r>
-              <a:rPr lang="en-US" sz="1600" dirty="0"/>
+          </a:p>
+          <a:p>
+            <a:r>
+              <a:rPr lang="en-US" sz="1600"/>
               <a:t>asrafuldu126@gmail.com</a:t>
             </a:r>
           </a:p>
@@ -3595,7 +4069,7 @@
       </p:grpSpPr>
       <p:sp>
         <p:nvSpPr>
-          <p:cNvPr id="161" name="Shape 113"/>
+          <p:cNvPr id="139" name="Shape 88"/>
           <p:cNvSpPr/>
           <p:nvPr/>
         </p:nvSpPr>
@@ -3632,14 +4106,14 @@
       </p:sp>
       <p:sp>
         <p:nvSpPr>
-          <p:cNvPr id="162" name="Shape 114"/>
+          <p:cNvPr id="140" name="Shape 89"/>
           <p:cNvSpPr/>
           <p:nvPr/>
         </p:nvSpPr>
         <p:spPr>
           <a:xfrm>
             <a:off x="205025" y="263974"/>
-            <a:ext cx="8565600" cy="758742"/>
+            <a:ext cx="8565600" cy="466642"/>
           </a:xfrm>
           <a:prstGeom prst="rect">
             <a:avLst/>
@@ -3668,22 +4142,21 @@
           </a:lstStyle>
           <a:p>
             <a:r>
-              <a:rPr dirty="0"/>
-              <a:t>Appendix</a:t>
+              <a:t>Model Development</a:t>
             </a:r>
           </a:p>
         </p:txBody>
       </p:sp>
       <p:sp>
         <p:nvSpPr>
-          <p:cNvPr id="163" name="Shape 115"/>
+          <p:cNvPr id="141" name="Shape 90"/>
           <p:cNvSpPr/>
           <p:nvPr/>
         </p:nvSpPr>
         <p:spPr>
           <a:xfrm>
-            <a:off x="205025" y="1083299"/>
-            <a:ext cx="8565600" cy="920086"/>
+            <a:off x="345204" y="770592"/>
+            <a:ext cx="8285242" cy="516327"/>
           </a:xfrm>
           <a:prstGeom prst="rect">
             <a:avLst/>
@@ -3698,7 +4171,7 @@
           </a:extLst>
         </p:spPr>
         <p:txBody>
-          <a:bodyPr lIns="91424" tIns="91424" rIns="91424" bIns="91424">
+          <a:bodyPr wrap="square" lIns="91424" tIns="91424" rIns="91424" bIns="91424" anchor="t">
             <a:spAutoFit/>
           </a:bodyPr>
           <a:lstStyle>
@@ -3716,15 +4189,15 @@
           </a:lstStyle>
           <a:p>
             <a:r>
-              <a:rPr dirty="0"/>
-              <a:t>This is an optional slide where you may place any supporting items.</a:t>
+              <a:rPr lang="en-US" dirty="0"/>
+              <a:t>Profit based on wealth segment:</a:t>
             </a:r>
           </a:p>
         </p:txBody>
       </p:sp>
       <p:sp>
         <p:nvSpPr>
-          <p:cNvPr id="164" name="Note: The data and information in this document is reflective of a hypothetical situation and client. This document is to be used for KPMG Virtual Internship purposes only."/>
+          <p:cNvPr id="146" name="Note: The data and information in this document is reflective of a hypothetical situation and client. This document is to be used for KPMG Virtual Internship purposes only."/>
           <p:cNvSpPr/>
           <p:nvPr/>
         </p:nvSpPr>
@@ -3761,11 +4234,2216 @@
               </a:defRPr>
             </a:pPr>
             <a:r>
-              <a:rPr dirty="0"/>
               <a:t>       Note: </a:t>
             </a:r>
             <a:r>
-              <a:rPr b="0" dirty="0"/>
+              <a:rPr b="0"/>
+              <a:t>The data and information in this document is reflective of a hypothetical situation and client. This document is to be used for KPMG Virtual Internship purposes only. </a:t>
+            </a:r>
+          </a:p>
+        </p:txBody>
+      </p:sp>
+      <p:sp>
+        <p:nvSpPr>
+          <p:cNvPr id="2" name="TextBox 1">
+            <a:extLst>
+              <a:ext uri="{FF2B5EF4-FFF2-40B4-BE49-F238E27FC236}">
+                <a16:creationId xmlns:a16="http://schemas.microsoft.com/office/drawing/2014/main" id="{8271C920-0F28-B9BA-E15B-0642F75ACD0E}"/>
+              </a:ext>
+            </a:extLst>
+          </p:cNvPr>
+          <p:cNvSpPr txBox="1"/>
+          <p:nvPr/>
+        </p:nvSpPr>
+        <p:spPr>
+          <a:xfrm>
+            <a:off x="517071" y="1524000"/>
+            <a:ext cx="3415392" cy="1366526"/>
+          </a:xfrm>
+          <a:prstGeom prst="rect">
+            <a:avLst/>
+          </a:prstGeom>
+          <a:noFill/>
+          <a:ln w="12700" cap="flat">
+            <a:noFill/>
+            <a:miter lim="400000"/>
+          </a:ln>
+          <a:effectLst/>
+          <a:sp3d/>
+        </p:spPr>
+        <p:style>
+          <a:lnRef idx="0">
+            <a:scrgbClr r="0" g="0" b="0"/>
+          </a:lnRef>
+          <a:fillRef idx="0">
+            <a:scrgbClr r="0" g="0" b="0"/>
+          </a:fillRef>
+          <a:effectRef idx="0">
+            <a:scrgbClr r="0" g="0" b="0"/>
+          </a:effectRef>
+          <a:fontRef idx="none"/>
+        </p:style>
+        <p:txBody>
+          <a:bodyPr rot="0" spcFirstLastPara="1" vertOverflow="overflow" horzOverflow="overflow" vert="horz" wrap="square" lIns="45719" tIns="45719" rIns="45719" bIns="45719" numCol="1" spcCol="38100" rtlCol="0" fromWordArt="0" anchor="t" anchorCtr="0" forceAA="0" compatLnSpc="1">
+            <a:prstTxWarp prst="textNoShape">
+              <a:avLst/>
+            </a:prstTxWarp>
+            <a:spAutoFit/>
+          </a:bodyPr>
+          <a:lstStyle/>
+          <a:p>
+            <a:pPr marL="285750" indent="-285750">
+              <a:lnSpc>
+                <a:spcPct val="114999"/>
+              </a:lnSpc>
+              <a:buFont typeface="Arial,Sans-Serif"/>
+              <a:buChar char="•"/>
+            </a:pPr>
+            <a:r>
+              <a:rPr lang="en-US" sz="1800">
+                <a:latin typeface="Open Sans"/>
+                <a:ea typeface="+mn-lt"/>
+                <a:cs typeface="+mn-lt"/>
+              </a:rPr>
+              <a:t>Mass Customers are the most profitable segment who contribute nearly 50% of the profit</a:t>
+            </a:r>
+          </a:p>
+        </p:txBody>
+      </p:sp>
+      <p:pic>
+        <p:nvPicPr>
+          <p:cNvPr id="4" name="Picture 4" descr="Chart, pie chart&#10;&#10;Description automatically generated">
+            <a:extLst>
+              <a:ext uri="{FF2B5EF4-FFF2-40B4-BE49-F238E27FC236}">
+                <a16:creationId xmlns:a16="http://schemas.microsoft.com/office/drawing/2014/main" id="{5A27130B-25DF-F8C2-CB78-0E977ADAB763}"/>
+              </a:ext>
+            </a:extLst>
+          </p:cNvPr>
+          <p:cNvPicPr>
+            <a:picLocks noChangeAspect="1"/>
+          </p:cNvPicPr>
+          <p:nvPr/>
+        </p:nvPicPr>
+        <p:blipFill>
+          <a:blip r:embed="rId2"/>
+          <a:stretch>
+            <a:fillRect/>
+          </a:stretch>
+        </p:blipFill>
+        <p:spPr>
+          <a:xfrm>
+            <a:off x="4418882" y="1524078"/>
+            <a:ext cx="4209690" cy="2720759"/>
+          </a:xfrm>
+          <a:prstGeom prst="rect">
+            <a:avLst/>
+          </a:prstGeom>
+        </p:spPr>
+      </p:pic>
+    </p:spTree>
+    <p:extLst>
+      <p:ext uri="{BB962C8B-B14F-4D97-AF65-F5344CB8AC3E}">
+        <p14:creationId xmlns:p14="http://schemas.microsoft.com/office/powerpoint/2010/main" val="2848823120"/>
+      </p:ext>
+    </p:extLst>
+  </p:cSld>
+  <p:clrMapOvr>
+    <a:masterClrMapping/>
+  </p:clrMapOvr>
+  <p:transition spd="med"/>
+</p:sld>
+</file>
+
+<file path=ppt/slides/slide11.xml><?xml version="1.0" encoding="utf-8"?>
+<p:sld xmlns:a="http://schemas.openxmlformats.org/drawingml/2006/main" xmlns:r="http://schemas.openxmlformats.org/officeDocument/2006/relationships" xmlns:p="http://schemas.openxmlformats.org/presentationml/2006/main">
+  <p:cSld>
+    <p:spTree>
+      <p:nvGrpSpPr>
+        <p:cNvPr id="1" name=""/>
+        <p:cNvGrpSpPr/>
+        <p:nvPr/>
+      </p:nvGrpSpPr>
+      <p:grpSpPr>
+        <a:xfrm>
+          <a:off x="0" y="0"/>
+          <a:ext cx="0" cy="0"/>
+          <a:chOff x="0" y="0"/>
+          <a:chExt cx="0" cy="0"/>
+        </a:xfrm>
+      </p:grpSpPr>
+      <p:sp>
+        <p:nvSpPr>
+          <p:cNvPr id="139" name="Shape 88"/>
+          <p:cNvSpPr/>
+          <p:nvPr/>
+        </p:nvSpPr>
+        <p:spPr>
+          <a:xfrm>
+            <a:off x="-15501" y="-19475"/>
+            <a:ext cx="9191402" cy="840000"/>
+          </a:xfrm>
+          <a:prstGeom prst="rect">
+            <a:avLst/>
+          </a:prstGeom>
+          <a:gradFill>
+            <a:gsLst>
+              <a:gs pos="0">
+                <a:srgbClr val="1077D2"/>
+              </a:gs>
+              <a:gs pos="100000">
+                <a:srgbClr val="093153"/>
+              </a:gs>
+            </a:gsLst>
+            <a:lin ang="12000143"/>
+          </a:gradFill>
+          <a:ln w="12700">
+            <a:miter lim="400000"/>
+          </a:ln>
+        </p:spPr>
+        <p:txBody>
+          <a:bodyPr lIns="45719" rIns="45719" anchor="ctr"/>
+          <a:lstStyle/>
+          <a:p>
+            <a:endParaRPr/>
+          </a:p>
+        </p:txBody>
+      </p:sp>
+      <p:sp>
+        <p:nvSpPr>
+          <p:cNvPr id="140" name="Shape 89"/>
+          <p:cNvSpPr/>
+          <p:nvPr/>
+        </p:nvSpPr>
+        <p:spPr>
+          <a:xfrm>
+            <a:off x="205025" y="263974"/>
+            <a:ext cx="8565600" cy="466642"/>
+          </a:xfrm>
+          <a:prstGeom prst="rect">
+            <a:avLst/>
+          </a:prstGeom>
+          <a:ln w="12700">
+            <a:miter lim="400000"/>
+          </a:ln>
+          <a:extLst>
+            <a:ext uri="{C572A759-6A51-4108-AA02-DFA0A04FC94B}">
+              <ma14:wrappingTextBoxFlag xmlns="" xmlns:ma14="http://schemas.microsoft.com/office/mac/drawingml/2011/main" val="1"/>
+            </a:ext>
+          </a:extLst>
+        </p:spPr>
+        <p:txBody>
+          <a:bodyPr lIns="91424" tIns="91424" rIns="91424" bIns="91424">
+            <a:spAutoFit/>
+          </a:bodyPr>
+          <a:lstStyle>
+            <a:lvl1pPr>
+              <a:defRPr sz="2000" b="1">
+                <a:solidFill>
+                  <a:srgbClr val="FFFFFF"/>
+                </a:solidFill>
+              </a:defRPr>
+            </a:lvl1pPr>
+          </a:lstStyle>
+          <a:p>
+            <a:r>
+              <a:t>Model Development</a:t>
+            </a:r>
+          </a:p>
+        </p:txBody>
+      </p:sp>
+      <p:sp>
+        <p:nvSpPr>
+          <p:cNvPr id="141" name="Shape 90"/>
+          <p:cNvSpPr/>
+          <p:nvPr/>
+        </p:nvSpPr>
+        <p:spPr>
+          <a:xfrm>
+            <a:off x="345204" y="749026"/>
+            <a:ext cx="4802327" cy="516327"/>
+          </a:xfrm>
+          <a:prstGeom prst="rect">
+            <a:avLst/>
+          </a:prstGeom>
+          <a:ln w="12700">
+            <a:miter lim="400000"/>
+          </a:ln>
+          <a:extLst>
+            <a:ext uri="{C572A759-6A51-4108-AA02-DFA0A04FC94B}">
+              <ma14:wrappingTextBoxFlag xmlns="" xmlns:ma14="http://schemas.microsoft.com/office/mac/drawingml/2011/main" val="1"/>
+            </a:ext>
+          </a:extLst>
+        </p:spPr>
+        <p:txBody>
+          <a:bodyPr wrap="square" lIns="91424" tIns="91424" rIns="91424" bIns="91424" anchor="t">
+            <a:spAutoFit/>
+          </a:bodyPr>
+          <a:lstStyle>
+            <a:lvl1pPr>
+              <a:lnSpc>
+                <a:spcPct val="115000"/>
+              </a:lnSpc>
+              <a:defRPr sz="2000" b="1">
+                <a:latin typeface="Open Sans"/>
+                <a:ea typeface="Open Sans"/>
+                <a:cs typeface="Open Sans"/>
+                <a:sym typeface="Open Sans"/>
+              </a:defRPr>
+            </a:lvl1pPr>
+          </a:lstStyle>
+          <a:p>
+            <a:r>
+              <a:rPr lang="en-US" dirty="0"/>
+              <a:t>Profit  based on states in Australia:</a:t>
+            </a:r>
+          </a:p>
+        </p:txBody>
+      </p:sp>
+      <p:sp>
+        <p:nvSpPr>
+          <p:cNvPr id="146" name="Note: The data and information in this document is reflective of a hypothetical situation and client. This document is to be used for KPMG Virtual Internship purposes only."/>
+          <p:cNvSpPr/>
+          <p:nvPr/>
+        </p:nvSpPr>
+        <p:spPr>
+          <a:xfrm>
+            <a:off x="-6201" y="-6350"/>
+            <a:ext cx="9175601" cy="238700"/>
+          </a:xfrm>
+          <a:prstGeom prst="rect">
+            <a:avLst/>
+          </a:prstGeom>
+          <a:solidFill>
+            <a:schemeClr val="accent3"/>
+          </a:solidFill>
+          <a:ln w="12700">
+            <a:miter lim="400000"/>
+          </a:ln>
+          <a:extLst>
+            <a:ext uri="{C572A759-6A51-4108-AA02-DFA0A04FC94B}">
+              <ma14:wrappingTextBoxFlag xmlns="" xmlns:ma14="http://schemas.microsoft.com/office/mac/drawingml/2011/main" val="1"/>
+            </a:ext>
+          </a:extLst>
+        </p:spPr>
+        <p:txBody>
+          <a:bodyPr lIns="45719" rIns="45719" anchor="ctr"/>
+          <a:lstStyle/>
+          <a:p>
+            <a:pPr defTabSz="457200">
+              <a:defRPr sz="500" b="1">
+                <a:latin typeface="Calibri"/>
+                <a:ea typeface="Calibri"/>
+                <a:cs typeface="Calibri"/>
+                <a:sym typeface="Calibri"/>
+              </a:defRPr>
+            </a:pPr>
+            <a:r>
+              <a:t>       Note: </a:t>
+            </a:r>
+            <a:r>
+              <a:rPr b="0"/>
+              <a:t>The data and information in this document is reflective of a hypothetical situation and client. This document is to be used for KPMG Virtual Internship purposes only. </a:t>
+            </a:r>
+          </a:p>
+        </p:txBody>
+      </p:sp>
+      <p:sp>
+        <p:nvSpPr>
+          <p:cNvPr id="2" name="TextBox 1">
+            <a:extLst>
+              <a:ext uri="{FF2B5EF4-FFF2-40B4-BE49-F238E27FC236}">
+                <a16:creationId xmlns:a16="http://schemas.microsoft.com/office/drawing/2014/main" id="{8271C920-0F28-B9BA-E15B-0642F75ACD0E}"/>
+              </a:ext>
+            </a:extLst>
+          </p:cNvPr>
+          <p:cNvSpPr txBox="1"/>
+          <p:nvPr/>
+        </p:nvSpPr>
+        <p:spPr>
+          <a:xfrm>
+            <a:off x="517071" y="1524000"/>
+            <a:ext cx="3415392" cy="1685075"/>
+          </a:xfrm>
+          <a:prstGeom prst="rect">
+            <a:avLst/>
+          </a:prstGeom>
+          <a:noFill/>
+          <a:ln w="12700" cap="flat">
+            <a:noFill/>
+            <a:miter lim="400000"/>
+          </a:ln>
+          <a:effectLst/>
+          <a:sp3d/>
+        </p:spPr>
+        <p:style>
+          <a:lnRef idx="0">
+            <a:scrgbClr r="0" g="0" b="0"/>
+          </a:lnRef>
+          <a:fillRef idx="0">
+            <a:scrgbClr r="0" g="0" b="0"/>
+          </a:fillRef>
+          <a:effectRef idx="0">
+            <a:scrgbClr r="0" g="0" b="0"/>
+          </a:effectRef>
+          <a:fontRef idx="none"/>
+        </p:style>
+        <p:txBody>
+          <a:bodyPr rot="0" spcFirstLastPara="1" vertOverflow="overflow" horzOverflow="overflow" vert="horz" wrap="square" lIns="45719" tIns="45719" rIns="45719" bIns="45719" numCol="1" spcCol="38100" rtlCol="0" fromWordArt="0" anchor="t" anchorCtr="0" forceAA="0" compatLnSpc="1">
+            <a:prstTxWarp prst="textNoShape">
+              <a:avLst/>
+            </a:prstTxWarp>
+            <a:spAutoFit/>
+          </a:bodyPr>
+          <a:lstStyle/>
+          <a:p>
+            <a:pPr marL="285750" indent="-285750">
+              <a:lnSpc>
+                <a:spcPct val="114999"/>
+              </a:lnSpc>
+              <a:buFont typeface="Arial,Sans-Serif"/>
+              <a:buChar char="•"/>
+            </a:pPr>
+            <a:r>
+              <a:rPr lang="en-US" sz="1800">
+                <a:latin typeface="Open Sans"/>
+                <a:ea typeface="+mn-lt"/>
+                <a:cs typeface="+mn-lt"/>
+              </a:rPr>
+              <a:t>Customers living in New South Wales are the most profitable customers with more than 50% profit among the other States.</a:t>
+            </a:r>
+            <a:endParaRPr lang="en-US" sz="1800">
+              <a:latin typeface="Open Sans"/>
+            </a:endParaRPr>
+          </a:p>
+        </p:txBody>
+      </p:sp>
+      <p:pic>
+        <p:nvPicPr>
+          <p:cNvPr id="3" name="Picture 3" descr="Chart, pie chart&#10;&#10;Description automatically generated">
+            <a:extLst>
+              <a:ext uri="{FF2B5EF4-FFF2-40B4-BE49-F238E27FC236}">
+                <a16:creationId xmlns:a16="http://schemas.microsoft.com/office/drawing/2014/main" id="{EBAEF62D-7991-F617-60E1-0D1A3F571C2A}"/>
+              </a:ext>
+            </a:extLst>
+          </p:cNvPr>
+          <p:cNvPicPr>
+            <a:picLocks noChangeAspect="1"/>
+          </p:cNvPicPr>
+          <p:nvPr/>
+        </p:nvPicPr>
+        <p:blipFill>
+          <a:blip r:embed="rId2"/>
+          <a:stretch>
+            <a:fillRect/>
+          </a:stretch>
+        </p:blipFill>
+        <p:spPr>
+          <a:xfrm>
+            <a:off x="4095391" y="1649042"/>
+            <a:ext cx="4393001" cy="2503181"/>
+          </a:xfrm>
+          <a:prstGeom prst="rect">
+            <a:avLst/>
+          </a:prstGeom>
+        </p:spPr>
+      </p:pic>
+    </p:spTree>
+    <p:extLst>
+      <p:ext uri="{BB962C8B-B14F-4D97-AF65-F5344CB8AC3E}">
+        <p14:creationId xmlns:p14="http://schemas.microsoft.com/office/powerpoint/2010/main" val="604282343"/>
+      </p:ext>
+    </p:extLst>
+  </p:cSld>
+  <p:clrMapOvr>
+    <a:masterClrMapping/>
+  </p:clrMapOvr>
+  <p:transition spd="med"/>
+</p:sld>
+</file>
+
+<file path=ppt/slides/slide12.xml><?xml version="1.0" encoding="utf-8"?>
+<p:sld xmlns:a="http://schemas.openxmlformats.org/drawingml/2006/main" xmlns:r="http://schemas.openxmlformats.org/officeDocument/2006/relationships" xmlns:p="http://schemas.openxmlformats.org/presentationml/2006/main">
+  <p:cSld>
+    <p:spTree>
+      <p:nvGrpSpPr>
+        <p:cNvPr id="1" name=""/>
+        <p:cNvGrpSpPr/>
+        <p:nvPr/>
+      </p:nvGrpSpPr>
+      <p:grpSpPr>
+        <a:xfrm>
+          <a:off x="0" y="0"/>
+          <a:ext cx="0" cy="0"/>
+          <a:chOff x="0" y="0"/>
+          <a:chExt cx="0" cy="0"/>
+        </a:xfrm>
+      </p:grpSpPr>
+      <p:sp>
+        <p:nvSpPr>
+          <p:cNvPr id="139" name="Shape 88"/>
+          <p:cNvSpPr/>
+          <p:nvPr/>
+        </p:nvSpPr>
+        <p:spPr>
+          <a:xfrm>
+            <a:off x="-15501" y="-19475"/>
+            <a:ext cx="9191402" cy="840000"/>
+          </a:xfrm>
+          <a:prstGeom prst="rect">
+            <a:avLst/>
+          </a:prstGeom>
+          <a:gradFill>
+            <a:gsLst>
+              <a:gs pos="0">
+                <a:srgbClr val="1077D2"/>
+              </a:gs>
+              <a:gs pos="100000">
+                <a:srgbClr val="093153"/>
+              </a:gs>
+            </a:gsLst>
+            <a:lin ang="12000143"/>
+          </a:gradFill>
+          <a:ln w="12700">
+            <a:miter lim="400000"/>
+          </a:ln>
+        </p:spPr>
+        <p:txBody>
+          <a:bodyPr lIns="45719" rIns="45719" anchor="ctr"/>
+          <a:lstStyle/>
+          <a:p>
+            <a:endParaRPr/>
+          </a:p>
+        </p:txBody>
+      </p:sp>
+      <p:sp>
+        <p:nvSpPr>
+          <p:cNvPr id="140" name="Shape 89"/>
+          <p:cNvSpPr/>
+          <p:nvPr/>
+        </p:nvSpPr>
+        <p:spPr>
+          <a:xfrm>
+            <a:off x="205025" y="263974"/>
+            <a:ext cx="8565600" cy="466642"/>
+          </a:xfrm>
+          <a:prstGeom prst="rect">
+            <a:avLst/>
+          </a:prstGeom>
+          <a:ln w="12700">
+            <a:miter lim="400000"/>
+          </a:ln>
+          <a:extLst>
+            <a:ext uri="{C572A759-6A51-4108-AA02-DFA0A04FC94B}">
+              <ma14:wrappingTextBoxFlag xmlns:ma14="http://schemas.microsoft.com/office/mac/drawingml/2011/main" xmlns="" val="1"/>
+            </a:ext>
+          </a:extLst>
+        </p:spPr>
+        <p:txBody>
+          <a:bodyPr lIns="91424" tIns="91424" rIns="91424" bIns="91424">
+            <a:spAutoFit/>
+          </a:bodyPr>
+          <a:lstStyle>
+            <a:lvl1pPr>
+              <a:defRPr sz="2000" b="1">
+                <a:solidFill>
+                  <a:srgbClr val="FFFFFF"/>
+                </a:solidFill>
+              </a:defRPr>
+            </a:lvl1pPr>
+          </a:lstStyle>
+          <a:p>
+            <a:r>
+              <a:t>Model Development</a:t>
+            </a:r>
+          </a:p>
+        </p:txBody>
+      </p:sp>
+      <p:sp>
+        <p:nvSpPr>
+          <p:cNvPr id="141" name="Shape 90"/>
+          <p:cNvSpPr/>
+          <p:nvPr/>
+        </p:nvSpPr>
+        <p:spPr>
+          <a:xfrm>
+            <a:off x="345204" y="749026"/>
+            <a:ext cx="4802327" cy="516327"/>
+          </a:xfrm>
+          <a:prstGeom prst="rect">
+            <a:avLst/>
+          </a:prstGeom>
+          <a:ln w="12700">
+            <a:miter lim="400000"/>
+          </a:ln>
+          <a:extLst>
+            <a:ext uri="{C572A759-6A51-4108-AA02-DFA0A04FC94B}">
+              <ma14:wrappingTextBoxFlag xmlns:ma14="http://schemas.microsoft.com/office/mac/drawingml/2011/main" xmlns="" val="1"/>
+            </a:ext>
+          </a:extLst>
+        </p:spPr>
+        <p:txBody>
+          <a:bodyPr wrap="square" lIns="91424" tIns="91424" rIns="91424" bIns="91424" anchor="t">
+            <a:spAutoFit/>
+          </a:bodyPr>
+          <a:lstStyle>
+            <a:lvl1pPr>
+              <a:lnSpc>
+                <a:spcPct val="115000"/>
+              </a:lnSpc>
+              <a:defRPr sz="2000" b="1">
+                <a:latin typeface="Open Sans"/>
+                <a:ea typeface="Open Sans"/>
+                <a:cs typeface="Open Sans"/>
+                <a:sym typeface="Open Sans"/>
+              </a:defRPr>
+            </a:lvl1pPr>
+          </a:lstStyle>
+          <a:p>
+            <a:r>
+              <a:rPr lang="en-US" dirty="0"/>
+              <a:t>Profit based on job industry:</a:t>
+            </a:r>
+          </a:p>
+        </p:txBody>
+      </p:sp>
+      <p:sp>
+        <p:nvSpPr>
+          <p:cNvPr id="146" name="Note: The data and information in this document is reflective of a hypothetical situation and client. This document is to be used for KPMG Virtual Internship purposes only."/>
+          <p:cNvSpPr/>
+          <p:nvPr/>
+        </p:nvSpPr>
+        <p:spPr>
+          <a:xfrm>
+            <a:off x="-6201" y="-6350"/>
+            <a:ext cx="9175601" cy="238700"/>
+          </a:xfrm>
+          <a:prstGeom prst="rect">
+            <a:avLst/>
+          </a:prstGeom>
+          <a:solidFill>
+            <a:schemeClr val="accent3"/>
+          </a:solidFill>
+          <a:ln w="12700">
+            <a:miter lim="400000"/>
+          </a:ln>
+          <a:extLst>
+            <a:ext uri="{C572A759-6A51-4108-AA02-DFA0A04FC94B}">
+              <ma14:wrappingTextBoxFlag xmlns:ma14="http://schemas.microsoft.com/office/mac/drawingml/2011/main" xmlns="" val="1"/>
+            </a:ext>
+          </a:extLst>
+        </p:spPr>
+        <p:txBody>
+          <a:bodyPr lIns="45719" rIns="45719" anchor="ctr"/>
+          <a:lstStyle/>
+          <a:p>
+            <a:pPr defTabSz="457200">
+              <a:defRPr sz="500" b="1">
+                <a:latin typeface="Calibri"/>
+                <a:ea typeface="Calibri"/>
+                <a:cs typeface="Calibri"/>
+                <a:sym typeface="Calibri"/>
+              </a:defRPr>
+            </a:pPr>
+            <a:r>
+              <a:t>       Note: </a:t>
+            </a:r>
+            <a:r>
+              <a:rPr b="0"/>
+              <a:t>The data and information in this document is reflective of a hypothetical situation and client. This document is to be used for KPMG Virtual Internship purposes only. </a:t>
+            </a:r>
+          </a:p>
+        </p:txBody>
+      </p:sp>
+      <p:sp>
+        <p:nvSpPr>
+          <p:cNvPr id="2" name="TextBox 1">
+            <a:extLst>
+              <a:ext uri="{FF2B5EF4-FFF2-40B4-BE49-F238E27FC236}">
+                <a16:creationId xmlns:a16="http://schemas.microsoft.com/office/drawing/2014/main" id="{8271C920-0F28-B9BA-E15B-0642F75ACD0E}"/>
+              </a:ext>
+            </a:extLst>
+          </p:cNvPr>
+          <p:cNvSpPr txBox="1"/>
+          <p:nvPr/>
+        </p:nvSpPr>
+        <p:spPr>
+          <a:xfrm>
+            <a:off x="517071" y="1901406"/>
+            <a:ext cx="3415392" cy="2003623"/>
+          </a:xfrm>
+          <a:prstGeom prst="rect">
+            <a:avLst/>
+          </a:prstGeom>
+          <a:noFill/>
+          <a:ln w="12700" cap="flat">
+            <a:noFill/>
+            <a:miter lim="400000"/>
+          </a:ln>
+          <a:effectLst/>
+          <a:sp3d/>
+        </p:spPr>
+        <p:style>
+          <a:lnRef idx="0">
+            <a:scrgbClr r="0" g="0" b="0"/>
+          </a:lnRef>
+          <a:fillRef idx="0">
+            <a:scrgbClr r="0" g="0" b="0"/>
+          </a:fillRef>
+          <a:effectRef idx="0">
+            <a:scrgbClr r="0" g="0" b="0"/>
+          </a:effectRef>
+          <a:fontRef idx="none"/>
+        </p:style>
+        <p:txBody>
+          <a:bodyPr rot="0" spcFirstLastPara="1" vertOverflow="overflow" horzOverflow="overflow" vert="horz" wrap="square" lIns="45719" tIns="45719" rIns="45719" bIns="45719" numCol="1" spcCol="38100" rtlCol="0" fromWordArt="0" anchor="t" anchorCtr="0" forceAA="0" compatLnSpc="1">
+            <a:prstTxWarp prst="textNoShape">
+              <a:avLst/>
+            </a:prstTxWarp>
+            <a:spAutoFit/>
+          </a:bodyPr>
+          <a:lstStyle/>
+          <a:p>
+            <a:pPr marL="285750" indent="-285750">
+              <a:lnSpc>
+                <a:spcPct val="114999"/>
+              </a:lnSpc>
+              <a:buFont typeface="Arial,Sans-Serif"/>
+              <a:buChar char="•"/>
+            </a:pPr>
+            <a:r>
+              <a:rPr lang="en-US" sz="1800" dirty="0">
+                <a:latin typeface="Open Sans"/>
+              </a:rPr>
+              <a:t>Customers  working in Financial services, Manufacturing showing most of the profit, followed by Health and other job categories</a:t>
+            </a:r>
+          </a:p>
+        </p:txBody>
+      </p:sp>
+      <p:pic>
+        <p:nvPicPr>
+          <p:cNvPr id="4" name="Picture 4" descr="Chart, funnel chart&#10;&#10;Description automatically generated">
+            <a:extLst>
+              <a:ext uri="{FF2B5EF4-FFF2-40B4-BE49-F238E27FC236}">
+                <a16:creationId xmlns:a16="http://schemas.microsoft.com/office/drawing/2014/main" id="{D6035D9E-B4AC-EB04-366F-B962BA19C4E5}"/>
+              </a:ext>
+            </a:extLst>
+          </p:cNvPr>
+          <p:cNvPicPr>
+            <a:picLocks noChangeAspect="1"/>
+          </p:cNvPicPr>
+          <p:nvPr/>
+        </p:nvPicPr>
+        <p:blipFill>
+          <a:blip r:embed="rId2"/>
+          <a:stretch>
+            <a:fillRect/>
+          </a:stretch>
+        </p:blipFill>
+        <p:spPr>
+          <a:xfrm>
+            <a:off x="3933645" y="1584344"/>
+            <a:ext cx="4533181" cy="2589445"/>
+          </a:xfrm>
+          <a:prstGeom prst="rect">
+            <a:avLst/>
+          </a:prstGeom>
+        </p:spPr>
+      </p:pic>
+    </p:spTree>
+    <p:extLst>
+      <p:ext uri="{BB962C8B-B14F-4D97-AF65-F5344CB8AC3E}">
+        <p14:creationId xmlns:p14="http://schemas.microsoft.com/office/powerpoint/2010/main" val="4279189061"/>
+      </p:ext>
+    </p:extLst>
+  </p:cSld>
+  <p:clrMapOvr>
+    <a:masterClrMapping/>
+  </p:clrMapOvr>
+  <p:transition spd="med"/>
+</p:sld>
+</file>
+
+<file path=ppt/slides/slide13.xml><?xml version="1.0" encoding="utf-8"?>
+<p:sld xmlns:a="http://schemas.openxmlformats.org/drawingml/2006/main" xmlns:r="http://schemas.openxmlformats.org/officeDocument/2006/relationships" xmlns:p="http://schemas.openxmlformats.org/presentationml/2006/main">
+  <p:cSld>
+    <p:spTree>
+      <p:nvGrpSpPr>
+        <p:cNvPr id="1" name=""/>
+        <p:cNvGrpSpPr/>
+        <p:nvPr/>
+      </p:nvGrpSpPr>
+      <p:grpSpPr>
+        <a:xfrm>
+          <a:off x="0" y="0"/>
+          <a:ext cx="0" cy="0"/>
+          <a:chOff x="0" y="0"/>
+          <a:chExt cx="0" cy="0"/>
+        </a:xfrm>
+      </p:grpSpPr>
+      <p:sp>
+        <p:nvSpPr>
+          <p:cNvPr id="139" name="Shape 88"/>
+          <p:cNvSpPr/>
+          <p:nvPr/>
+        </p:nvSpPr>
+        <p:spPr>
+          <a:xfrm>
+            <a:off x="-15501" y="-19475"/>
+            <a:ext cx="9191402" cy="840000"/>
+          </a:xfrm>
+          <a:prstGeom prst="rect">
+            <a:avLst/>
+          </a:prstGeom>
+          <a:gradFill>
+            <a:gsLst>
+              <a:gs pos="0">
+                <a:srgbClr val="1077D2"/>
+              </a:gs>
+              <a:gs pos="100000">
+                <a:srgbClr val="093153"/>
+              </a:gs>
+            </a:gsLst>
+            <a:lin ang="12000143"/>
+          </a:gradFill>
+          <a:ln w="12700">
+            <a:miter lim="400000"/>
+          </a:ln>
+        </p:spPr>
+        <p:txBody>
+          <a:bodyPr lIns="45719" rIns="45719" anchor="ctr"/>
+          <a:lstStyle/>
+          <a:p>
+            <a:endParaRPr/>
+          </a:p>
+        </p:txBody>
+      </p:sp>
+      <p:sp>
+        <p:nvSpPr>
+          <p:cNvPr id="140" name="Shape 89"/>
+          <p:cNvSpPr/>
+          <p:nvPr/>
+        </p:nvSpPr>
+        <p:spPr>
+          <a:xfrm>
+            <a:off x="205025" y="263974"/>
+            <a:ext cx="8565600" cy="466642"/>
+          </a:xfrm>
+          <a:prstGeom prst="rect">
+            <a:avLst/>
+          </a:prstGeom>
+          <a:ln w="12700">
+            <a:miter lim="400000"/>
+          </a:ln>
+          <a:extLst>
+            <a:ext uri="{C572A759-6A51-4108-AA02-DFA0A04FC94B}">
+              <ma14:wrappingTextBoxFlag xmlns="" xmlns:ma14="http://schemas.microsoft.com/office/mac/drawingml/2011/main" val="1"/>
+            </a:ext>
+          </a:extLst>
+        </p:spPr>
+        <p:txBody>
+          <a:bodyPr lIns="91424" tIns="91424" rIns="91424" bIns="91424">
+            <a:spAutoFit/>
+          </a:bodyPr>
+          <a:lstStyle>
+            <a:lvl1pPr>
+              <a:defRPr sz="2000" b="1">
+                <a:solidFill>
+                  <a:srgbClr val="FFFFFF"/>
+                </a:solidFill>
+              </a:defRPr>
+            </a:lvl1pPr>
+          </a:lstStyle>
+          <a:p>
+            <a:r>
+              <a:t>Model Development</a:t>
+            </a:r>
+          </a:p>
+        </p:txBody>
+      </p:sp>
+      <p:sp>
+        <p:nvSpPr>
+          <p:cNvPr id="141" name="Shape 90"/>
+          <p:cNvSpPr/>
+          <p:nvPr/>
+        </p:nvSpPr>
+        <p:spPr>
+          <a:xfrm>
+            <a:off x="345204" y="749026"/>
+            <a:ext cx="4802327" cy="516327"/>
+          </a:xfrm>
+          <a:prstGeom prst="rect">
+            <a:avLst/>
+          </a:prstGeom>
+          <a:ln w="12700">
+            <a:miter lim="400000"/>
+          </a:ln>
+          <a:extLst>
+            <a:ext uri="{C572A759-6A51-4108-AA02-DFA0A04FC94B}">
+              <ma14:wrappingTextBoxFlag xmlns="" xmlns:ma14="http://schemas.microsoft.com/office/mac/drawingml/2011/main" val="1"/>
+            </a:ext>
+          </a:extLst>
+        </p:spPr>
+        <p:txBody>
+          <a:bodyPr wrap="square" lIns="91424" tIns="91424" rIns="91424" bIns="91424" anchor="t">
+            <a:spAutoFit/>
+          </a:bodyPr>
+          <a:lstStyle>
+            <a:lvl1pPr>
+              <a:lnSpc>
+                <a:spcPct val="115000"/>
+              </a:lnSpc>
+              <a:defRPr sz="2000" b="1">
+                <a:latin typeface="Open Sans"/>
+                <a:ea typeface="Open Sans"/>
+                <a:cs typeface="Open Sans"/>
+                <a:sym typeface="Open Sans"/>
+              </a:defRPr>
+            </a:lvl1pPr>
+          </a:lstStyle>
+          <a:p>
+            <a:r>
+              <a:rPr lang="en-US" dirty="0"/>
+              <a:t>Profit based on job title:</a:t>
+            </a:r>
+          </a:p>
+        </p:txBody>
+      </p:sp>
+      <p:sp>
+        <p:nvSpPr>
+          <p:cNvPr id="146" name="Note: The data and information in this document is reflective of a hypothetical situation and client. This document is to be used for KPMG Virtual Internship purposes only."/>
+          <p:cNvSpPr/>
+          <p:nvPr/>
+        </p:nvSpPr>
+        <p:spPr>
+          <a:xfrm>
+            <a:off x="-6201" y="-6350"/>
+            <a:ext cx="9175601" cy="238700"/>
+          </a:xfrm>
+          <a:prstGeom prst="rect">
+            <a:avLst/>
+          </a:prstGeom>
+          <a:solidFill>
+            <a:schemeClr val="accent3"/>
+          </a:solidFill>
+          <a:ln w="12700">
+            <a:miter lim="400000"/>
+          </a:ln>
+          <a:extLst>
+            <a:ext uri="{C572A759-6A51-4108-AA02-DFA0A04FC94B}">
+              <ma14:wrappingTextBoxFlag xmlns="" xmlns:ma14="http://schemas.microsoft.com/office/mac/drawingml/2011/main" val="1"/>
+            </a:ext>
+          </a:extLst>
+        </p:spPr>
+        <p:txBody>
+          <a:bodyPr lIns="45719" rIns="45719" anchor="ctr"/>
+          <a:lstStyle/>
+          <a:p>
+            <a:pPr defTabSz="457200">
+              <a:defRPr sz="500" b="1">
+                <a:latin typeface="Calibri"/>
+                <a:ea typeface="Calibri"/>
+                <a:cs typeface="Calibri"/>
+                <a:sym typeface="Calibri"/>
+              </a:defRPr>
+            </a:pPr>
+            <a:r>
+              <a:t>       Note: </a:t>
+            </a:r>
+            <a:r>
+              <a:rPr b="0"/>
+              <a:t>The data and information in this document is reflective of a hypothetical situation and client. This document is to be used for KPMG Virtual Internship purposes only. </a:t>
+            </a:r>
+          </a:p>
+        </p:txBody>
+      </p:sp>
+      <p:sp>
+        <p:nvSpPr>
+          <p:cNvPr id="2" name="TextBox 1">
+            <a:extLst>
+              <a:ext uri="{FF2B5EF4-FFF2-40B4-BE49-F238E27FC236}">
+                <a16:creationId xmlns:a16="http://schemas.microsoft.com/office/drawing/2014/main" id="{8271C920-0F28-B9BA-E15B-0642F75ACD0E}"/>
+              </a:ext>
+            </a:extLst>
+          </p:cNvPr>
+          <p:cNvSpPr txBox="1"/>
+          <p:nvPr/>
+        </p:nvSpPr>
+        <p:spPr>
+          <a:xfrm>
+            <a:off x="517071" y="1901406"/>
+            <a:ext cx="3415392" cy="1685075"/>
+          </a:xfrm>
+          <a:prstGeom prst="rect">
+            <a:avLst/>
+          </a:prstGeom>
+          <a:noFill/>
+          <a:ln w="12700" cap="flat">
+            <a:noFill/>
+            <a:miter lim="400000"/>
+          </a:ln>
+          <a:effectLst/>
+          <a:sp3d/>
+        </p:spPr>
+        <p:style>
+          <a:lnRef idx="0">
+            <a:scrgbClr r="0" g="0" b="0"/>
+          </a:lnRef>
+          <a:fillRef idx="0">
+            <a:scrgbClr r="0" g="0" b="0"/>
+          </a:fillRef>
+          <a:effectRef idx="0">
+            <a:scrgbClr r="0" g="0" b="0"/>
+          </a:effectRef>
+          <a:fontRef idx="none"/>
+        </p:style>
+        <p:txBody>
+          <a:bodyPr rot="0" spcFirstLastPara="1" vertOverflow="overflow" horzOverflow="overflow" vert="horz" wrap="square" lIns="45719" tIns="45719" rIns="45719" bIns="45719" numCol="1" spcCol="38100" rtlCol="0" fromWordArt="0" anchor="t" anchorCtr="0" forceAA="0" compatLnSpc="1">
+            <a:prstTxWarp prst="textNoShape">
+              <a:avLst/>
+            </a:prstTxWarp>
+            <a:spAutoFit/>
+          </a:bodyPr>
+          <a:lstStyle/>
+          <a:p>
+            <a:pPr marL="285750" indent="-285750">
+              <a:lnSpc>
+                <a:spcPct val="114999"/>
+              </a:lnSpc>
+              <a:buFont typeface="Arial,Sans-Serif"/>
+              <a:buChar char="•"/>
+            </a:pPr>
+            <a:r>
+              <a:rPr lang="en-US" sz="1800" dirty="0">
+                <a:latin typeface="Open Sans"/>
+              </a:rPr>
+              <a:t>Associate Professors stand at the first position to be targeted for profit followed by other job holders with almost similar contribution </a:t>
+            </a:r>
+          </a:p>
+        </p:txBody>
+      </p:sp>
+      <p:pic>
+        <p:nvPicPr>
+          <p:cNvPr id="3" name="Picture 4">
+            <a:extLst>
+              <a:ext uri="{FF2B5EF4-FFF2-40B4-BE49-F238E27FC236}">
+                <a16:creationId xmlns:a16="http://schemas.microsoft.com/office/drawing/2014/main" id="{F7B52C37-ECD6-AA3B-187C-7AF3FF74449F}"/>
+              </a:ext>
+            </a:extLst>
+          </p:cNvPr>
+          <p:cNvPicPr>
+            <a:picLocks noChangeAspect="1"/>
+          </p:cNvPicPr>
+          <p:nvPr/>
+        </p:nvPicPr>
+        <p:blipFill>
+          <a:blip r:embed="rId2"/>
+          <a:stretch>
+            <a:fillRect/>
+          </a:stretch>
+        </p:blipFill>
+        <p:spPr>
+          <a:xfrm>
+            <a:off x="4138523" y="1789221"/>
+            <a:ext cx="4414567" cy="2513964"/>
+          </a:xfrm>
+          <a:prstGeom prst="rect">
+            <a:avLst/>
+          </a:prstGeom>
+        </p:spPr>
+      </p:pic>
+    </p:spTree>
+    <p:extLst>
+      <p:ext uri="{BB962C8B-B14F-4D97-AF65-F5344CB8AC3E}">
+        <p14:creationId xmlns:p14="http://schemas.microsoft.com/office/powerpoint/2010/main" val="1885066798"/>
+      </p:ext>
+    </p:extLst>
+  </p:cSld>
+  <p:clrMapOvr>
+    <a:masterClrMapping/>
+  </p:clrMapOvr>
+  <p:transition spd="med"/>
+</p:sld>
+</file>
+
+<file path=ppt/slides/slide14.xml><?xml version="1.0" encoding="utf-8"?>
+<p:sld xmlns:a="http://schemas.openxmlformats.org/drawingml/2006/main" xmlns:r="http://schemas.openxmlformats.org/officeDocument/2006/relationships" xmlns:p="http://schemas.openxmlformats.org/presentationml/2006/main">
+  <p:cSld>
+    <p:spTree>
+      <p:nvGrpSpPr>
+        <p:cNvPr id="1" name=""/>
+        <p:cNvGrpSpPr/>
+        <p:nvPr/>
+      </p:nvGrpSpPr>
+      <p:grpSpPr>
+        <a:xfrm>
+          <a:off x="0" y="0"/>
+          <a:ext cx="0" cy="0"/>
+          <a:chOff x="0" y="0"/>
+          <a:chExt cx="0" cy="0"/>
+        </a:xfrm>
+      </p:grpSpPr>
+      <p:sp>
+        <p:nvSpPr>
+          <p:cNvPr id="139" name="Shape 88"/>
+          <p:cNvSpPr/>
+          <p:nvPr/>
+        </p:nvSpPr>
+        <p:spPr>
+          <a:xfrm>
+            <a:off x="-15501" y="-19475"/>
+            <a:ext cx="9191402" cy="840000"/>
+          </a:xfrm>
+          <a:prstGeom prst="rect">
+            <a:avLst/>
+          </a:prstGeom>
+          <a:gradFill>
+            <a:gsLst>
+              <a:gs pos="0">
+                <a:srgbClr val="1077D2"/>
+              </a:gs>
+              <a:gs pos="100000">
+                <a:srgbClr val="093153"/>
+              </a:gs>
+            </a:gsLst>
+            <a:lin ang="12000143"/>
+          </a:gradFill>
+          <a:ln w="12700">
+            <a:miter lim="400000"/>
+          </a:ln>
+        </p:spPr>
+        <p:txBody>
+          <a:bodyPr lIns="45719" rIns="45719" anchor="ctr"/>
+          <a:lstStyle/>
+          <a:p>
+            <a:endParaRPr/>
+          </a:p>
+        </p:txBody>
+      </p:sp>
+      <p:sp>
+        <p:nvSpPr>
+          <p:cNvPr id="140" name="Shape 89"/>
+          <p:cNvSpPr/>
+          <p:nvPr/>
+        </p:nvSpPr>
+        <p:spPr>
+          <a:xfrm>
+            <a:off x="205025" y="263974"/>
+            <a:ext cx="8565600" cy="466642"/>
+          </a:xfrm>
+          <a:prstGeom prst="rect">
+            <a:avLst/>
+          </a:prstGeom>
+          <a:ln w="12700">
+            <a:miter lim="400000"/>
+          </a:ln>
+          <a:extLst>
+            <a:ext uri="{C572A759-6A51-4108-AA02-DFA0A04FC94B}">
+              <ma14:wrappingTextBoxFlag xmlns:ma14="http://schemas.microsoft.com/office/mac/drawingml/2011/main" xmlns="" val="1"/>
+            </a:ext>
+          </a:extLst>
+        </p:spPr>
+        <p:txBody>
+          <a:bodyPr lIns="91424" tIns="91424" rIns="91424" bIns="91424">
+            <a:spAutoFit/>
+          </a:bodyPr>
+          <a:lstStyle>
+            <a:lvl1pPr>
+              <a:defRPr sz="2000" b="1">
+                <a:solidFill>
+                  <a:srgbClr val="FFFFFF"/>
+                </a:solidFill>
+              </a:defRPr>
+            </a:lvl1pPr>
+          </a:lstStyle>
+          <a:p>
+            <a:r>
+              <a:t>Model Development</a:t>
+            </a:r>
+          </a:p>
+        </p:txBody>
+      </p:sp>
+      <p:sp>
+        <p:nvSpPr>
+          <p:cNvPr id="141" name="Shape 90"/>
+          <p:cNvSpPr/>
+          <p:nvPr/>
+        </p:nvSpPr>
+        <p:spPr>
+          <a:xfrm>
+            <a:off x="345204" y="749026"/>
+            <a:ext cx="4802327" cy="516327"/>
+          </a:xfrm>
+          <a:prstGeom prst="rect">
+            <a:avLst/>
+          </a:prstGeom>
+          <a:ln w="12700">
+            <a:miter lim="400000"/>
+          </a:ln>
+          <a:extLst>
+            <a:ext uri="{C572A759-6A51-4108-AA02-DFA0A04FC94B}">
+              <ma14:wrappingTextBoxFlag xmlns:ma14="http://schemas.microsoft.com/office/mac/drawingml/2011/main" xmlns="" val="1"/>
+            </a:ext>
+          </a:extLst>
+        </p:spPr>
+        <p:txBody>
+          <a:bodyPr wrap="square" lIns="91424" tIns="91424" rIns="91424" bIns="91424" anchor="t">
+            <a:spAutoFit/>
+          </a:bodyPr>
+          <a:lstStyle>
+            <a:lvl1pPr>
+              <a:lnSpc>
+                <a:spcPct val="115000"/>
+              </a:lnSpc>
+              <a:defRPr sz="2000" b="1">
+                <a:latin typeface="Open Sans"/>
+                <a:ea typeface="Open Sans"/>
+                <a:cs typeface="Open Sans"/>
+                <a:sym typeface="Open Sans"/>
+              </a:defRPr>
+            </a:lvl1pPr>
+          </a:lstStyle>
+          <a:p>
+            <a:r>
+              <a:rPr lang="en-US" dirty="0"/>
+              <a:t>Profit based on Customers age:</a:t>
+            </a:r>
+          </a:p>
+        </p:txBody>
+      </p:sp>
+      <p:sp>
+        <p:nvSpPr>
+          <p:cNvPr id="146" name="Note: The data and information in this document is reflective of a hypothetical situation and client. This document is to be used for KPMG Virtual Internship purposes only."/>
+          <p:cNvSpPr/>
+          <p:nvPr/>
+        </p:nvSpPr>
+        <p:spPr>
+          <a:xfrm>
+            <a:off x="-6201" y="-6350"/>
+            <a:ext cx="9175601" cy="238700"/>
+          </a:xfrm>
+          <a:prstGeom prst="rect">
+            <a:avLst/>
+          </a:prstGeom>
+          <a:solidFill>
+            <a:schemeClr val="accent3"/>
+          </a:solidFill>
+          <a:ln w="12700">
+            <a:miter lim="400000"/>
+          </a:ln>
+          <a:extLst>
+            <a:ext uri="{C572A759-6A51-4108-AA02-DFA0A04FC94B}">
+              <ma14:wrappingTextBoxFlag xmlns:ma14="http://schemas.microsoft.com/office/mac/drawingml/2011/main" xmlns="" val="1"/>
+            </a:ext>
+          </a:extLst>
+        </p:spPr>
+        <p:txBody>
+          <a:bodyPr lIns="45719" rIns="45719" anchor="ctr"/>
+          <a:lstStyle/>
+          <a:p>
+            <a:pPr defTabSz="457200">
+              <a:defRPr sz="500" b="1">
+                <a:latin typeface="Calibri"/>
+                <a:ea typeface="Calibri"/>
+                <a:cs typeface="Calibri"/>
+                <a:sym typeface="Calibri"/>
+              </a:defRPr>
+            </a:pPr>
+            <a:r>
+              <a:t>       Note: </a:t>
+            </a:r>
+            <a:r>
+              <a:rPr b="0"/>
+              <a:t>The data and information in this document is reflective of a hypothetical situation and client. This document is to be used for KPMG Virtual Internship purposes only. </a:t>
+            </a:r>
+          </a:p>
+        </p:txBody>
+      </p:sp>
+      <p:sp>
+        <p:nvSpPr>
+          <p:cNvPr id="2" name="TextBox 1">
+            <a:extLst>
+              <a:ext uri="{FF2B5EF4-FFF2-40B4-BE49-F238E27FC236}">
+                <a16:creationId xmlns:a16="http://schemas.microsoft.com/office/drawing/2014/main" id="{8271C920-0F28-B9BA-E15B-0642F75ACD0E}"/>
+              </a:ext>
+            </a:extLst>
+          </p:cNvPr>
+          <p:cNvSpPr txBox="1"/>
+          <p:nvPr/>
+        </p:nvSpPr>
+        <p:spPr>
+          <a:xfrm>
+            <a:off x="517071" y="1901406"/>
+            <a:ext cx="3415392" cy="1047977"/>
+          </a:xfrm>
+          <a:prstGeom prst="rect">
+            <a:avLst/>
+          </a:prstGeom>
+          <a:noFill/>
+          <a:ln w="12700" cap="flat">
+            <a:noFill/>
+            <a:miter lim="400000"/>
+          </a:ln>
+          <a:effectLst/>
+          <a:sp3d/>
+        </p:spPr>
+        <p:style>
+          <a:lnRef idx="0">
+            <a:scrgbClr r="0" g="0" b="0"/>
+          </a:lnRef>
+          <a:fillRef idx="0">
+            <a:scrgbClr r="0" g="0" b="0"/>
+          </a:fillRef>
+          <a:effectRef idx="0">
+            <a:scrgbClr r="0" g="0" b="0"/>
+          </a:effectRef>
+          <a:fontRef idx="none"/>
+        </p:style>
+        <p:txBody>
+          <a:bodyPr rot="0" spcFirstLastPara="1" vertOverflow="overflow" horzOverflow="overflow" vert="horz" wrap="square" lIns="45719" tIns="45719" rIns="45719" bIns="45719" numCol="1" spcCol="38100" rtlCol="0" fromWordArt="0" anchor="t" anchorCtr="0" forceAA="0" compatLnSpc="1">
+            <a:prstTxWarp prst="textNoShape">
+              <a:avLst/>
+            </a:prstTxWarp>
+            <a:spAutoFit/>
+          </a:bodyPr>
+          <a:lstStyle/>
+          <a:p>
+            <a:pPr marL="285750" indent="-285750">
+              <a:lnSpc>
+                <a:spcPct val="114999"/>
+              </a:lnSpc>
+              <a:buFont typeface="Arial,Sans-Serif"/>
+              <a:buChar char="•"/>
+            </a:pPr>
+            <a:r>
+              <a:rPr lang="en-US" sz="1800" dirty="0">
+                <a:latin typeface="Open Sans"/>
+              </a:rPr>
+              <a:t>The customers between 41 to 60 ages are the most profitable. </a:t>
+            </a:r>
+          </a:p>
+        </p:txBody>
+      </p:sp>
+      <p:pic>
+        <p:nvPicPr>
+          <p:cNvPr id="4" name="Picture 4" descr="Chart&#10;&#10;Description automatically generated">
+            <a:extLst>
+              <a:ext uri="{FF2B5EF4-FFF2-40B4-BE49-F238E27FC236}">
+                <a16:creationId xmlns:a16="http://schemas.microsoft.com/office/drawing/2014/main" id="{EC470A5A-8FD6-BE5F-C001-334A63CE531A}"/>
+              </a:ext>
+            </a:extLst>
+          </p:cNvPr>
+          <p:cNvPicPr>
+            <a:picLocks noChangeAspect="1"/>
+          </p:cNvPicPr>
+          <p:nvPr/>
+        </p:nvPicPr>
+        <p:blipFill>
+          <a:blip r:embed="rId2"/>
+          <a:stretch>
+            <a:fillRect/>
+          </a:stretch>
+        </p:blipFill>
+        <p:spPr>
+          <a:xfrm>
+            <a:off x="4095391" y="1670607"/>
+            <a:ext cx="4565530" cy="2600228"/>
+          </a:xfrm>
+          <a:prstGeom prst="rect">
+            <a:avLst/>
+          </a:prstGeom>
+        </p:spPr>
+      </p:pic>
+    </p:spTree>
+    <p:extLst>
+      <p:ext uri="{BB962C8B-B14F-4D97-AF65-F5344CB8AC3E}">
+        <p14:creationId xmlns:p14="http://schemas.microsoft.com/office/powerpoint/2010/main" val="3348632347"/>
+      </p:ext>
+    </p:extLst>
+  </p:cSld>
+  <p:clrMapOvr>
+    <a:masterClrMapping/>
+  </p:clrMapOvr>
+  <p:transition spd="med"/>
+</p:sld>
+</file>
+
+<file path=ppt/slides/slide15.xml><?xml version="1.0" encoding="utf-8"?>
+<p:sld xmlns:a="http://schemas.openxmlformats.org/drawingml/2006/main" xmlns:r="http://schemas.openxmlformats.org/officeDocument/2006/relationships" xmlns:p="http://schemas.openxmlformats.org/presentationml/2006/main">
+  <p:cSld>
+    <p:spTree>
+      <p:nvGrpSpPr>
+        <p:cNvPr id="1" name=""/>
+        <p:cNvGrpSpPr/>
+        <p:nvPr/>
+      </p:nvGrpSpPr>
+      <p:grpSpPr>
+        <a:xfrm>
+          <a:off x="0" y="0"/>
+          <a:ext cx="0" cy="0"/>
+          <a:chOff x="0" y="0"/>
+          <a:chExt cx="0" cy="0"/>
+        </a:xfrm>
+      </p:grpSpPr>
+      <p:sp>
+        <p:nvSpPr>
+          <p:cNvPr id="139" name="Shape 88"/>
+          <p:cNvSpPr/>
+          <p:nvPr/>
+        </p:nvSpPr>
+        <p:spPr>
+          <a:xfrm>
+            <a:off x="-15501" y="-19475"/>
+            <a:ext cx="9191402" cy="840000"/>
+          </a:xfrm>
+          <a:prstGeom prst="rect">
+            <a:avLst/>
+          </a:prstGeom>
+          <a:gradFill>
+            <a:gsLst>
+              <a:gs pos="0">
+                <a:srgbClr val="1077D2"/>
+              </a:gs>
+              <a:gs pos="100000">
+                <a:srgbClr val="093153"/>
+              </a:gs>
+            </a:gsLst>
+            <a:lin ang="12000143"/>
+          </a:gradFill>
+          <a:ln w="12700">
+            <a:miter lim="400000"/>
+          </a:ln>
+        </p:spPr>
+        <p:txBody>
+          <a:bodyPr lIns="45719" rIns="45719" anchor="ctr"/>
+          <a:lstStyle/>
+          <a:p>
+            <a:endParaRPr/>
+          </a:p>
+        </p:txBody>
+      </p:sp>
+      <p:sp>
+        <p:nvSpPr>
+          <p:cNvPr id="140" name="Shape 89"/>
+          <p:cNvSpPr/>
+          <p:nvPr/>
+        </p:nvSpPr>
+        <p:spPr>
+          <a:xfrm>
+            <a:off x="205025" y="263974"/>
+            <a:ext cx="8565600" cy="466642"/>
+          </a:xfrm>
+          <a:prstGeom prst="rect">
+            <a:avLst/>
+          </a:prstGeom>
+          <a:ln w="12700">
+            <a:miter lim="400000"/>
+          </a:ln>
+          <a:extLst>
+            <a:ext uri="{C572A759-6A51-4108-AA02-DFA0A04FC94B}">
+              <ma14:wrappingTextBoxFlag xmlns="" xmlns:ma14="http://schemas.microsoft.com/office/mac/drawingml/2011/main" val="1"/>
+            </a:ext>
+          </a:extLst>
+        </p:spPr>
+        <p:txBody>
+          <a:bodyPr lIns="91424" tIns="91424" rIns="91424" bIns="91424">
+            <a:spAutoFit/>
+          </a:bodyPr>
+          <a:lstStyle>
+            <a:lvl1pPr>
+              <a:defRPr sz="2000" b="1">
+                <a:solidFill>
+                  <a:srgbClr val="FFFFFF"/>
+                </a:solidFill>
+              </a:defRPr>
+            </a:lvl1pPr>
+          </a:lstStyle>
+          <a:p>
+            <a:r>
+              <a:t>Model Development</a:t>
+            </a:r>
+          </a:p>
+        </p:txBody>
+      </p:sp>
+      <p:sp>
+        <p:nvSpPr>
+          <p:cNvPr id="141" name="Shape 90"/>
+          <p:cNvSpPr/>
+          <p:nvPr/>
+        </p:nvSpPr>
+        <p:spPr>
+          <a:xfrm>
+            <a:off x="345204" y="749026"/>
+            <a:ext cx="4802327" cy="516327"/>
+          </a:xfrm>
+          <a:prstGeom prst="rect">
+            <a:avLst/>
+          </a:prstGeom>
+          <a:ln w="12700">
+            <a:miter lim="400000"/>
+          </a:ln>
+          <a:extLst>
+            <a:ext uri="{C572A759-6A51-4108-AA02-DFA0A04FC94B}">
+              <ma14:wrappingTextBoxFlag xmlns="" xmlns:ma14="http://schemas.microsoft.com/office/mac/drawingml/2011/main" val="1"/>
+            </a:ext>
+          </a:extLst>
+        </p:spPr>
+        <p:txBody>
+          <a:bodyPr wrap="square" lIns="91424" tIns="91424" rIns="91424" bIns="91424" anchor="t">
+            <a:spAutoFit/>
+          </a:bodyPr>
+          <a:lstStyle>
+            <a:lvl1pPr>
+              <a:lnSpc>
+                <a:spcPct val="115000"/>
+              </a:lnSpc>
+              <a:defRPr sz="2000" b="1">
+                <a:latin typeface="Open Sans"/>
+                <a:ea typeface="Open Sans"/>
+                <a:cs typeface="Open Sans"/>
+                <a:sym typeface="Open Sans"/>
+              </a:defRPr>
+            </a:lvl1pPr>
+          </a:lstStyle>
+          <a:p>
+            <a:r>
+              <a:rPr lang="en-US" dirty="0"/>
+              <a:t>Profit trending of month:</a:t>
+            </a:r>
+          </a:p>
+        </p:txBody>
+      </p:sp>
+      <p:sp>
+        <p:nvSpPr>
+          <p:cNvPr id="146" name="Note: The data and information in this document is reflective of a hypothetical situation and client. This document is to be used for KPMG Virtual Internship purposes only."/>
+          <p:cNvSpPr/>
+          <p:nvPr/>
+        </p:nvSpPr>
+        <p:spPr>
+          <a:xfrm>
+            <a:off x="-6201" y="-6350"/>
+            <a:ext cx="9175601" cy="238700"/>
+          </a:xfrm>
+          <a:prstGeom prst="rect">
+            <a:avLst/>
+          </a:prstGeom>
+          <a:solidFill>
+            <a:schemeClr val="accent3"/>
+          </a:solidFill>
+          <a:ln w="12700">
+            <a:miter lim="400000"/>
+          </a:ln>
+          <a:extLst>
+            <a:ext uri="{C572A759-6A51-4108-AA02-DFA0A04FC94B}">
+              <ma14:wrappingTextBoxFlag xmlns="" xmlns:ma14="http://schemas.microsoft.com/office/mac/drawingml/2011/main" val="1"/>
+            </a:ext>
+          </a:extLst>
+        </p:spPr>
+        <p:txBody>
+          <a:bodyPr lIns="45719" rIns="45719" anchor="ctr"/>
+          <a:lstStyle/>
+          <a:p>
+            <a:pPr defTabSz="457200">
+              <a:defRPr sz="500" b="1">
+                <a:latin typeface="Calibri"/>
+                <a:ea typeface="Calibri"/>
+                <a:cs typeface="Calibri"/>
+                <a:sym typeface="Calibri"/>
+              </a:defRPr>
+            </a:pPr>
+            <a:r>
+              <a:t>       Note: </a:t>
+            </a:r>
+            <a:r>
+              <a:rPr b="0"/>
+              <a:t>The data and information in this document is reflective of a hypothetical situation and client. This document is to be used for KPMG Virtual Internship purposes only. </a:t>
+            </a:r>
+          </a:p>
+        </p:txBody>
+      </p:sp>
+      <p:sp>
+        <p:nvSpPr>
+          <p:cNvPr id="2" name="TextBox 1">
+            <a:extLst>
+              <a:ext uri="{FF2B5EF4-FFF2-40B4-BE49-F238E27FC236}">
+                <a16:creationId xmlns:a16="http://schemas.microsoft.com/office/drawing/2014/main" id="{8271C920-0F28-B9BA-E15B-0642F75ACD0E}"/>
+              </a:ext>
+            </a:extLst>
+          </p:cNvPr>
+          <p:cNvSpPr txBox="1"/>
+          <p:nvPr/>
+        </p:nvSpPr>
+        <p:spPr>
+          <a:xfrm>
+            <a:off x="463156" y="2343510"/>
+            <a:ext cx="3415392" cy="1366526"/>
+          </a:xfrm>
+          <a:prstGeom prst="rect">
+            <a:avLst/>
+          </a:prstGeom>
+          <a:noFill/>
+          <a:ln w="12700" cap="flat">
+            <a:noFill/>
+            <a:miter lim="400000"/>
+          </a:ln>
+          <a:effectLst/>
+          <a:sp3d/>
+        </p:spPr>
+        <p:style>
+          <a:lnRef idx="0">
+            <a:scrgbClr r="0" g="0" b="0"/>
+          </a:lnRef>
+          <a:fillRef idx="0">
+            <a:scrgbClr r="0" g="0" b="0"/>
+          </a:fillRef>
+          <a:effectRef idx="0">
+            <a:scrgbClr r="0" g="0" b="0"/>
+          </a:effectRef>
+          <a:fontRef idx="none"/>
+        </p:style>
+        <p:txBody>
+          <a:bodyPr rot="0" spcFirstLastPara="1" vertOverflow="overflow" horzOverflow="overflow" vert="horz" wrap="square" lIns="45719" tIns="45719" rIns="45719" bIns="45719" numCol="1" spcCol="38100" rtlCol="0" fromWordArt="0" anchor="t" anchorCtr="0" forceAA="0" compatLnSpc="1">
+            <a:prstTxWarp prst="textNoShape">
+              <a:avLst/>
+            </a:prstTxWarp>
+            <a:spAutoFit/>
+          </a:bodyPr>
+          <a:lstStyle/>
+          <a:p>
+            <a:pPr marL="285750" indent="-285750">
+              <a:lnSpc>
+                <a:spcPct val="114999"/>
+              </a:lnSpc>
+              <a:buFont typeface="Arial,Sans-Serif"/>
+              <a:buChar char="•"/>
+            </a:pPr>
+            <a:r>
+              <a:rPr lang="en-US" sz="1800" dirty="0">
+                <a:latin typeface="Open Sans"/>
+              </a:rPr>
+              <a:t>Profit on the second half of a year is consistent although a good profit can be made in January and March </a:t>
+            </a:r>
+          </a:p>
+        </p:txBody>
+      </p:sp>
+      <p:pic>
+        <p:nvPicPr>
+          <p:cNvPr id="3" name="Picture 4" descr="Chart, bar chart&#10;&#10;Description automatically generated">
+            <a:extLst>
+              <a:ext uri="{FF2B5EF4-FFF2-40B4-BE49-F238E27FC236}">
+                <a16:creationId xmlns:a16="http://schemas.microsoft.com/office/drawing/2014/main" id="{8B950DDB-0150-85EF-5B7D-3657C708630E}"/>
+              </a:ext>
+            </a:extLst>
+          </p:cNvPr>
+          <p:cNvPicPr>
+            <a:picLocks noChangeAspect="1"/>
+          </p:cNvPicPr>
+          <p:nvPr/>
+        </p:nvPicPr>
+        <p:blipFill>
+          <a:blip r:embed="rId2"/>
+          <a:stretch>
+            <a:fillRect/>
+          </a:stretch>
+        </p:blipFill>
+        <p:spPr>
+          <a:xfrm>
+            <a:off x="3987561" y="1514221"/>
+            <a:ext cx="4889020" cy="2783604"/>
+          </a:xfrm>
+          <a:prstGeom prst="rect">
+            <a:avLst/>
+          </a:prstGeom>
+        </p:spPr>
+      </p:pic>
+    </p:spTree>
+    <p:extLst>
+      <p:ext uri="{BB962C8B-B14F-4D97-AF65-F5344CB8AC3E}">
+        <p14:creationId xmlns:p14="http://schemas.microsoft.com/office/powerpoint/2010/main" val="2322713921"/>
+      </p:ext>
+    </p:extLst>
+  </p:cSld>
+  <p:clrMapOvr>
+    <a:masterClrMapping/>
+  </p:clrMapOvr>
+  <p:transition spd="med"/>
+</p:sld>
+</file>
+
+<file path=ppt/slides/slide16.xml><?xml version="1.0" encoding="utf-8"?>
+<p:sld xmlns:a="http://schemas.openxmlformats.org/drawingml/2006/main" xmlns:r="http://schemas.openxmlformats.org/officeDocument/2006/relationships" xmlns:p="http://schemas.openxmlformats.org/presentationml/2006/main">
+  <p:cSld>
+    <p:spTree>
+      <p:nvGrpSpPr>
+        <p:cNvPr id="1" name=""/>
+        <p:cNvGrpSpPr/>
+        <p:nvPr/>
+      </p:nvGrpSpPr>
+      <p:grpSpPr>
+        <a:xfrm>
+          <a:off x="0" y="0"/>
+          <a:ext cx="0" cy="0"/>
+          <a:chOff x="0" y="0"/>
+          <a:chExt cx="0" cy="0"/>
+        </a:xfrm>
+      </p:grpSpPr>
+      <p:sp>
+        <p:nvSpPr>
+          <p:cNvPr id="148" name="Shape 97"/>
+          <p:cNvSpPr/>
+          <p:nvPr/>
+        </p:nvSpPr>
+        <p:spPr>
+          <a:xfrm>
+            <a:off x="-15501" y="-19475"/>
+            <a:ext cx="9191402" cy="840000"/>
+          </a:xfrm>
+          <a:prstGeom prst="rect">
+            <a:avLst/>
+          </a:prstGeom>
+          <a:gradFill>
+            <a:gsLst>
+              <a:gs pos="0">
+                <a:srgbClr val="1077D2"/>
+              </a:gs>
+              <a:gs pos="100000">
+                <a:srgbClr val="093153"/>
+              </a:gs>
+            </a:gsLst>
+            <a:lin ang="12000143"/>
+          </a:gradFill>
+          <a:ln w="12700">
+            <a:miter lim="400000"/>
+          </a:ln>
+        </p:spPr>
+        <p:txBody>
+          <a:bodyPr lIns="45719" rIns="45719" anchor="ctr"/>
+          <a:lstStyle/>
+          <a:p>
+            <a:endParaRPr/>
+          </a:p>
+        </p:txBody>
+      </p:sp>
+      <p:sp>
+        <p:nvSpPr>
+          <p:cNvPr id="149" name="Shape 98"/>
+          <p:cNvSpPr/>
+          <p:nvPr/>
+        </p:nvSpPr>
+        <p:spPr>
+          <a:xfrm>
+            <a:off x="205025" y="263974"/>
+            <a:ext cx="8565600" cy="758742"/>
+          </a:xfrm>
+          <a:prstGeom prst="rect">
+            <a:avLst/>
+          </a:prstGeom>
+          <a:ln w="12700">
+            <a:miter lim="400000"/>
+          </a:ln>
+          <a:extLst>
+            <a:ext uri="{C572A759-6A51-4108-AA02-DFA0A04FC94B}">
+              <ma14:wrappingTextBoxFlag xmlns="" xmlns:ma14="http://schemas.microsoft.com/office/mac/drawingml/2011/main" val="1"/>
+            </a:ext>
+          </a:extLst>
+        </p:spPr>
+        <p:txBody>
+          <a:bodyPr lIns="91424" tIns="91424" rIns="91424" bIns="91424">
+            <a:spAutoFit/>
+          </a:bodyPr>
+          <a:lstStyle>
+            <a:lvl1pPr>
+              <a:defRPr sz="2000" b="1">
+                <a:solidFill>
+                  <a:srgbClr val="FFFFFF"/>
+                </a:solidFill>
+              </a:defRPr>
+            </a:lvl1pPr>
+          </a:lstStyle>
+          <a:p>
+            <a:r>
+              <a:t>Interpretation</a:t>
+            </a:r>
+          </a:p>
+        </p:txBody>
+      </p:sp>
+      <p:sp>
+        <p:nvSpPr>
+          <p:cNvPr id="150" name="Shape 99"/>
+          <p:cNvSpPr/>
+          <p:nvPr/>
+        </p:nvSpPr>
+        <p:spPr>
+          <a:xfrm>
+            <a:off x="248157" y="1482271"/>
+            <a:ext cx="8565600" cy="3347872"/>
+          </a:xfrm>
+          <a:prstGeom prst="rect">
+            <a:avLst/>
+          </a:prstGeom>
+          <a:ln w="12700">
+            <a:miter lim="400000"/>
+          </a:ln>
+          <a:extLst>
+            <a:ext uri="{C572A759-6A51-4108-AA02-DFA0A04FC94B}">
+              <ma14:wrappingTextBoxFlag xmlns="" xmlns:ma14="http://schemas.microsoft.com/office/mac/drawingml/2011/main" val="1"/>
+            </a:ext>
+          </a:extLst>
+        </p:spPr>
+        <p:txBody>
+          <a:bodyPr lIns="91424" tIns="91424" rIns="91424" bIns="91424" anchor="t">
+            <a:spAutoFit/>
+          </a:bodyPr>
+          <a:lstStyle>
+            <a:lvl1pPr>
+              <a:lnSpc>
+                <a:spcPct val="115000"/>
+              </a:lnSpc>
+              <a:defRPr sz="2000" b="1">
+                <a:latin typeface="Open Sans"/>
+                <a:ea typeface="Open Sans"/>
+                <a:cs typeface="Open Sans"/>
+                <a:sym typeface="Open Sans"/>
+              </a:defRPr>
+            </a:lvl1pPr>
+          </a:lstStyle>
+          <a:p>
+            <a:pPr marL="342900" indent="-342900">
+              <a:buFont typeface="Arial"/>
+              <a:buChar char="•"/>
+            </a:pPr>
+            <a:r>
+              <a:rPr lang="en-US" dirty="0"/>
+              <a:t>Ages:</a:t>
+            </a:r>
+            <a:r>
+              <a:rPr lang="en-US" b="0" dirty="0"/>
+              <a:t> between 41 to 60</a:t>
+            </a:r>
+          </a:p>
+          <a:p>
+            <a:pPr marL="342900" indent="-342900">
+              <a:lnSpc>
+                <a:spcPct val="114999"/>
+              </a:lnSpc>
+              <a:buFont typeface="Arial"/>
+              <a:buChar char="•"/>
+            </a:pPr>
+            <a:r>
+              <a:rPr lang="en-US" dirty="0"/>
+              <a:t>Profession:</a:t>
+            </a:r>
+            <a:r>
+              <a:rPr lang="en-US" b="0" dirty="0"/>
+              <a:t> Associate professor, Software consultant</a:t>
+            </a:r>
+          </a:p>
+          <a:p>
+            <a:pPr marL="342900" indent="-342900">
+              <a:lnSpc>
+                <a:spcPct val="114999"/>
+              </a:lnSpc>
+              <a:buFont typeface="Arial"/>
+              <a:buChar char="•"/>
+            </a:pPr>
+            <a:r>
+              <a:rPr lang="en-US" dirty="0"/>
+              <a:t>Job field:</a:t>
+            </a:r>
+            <a:r>
+              <a:rPr lang="en-US" b="0" dirty="0"/>
+              <a:t> Financial services, manufacturing, health sector</a:t>
+            </a:r>
+          </a:p>
+          <a:p>
+            <a:pPr marL="342900" indent="-342900">
+              <a:lnSpc>
+                <a:spcPct val="114999"/>
+              </a:lnSpc>
+              <a:buFont typeface="Arial"/>
+              <a:buChar char="•"/>
+            </a:pPr>
+            <a:r>
+              <a:rPr lang="en-US" dirty="0"/>
+              <a:t>State:</a:t>
+            </a:r>
+            <a:r>
+              <a:rPr lang="en-US" b="0" dirty="0"/>
+              <a:t> New South Wales</a:t>
+            </a:r>
+          </a:p>
+          <a:p>
+            <a:pPr marL="342900" indent="-342900">
+              <a:lnSpc>
+                <a:spcPct val="114999"/>
+              </a:lnSpc>
+              <a:buFont typeface="Arial"/>
+              <a:buChar char="•"/>
+            </a:pPr>
+            <a:r>
+              <a:rPr lang="en-US" dirty="0"/>
+              <a:t>Customer type:</a:t>
+            </a:r>
+            <a:r>
+              <a:rPr lang="en-US" b="0" dirty="0"/>
+              <a:t> Mass customer</a:t>
+            </a:r>
+          </a:p>
+          <a:p>
+            <a:pPr marL="342900" indent="-342900">
+              <a:lnSpc>
+                <a:spcPct val="114999"/>
+              </a:lnSpc>
+              <a:buFont typeface="Arial"/>
+              <a:buChar char="•"/>
+            </a:pPr>
+            <a:r>
+              <a:rPr lang="en-US" dirty="0"/>
+              <a:t>Property value:</a:t>
+            </a:r>
+            <a:r>
+              <a:rPr lang="en-US" b="0" dirty="0"/>
+              <a:t> ranging from 7 to 10</a:t>
+            </a:r>
+          </a:p>
+          <a:p>
+            <a:pPr marL="342900" indent="-342900">
+              <a:lnSpc>
+                <a:spcPct val="114999"/>
+              </a:lnSpc>
+              <a:buFont typeface="Arial"/>
+              <a:buChar char="•"/>
+            </a:pPr>
+            <a:r>
+              <a:rPr lang="en-US" dirty="0"/>
+              <a:t>Tenure:</a:t>
+            </a:r>
+            <a:r>
+              <a:rPr lang="en-US" b="0" dirty="0"/>
+              <a:t> ranging 5 to 15</a:t>
+            </a:r>
+          </a:p>
+          <a:p>
+            <a:pPr marL="342900" indent="-342900">
+              <a:lnSpc>
+                <a:spcPct val="114999"/>
+              </a:lnSpc>
+              <a:buFont typeface="Arial"/>
+              <a:buChar char="•"/>
+            </a:pPr>
+            <a:r>
+              <a:rPr lang="en-US" dirty="0"/>
+              <a:t>Month:</a:t>
+            </a:r>
+            <a:r>
+              <a:rPr lang="en-US" b="0" dirty="0"/>
+              <a:t> Second half of a year, especially in October, November, and December</a:t>
+            </a:r>
+          </a:p>
+        </p:txBody>
+      </p:sp>
+      <p:sp>
+        <p:nvSpPr>
+          <p:cNvPr id="155" name="Note: The data and information in this document is reflective of a hypothetical situation and client. This document is to be used for KPMG Virtual Internship purposes only."/>
+          <p:cNvSpPr/>
+          <p:nvPr/>
+        </p:nvSpPr>
+        <p:spPr>
+          <a:xfrm>
+            <a:off x="-6201" y="-6350"/>
+            <a:ext cx="9175601" cy="238700"/>
+          </a:xfrm>
+          <a:prstGeom prst="rect">
+            <a:avLst/>
+          </a:prstGeom>
+          <a:solidFill>
+            <a:schemeClr val="accent3"/>
+          </a:solidFill>
+          <a:ln w="12700">
+            <a:miter lim="400000"/>
+          </a:ln>
+          <a:extLst>
+            <a:ext uri="{C572A759-6A51-4108-AA02-DFA0A04FC94B}">
+              <ma14:wrappingTextBoxFlag xmlns="" xmlns:ma14="http://schemas.microsoft.com/office/mac/drawingml/2011/main" val="1"/>
+            </a:ext>
+          </a:extLst>
+        </p:spPr>
+        <p:txBody>
+          <a:bodyPr lIns="45719" rIns="45719" anchor="ctr"/>
+          <a:lstStyle/>
+          <a:p>
+            <a:pPr defTabSz="457200">
+              <a:defRPr sz="500" b="1">
+                <a:latin typeface="Calibri"/>
+                <a:ea typeface="Calibri"/>
+                <a:cs typeface="Calibri"/>
+                <a:sym typeface="Calibri"/>
+              </a:defRPr>
+            </a:pPr>
+            <a:r>
+              <a:t>       Note: </a:t>
+            </a:r>
+            <a:r>
+              <a:rPr b="0"/>
+              <a:t>The data and information in this document is reflective of a hypothetical situation and client. This document is to be used for KPMG Virtual Internship purposes only. </a:t>
+            </a:r>
+          </a:p>
+        </p:txBody>
+      </p:sp>
+      <p:sp>
+        <p:nvSpPr>
+          <p:cNvPr id="2" name="Shape 98">
+            <a:extLst>
+              <a:ext uri="{FF2B5EF4-FFF2-40B4-BE49-F238E27FC236}">
+                <a16:creationId xmlns:a16="http://schemas.microsoft.com/office/drawing/2014/main" id="{3FA1371F-FFAA-67E4-0756-13DB3B6D18C9}"/>
+              </a:ext>
+            </a:extLst>
+          </p:cNvPr>
+          <p:cNvSpPr/>
+          <p:nvPr/>
+        </p:nvSpPr>
+        <p:spPr>
+          <a:xfrm>
+            <a:off x="291289" y="867823"/>
+            <a:ext cx="8565600" cy="492410"/>
+          </a:xfrm>
+          <a:prstGeom prst="rect">
+            <a:avLst/>
+          </a:prstGeom>
+          <a:ln w="12700">
+            <a:miter lim="400000"/>
+          </a:ln>
+          <a:extLst>
+            <a:ext uri="{C572A759-6A51-4108-AA02-DFA0A04FC94B}">
+              <ma14:wrappingTextBoxFlag xmlns:ma14="http://schemas.microsoft.com/office/mac/drawingml/2011/main" xmlns="" val="1"/>
+            </a:ext>
+          </a:extLst>
+        </p:spPr>
+        <p:txBody>
+          <a:bodyPr lIns="91424" tIns="91424" rIns="91424" bIns="91424" anchor="t">
+            <a:spAutoFit/>
+          </a:bodyPr>
+          <a:lstStyle>
+            <a:lvl1pPr>
+              <a:defRPr sz="2000" b="1">
+                <a:solidFill>
+                  <a:srgbClr val="FFFFFF"/>
+                </a:solidFill>
+              </a:defRPr>
+            </a:lvl1pPr>
+          </a:lstStyle>
+          <a:p>
+            <a:r>
+              <a:rPr lang="en-US" dirty="0">
+                <a:solidFill>
+                  <a:schemeClr val="tx1"/>
+                </a:solidFill>
+              </a:rPr>
+              <a:t>Target customer recommendation:</a:t>
+            </a:r>
+            <a:endParaRPr dirty="0">
+              <a:solidFill>
+                <a:schemeClr val="tx1"/>
+              </a:solidFill>
+            </a:endParaRPr>
+          </a:p>
+        </p:txBody>
+      </p:sp>
+    </p:spTree>
+  </p:cSld>
+  <p:clrMapOvr>
+    <a:masterClrMapping/>
+  </p:clrMapOvr>
+  <p:transition spd="med"/>
+</p:sld>
+</file>
+
+<file path=ppt/slides/slide17.xml><?xml version="1.0" encoding="utf-8"?>
+<p:sld xmlns:a="http://schemas.openxmlformats.org/drawingml/2006/main" xmlns:r="http://schemas.openxmlformats.org/officeDocument/2006/relationships" xmlns:p="http://schemas.openxmlformats.org/presentationml/2006/main">
+  <p:cSld>
+    <p:spTree>
+      <p:nvGrpSpPr>
+        <p:cNvPr id="1" name=""/>
+        <p:cNvGrpSpPr/>
+        <p:nvPr/>
+      </p:nvGrpSpPr>
+      <p:grpSpPr>
+        <a:xfrm>
+          <a:off x="0" y="0"/>
+          <a:ext cx="0" cy="0"/>
+          <a:chOff x="0" y="0"/>
+          <a:chExt cx="0" cy="0"/>
+        </a:xfrm>
+      </p:grpSpPr>
+      <p:sp>
+        <p:nvSpPr>
+          <p:cNvPr id="161" name="Shape 113"/>
+          <p:cNvSpPr/>
+          <p:nvPr/>
+        </p:nvSpPr>
+        <p:spPr>
+          <a:xfrm>
+            <a:off x="-15501" y="-19475"/>
+            <a:ext cx="9191402" cy="840000"/>
+          </a:xfrm>
+          <a:prstGeom prst="rect">
+            <a:avLst/>
+          </a:prstGeom>
+          <a:gradFill>
+            <a:gsLst>
+              <a:gs pos="0">
+                <a:srgbClr val="1077D2"/>
+              </a:gs>
+              <a:gs pos="100000">
+                <a:srgbClr val="093153"/>
+              </a:gs>
+            </a:gsLst>
+            <a:lin ang="12000143"/>
+          </a:gradFill>
+          <a:ln w="12700">
+            <a:miter lim="400000"/>
+          </a:ln>
+        </p:spPr>
+        <p:txBody>
+          <a:bodyPr lIns="45719" rIns="45719" anchor="ctr"/>
+          <a:lstStyle/>
+          <a:p>
+            <a:endParaRPr/>
+          </a:p>
+        </p:txBody>
+      </p:sp>
+      <p:sp>
+        <p:nvSpPr>
+          <p:cNvPr id="162" name="Shape 114"/>
+          <p:cNvSpPr/>
+          <p:nvPr/>
+        </p:nvSpPr>
+        <p:spPr>
+          <a:xfrm>
+            <a:off x="205025" y="263974"/>
+            <a:ext cx="8565600" cy="492410"/>
+          </a:xfrm>
+          <a:prstGeom prst="rect">
+            <a:avLst/>
+          </a:prstGeom>
+          <a:ln w="12700">
+            <a:miter lim="400000"/>
+          </a:ln>
+          <a:extLst>
+            <a:ext uri="{C572A759-6A51-4108-AA02-DFA0A04FC94B}">
+              <ma14:wrappingTextBoxFlag xmlns="" xmlns:ma14="http://schemas.microsoft.com/office/mac/drawingml/2011/main" val="1"/>
+            </a:ext>
+          </a:extLst>
+        </p:spPr>
+        <p:txBody>
+          <a:bodyPr lIns="91424" tIns="91424" rIns="91424" bIns="91424" anchor="t">
+            <a:spAutoFit/>
+          </a:bodyPr>
+          <a:lstStyle>
+            <a:lvl1pPr>
+              <a:defRPr sz="2000" b="1">
+                <a:solidFill>
+                  <a:srgbClr val="FFFFFF"/>
+                </a:solidFill>
+              </a:defRPr>
+            </a:lvl1pPr>
+          </a:lstStyle>
+          <a:p>
+            <a:endParaRPr lang="en-US" dirty="0"/>
+          </a:p>
+        </p:txBody>
+      </p:sp>
+      <p:sp>
+        <p:nvSpPr>
+          <p:cNvPr id="163" name="Shape 115"/>
+          <p:cNvSpPr/>
+          <p:nvPr/>
+        </p:nvSpPr>
+        <p:spPr>
+          <a:xfrm>
+            <a:off x="3170354" y="2258648"/>
+            <a:ext cx="2408497" cy="715292"/>
+          </a:xfrm>
+          <a:prstGeom prst="rect">
+            <a:avLst/>
+          </a:prstGeom>
+          <a:ln w="12700">
+            <a:miter lim="400000"/>
+          </a:ln>
+          <a:extLst>
+            <a:ext uri="{C572A759-6A51-4108-AA02-DFA0A04FC94B}">
+              <ma14:wrappingTextBoxFlag xmlns="" xmlns:ma14="http://schemas.microsoft.com/office/mac/drawingml/2011/main" val="1"/>
+            </a:ext>
+          </a:extLst>
+        </p:spPr>
+        <p:txBody>
+          <a:bodyPr wrap="square" lIns="91424" tIns="91424" rIns="91424" bIns="91424" anchor="t">
+            <a:spAutoFit/>
+          </a:bodyPr>
+          <a:lstStyle>
+            <a:lvl1pPr>
+              <a:lnSpc>
+                <a:spcPct val="115000"/>
+              </a:lnSpc>
+              <a:defRPr sz="2000" b="1">
+                <a:latin typeface="Open Sans"/>
+                <a:ea typeface="Open Sans"/>
+                <a:cs typeface="Open Sans"/>
+                <a:sym typeface="Open Sans"/>
+              </a:defRPr>
+            </a:lvl1pPr>
+          </a:lstStyle>
+          <a:p>
+            <a:pPr algn="ctr"/>
+            <a:r>
+              <a:rPr lang="en-US" sz="3200" dirty="0"/>
+              <a:t>Thank You</a:t>
+            </a:r>
+          </a:p>
+        </p:txBody>
+      </p:sp>
+      <p:sp>
+        <p:nvSpPr>
+          <p:cNvPr id="164" name="Note: The data and information in this document is reflective of a hypothetical situation and client. This document is to be used for KPMG Virtual Internship purposes only."/>
+          <p:cNvSpPr/>
+          <p:nvPr/>
+        </p:nvSpPr>
+        <p:spPr>
+          <a:xfrm>
+            <a:off x="-6201" y="-6350"/>
+            <a:ext cx="9175601" cy="238700"/>
+          </a:xfrm>
+          <a:prstGeom prst="rect">
+            <a:avLst/>
+          </a:prstGeom>
+          <a:solidFill>
+            <a:schemeClr val="accent3"/>
+          </a:solidFill>
+          <a:ln w="12700">
+            <a:miter lim="400000"/>
+          </a:ln>
+          <a:extLst>
+            <a:ext uri="{C572A759-6A51-4108-AA02-DFA0A04FC94B}">
+              <ma14:wrappingTextBoxFlag xmlns="" xmlns:ma14="http://schemas.microsoft.com/office/mac/drawingml/2011/main" val="1"/>
+            </a:ext>
+          </a:extLst>
+        </p:spPr>
+        <p:txBody>
+          <a:bodyPr lIns="45719" rIns="45719" anchor="ctr"/>
+          <a:lstStyle/>
+          <a:p>
+            <a:pPr defTabSz="457200">
+              <a:defRPr sz="500" b="1">
+                <a:latin typeface="Calibri"/>
+                <a:ea typeface="Calibri"/>
+                <a:cs typeface="Calibri"/>
+                <a:sym typeface="Calibri"/>
+              </a:defRPr>
+            </a:pPr>
+            <a:r>
+              <a:t>       Note: </a:t>
+            </a:r>
+            <a:r>
+              <a:rPr b="0"/>
               <a:t>The data and information in this document is reflective of a hypothetical situation and client. This document is to be used for KPMG Virtual Internship purposes only. </a:t>
             </a:r>
           </a:p>
@@ -4226,13 +6904,13 @@
               <a:buChar char="Ø"/>
             </a:pPr>
             <a:r>
-              <a:rPr lang="en-US" sz="1800" dirty="0">
+              <a:rPr lang="en-US" sz="1800">
                 <a:ea typeface="+mn-lt"/>
                 <a:cs typeface="+mn-lt"/>
               </a:rPr>
               <a:t>Sprocket Central Pty Ltd provided us a dataset of 1000 customers with their demographics and attributes consisting of the following fields</a:t>
             </a:r>
-            <a:endParaRPr lang="en-US" sz="1800" dirty="0"/>
+            <a:endParaRPr lang="en-US" sz="1800"/>
           </a:p>
         </p:txBody>
       </p:sp>
@@ -4271,7 +6949,7 @@
               <a:buChar char="•"/>
             </a:pPr>
             <a:r>
-              <a:rPr lang="en-US" sz="1600" dirty="0">
+              <a:rPr lang="en-US" sz="1600">
                 <a:solidFill>
                   <a:schemeClr val="tx1"/>
                 </a:solidFill>
@@ -4281,7 +6959,7 @@
               </a:rPr>
               <a:t>gender</a:t>
             </a:r>
-            <a:endParaRPr lang="en-US" dirty="0">
+            <a:endParaRPr lang="en-US">
               <a:solidFill>
                 <a:schemeClr val="tx1"/>
               </a:solidFill>
@@ -4295,7 +6973,7 @@
               <a:buChar char="•"/>
             </a:pPr>
             <a:r>
-              <a:rPr lang="en-US" sz="1600" dirty="0">
+              <a:rPr lang="en-US" sz="1600">
                 <a:solidFill>
                   <a:schemeClr val="tx1"/>
                 </a:solidFill>
@@ -4314,7 +6992,7 @@
               <a:buChar char="•"/>
             </a:pPr>
             <a:r>
-              <a:rPr lang="en-US" sz="1600" dirty="0">
+              <a:rPr lang="en-US" sz="1600">
                 <a:solidFill>
                   <a:schemeClr val="tx1"/>
                 </a:solidFill>
@@ -4333,7 +7011,7 @@
               <a:buChar char="•"/>
             </a:pPr>
             <a:r>
-              <a:rPr lang="en-US" sz="1600" dirty="0" err="1">
+              <a:rPr lang="en-US" sz="1600" err="1">
                 <a:solidFill>
                   <a:schemeClr val="tx1"/>
                 </a:solidFill>
@@ -4343,7 +7021,7 @@
               </a:rPr>
               <a:t>job_title</a:t>
             </a:r>
-            <a:endParaRPr lang="en-US" sz="1600" dirty="0">
+            <a:endParaRPr lang="en-US" sz="1600">
               <a:solidFill>
                 <a:schemeClr val="tx1"/>
               </a:solidFill>
@@ -4360,7 +7038,7 @@
               <a:buChar char="•"/>
             </a:pPr>
             <a:r>
-              <a:rPr lang="en-US" sz="1600" dirty="0" err="1">
+              <a:rPr lang="en-US" sz="1600" err="1">
                 <a:solidFill>
                   <a:schemeClr val="tx1"/>
                 </a:solidFill>
@@ -4370,7 +7048,7 @@
               </a:rPr>
               <a:t>job_industry_category</a:t>
             </a:r>
-            <a:endParaRPr lang="en-US" sz="1600" dirty="0">
+            <a:endParaRPr lang="en-US" sz="1600">
               <a:solidFill>
                 <a:schemeClr val="tx1"/>
               </a:solidFill>
@@ -4385,7 +7063,7 @@
               <a:buChar char="•"/>
             </a:pPr>
             <a:r>
-              <a:rPr lang="en-US" sz="1600" dirty="0" err="1">
+              <a:rPr lang="en-US" sz="1600" err="1">
                 <a:solidFill>
                   <a:schemeClr val="tx1"/>
                 </a:solidFill>
@@ -4395,7 +7073,7 @@
               </a:rPr>
               <a:t>wealth_segment</a:t>
             </a:r>
-            <a:endParaRPr lang="en-US" sz="1600" dirty="0">
+            <a:endParaRPr lang="en-US" sz="1600">
               <a:solidFill>
                 <a:schemeClr val="tx1"/>
               </a:solidFill>
@@ -4439,7 +7117,7 @@
               <a:buChar char="•"/>
             </a:pPr>
             <a:r>
-              <a:rPr lang="en-US" sz="1600" dirty="0">
+              <a:rPr lang="en-US" sz="1600">
                 <a:solidFill>
                   <a:schemeClr val="tx1"/>
                 </a:solidFill>
@@ -4487,7 +7165,7 @@
               <a:buChar char="•"/>
             </a:pPr>
             <a:r>
-              <a:rPr lang="en-US" sz="1600" dirty="0">
+              <a:rPr lang="en-US" sz="1600">
                 <a:solidFill>
                   <a:schemeClr val="tx1"/>
                 </a:solidFill>
@@ -4495,7 +7173,7 @@
               </a:rPr>
               <a:t>address</a:t>
             </a:r>
-            <a:endParaRPr lang="en-US" sz="1600" dirty="0">
+            <a:endParaRPr lang="en-US" sz="1600">
               <a:solidFill>
                 <a:schemeClr val="tx1"/>
               </a:solidFill>
@@ -4512,7 +7190,7 @@
               <a:buChar char="•"/>
             </a:pPr>
             <a:r>
-              <a:rPr lang="en-US" sz="1600" dirty="0">
+              <a:rPr lang="en-US" sz="1600">
                 <a:solidFill>
                   <a:schemeClr val="tx1"/>
                 </a:solidFill>
@@ -4529,7 +7207,7 @@
               <a:buChar char="•"/>
             </a:pPr>
             <a:r>
-              <a:rPr lang="en-US" sz="1600" dirty="0">
+              <a:rPr lang="en-US" sz="1600">
                 <a:solidFill>
                   <a:schemeClr val="tx1"/>
                 </a:solidFill>
@@ -4546,7 +7224,7 @@
               <a:buChar char="•"/>
             </a:pPr>
             <a:r>
-              <a:rPr lang="en-US" sz="1600" dirty="0">
+              <a:rPr lang="en-US" sz="1600">
                 <a:solidFill>
                   <a:schemeClr val="tx1"/>
                 </a:solidFill>
@@ -4563,7 +7241,7 @@
               <a:buChar char="•"/>
             </a:pPr>
             <a:r>
-              <a:rPr lang="en-US" sz="1600" dirty="0" err="1">
+              <a:rPr lang="en-US" sz="1600" err="1">
                 <a:solidFill>
                   <a:schemeClr val="tx1"/>
                 </a:solidFill>
@@ -4571,7 +7249,7 @@
               </a:rPr>
               <a:t>property_valuation</a:t>
             </a:r>
-            <a:endParaRPr lang="en-US" sz="1600" dirty="0">
+            <a:endParaRPr lang="en-US" sz="1600">
               <a:solidFill>
                 <a:schemeClr val="tx1"/>
               </a:solidFill>
@@ -4588,7 +7266,7 @@
               <a:buChar char="•"/>
             </a:pPr>
             <a:r>
-              <a:rPr lang="en-US" sz="1600" dirty="0">
+              <a:rPr lang="en-US" sz="1600">
                 <a:solidFill>
                   <a:schemeClr val="tx1"/>
                 </a:solidFill>
@@ -4605,7 +7283,7 @@
               <a:buChar char="•"/>
             </a:pPr>
             <a:r>
-              <a:rPr lang="en-US" sz="1600" dirty="0">
+              <a:rPr lang="en-US" sz="1600">
                 <a:solidFill>
                   <a:schemeClr val="tx1"/>
                 </a:solidFill>
@@ -4643,7 +7321,7 @@
           </a:ln>
           <a:extLst>
             <a:ext uri="{C572A759-6A51-4108-AA02-DFA0A04FC94B}">
-              <ma14:wrappingTextBoxFlag xmlns:ma14="http://schemas.microsoft.com/office/mac/drawingml/2011/main" xmlns="" val="1"/>
+              <ma14:wrappingTextBoxFlag xmlns="" xmlns:ma14="http://schemas.microsoft.com/office/mac/drawingml/2011/main" val="1"/>
             </a:ext>
           </a:extLst>
         </p:spPr>
@@ -4920,15 +7598,15 @@
               <a:buChar char="Ø"/>
             </a:pPr>
             <a:r>
-              <a:rPr lang="en-US" sz="1800" dirty="0"/>
+              <a:rPr lang="en-US" sz="1800"/>
               <a:t>Our job is to </a:t>
             </a:r>
             <a:r>
-              <a:rPr lang="en-US" sz="1800" dirty="0" err="1"/>
+              <a:rPr lang="en-US" sz="1800" err="1"/>
               <a:t>analyse</a:t>
             </a:r>
             <a:r>
-              <a:rPr lang="en-US" sz="1800" dirty="0"/>
+              <a:rPr lang="en-US" sz="1800"/>
               <a:t> the dataset and recommend which of these 1000 customers should be targeted to drive the most value for the organisation</a:t>
             </a:r>
           </a:p>
@@ -5089,7 +7767,7 @@
               <a:rPr lang="en-US" sz="1800" b="0" dirty="0"/>
               <a:t>Dataset has 15 fields and 1000 records</a:t>
             </a:r>
-            <a:endParaRPr lang="en-US" b="0"/>
+            <a:endParaRPr lang="en-US" b="0" dirty="0"/>
           </a:p>
           <a:p>
             <a:pPr marL="285750" indent="-285750">
@@ -5157,46 +7835,29 @@
             </a:pPr>
             <a:r>
               <a:rPr lang="en-US" sz="1800" b="0" dirty="0">
-                <a:latin typeface="Consolas"/>
+                <a:latin typeface="Courier New"/>
               </a:rPr>
-              <a:t>past_3_years_bike_related_purchases </a:t>
+              <a:t>DOB</a:t>
             </a:r>
             <a:r>
               <a:rPr lang="en-US" sz="1800" b="0" dirty="0"/>
-              <a:t>is renamed as</a:t>
-            </a:r>
-            <a:r>
-              <a:rPr lang="en-US" sz="1800" b="0" dirty="0">
-                <a:latin typeface="Consolas"/>
-              </a:rPr>
-              <a:t> </a:t>
+              <a:t> is transformed to</a:t>
             </a:r>
             <a:r>
               <a:rPr lang="en-US" sz="1800" b="0" dirty="0">
                 <a:latin typeface="Courier New"/>
               </a:rPr>
-              <a:t>purchases</a:t>
-            </a:r>
-            <a:r>
-              <a:rPr lang="en-US" sz="1800" b="0" dirty="0"/>
-              <a:t> and </a:t>
-            </a:r>
-            <a:r>
-              <a:rPr lang="en-US" sz="1800" b="0" dirty="0">
+              <a:t> age, year, </a:t>
+            </a:r>
+            <a:r>
+              <a:rPr lang="en-US" sz="1800" b="0" dirty="0" err="1">
                 <a:latin typeface="Courier New"/>
               </a:rPr>
-              <a:t>DOB</a:t>
-            </a:r>
-            <a:r>
-              <a:rPr lang="en-US" sz="1800" b="0" dirty="0"/>
-              <a:t> is transformed to</a:t>
-            </a:r>
-            <a:r>
-              <a:rPr lang="en-US" sz="1800" b="0" dirty="0">
-                <a:latin typeface="Courier New"/>
-              </a:rPr>
-              <a:t> age</a:t>
-            </a:r>
+              <a:t>month_number</a:t>
+            </a:r>
+            <a:endParaRPr lang="en-US" sz="1800" b="0" dirty="0">
+              <a:latin typeface="Courier New"/>
+            </a:endParaRPr>
           </a:p>
           <a:p>
             <a:pPr marL="285750" indent="-285750">
@@ -5300,7 +7961,13 @@
               <a:rPr lang="en-US" sz="1800" b="0" dirty="0">
                 <a:latin typeface="Courier New"/>
               </a:rPr>
-              <a:t>, rank, value, age</a:t>
+              <a:t>, rank, value, age, year, </a:t>
+            </a:r>
+            <a:r>
+              <a:rPr lang="en-US" sz="1800" b="0" dirty="0" err="1">
+                <a:latin typeface="Courier New"/>
+              </a:rPr>
+              <a:t>month_number</a:t>
             </a:r>
             <a:r>
               <a:rPr lang="en-US" sz="1800" b="0" dirty="0"/>
@@ -5337,7 +8004,7 @@
               <a:buChar char="•"/>
             </a:pPr>
             <a:r>
-              <a:rPr lang="en-US" sz="1800" b="0" err="1">
+              <a:rPr lang="en-US" sz="1800" b="0" dirty="0" err="1">
                 <a:latin typeface="Courier New"/>
               </a:rPr>
               <a:t>job_title</a:t>
@@ -5349,7 +8016,7 @@
               <a:t>, </a:t>
             </a:r>
             <a:r>
-              <a:rPr lang="en-US" sz="1800" b="0" err="1">
+              <a:rPr lang="en-US" sz="1800" b="0" dirty="0" err="1">
                 <a:latin typeface="Courier New"/>
               </a:rPr>
               <a:t>job_industry_category</a:t>
@@ -5515,7 +8182,7 @@
           </a:ln>
           <a:extLst>
             <a:ext uri="{C572A759-6A51-4108-AA02-DFA0A04FC94B}">
-              <ma14:wrappingTextBoxFlag xmlns:ma14="http://schemas.microsoft.com/office/mac/drawingml/2011/main" xmlns="" val="1"/>
+              <ma14:wrappingTextBoxFlag xmlns="" xmlns:ma14="http://schemas.microsoft.com/office/mac/drawingml/2011/main" val="1"/>
             </a:ext>
           </a:extLst>
         </p:spPr>
@@ -5558,7 +8225,7 @@
           </a:ln>
           <a:extLst>
             <a:ext uri="{C572A759-6A51-4108-AA02-DFA0A04FC94B}">
-              <ma14:wrappingTextBoxFlag xmlns:ma14="http://schemas.microsoft.com/office/mac/drawingml/2011/main" xmlns="" val="1"/>
+              <ma14:wrappingTextBoxFlag xmlns="" xmlns:ma14="http://schemas.microsoft.com/office/mac/drawingml/2011/main" val="1"/>
             </a:ext>
           </a:extLst>
         </p:spPr>
@@ -5585,18 +8252,18 @@
               <a:buChar char="•"/>
             </a:pPr>
             <a:r>
-              <a:rPr lang="en-US" sz="1800" b="0" dirty="0"/>
+              <a:rPr lang="en-US" sz="1800" b="0"/>
               <a:t>The numerical fields have the following </a:t>
             </a:r>
             <a:r>
-              <a:rPr lang="en-US" sz="1800" dirty="0"/>
+              <a:rPr lang="en-US" sz="1800"/>
               <a:t>statistics</a:t>
             </a:r>
             <a:r>
-              <a:rPr lang="en-US" sz="1800" b="0" dirty="0"/>
+              <a:rPr lang="en-US" sz="1800" b="0"/>
               <a:t>:</a:t>
             </a:r>
-            <a:endParaRPr lang="en-US" dirty="0"/>
+            <a:endParaRPr lang="en-US"/>
           </a:p>
           <a:p>
             <a:pPr>
@@ -5604,7 +8271,7 @@
                 <a:spcPct val="114999"/>
               </a:lnSpc>
             </a:pPr>
-            <a:endParaRPr lang="en-US" sz="1800" b="0" dirty="0"/>
+            <a:endParaRPr lang="en-US" sz="1800" b="0"/>
           </a:p>
           <a:p>
             <a:pPr>
@@ -5612,7 +8279,7 @@
                 <a:spcPct val="114999"/>
               </a:lnSpc>
             </a:pPr>
-            <a:endParaRPr lang="en-US" sz="1800" b="0" dirty="0"/>
+            <a:endParaRPr lang="en-US" sz="1800" b="0"/>
           </a:p>
           <a:p>
             <a:pPr>
@@ -5620,7 +8287,7 @@
                 <a:spcPct val="114999"/>
               </a:lnSpc>
             </a:pPr>
-            <a:endParaRPr lang="en-US" sz="1800" b="0" dirty="0"/>
+            <a:endParaRPr lang="en-US" sz="1800" b="0"/>
           </a:p>
           <a:p>
             <a:pPr>
@@ -5628,7 +8295,7 @@
                 <a:spcPct val="114999"/>
               </a:lnSpc>
             </a:pPr>
-            <a:endParaRPr lang="en-US" sz="1800" b="0" dirty="0"/>
+            <a:endParaRPr lang="en-US" sz="1800" b="0"/>
           </a:p>
           <a:p>
             <a:pPr>
@@ -5636,7 +8303,7 @@
                 <a:spcPct val="114999"/>
               </a:lnSpc>
             </a:pPr>
-            <a:endParaRPr lang="en-US" sz="1800" b="0" dirty="0"/>
+            <a:endParaRPr lang="en-US" sz="1800" b="0"/>
           </a:p>
         </p:txBody>
       </p:sp>
@@ -5662,7 +8329,7 @@
           </a:ln>
           <a:extLst>
             <a:ext uri="{C572A759-6A51-4108-AA02-DFA0A04FC94B}">
-              <ma14:wrappingTextBoxFlag xmlns:ma14="http://schemas.microsoft.com/office/mac/drawingml/2011/main" xmlns="" val="1"/>
+              <ma14:wrappingTextBoxFlag xmlns="" xmlns:ma14="http://schemas.microsoft.com/office/mac/drawingml/2011/main" val="1"/>
             </a:ext>
           </a:extLst>
         </p:spPr>
@@ -5875,18 +8542,18 @@
               <a:buChar char="•"/>
             </a:pPr>
             <a:r>
-              <a:rPr lang="en-US" sz="1800" b="0" dirty="0"/>
+              <a:rPr lang="en-US" sz="1800" b="0"/>
               <a:t>The numerical fields have the following </a:t>
             </a:r>
             <a:r>
-              <a:rPr lang="en-US" sz="1800" dirty="0"/>
+              <a:rPr lang="en-US" sz="1800"/>
               <a:t>correlation</a:t>
             </a:r>
             <a:r>
-              <a:rPr lang="en-US" sz="1800" b="0" dirty="0"/>
+              <a:rPr lang="en-US" sz="1800" b="0"/>
               <a:t>:</a:t>
             </a:r>
-            <a:endParaRPr lang="en-US" dirty="0"/>
+            <a:endParaRPr lang="en-US"/>
           </a:p>
         </p:txBody>
       </p:sp>
@@ -5993,7 +8660,7 @@
           </a:ln>
           <a:extLst>
             <a:ext uri="{C572A759-6A51-4108-AA02-DFA0A04FC94B}">
-              <ma14:wrappingTextBoxFlag xmlns:ma14="http://schemas.microsoft.com/office/mac/drawingml/2011/main" xmlns="" val="1"/>
+              <ma14:wrappingTextBoxFlag xmlns="" xmlns:ma14="http://schemas.microsoft.com/office/mac/drawingml/2011/main" val="1"/>
             </a:ext>
           </a:extLst>
         </p:spPr>
@@ -6020,27 +8687,27 @@
               <a:buChar char="•"/>
             </a:pPr>
             <a:r>
-              <a:rPr lang="en-US" sz="1800" b="0" dirty="0"/>
+              <a:rPr lang="en-US" sz="1800" b="0"/>
               <a:t>The correlation coefficient –0.98 between </a:t>
             </a:r>
             <a:r>
-              <a:rPr lang="en-US" sz="1800" b="0" dirty="0">
+              <a:rPr lang="en-US" sz="1800" b="0">
                 <a:latin typeface="Courier New"/>
               </a:rPr>
               <a:t>value</a:t>
             </a:r>
             <a:r>
-              <a:rPr lang="en-US" sz="1800" b="0" dirty="0"/>
+              <a:rPr lang="en-US" sz="1800" b="0"/>
               <a:t> and </a:t>
             </a:r>
             <a:r>
-              <a:rPr lang="en-US" sz="1800" b="0" dirty="0">
+              <a:rPr lang="en-US" sz="1800" b="0">
                 <a:latin typeface="Courier New"/>
               </a:rPr>
               <a:t>rank</a:t>
             </a:r>
             <a:r>
-              <a:rPr lang="en-US" sz="1800" b="0" dirty="0"/>
+              <a:rPr lang="en-US" sz="1800" b="0"/>
               <a:t> indicates that the fields are </a:t>
             </a:r>
             <a:r>
@@ -6048,7 +8715,7 @@
               <a:t>significantly and negatively correlated</a:t>
             </a:r>
             <a:r>
-              <a:rPr lang="en-US" sz="1800" b="0" dirty="0"/>
+              <a:rPr lang="en-US" sz="1800" b="0"/>
               <a:t>.</a:t>
             </a:r>
           </a:p>
@@ -6173,8 +8840,8 @@
         </p:nvSpPr>
         <p:spPr>
           <a:xfrm>
-            <a:off x="205025" y="1083299"/>
-            <a:ext cx="8565600" cy="920086"/>
+            <a:off x="345204" y="1288177"/>
+            <a:ext cx="3767158" cy="3241689"/>
           </a:xfrm>
           <a:prstGeom prst="rect">
             <a:avLst/>
@@ -6189,7 +8856,7 @@
           </a:extLst>
         </p:spPr>
         <p:txBody>
-          <a:bodyPr lIns="91424" tIns="91424" rIns="91424" bIns="91424">
+          <a:bodyPr wrap="square" lIns="91424" tIns="91424" rIns="91424" bIns="91424" anchor="t">
             <a:spAutoFit/>
           </a:bodyPr>
           <a:lstStyle>
@@ -6207,159 +8874,66 @@
           </a:lstStyle>
           <a:p>
             <a:r>
-              <a:t>Place headline insight or information here. This should be the most important point for this slide.</a:t>
-            </a:r>
+              <a:rPr lang="en-US" dirty="0"/>
+              <a:t>Profit based on customer rank:</a:t>
+            </a:r>
+          </a:p>
+          <a:p>
+            <a:pPr>
+              <a:lnSpc>
+                <a:spcPct val="114999"/>
+              </a:lnSpc>
+            </a:pPr>
+            <a:endParaRPr lang="en-US"/>
+          </a:p>
+          <a:p>
+            <a:pPr>
+              <a:lnSpc>
+                <a:spcPct val="114999"/>
+              </a:lnSpc>
+            </a:pPr>
+            <a:endParaRPr lang="en-US"/>
+          </a:p>
+          <a:p>
+            <a:pPr marL="285750" indent="-285750">
+              <a:lnSpc>
+                <a:spcPct val="114999"/>
+              </a:lnSpc>
+              <a:buFont typeface="Arial"/>
+              <a:buChar char="•"/>
+            </a:pPr>
+            <a:r>
+              <a:rPr lang="en-US" sz="1800" b="0" dirty="0"/>
+              <a:t>Customers are ranked from 1 to 100.</a:t>
+            </a:r>
+          </a:p>
+          <a:p>
+            <a:pPr marL="285750" indent="-285750">
+              <a:lnSpc>
+                <a:spcPct val="114999"/>
+              </a:lnSpc>
+              <a:buFont typeface="Arial"/>
+              <a:buChar char="•"/>
+            </a:pPr>
+            <a:r>
+              <a:rPr lang="en-US" sz="1800" b="0" dirty="0"/>
+              <a:t>Lesser the rank, more the profit</a:t>
+            </a:r>
+            <a:r>
+              <a:rPr lang="en-US" dirty="0"/>
+              <a:t> </a:t>
+            </a:r>
+          </a:p>
+          <a:p>
+            <a:pPr>
+              <a:lnSpc>
+                <a:spcPct val="114999"/>
+              </a:lnSpc>
+            </a:pPr>
+            <a:endParaRPr lang="en-US"/>
           </a:p>
         </p:txBody>
       </p:sp>
-      <p:sp>
-        <p:nvSpPr>
-          <p:cNvPr id="142" name="Shape 91"/>
-          <p:cNvSpPr/>
-          <p:nvPr/>
-        </p:nvSpPr>
-        <p:spPr>
-          <a:xfrm>
-            <a:off x="205025" y="2164724"/>
-            <a:ext cx="4134600" cy="436851"/>
-          </a:xfrm>
-          <a:prstGeom prst="rect">
-            <a:avLst/>
-          </a:prstGeom>
-          <a:ln w="12700">
-            <a:miter lim="400000"/>
-          </a:ln>
-          <a:extLst>
-            <a:ext uri="{C572A759-6A51-4108-AA02-DFA0A04FC94B}">
-              <ma14:wrappingTextBoxFlag xmlns="" xmlns:ma14="http://schemas.microsoft.com/office/mac/drawingml/2011/main" val="1"/>
-            </a:ext>
-          </a:extLst>
-        </p:spPr>
-        <p:txBody>
-          <a:bodyPr lIns="91424" tIns="91424" rIns="91424" bIns="91424">
-            <a:spAutoFit/>
-          </a:bodyPr>
-          <a:lstStyle>
-            <a:lvl1pPr>
-              <a:lnSpc>
-                <a:spcPct val="115000"/>
-              </a:lnSpc>
-              <a:defRPr sz="1500">
-                <a:latin typeface="Open Sans"/>
-                <a:ea typeface="Open Sans"/>
-                <a:cs typeface="Open Sans"/>
-                <a:sym typeface="Open Sans"/>
-              </a:defRPr>
-            </a:lvl1pPr>
-          </a:lstStyle>
-          <a:p>
-            <a:r>
-              <a:t>Place any information about this point here.</a:t>
-            </a:r>
-          </a:p>
-        </p:txBody>
-      </p:sp>
-      <p:grpSp>
-        <p:nvGrpSpPr>
-          <p:cNvPr id="145" name="Shape 92"/>
-          <p:cNvGrpSpPr/>
-          <p:nvPr/>
-        </p:nvGrpSpPr>
-        <p:grpSpPr>
-          <a:xfrm>
-            <a:off x="4969974" y="2164724"/>
-            <a:ext cx="3800702" cy="2649302"/>
-            <a:chOff x="0" y="0"/>
-            <a:chExt cx="3800700" cy="2649300"/>
-          </a:xfrm>
-        </p:grpSpPr>
-        <p:sp>
-          <p:nvSpPr>
-            <p:cNvPr id="143" name="Rectangle"/>
-            <p:cNvSpPr/>
-            <p:nvPr/>
-          </p:nvSpPr>
-          <p:spPr>
-            <a:xfrm>
-              <a:off x="-1" y="-1"/>
-              <a:ext cx="3800702" cy="2649302"/>
-            </a:xfrm>
-            <a:prstGeom prst="rect">
-              <a:avLst/>
-            </a:prstGeom>
-            <a:solidFill>
-              <a:srgbClr val="EEEEEE"/>
-            </a:solidFill>
-            <a:ln w="12700" cap="flat">
-              <a:noFill/>
-              <a:miter lim="400000"/>
-            </a:ln>
-            <a:effectLst/>
-          </p:spPr>
-          <p:txBody>
-            <a:bodyPr wrap="square" lIns="45719" tIns="45719" rIns="45719" bIns="45719" numCol="1" anchor="ctr">
-              <a:noAutofit/>
-            </a:bodyPr>
-            <a:lstStyle/>
-            <a:p>
-              <a:pPr algn="ctr">
-                <a:defRPr>
-                  <a:solidFill>
-                    <a:srgbClr val="666666"/>
-                  </a:solidFill>
-                </a:defRPr>
-              </a:pPr>
-              <a:endParaRPr/>
-            </a:p>
-          </p:txBody>
-        </p:sp>
-        <p:sp>
-          <p:nvSpPr>
-            <p:cNvPr id="144" name="Place any supporting images, graphs, data or extra text here."/>
-            <p:cNvSpPr/>
-            <p:nvPr/>
-          </p:nvSpPr>
-          <p:spPr>
-            <a:xfrm>
-              <a:off x="-1" y="1032933"/>
-              <a:ext cx="3800702" cy="583434"/>
-            </a:xfrm>
-            <a:prstGeom prst="rect">
-              <a:avLst/>
-            </a:prstGeom>
-            <a:noFill/>
-            <a:ln w="12700" cap="flat">
-              <a:noFill/>
-              <a:miter lim="400000"/>
-            </a:ln>
-            <a:effectLst/>
-            <a:extLst>
-              <a:ext uri="{C572A759-6A51-4108-AA02-DFA0A04FC94B}">
-                <ma14:wrappingTextBoxFlag xmlns="" xmlns:ma14="http://schemas.microsoft.com/office/mac/drawingml/2011/main" val="1"/>
-              </a:ext>
-            </a:extLst>
-          </p:spPr>
-          <p:txBody>
-            <a:bodyPr wrap="square" lIns="91424" tIns="91424" rIns="91424" bIns="91424" numCol="1" anchor="ctr">
-              <a:spAutoFit/>
-            </a:bodyPr>
-            <a:lstStyle>
-              <a:lvl1pPr algn="ctr">
-                <a:defRPr>
-                  <a:solidFill>
-                    <a:srgbClr val="666666"/>
-                  </a:solidFill>
-                </a:defRPr>
-              </a:lvl1pPr>
-            </a:lstStyle>
-            <a:p>
-              <a:r>
-                <a:t>Place any supporting images, graphs, data or extra text here.</a:t>
-              </a:r>
-            </a:p>
-          </p:txBody>
-        </p:sp>
-      </p:grpSp>
       <p:sp>
         <p:nvSpPr>
           <p:cNvPr id="146" name="Note: The data and information in this document is reflective of a hypothetical situation and client. This document is to be used for KPMG Virtual Internship purposes only."/>
@@ -6408,6 +8982,36 @@
           </a:p>
         </p:txBody>
       </p:sp>
+      <p:pic>
+        <p:nvPicPr>
+          <p:cNvPr id="3" name="Picture 3" descr="Chart, line chart&#10;&#10;Description automatically generated">
+            <a:extLst>
+              <a:ext uri="{FF2B5EF4-FFF2-40B4-BE49-F238E27FC236}">
+                <a16:creationId xmlns:a16="http://schemas.microsoft.com/office/drawing/2014/main" id="{044CF47E-1D91-2F18-456D-54D0EA437156}"/>
+              </a:ext>
+            </a:extLst>
+          </p:cNvPr>
+          <p:cNvPicPr>
+            <a:picLocks noChangeAspect="1"/>
+          </p:cNvPicPr>
+          <p:nvPr/>
+        </p:nvPicPr>
+        <p:blipFill>
+          <a:blip r:embed="rId2"/>
+          <a:stretch>
+            <a:fillRect/>
+          </a:stretch>
+        </p:blipFill>
+        <p:spPr>
+          <a:xfrm>
+            <a:off x="4235570" y="1414742"/>
+            <a:ext cx="4651794" cy="3090392"/>
+          </a:xfrm>
+          <a:prstGeom prst="rect">
+            <a:avLst/>
+          </a:prstGeom>
+        </p:spPr>
+      </p:pic>
     </p:spTree>
   </p:cSld>
   <p:clrMapOvr>
@@ -6436,7 +9040,7 @@
       </p:grpSpPr>
       <p:sp>
         <p:nvSpPr>
-          <p:cNvPr id="148" name="Shape 97"/>
+          <p:cNvPr id="139" name="Shape 88"/>
           <p:cNvSpPr/>
           <p:nvPr/>
         </p:nvSpPr>
@@ -6473,14 +9077,14 @@
       </p:sp>
       <p:sp>
         <p:nvSpPr>
-          <p:cNvPr id="149" name="Shape 98"/>
+          <p:cNvPr id="140" name="Shape 89"/>
           <p:cNvSpPr/>
           <p:nvPr/>
         </p:nvSpPr>
         <p:spPr>
           <a:xfrm>
             <a:off x="205025" y="263974"/>
-            <a:ext cx="8565600" cy="758742"/>
+            <a:ext cx="8565600" cy="466642"/>
           </a:xfrm>
           <a:prstGeom prst="rect">
             <a:avLst/>
@@ -6509,21 +9113,21 @@
           </a:lstStyle>
           <a:p>
             <a:r>
-              <a:t>Interpretation</a:t>
+              <a:t>Model Development</a:t>
             </a:r>
           </a:p>
         </p:txBody>
       </p:sp>
       <p:sp>
         <p:nvSpPr>
-          <p:cNvPr id="150" name="Shape 99"/>
+          <p:cNvPr id="141" name="Shape 90"/>
           <p:cNvSpPr/>
           <p:nvPr/>
         </p:nvSpPr>
         <p:spPr>
           <a:xfrm>
-            <a:off x="205025" y="1083299"/>
-            <a:ext cx="8565600" cy="920086"/>
+            <a:off x="345204" y="1288177"/>
+            <a:ext cx="3767158" cy="2182104"/>
           </a:xfrm>
           <a:prstGeom prst="rect">
             <a:avLst/>
@@ -6538,7 +9142,7 @@
           </a:extLst>
         </p:spPr>
         <p:txBody>
-          <a:bodyPr lIns="91424" tIns="91424" rIns="91424" bIns="91424">
+          <a:bodyPr wrap="square" lIns="91424" tIns="91424" rIns="91424" bIns="91424" anchor="t">
             <a:spAutoFit/>
           </a:bodyPr>
           <a:lstStyle>
@@ -6556,162 +9160,44 @@
           </a:lstStyle>
           <a:p>
             <a:r>
-              <a:t>Place headline insight or information here. This should be the most important point for this slide.</a:t>
+              <a:rPr lang="en-US" dirty="0"/>
+              <a:t>Profit based on Tenure:</a:t>
+            </a:r>
+          </a:p>
+          <a:p>
+            <a:pPr>
+              <a:lnSpc>
+                <a:spcPct val="114999"/>
+              </a:lnSpc>
+            </a:pPr>
+            <a:endParaRPr lang="en-US"/>
+          </a:p>
+          <a:p>
+            <a:pPr>
+              <a:lnSpc>
+                <a:spcPct val="114999"/>
+              </a:lnSpc>
+            </a:pPr>
+            <a:endParaRPr lang="en-US"/>
+          </a:p>
+          <a:p>
+            <a:pPr marL="285750" indent="-285750">
+              <a:lnSpc>
+                <a:spcPct val="114999"/>
+              </a:lnSpc>
+              <a:buFont typeface="Arial"/>
+              <a:buChar char="•"/>
+            </a:pPr>
+            <a:r>
+              <a:rPr lang="en-US" sz="1800" b="0" dirty="0"/>
+              <a:t>Customers with Tenure ranging from 5 to 15 would bring more profit</a:t>
             </a:r>
           </a:p>
         </p:txBody>
       </p:sp>
       <p:sp>
         <p:nvSpPr>
-          <p:cNvPr id="151" name="Shape 100"/>
-          <p:cNvSpPr/>
-          <p:nvPr/>
-        </p:nvSpPr>
-        <p:spPr>
-          <a:xfrm>
-            <a:off x="205025" y="2164724"/>
-            <a:ext cx="4134600" cy="436851"/>
-          </a:xfrm>
-          <a:prstGeom prst="rect">
-            <a:avLst/>
-          </a:prstGeom>
-          <a:ln w="12700">
-            <a:miter lim="400000"/>
-          </a:ln>
-          <a:extLst>
-            <a:ext uri="{C572A759-6A51-4108-AA02-DFA0A04FC94B}">
-              <ma14:wrappingTextBoxFlag xmlns="" xmlns:ma14="http://schemas.microsoft.com/office/mac/drawingml/2011/main" val="1"/>
-            </a:ext>
-          </a:extLst>
-        </p:spPr>
-        <p:txBody>
-          <a:bodyPr lIns="91424" tIns="91424" rIns="91424" bIns="91424">
-            <a:spAutoFit/>
-          </a:bodyPr>
-          <a:lstStyle>
-            <a:lvl1pPr>
-              <a:lnSpc>
-                <a:spcPct val="115000"/>
-              </a:lnSpc>
-              <a:defRPr sz="1500">
-                <a:latin typeface="Open Sans"/>
-                <a:ea typeface="Open Sans"/>
-                <a:cs typeface="Open Sans"/>
-                <a:sym typeface="Open Sans"/>
-              </a:defRPr>
-            </a:lvl1pPr>
-          </a:lstStyle>
-          <a:p>
-            <a:r>
-              <a:t>Place any information about this point here.</a:t>
-            </a:r>
-          </a:p>
-        </p:txBody>
-      </p:sp>
-      <p:grpSp>
-        <p:nvGrpSpPr>
-          <p:cNvPr id="154" name="Shape 101"/>
-          <p:cNvGrpSpPr/>
-          <p:nvPr/>
-        </p:nvGrpSpPr>
-        <p:grpSpPr>
-          <a:xfrm>
-            <a:off x="4969974" y="2164724"/>
-            <a:ext cx="3800702" cy="2649302"/>
-            <a:chOff x="0" y="0"/>
-            <a:chExt cx="3800700" cy="2649300"/>
-          </a:xfrm>
-        </p:grpSpPr>
-        <p:sp>
-          <p:nvSpPr>
-            <p:cNvPr id="152" name="Rectangle"/>
-            <p:cNvSpPr/>
-            <p:nvPr/>
-          </p:nvSpPr>
-          <p:spPr>
-            <a:xfrm>
-              <a:off x="-1" y="-1"/>
-              <a:ext cx="3800702" cy="2649302"/>
-            </a:xfrm>
-            <a:prstGeom prst="rect">
-              <a:avLst/>
-            </a:prstGeom>
-            <a:solidFill>
-              <a:srgbClr val="EEEEEE"/>
-            </a:solidFill>
-            <a:ln w="12700" cap="flat">
-              <a:noFill/>
-              <a:miter lim="400000"/>
-            </a:ln>
-            <a:effectLst/>
-          </p:spPr>
-          <p:txBody>
-            <a:bodyPr wrap="square" lIns="45719" tIns="45719" rIns="45719" bIns="45719" numCol="1" anchor="ctr">
-              <a:noAutofit/>
-            </a:bodyPr>
-            <a:lstStyle/>
-            <a:p>
-              <a:pPr algn="ctr">
-                <a:defRPr>
-                  <a:solidFill>
-                    <a:srgbClr val="666666"/>
-                  </a:solidFill>
-                </a:defRPr>
-              </a:pPr>
-              <a:endParaRPr/>
-            </a:p>
-          </p:txBody>
-        </p:sp>
-        <p:sp>
-          <p:nvSpPr>
-            <p:cNvPr id="153" name="Place any supporting images, graphs, data or extra text here."/>
-            <p:cNvSpPr/>
-            <p:nvPr/>
-          </p:nvSpPr>
-          <p:spPr>
-            <a:xfrm>
-              <a:off x="-1" y="1032933"/>
-              <a:ext cx="3800702" cy="583434"/>
-            </a:xfrm>
-            <a:prstGeom prst="rect">
-              <a:avLst/>
-            </a:prstGeom>
-            <a:noFill/>
-            <a:ln w="12700" cap="flat">
-              <a:noFill/>
-              <a:miter lim="400000"/>
-            </a:ln>
-            <a:effectLst/>
-            <a:extLst>
-              <a:ext uri="{C572A759-6A51-4108-AA02-DFA0A04FC94B}">
-                <ma14:wrappingTextBoxFlag xmlns="" xmlns:ma14="http://schemas.microsoft.com/office/mac/drawingml/2011/main" val="1"/>
-              </a:ext>
-            </a:extLst>
-          </p:spPr>
-          <p:txBody>
-            <a:bodyPr wrap="square" lIns="91424" tIns="91424" rIns="91424" bIns="91424" numCol="1" anchor="ctr">
-              <a:spAutoFit/>
-            </a:bodyPr>
-            <a:lstStyle>
-              <a:lvl1pPr algn="ctr">
-                <a:defRPr>
-                  <a:solidFill>
-                    <a:srgbClr val="666666"/>
-                  </a:solidFill>
-                </a:defRPr>
-              </a:lvl1pPr>
-            </a:lstStyle>
-            <a:p>
-              <a:r>
-                <a:t>Place any supporting images, graphs, data or extra text here.</a:t>
-              </a:r>
-            </a:p>
-          </p:txBody>
-        </p:sp>
-      </p:grpSp>
-      <p:sp>
-        <p:nvSpPr>
-          <p:cNvPr id="155" name="Note: The data and information in this document is reflective of a hypothetical situation and client. This document is to be used for KPMG Virtual Internship purposes only."/>
+          <p:cNvPr id="146" name="Note: The data and information in this document is reflective of a hypothetical situation and client. This document is to be used for KPMG Virtual Internship purposes only."/>
           <p:cNvSpPr/>
           <p:nvPr/>
         </p:nvSpPr>
@@ -6757,7 +9243,42 @@
           </a:p>
         </p:txBody>
       </p:sp>
+      <p:pic>
+        <p:nvPicPr>
+          <p:cNvPr id="2" name="Picture 2" descr="Chart, scatter chart, bubble chart&#10;&#10;Description automatically generated">
+            <a:extLst>
+              <a:ext uri="{FF2B5EF4-FFF2-40B4-BE49-F238E27FC236}">
+                <a16:creationId xmlns:a16="http://schemas.microsoft.com/office/drawing/2014/main" id="{CB307B91-77FC-B281-250E-19517846FCC8}"/>
+              </a:ext>
+            </a:extLst>
+          </p:cNvPr>
+          <p:cNvPicPr>
+            <a:picLocks noChangeAspect="1"/>
+          </p:cNvPicPr>
+          <p:nvPr/>
+        </p:nvPicPr>
+        <p:blipFill>
+          <a:blip r:embed="rId2"/>
+          <a:stretch>
+            <a:fillRect/>
+          </a:stretch>
+        </p:blipFill>
+        <p:spPr>
+          <a:xfrm>
+            <a:off x="4149306" y="1940183"/>
+            <a:ext cx="4576313" cy="2600228"/>
+          </a:xfrm>
+          <a:prstGeom prst="rect">
+            <a:avLst/>
+          </a:prstGeom>
+        </p:spPr>
+      </p:pic>
     </p:spTree>
+    <p:extLst>
+      <p:ext uri="{BB962C8B-B14F-4D97-AF65-F5344CB8AC3E}">
+        <p14:creationId xmlns:p14="http://schemas.microsoft.com/office/powerpoint/2010/main" val="989693086"/>
+      </p:ext>
+    </p:extLst>
   </p:cSld>
   <p:clrMapOvr>
     <a:masterClrMapping/>
@@ -6785,55 +9306,18 @@
       </p:grpSpPr>
       <p:sp>
         <p:nvSpPr>
-          <p:cNvPr id="157" name="Shape 106"/>
+          <p:cNvPr id="139" name="Shape 88"/>
           <p:cNvSpPr/>
           <p:nvPr/>
         </p:nvSpPr>
         <p:spPr>
-          <a:xfrm rot="10800000" flipH="1">
-            <a:off x="-1" y="0"/>
-            <a:ext cx="9163201" cy="5148001"/>
+          <a:xfrm>
+            <a:off x="-15501" y="-19475"/>
+            <a:ext cx="9191402" cy="840000"/>
           </a:xfrm>
-          <a:custGeom>
-            <a:avLst/>
-            <a:gdLst/>
-            <a:ahLst/>
-            <a:cxnLst>
-              <a:cxn ang="0">
-                <a:pos x="wd2" y="hd2"/>
-              </a:cxn>
-              <a:cxn ang="5400000">
-                <a:pos x="wd2" y="hd2"/>
-              </a:cxn>
-              <a:cxn ang="10800000">
-                <a:pos x="wd2" y="hd2"/>
-              </a:cxn>
-              <a:cxn ang="16200000">
-                <a:pos x="wd2" y="hd2"/>
-              </a:cxn>
-            </a:cxnLst>
-            <a:rect l="0" t="0" r="r" b="b"/>
-            <a:pathLst>
-              <a:path w="21600" h="21600" extrusionOk="0">
-                <a:moveTo>
-                  <a:pt x="0" y="0"/>
-                </a:moveTo>
-                <a:lnTo>
-                  <a:pt x="16564" y="0"/>
-                </a:lnTo>
-                <a:lnTo>
-                  <a:pt x="21600" y="8964"/>
-                </a:lnTo>
-                <a:lnTo>
-                  <a:pt x="21600" y="21600"/>
-                </a:lnTo>
-                <a:lnTo>
-                  <a:pt x="0" y="21600"/>
-                </a:lnTo>
-                <a:close/>
-              </a:path>
-            </a:pathLst>
-          </a:custGeom>
+          <a:prstGeom prst="rect">
+            <a:avLst/>
+          </a:prstGeom>
           <a:gradFill>
             <a:gsLst>
               <a:gs pos="0">
@@ -6859,14 +9343,14 @@
       </p:sp>
       <p:sp>
         <p:nvSpPr>
-          <p:cNvPr id="158" name="Shape 107"/>
+          <p:cNvPr id="140" name="Shape 89"/>
           <p:cNvSpPr/>
           <p:nvPr/>
         </p:nvSpPr>
         <p:spPr>
           <a:xfrm>
-            <a:off x="537899" y="1895175"/>
-            <a:ext cx="3953102" cy="779751"/>
+            <a:off x="205025" y="263974"/>
+            <a:ext cx="8565600" cy="466642"/>
           </a:xfrm>
           <a:prstGeom prst="rect">
             <a:avLst/>
@@ -6886,27 +9370,100 @@
           </a:bodyPr>
           <a:lstStyle>
             <a:lvl1pPr>
-              <a:defRPr sz="3500">
+              <a:defRPr sz="2000" b="1">
                 <a:solidFill>
                   <a:srgbClr val="FFFFFF"/>
                 </a:solidFill>
-                <a:latin typeface="Open Sans Extrabold"/>
-                <a:ea typeface="Open Sans Extrabold"/>
-                <a:cs typeface="Open Sans Extrabold"/>
-                <a:sym typeface="Open Sans Extrabold"/>
               </a:defRPr>
             </a:lvl1pPr>
           </a:lstStyle>
           <a:p>
             <a:r>
-              <a:t>Appendix</a:t>
+              <a:t>Model Development</a:t>
             </a:r>
           </a:p>
         </p:txBody>
       </p:sp>
       <p:sp>
         <p:nvSpPr>
-          <p:cNvPr id="159" name="Note: The data and information in this document is reflective of a hypothetical situation and client. This document is to be used for KPMG Virtual Internship purposes only."/>
+          <p:cNvPr id="141" name="Shape 90"/>
+          <p:cNvSpPr/>
+          <p:nvPr/>
+        </p:nvSpPr>
+        <p:spPr>
+          <a:xfrm>
+            <a:off x="345204" y="1288177"/>
+            <a:ext cx="3767158" cy="2536047"/>
+          </a:xfrm>
+          <a:prstGeom prst="rect">
+            <a:avLst/>
+          </a:prstGeom>
+          <a:ln w="12700">
+            <a:miter lim="400000"/>
+          </a:ln>
+          <a:extLst>
+            <a:ext uri="{C572A759-6A51-4108-AA02-DFA0A04FC94B}">
+              <ma14:wrappingTextBoxFlag xmlns="" xmlns:ma14="http://schemas.microsoft.com/office/mac/drawingml/2011/main" val="1"/>
+            </a:ext>
+          </a:extLst>
+        </p:spPr>
+        <p:txBody>
+          <a:bodyPr wrap="square" lIns="91424" tIns="91424" rIns="91424" bIns="91424" anchor="t">
+            <a:spAutoFit/>
+          </a:bodyPr>
+          <a:lstStyle>
+            <a:lvl1pPr>
+              <a:lnSpc>
+                <a:spcPct val="115000"/>
+              </a:lnSpc>
+              <a:defRPr sz="2000" b="1">
+                <a:latin typeface="Open Sans"/>
+                <a:ea typeface="Open Sans"/>
+                <a:cs typeface="Open Sans"/>
+                <a:sym typeface="Open Sans"/>
+              </a:defRPr>
+            </a:lvl1pPr>
+          </a:lstStyle>
+          <a:p>
+            <a:r>
+              <a:rPr lang="en-US" dirty="0"/>
+              <a:t>Profit based on Property valuation:</a:t>
+            </a:r>
+          </a:p>
+          <a:p>
+            <a:pPr>
+              <a:lnSpc>
+                <a:spcPct val="114999"/>
+              </a:lnSpc>
+            </a:pPr>
+            <a:endParaRPr lang="en-US"/>
+          </a:p>
+          <a:p>
+            <a:pPr>
+              <a:lnSpc>
+                <a:spcPct val="114999"/>
+              </a:lnSpc>
+            </a:pPr>
+            <a:endParaRPr lang="en-US"/>
+          </a:p>
+          <a:p>
+            <a:pPr marL="285750" indent="-285750">
+              <a:lnSpc>
+                <a:spcPct val="114999"/>
+              </a:lnSpc>
+              <a:buFont typeface="Arial"/>
+              <a:buChar char="•"/>
+            </a:pPr>
+            <a:r>
+              <a:rPr lang="en-US" sz="1800" b="0" dirty="0"/>
+              <a:t>Customers who have property valuation between 7 to 10 would bring more profit</a:t>
+            </a:r>
+          </a:p>
+        </p:txBody>
+      </p:sp>
+      <p:sp>
+        <p:nvSpPr>
+          <p:cNvPr id="146" name="Note: The data and information in this document is reflective of a hypothetical situation and client. This document is to be used for KPMG Virtual Internship purposes only."/>
           <p:cNvSpPr/>
           <p:nvPr/>
         </p:nvSpPr>
@@ -6952,7 +9509,42 @@
           </a:p>
         </p:txBody>
       </p:sp>
+      <p:pic>
+        <p:nvPicPr>
+          <p:cNvPr id="2" name="Picture 2" descr="Chart, bubble chart&#10;&#10;Description automatically generated">
+            <a:extLst>
+              <a:ext uri="{FF2B5EF4-FFF2-40B4-BE49-F238E27FC236}">
+                <a16:creationId xmlns:a16="http://schemas.microsoft.com/office/drawing/2014/main" id="{569845C7-5A5A-801D-C052-B3E4DB63A5E7}"/>
+              </a:ext>
+            </a:extLst>
+          </p:cNvPr>
+          <p:cNvPicPr>
+            <a:picLocks noChangeAspect="1"/>
+          </p:cNvPicPr>
+          <p:nvPr/>
+        </p:nvPicPr>
+        <p:blipFill>
+          <a:blip r:embed="rId2"/>
+          <a:stretch>
+            <a:fillRect/>
+          </a:stretch>
+        </p:blipFill>
+        <p:spPr>
+          <a:xfrm>
+            <a:off x="4106174" y="1433381"/>
+            <a:ext cx="4608662" cy="2621794"/>
+          </a:xfrm>
+          <a:prstGeom prst="rect">
+            <a:avLst/>
+          </a:prstGeom>
+        </p:spPr>
+      </p:pic>
     </p:spTree>
+    <p:extLst>
+      <p:ext uri="{BB962C8B-B14F-4D97-AF65-F5344CB8AC3E}">
+        <p14:creationId xmlns:p14="http://schemas.microsoft.com/office/powerpoint/2010/main" val="966215426"/>
+      </p:ext>
+    </p:extLst>
   </p:cSld>
   <p:clrMapOvr>
     <a:masterClrMapping/>
